--- a/y3s2/实变函数/ppt/1实变函数论第一讲 - 集合及其运算.pptx
+++ b/y3s2/实变函数/ppt/1实变函数论第一讲 - 集合及其运算.pptx
@@ -287,7 +287,7 @@
               <a:pPr>
                 <a:defRPr/>
               </a:pPr>
-              <a:t>2023/2/20</a:t>
+              <a:t>2023/2/26</a:t>
             </a:fld>
             <a:endParaRPr lang="zh-CN" altLang="en-US"/>
           </a:p>
@@ -373,6 +373,11 @@
         </p:txBody>
       </p:sp>
     </p:spTree>
+    <p:extLst>
+      <p:ext uri="{BB962C8B-B14F-4D97-AF65-F5344CB8AC3E}">
+        <p14:creationId xmlns:p14="http://schemas.microsoft.com/office/powerpoint/2010/main" val="1"/>
+      </p:ext>
+    </p:extLst>
   </p:cSld>
   <p:clrMap bg1="lt1" tx1="dk1" bg2="lt2" tx2="dk2" accent1="accent1" accent2="accent2" accent3="accent3" accent4="accent4" accent5="accent5" accent6="accent6" hlink="hlink" folHlink="folHlink"/>
 </p:handoutMaster>
@@ -472,7 +477,7 @@
               <a:pPr>
                 <a:defRPr/>
               </a:pPr>
-              <a:t>2023/2/20</a:t>
+              <a:t>2023/2/26</a:t>
             </a:fld>
             <a:endParaRPr lang="zh-CN" altLang="en-US"/>
           </a:p>
@@ -508,7 +513,7 @@
           <a:lstStyle/>
           <a:p>
             <a:pPr lvl="0"/>
-            <a:endParaRPr lang="zh-CN" altLang="en-US" noProof="0" smtClean="0"/>
+            <a:endParaRPr lang="zh-CN" altLang="en-US" noProof="0"/>
           </a:p>
         </p:txBody>
       </p:sp>
@@ -539,35 +544,35 @@
           <a:p>
             <a:pPr lvl="0"/>
             <a:r>
-              <a:rPr lang="zh-CN" altLang="en-US" noProof="0" smtClean="0"/>
+              <a:rPr lang="zh-CN" altLang="en-US" noProof="0"/>
               <a:t>单击此处编辑母版文本样式</a:t>
             </a:r>
           </a:p>
           <a:p>
             <a:pPr lvl="1"/>
             <a:r>
-              <a:rPr lang="zh-CN" altLang="en-US" noProof="0" smtClean="0"/>
+              <a:rPr lang="zh-CN" altLang="en-US" noProof="0"/>
               <a:t>第二级</a:t>
             </a:r>
           </a:p>
           <a:p>
             <a:pPr lvl="2"/>
             <a:r>
-              <a:rPr lang="zh-CN" altLang="en-US" noProof="0" smtClean="0"/>
+              <a:rPr lang="zh-CN" altLang="en-US" noProof="0"/>
               <a:t>第三级</a:t>
             </a:r>
           </a:p>
           <a:p>
             <a:pPr lvl="3"/>
             <a:r>
-              <a:rPr lang="zh-CN" altLang="en-US" noProof="0" smtClean="0"/>
+              <a:rPr lang="zh-CN" altLang="en-US" noProof="0"/>
               <a:t>第四级</a:t>
             </a:r>
           </a:p>
           <a:p>
             <a:pPr lvl="4"/>
             <a:r>
-              <a:rPr lang="zh-CN" altLang="en-US" noProof="0" smtClean="0"/>
+              <a:rPr lang="zh-CN" altLang="en-US" noProof="0"/>
               <a:t>第五级</a:t>
             </a:r>
           </a:p>
@@ -799,6 +804,96 @@
       </p:grpSpPr>
       <p:sp>
         <p:nvSpPr>
+          <p:cNvPr id="2" name="Slide Image Placeholder 1"/>
+          <p:cNvSpPr>
+            <a:spLocks noGrp="1" noRot="1" noChangeAspect="1"/>
+          </p:cNvSpPr>
+          <p:nvPr>
+            <p:ph type="sldImg"/>
+          </p:nvPr>
+        </p:nvSpPr>
+        <p:spPr/>
+      </p:sp>
+      <p:sp>
+        <p:nvSpPr>
+          <p:cNvPr id="3" name="Notes Placeholder 2"/>
+          <p:cNvSpPr>
+            <a:spLocks noGrp="1"/>
+          </p:cNvSpPr>
+          <p:nvPr>
+            <p:ph type="body" idx="1"/>
+          </p:nvPr>
+        </p:nvSpPr>
+        <p:spPr/>
+        <p:txBody>
+          <a:bodyPr/>
+          <a:lstStyle/>
+          <a:p>
+            <a:endParaRPr lang="en-GB" dirty="0"/>
+          </a:p>
+        </p:txBody>
+      </p:sp>
+      <p:sp>
+        <p:nvSpPr>
+          <p:cNvPr id="4" name="Slide Number Placeholder 3"/>
+          <p:cNvSpPr>
+            <a:spLocks noGrp="1"/>
+          </p:cNvSpPr>
+          <p:nvPr>
+            <p:ph type="sldNum" sz="quarter" idx="5"/>
+          </p:nvPr>
+        </p:nvSpPr>
+        <p:spPr/>
+        <p:txBody>
+          <a:bodyPr/>
+          <a:lstStyle/>
+          <a:p>
+            <a:pPr>
+              <a:defRPr/>
+            </a:pPr>
+            <a:fld id="{1771ACFF-30B1-4378-837D-B8960232CC84}" type="slidenum">
+              <a:rPr lang="zh-CN" altLang="en-US" smtClean="0"/>
+              <a:pPr>
+                <a:defRPr/>
+              </a:pPr>
+              <a:t>21</a:t>
+            </a:fld>
+            <a:endParaRPr lang="en-US" altLang="zh-CN"/>
+          </a:p>
+        </p:txBody>
+      </p:sp>
+    </p:spTree>
+    <p:extLst>
+      <p:ext uri="{BB962C8B-B14F-4D97-AF65-F5344CB8AC3E}">
+        <p14:creationId xmlns:p14="http://schemas.microsoft.com/office/powerpoint/2010/main" val="1552896186"/>
+      </p:ext>
+    </p:extLst>
+  </p:cSld>
+  <p:clrMapOvr>
+    <a:masterClrMapping/>
+  </p:clrMapOvr>
+</p:notes>
+</file>
+
+<file path=ppt/notesSlides/notesSlide2.xml><?xml version="1.0" encoding="utf-8"?>
+<p:notes xmlns:a="http://schemas.openxmlformats.org/drawingml/2006/main" xmlns:r="http://schemas.openxmlformats.org/officeDocument/2006/relationships" xmlns:p="http://schemas.openxmlformats.org/presentationml/2006/main">
+  <p:cSld>
+    <p:spTree>
+      <p:nvGrpSpPr>
+        <p:cNvPr id="1" name=""/>
+        <p:cNvGrpSpPr/>
+        <p:nvPr/>
+      </p:nvGrpSpPr>
+      <p:grpSpPr>
+        <a:xfrm>
+          <a:off x="0" y="0"/>
+          <a:ext cx="0" cy="0"/>
+          <a:chOff x="0" y="0"/>
+          <a:chExt cx="0" cy="0"/>
+        </a:xfrm>
+      </p:grpSpPr>
+      <p:sp>
+        <p:nvSpPr>
           <p:cNvPr id="39938" name="幻灯片图像占位符 1"/>
           <p:cNvSpPr>
             <a:spLocks noGrp="1" noRot="1" noChangeAspect="1" noTextEdit="1"/>
@@ -873,7 +968,7 @@
                 <a:spcPct val="0"/>
               </a:spcBef>
             </a:pPr>
-            <a:endParaRPr lang="zh-CN" altLang="en-US" smtClean="0"/>
+            <a:endParaRPr lang="zh-CN" altLang="en-US"/>
           </a:p>
         </p:txBody>
       </p:sp>
@@ -1050,7 +1145,7 @@
               </a:pPr>
               <a:t>34</a:t>
             </a:fld>
-            <a:endParaRPr lang="en-US" altLang="zh-CN" smtClean="0">
+            <a:endParaRPr lang="en-US" altLang="zh-CN">
               <a:latin typeface="Times New Roman" panose="02020603050405020304" pitchFamily="18" charset="0"/>
             </a:endParaRPr>
           </a:p>
@@ -1556,10 +1651,9 @@
           <a:lstStyle/>
           <a:p>
             <a:r>
-              <a:rPr lang="zh-CN" altLang="en-US" smtClean="0"/>
+              <a:rPr lang="zh-CN" altLang="en-US"/>
               <a:t>单击此处编辑母版标题样式</a:t>
             </a:r>
-            <a:endParaRPr lang="zh-CN" altLang="en-US"/>
           </a:p>
         </p:txBody>
       </p:sp>
@@ -1580,38 +1674,37 @@
           <a:p>
             <a:pPr lvl="0"/>
             <a:r>
-              <a:rPr lang="zh-CN" altLang="en-US" smtClean="0"/>
+              <a:rPr lang="zh-CN" altLang="en-US"/>
               <a:t>单击此处编辑母版文本样式</a:t>
             </a:r>
           </a:p>
           <a:p>
             <a:pPr lvl="1"/>
             <a:r>
-              <a:rPr lang="zh-CN" altLang="en-US" smtClean="0"/>
+              <a:rPr lang="zh-CN" altLang="en-US"/>
               <a:t>第二级</a:t>
             </a:r>
           </a:p>
           <a:p>
             <a:pPr lvl="2"/>
             <a:r>
-              <a:rPr lang="zh-CN" altLang="en-US" smtClean="0"/>
+              <a:rPr lang="zh-CN" altLang="en-US"/>
               <a:t>第三级</a:t>
             </a:r>
           </a:p>
           <a:p>
             <a:pPr lvl="3"/>
             <a:r>
-              <a:rPr lang="zh-CN" altLang="en-US" smtClean="0"/>
+              <a:rPr lang="zh-CN" altLang="en-US"/>
               <a:t>第四级</a:t>
             </a:r>
           </a:p>
           <a:p>
             <a:pPr lvl="4"/>
             <a:r>
-              <a:rPr lang="zh-CN" altLang="en-US" smtClean="0"/>
+              <a:rPr lang="zh-CN" altLang="en-US"/>
               <a:t>第五级</a:t>
             </a:r>
-            <a:endParaRPr lang="zh-CN" altLang="en-US"/>
           </a:p>
         </p:txBody>
       </p:sp>
@@ -1757,10 +1850,9 @@
           <a:lstStyle/>
           <a:p>
             <a:r>
-              <a:rPr lang="zh-CN" altLang="en-US" smtClean="0"/>
+              <a:rPr lang="zh-CN" altLang="en-US"/>
               <a:t>单击此处编辑母版标题样式</a:t>
             </a:r>
-            <a:endParaRPr lang="zh-CN" altLang="en-US"/>
           </a:p>
         </p:txBody>
       </p:sp>
@@ -1786,38 +1878,37 @@
           <a:p>
             <a:pPr lvl="0"/>
             <a:r>
-              <a:rPr lang="zh-CN" altLang="en-US" smtClean="0"/>
+              <a:rPr lang="zh-CN" altLang="en-US"/>
               <a:t>单击此处编辑母版文本样式</a:t>
             </a:r>
           </a:p>
           <a:p>
             <a:pPr lvl="1"/>
             <a:r>
-              <a:rPr lang="zh-CN" altLang="en-US" smtClean="0"/>
+              <a:rPr lang="zh-CN" altLang="en-US"/>
               <a:t>第二级</a:t>
             </a:r>
           </a:p>
           <a:p>
             <a:pPr lvl="2"/>
             <a:r>
-              <a:rPr lang="zh-CN" altLang="en-US" smtClean="0"/>
+              <a:rPr lang="zh-CN" altLang="en-US"/>
               <a:t>第三级</a:t>
             </a:r>
           </a:p>
           <a:p>
             <a:pPr lvl="3"/>
             <a:r>
-              <a:rPr lang="zh-CN" altLang="en-US" smtClean="0"/>
+              <a:rPr lang="zh-CN" altLang="en-US"/>
               <a:t>第四级</a:t>
             </a:r>
           </a:p>
           <a:p>
             <a:pPr lvl="4"/>
             <a:r>
-              <a:rPr lang="zh-CN" altLang="en-US" smtClean="0"/>
+              <a:rPr lang="zh-CN" altLang="en-US"/>
               <a:t>第五级</a:t>
             </a:r>
-            <a:endParaRPr lang="zh-CN" altLang="en-US"/>
           </a:p>
         </p:txBody>
       </p:sp>
@@ -1958,10 +2049,9 @@
           <a:lstStyle/>
           <a:p>
             <a:r>
-              <a:rPr lang="zh-CN" altLang="en-US" smtClean="0"/>
+              <a:rPr lang="zh-CN" altLang="en-US"/>
               <a:t>单击此处编辑母版标题样式</a:t>
             </a:r>
-            <a:endParaRPr lang="zh-CN" altLang="en-US"/>
           </a:p>
         </p:txBody>
       </p:sp>
@@ -1982,38 +2072,37 @@
           <a:p>
             <a:pPr lvl="0"/>
             <a:r>
-              <a:rPr lang="zh-CN" altLang="en-US" smtClean="0"/>
+              <a:rPr lang="zh-CN" altLang="en-US"/>
               <a:t>单击此处编辑母版文本样式</a:t>
             </a:r>
           </a:p>
           <a:p>
             <a:pPr lvl="1"/>
             <a:r>
-              <a:rPr lang="zh-CN" altLang="en-US" smtClean="0"/>
+              <a:rPr lang="zh-CN" altLang="en-US"/>
               <a:t>第二级</a:t>
             </a:r>
           </a:p>
           <a:p>
             <a:pPr lvl="2"/>
             <a:r>
-              <a:rPr lang="zh-CN" altLang="en-US" smtClean="0"/>
+              <a:rPr lang="zh-CN" altLang="en-US"/>
               <a:t>第三级</a:t>
             </a:r>
           </a:p>
           <a:p>
             <a:pPr lvl="3"/>
             <a:r>
-              <a:rPr lang="zh-CN" altLang="en-US" smtClean="0"/>
+              <a:rPr lang="zh-CN" altLang="en-US"/>
               <a:t>第四级</a:t>
             </a:r>
           </a:p>
           <a:p>
             <a:pPr lvl="4"/>
             <a:r>
-              <a:rPr lang="zh-CN" altLang="en-US" smtClean="0"/>
+              <a:rPr lang="zh-CN" altLang="en-US"/>
               <a:t>第五级</a:t>
             </a:r>
-            <a:endParaRPr lang="zh-CN" altLang="en-US"/>
           </a:p>
         </p:txBody>
       </p:sp>
@@ -2163,10 +2252,9 @@
           </a:lstStyle>
           <a:p>
             <a:r>
-              <a:rPr lang="zh-CN" altLang="en-US" smtClean="0"/>
+              <a:rPr lang="zh-CN" altLang="en-US"/>
               <a:t>单击此处编辑母版标题样式</a:t>
             </a:r>
-            <a:endParaRPr lang="zh-CN" altLang="en-US"/>
           </a:p>
         </p:txBody>
       </p:sp>
@@ -2229,7 +2317,7 @@
           <a:p>
             <a:pPr lvl="0"/>
             <a:r>
-              <a:rPr lang="zh-CN" altLang="en-US" smtClean="0"/>
+              <a:rPr lang="zh-CN" altLang="en-US"/>
               <a:t>单击此处编辑母版文本样式</a:t>
             </a:r>
           </a:p>
@@ -2372,10 +2460,9 @@
           <a:lstStyle/>
           <a:p>
             <a:r>
-              <a:rPr lang="zh-CN" altLang="en-US" smtClean="0"/>
+              <a:rPr lang="zh-CN" altLang="en-US"/>
               <a:t>单击此处编辑母版标题样式</a:t>
             </a:r>
-            <a:endParaRPr lang="zh-CN" altLang="en-US"/>
           </a:p>
         </p:txBody>
       </p:sp>
@@ -2429,38 +2516,37 @@
           <a:p>
             <a:pPr lvl="0"/>
             <a:r>
-              <a:rPr lang="zh-CN" altLang="en-US" smtClean="0"/>
+              <a:rPr lang="zh-CN" altLang="en-US"/>
               <a:t>单击此处编辑母版文本样式</a:t>
             </a:r>
           </a:p>
           <a:p>
             <a:pPr lvl="1"/>
             <a:r>
-              <a:rPr lang="zh-CN" altLang="en-US" smtClean="0"/>
+              <a:rPr lang="zh-CN" altLang="en-US"/>
               <a:t>第二级</a:t>
             </a:r>
           </a:p>
           <a:p>
             <a:pPr lvl="2"/>
             <a:r>
-              <a:rPr lang="zh-CN" altLang="en-US" smtClean="0"/>
+              <a:rPr lang="zh-CN" altLang="en-US"/>
               <a:t>第三级</a:t>
             </a:r>
           </a:p>
           <a:p>
             <a:pPr lvl="3"/>
             <a:r>
-              <a:rPr lang="zh-CN" altLang="en-US" smtClean="0"/>
+              <a:rPr lang="zh-CN" altLang="en-US"/>
               <a:t>第四级</a:t>
             </a:r>
           </a:p>
           <a:p>
             <a:pPr lvl="4"/>
             <a:r>
-              <a:rPr lang="zh-CN" altLang="en-US" smtClean="0"/>
+              <a:rPr lang="zh-CN" altLang="en-US"/>
               <a:t>第五级</a:t>
             </a:r>
-            <a:endParaRPr lang="zh-CN" altLang="en-US"/>
           </a:p>
         </p:txBody>
       </p:sp>
@@ -2514,38 +2600,37 @@
           <a:p>
             <a:pPr lvl="0"/>
             <a:r>
-              <a:rPr lang="zh-CN" altLang="en-US" smtClean="0"/>
+              <a:rPr lang="zh-CN" altLang="en-US"/>
               <a:t>单击此处编辑母版文本样式</a:t>
             </a:r>
           </a:p>
           <a:p>
             <a:pPr lvl="1"/>
             <a:r>
-              <a:rPr lang="zh-CN" altLang="en-US" smtClean="0"/>
+              <a:rPr lang="zh-CN" altLang="en-US"/>
               <a:t>第二级</a:t>
             </a:r>
           </a:p>
           <a:p>
             <a:pPr lvl="2"/>
             <a:r>
-              <a:rPr lang="zh-CN" altLang="en-US" smtClean="0"/>
+              <a:rPr lang="zh-CN" altLang="en-US"/>
               <a:t>第三级</a:t>
             </a:r>
           </a:p>
           <a:p>
             <a:pPr lvl="3"/>
             <a:r>
-              <a:rPr lang="zh-CN" altLang="en-US" smtClean="0"/>
+              <a:rPr lang="zh-CN" altLang="en-US"/>
               <a:t>第四级</a:t>
             </a:r>
           </a:p>
           <a:p>
             <a:pPr lvl="4"/>
             <a:r>
-              <a:rPr lang="zh-CN" altLang="en-US" smtClean="0"/>
+              <a:rPr lang="zh-CN" altLang="en-US"/>
               <a:t>第五级</a:t>
             </a:r>
-            <a:endParaRPr lang="zh-CN" altLang="en-US"/>
           </a:p>
         </p:txBody>
       </p:sp>
@@ -2695,10 +2780,9 @@
           </a:lstStyle>
           <a:p>
             <a:r>
-              <a:rPr lang="zh-CN" altLang="en-US" smtClean="0"/>
+              <a:rPr lang="zh-CN" altLang="en-US"/>
               <a:t>单击此处编辑母版标题样式</a:t>
             </a:r>
-            <a:endParaRPr lang="zh-CN" altLang="en-US"/>
           </a:p>
         </p:txBody>
       </p:sp>
@@ -2761,7 +2845,7 @@
           <a:p>
             <a:pPr lvl="0"/>
             <a:r>
-              <a:rPr lang="zh-CN" altLang="en-US" smtClean="0"/>
+              <a:rPr lang="zh-CN" altLang="en-US"/>
               <a:t>单击此处编辑母版文本样式</a:t>
             </a:r>
           </a:p>
@@ -2817,38 +2901,37 @@
           <a:p>
             <a:pPr lvl="0"/>
             <a:r>
-              <a:rPr lang="zh-CN" altLang="en-US" smtClean="0"/>
+              <a:rPr lang="zh-CN" altLang="en-US"/>
               <a:t>单击此处编辑母版文本样式</a:t>
             </a:r>
           </a:p>
           <a:p>
             <a:pPr lvl="1"/>
             <a:r>
-              <a:rPr lang="zh-CN" altLang="en-US" smtClean="0"/>
+              <a:rPr lang="zh-CN" altLang="en-US"/>
               <a:t>第二级</a:t>
             </a:r>
           </a:p>
           <a:p>
             <a:pPr lvl="2"/>
             <a:r>
-              <a:rPr lang="zh-CN" altLang="en-US" smtClean="0"/>
+              <a:rPr lang="zh-CN" altLang="en-US"/>
               <a:t>第三级</a:t>
             </a:r>
           </a:p>
           <a:p>
             <a:pPr lvl="3"/>
             <a:r>
-              <a:rPr lang="zh-CN" altLang="en-US" smtClean="0"/>
+              <a:rPr lang="zh-CN" altLang="en-US"/>
               <a:t>第四级</a:t>
             </a:r>
           </a:p>
           <a:p>
             <a:pPr lvl="4"/>
             <a:r>
-              <a:rPr lang="zh-CN" altLang="en-US" smtClean="0"/>
+              <a:rPr lang="zh-CN" altLang="en-US"/>
               <a:t>第五级</a:t>
             </a:r>
-            <a:endParaRPr lang="zh-CN" altLang="en-US"/>
           </a:p>
         </p:txBody>
       </p:sp>
@@ -2911,7 +2994,7 @@
           <a:p>
             <a:pPr lvl="0"/>
             <a:r>
-              <a:rPr lang="zh-CN" altLang="en-US" smtClean="0"/>
+              <a:rPr lang="zh-CN" altLang="en-US"/>
               <a:t>单击此处编辑母版文本样式</a:t>
             </a:r>
           </a:p>
@@ -2967,38 +3050,37 @@
           <a:p>
             <a:pPr lvl="0"/>
             <a:r>
-              <a:rPr lang="zh-CN" altLang="en-US" smtClean="0"/>
+              <a:rPr lang="zh-CN" altLang="en-US"/>
               <a:t>单击此处编辑母版文本样式</a:t>
             </a:r>
           </a:p>
           <a:p>
             <a:pPr lvl="1"/>
             <a:r>
-              <a:rPr lang="zh-CN" altLang="en-US" smtClean="0"/>
+              <a:rPr lang="zh-CN" altLang="en-US"/>
               <a:t>第二级</a:t>
             </a:r>
           </a:p>
           <a:p>
             <a:pPr lvl="2"/>
             <a:r>
-              <a:rPr lang="zh-CN" altLang="en-US" smtClean="0"/>
+              <a:rPr lang="zh-CN" altLang="en-US"/>
               <a:t>第三级</a:t>
             </a:r>
           </a:p>
           <a:p>
             <a:pPr lvl="3"/>
             <a:r>
-              <a:rPr lang="zh-CN" altLang="en-US" smtClean="0"/>
+              <a:rPr lang="zh-CN" altLang="en-US"/>
               <a:t>第四级</a:t>
             </a:r>
           </a:p>
           <a:p>
             <a:pPr lvl="4"/>
             <a:r>
-              <a:rPr lang="zh-CN" altLang="en-US" smtClean="0"/>
+              <a:rPr lang="zh-CN" altLang="en-US"/>
               <a:t>第五级</a:t>
             </a:r>
-            <a:endParaRPr lang="zh-CN" altLang="en-US"/>
           </a:p>
         </p:txBody>
       </p:sp>
@@ -3139,10 +3221,9 @@
           <a:lstStyle/>
           <a:p>
             <a:r>
-              <a:rPr lang="zh-CN" altLang="en-US" smtClean="0"/>
+              <a:rPr lang="zh-CN" altLang="en-US"/>
               <a:t>单击此处编辑母版标题样式</a:t>
             </a:r>
-            <a:endParaRPr lang="zh-CN" altLang="en-US"/>
           </a:p>
         </p:txBody>
       </p:sp>
@@ -3413,10 +3494,9 @@
           </a:lstStyle>
           <a:p>
             <a:r>
-              <a:rPr lang="zh-CN" altLang="en-US" smtClean="0"/>
+              <a:rPr lang="zh-CN" altLang="en-US"/>
               <a:t>单击此处编辑母版标题样式</a:t>
             </a:r>
-            <a:endParaRPr lang="zh-CN" altLang="en-US"/>
           </a:p>
         </p:txBody>
       </p:sp>
@@ -3470,38 +3550,37 @@
           <a:p>
             <a:pPr lvl="0"/>
             <a:r>
-              <a:rPr lang="zh-CN" altLang="en-US" smtClean="0"/>
+              <a:rPr lang="zh-CN" altLang="en-US"/>
               <a:t>单击此处编辑母版文本样式</a:t>
             </a:r>
           </a:p>
           <a:p>
             <a:pPr lvl="1"/>
             <a:r>
-              <a:rPr lang="zh-CN" altLang="en-US" smtClean="0"/>
+              <a:rPr lang="zh-CN" altLang="en-US"/>
               <a:t>第二级</a:t>
             </a:r>
           </a:p>
           <a:p>
             <a:pPr lvl="2"/>
             <a:r>
-              <a:rPr lang="zh-CN" altLang="en-US" smtClean="0"/>
+              <a:rPr lang="zh-CN" altLang="en-US"/>
               <a:t>第三级</a:t>
             </a:r>
           </a:p>
           <a:p>
             <a:pPr lvl="3"/>
             <a:r>
-              <a:rPr lang="zh-CN" altLang="en-US" smtClean="0"/>
+              <a:rPr lang="zh-CN" altLang="en-US"/>
               <a:t>第四级</a:t>
             </a:r>
           </a:p>
           <a:p>
             <a:pPr lvl="4"/>
             <a:r>
-              <a:rPr lang="zh-CN" altLang="en-US" smtClean="0"/>
+              <a:rPr lang="zh-CN" altLang="en-US"/>
               <a:t>第五级</a:t>
             </a:r>
-            <a:endParaRPr lang="zh-CN" altLang="en-US"/>
           </a:p>
         </p:txBody>
       </p:sp>
@@ -3564,7 +3643,7 @@
           <a:p>
             <a:pPr lvl="0"/>
             <a:r>
-              <a:rPr lang="zh-CN" altLang="en-US" smtClean="0"/>
+              <a:rPr lang="zh-CN" altLang="en-US"/>
               <a:t>单击此处编辑母版文本样式</a:t>
             </a:r>
           </a:p>
@@ -3716,10 +3795,9 @@
           </a:lstStyle>
           <a:p>
             <a:r>
-              <a:rPr lang="zh-CN" altLang="en-US" smtClean="0"/>
+              <a:rPr lang="zh-CN" altLang="en-US"/>
               <a:t>单击此处编辑母版标题样式</a:t>
             </a:r>
-            <a:endParaRPr lang="zh-CN" altLang="en-US"/>
           </a:p>
         </p:txBody>
       </p:sp>
@@ -3781,7 +3859,7 @@
           </a:lstStyle>
           <a:p>
             <a:pPr lvl="0"/>
-            <a:endParaRPr lang="zh-CN" altLang="en-US" noProof="0" smtClean="0"/>
+            <a:endParaRPr lang="zh-CN" altLang="en-US" noProof="0"/>
           </a:p>
         </p:txBody>
       </p:sp>
@@ -3844,7 +3922,7 @@
           <a:p>
             <a:pPr lvl="0"/>
             <a:r>
-              <a:rPr lang="zh-CN" altLang="en-US" smtClean="0"/>
+              <a:rPr lang="zh-CN" altLang="en-US"/>
               <a:t>单击此处编辑母版文本样式</a:t>
             </a:r>
           </a:p>
@@ -4304,7 +4382,7 @@
           <a:p>
             <a:pPr lvl="0"/>
             <a:r>
-              <a:rPr lang="zh-CN" altLang="en-US" smtClean="0"/>
+              <a:rPr lang="zh-CN" altLang="en-US"/>
               <a:t>单击此处编辑母版标题样式</a:t>
             </a:r>
           </a:p>
@@ -4507,35 +4585,35 @@
           <a:p>
             <a:pPr lvl="0"/>
             <a:r>
-              <a:rPr lang="zh-CN" altLang="en-US" smtClean="0"/>
+              <a:rPr lang="zh-CN" altLang="en-US"/>
               <a:t>单击此处编辑母版文本样式</a:t>
             </a:r>
           </a:p>
           <a:p>
             <a:pPr lvl="1"/>
             <a:r>
-              <a:rPr lang="zh-CN" altLang="en-US" smtClean="0"/>
+              <a:rPr lang="zh-CN" altLang="en-US"/>
               <a:t>第二级</a:t>
             </a:r>
           </a:p>
           <a:p>
             <a:pPr lvl="2"/>
             <a:r>
-              <a:rPr lang="zh-CN" altLang="en-US" smtClean="0"/>
+              <a:rPr lang="zh-CN" altLang="en-US"/>
               <a:t>第三级</a:t>
             </a:r>
           </a:p>
           <a:p>
             <a:pPr lvl="3"/>
             <a:r>
-              <a:rPr lang="zh-CN" altLang="en-US" smtClean="0"/>
+              <a:rPr lang="zh-CN" altLang="en-US"/>
               <a:t>第四级</a:t>
             </a:r>
           </a:p>
           <a:p>
             <a:pPr lvl="4"/>
             <a:r>
-              <a:rPr lang="zh-CN" altLang="en-US" smtClean="0"/>
+              <a:rPr lang="zh-CN" altLang="en-US"/>
               <a:t>第五级</a:t>
             </a:r>
           </a:p>
@@ -5060,13 +5138,13 @@
               <a:defRPr/>
             </a:pPr>
             <a:r>
-              <a:rPr lang="en-US" altLang="zh-CN" dirty="0" smtClean="0">
+              <a:rPr lang="en-US" altLang="zh-CN" dirty="0">
                 <a:ea typeface="方正综艺繁体" pitchFamily="2" charset="-122"/>
               </a:rPr>
               <a:t> </a:t>
             </a:r>
             <a:r>
-              <a:rPr lang="zh-CN" altLang="en-US" sz="7200" dirty="0" smtClean="0">
+              <a:rPr lang="zh-CN" altLang="en-US" sz="7200" dirty="0">
                 <a:ea typeface="方正综艺繁体" pitchFamily="2" charset="-122"/>
               </a:rPr>
               <a:t>实变函数</a:t>
@@ -5096,13 +5174,13 @@
           <a:p>
             <a:pPr eaLnBrk="1" hangingPunct="1"/>
             <a:r>
-              <a:rPr lang="zh-CN" altLang="en-US" sz="3600" smtClean="0">
+              <a:rPr lang="zh-CN" altLang="en-US" sz="3600">
                 <a:ea typeface="方正魏碑繁体" pitchFamily="2" charset="-122"/>
               </a:rPr>
               <a:t>郭庆杰         </a:t>
             </a:r>
             <a:r>
-              <a:rPr lang="zh-CN" altLang="en-US" smtClean="0">
+              <a:rPr lang="zh-CN" altLang="en-US">
                 <a:ea typeface="方正魏碑繁体" pitchFamily="2" charset="-122"/>
               </a:rPr>
               <a:t>                </a:t>
@@ -5115,13 +5193,6 @@
   <p:clrMapOvr>
     <a:masterClrMapping/>
   </p:clrMapOvr>
-  <p:timing>
-    <p:tnLst>
-      <p:par>
-        <p:cTn id="1" dur="indefinite" restart="never" nodeType="tmRoot"/>
-      </p:par>
-    </p:tnLst>
-  </p:timing>
 </p:sld>
 </file>
 
@@ -5194,12 +5265,12 @@
           <a:graphicData uri="http://schemas.openxmlformats.org/presentationml/2006/ole">
             <mc:AlternateContent xmlns:mc="http://schemas.openxmlformats.org/markup-compatibility/2006">
               <mc:Choice xmlns:v="urn:schemas-microsoft-com:vml" Requires="v">
-                <p:oleObj spid="_x0000_s14405" name="Equation" r:id="rId3" imgW="1308100" imgH="368300" progId="Equation.3">
+                <p:oleObj name="Equation" r:id="rId2" imgW="1308100" imgH="368300" progId="Equation.3">
                   <p:embed/>
                 </p:oleObj>
               </mc:Choice>
               <mc:Fallback>
-                <p:oleObj name="Equation" r:id="rId3" imgW="1308100" imgH="368300" progId="Equation.3">
+                <p:oleObj name="Equation" r:id="rId2" imgW="1308100" imgH="368300" progId="Equation.3">
                   <p:embed/>
                   <p:pic>
                     <p:nvPicPr>
@@ -5210,7 +5281,7 @@
                       <p:nvPr/>
                     </p:nvPicPr>
                     <p:blipFill>
-                      <a:blip r:embed="rId4">
+                      <a:blip r:embed="rId3">
                         <a:extLst>
                           <a:ext uri="{28A0092B-C50C-407E-A947-70E740481C1C}">
                             <a14:useLocalDpi xmlns:a14="http://schemas.microsoft.com/office/drawing/2010/main" val="0"/>
@@ -5282,12 +5353,12 @@
           <a:graphicData uri="http://schemas.openxmlformats.org/presentationml/2006/ole">
             <mc:AlternateContent xmlns:mc="http://schemas.openxmlformats.org/markup-compatibility/2006">
               <mc:Choice xmlns:v="urn:schemas-microsoft-com:vml" Requires="v">
-                <p:oleObj spid="_x0000_s14406" name="公式" r:id="rId5" imgW="2743200" imgH="241300" progId="Equation.3">
+                <p:oleObj name="公式" r:id="rId4" imgW="2743200" imgH="241300" progId="Equation.3">
                   <p:embed/>
                 </p:oleObj>
               </mc:Choice>
               <mc:Fallback>
-                <p:oleObj name="公式" r:id="rId5" imgW="2743200" imgH="241300" progId="Equation.3">
+                <p:oleObj name="公式" r:id="rId4" imgW="2743200" imgH="241300" progId="Equation.3">
                   <p:embed/>
                   <p:pic>
                     <p:nvPicPr>
@@ -5298,7 +5369,7 @@
                       <p:nvPr/>
                     </p:nvPicPr>
                     <p:blipFill>
-                      <a:blip r:embed="rId6">
+                      <a:blip r:embed="rId5">
                         <a:extLst>
                           <a:ext uri="{28A0092B-C50C-407E-A947-70E740481C1C}">
                             <a14:useLocalDpi xmlns:a14="http://schemas.microsoft.com/office/drawing/2010/main" val="0"/>
@@ -5725,12 +5796,12 @@
           <a:graphicData uri="http://schemas.openxmlformats.org/presentationml/2006/ole">
             <mc:AlternateContent xmlns:mc="http://schemas.openxmlformats.org/markup-compatibility/2006">
               <mc:Choice xmlns:v="urn:schemas-microsoft-com:vml" Requires="v">
-                <p:oleObj spid="_x0000_s14407" name="Equation" r:id="rId7" imgW="1397000" imgH="368300" progId="Equation.3">
+                <p:oleObj name="Equation" r:id="rId6" imgW="1397000" imgH="368300" progId="Equation.3">
                   <p:embed/>
                 </p:oleObj>
               </mc:Choice>
               <mc:Fallback>
-                <p:oleObj name="Equation" r:id="rId7" imgW="1397000" imgH="368300" progId="Equation.3">
+                <p:oleObj name="Equation" r:id="rId6" imgW="1397000" imgH="368300" progId="Equation.3">
                   <p:embed/>
                   <p:pic>
                     <p:nvPicPr>
@@ -5741,7 +5812,7 @@
                       <p:nvPr/>
                     </p:nvPicPr>
                     <p:blipFill>
-                      <a:blip r:embed="rId8">
+                      <a:blip r:embed="rId7">
                         <a:extLst>
                           <a:ext uri="{28A0092B-C50C-407E-A947-70E740481C1C}">
                             <a14:useLocalDpi xmlns:a14="http://schemas.microsoft.com/office/drawing/2010/main" val="0"/>
@@ -5829,12 +5900,12 @@
             <a:graphicData uri="http://schemas.openxmlformats.org/presentationml/2006/ole">
               <mc:AlternateContent xmlns:mc="http://schemas.openxmlformats.org/markup-compatibility/2006">
                 <mc:Choice xmlns:v="urn:schemas-microsoft-com:vml" Requires="v">
-                  <p:oleObj spid="_x0000_s14408" name="Equation" r:id="rId9" imgW="876300" imgH="368300" progId="Equation.3">
+                  <p:oleObj name="Equation" r:id="rId8" imgW="876300" imgH="368300" progId="Equation.3">
                     <p:embed/>
                   </p:oleObj>
                 </mc:Choice>
                 <mc:Fallback>
-                  <p:oleObj name="Equation" r:id="rId9" imgW="876300" imgH="368300" progId="Equation.3">
+                  <p:oleObj name="Equation" r:id="rId8" imgW="876300" imgH="368300" progId="Equation.3">
                     <p:embed/>
                     <p:pic>
                       <p:nvPicPr>
@@ -5845,7 +5916,7 @@
                         <p:nvPr/>
                       </p:nvPicPr>
                       <p:blipFill>
-                        <a:blip r:embed="rId10">
+                        <a:blip r:embed="rId9">
                           <a:extLst>
                             <a:ext uri="{28A0092B-C50C-407E-A947-70E740481C1C}">
                               <a14:useLocalDpi xmlns:a14="http://schemas.microsoft.com/office/drawing/2010/main" val="0"/>
@@ -5917,12 +5988,12 @@
             <a:graphicData uri="http://schemas.openxmlformats.org/presentationml/2006/ole">
               <mc:AlternateContent xmlns:mc="http://schemas.openxmlformats.org/markup-compatibility/2006">
                 <mc:Choice xmlns:v="urn:schemas-microsoft-com:vml" Requires="v">
-                  <p:oleObj spid="_x0000_s14409" name="Equation" r:id="rId11" imgW="927100" imgH="368300" progId="Equation.3">
+                  <p:oleObj name="Equation" r:id="rId10" imgW="927100" imgH="368300" progId="Equation.3">
                     <p:embed/>
                   </p:oleObj>
                 </mc:Choice>
                 <mc:Fallback>
-                  <p:oleObj name="Equation" r:id="rId11" imgW="927100" imgH="368300" progId="Equation.3">
+                  <p:oleObj name="Equation" r:id="rId10" imgW="927100" imgH="368300" progId="Equation.3">
                     <p:embed/>
                     <p:pic>
                       <p:nvPicPr>
@@ -5933,7 +6004,7 @@
                         <p:nvPr/>
                       </p:nvPicPr>
                       <p:blipFill>
-                        <a:blip r:embed="rId12">
+                        <a:blip r:embed="rId11">
                           <a:extLst>
                             <a:ext uri="{28A0092B-C50C-407E-A947-70E740481C1C}">
                               <a14:useLocalDpi xmlns:a14="http://schemas.microsoft.com/office/drawing/2010/main" val="0"/>
@@ -6993,12 +7064,12 @@
           <a:graphicData uri="http://schemas.openxmlformats.org/presentationml/2006/ole">
             <mc:AlternateContent xmlns:mc="http://schemas.openxmlformats.org/markup-compatibility/2006">
               <mc:Choice xmlns:v="urn:schemas-microsoft-com:vml" Requires="v">
-                <p:oleObj spid="_x0000_s15424" name="公式" r:id="rId3" imgW="2743200" imgH="241300" progId="Equation.3">
+                <p:oleObj name="公式" r:id="rId2" imgW="2743200" imgH="241300" progId="Equation.3">
                   <p:embed/>
                 </p:oleObj>
               </mc:Choice>
               <mc:Fallback>
-                <p:oleObj name="公式" r:id="rId3" imgW="2743200" imgH="241300" progId="Equation.3">
+                <p:oleObj name="公式" r:id="rId2" imgW="2743200" imgH="241300" progId="Equation.3">
                   <p:embed/>
                   <p:pic>
                     <p:nvPicPr>
@@ -7009,7 +7080,7 @@
                       <p:nvPr/>
                     </p:nvPicPr>
                     <p:blipFill>
-                      <a:blip r:embed="rId4">
+                      <a:blip r:embed="rId3">
                         <a:extLst>
                           <a:ext uri="{28A0092B-C50C-407E-A947-70E740481C1C}">
                             <a14:useLocalDpi xmlns:a14="http://schemas.microsoft.com/office/drawing/2010/main" val="0"/>
@@ -7081,12 +7152,12 @@
           <a:graphicData uri="http://schemas.openxmlformats.org/presentationml/2006/ole">
             <mc:AlternateContent xmlns:mc="http://schemas.openxmlformats.org/markup-compatibility/2006">
               <mc:Choice xmlns:v="urn:schemas-microsoft-com:vml" Requires="v">
-                <p:oleObj spid="_x0000_s15425" name="Equation" r:id="rId5" imgW="1143000" imgH="368300" progId="Equation.3">
+                <p:oleObj name="Equation" r:id="rId4" imgW="1143000" imgH="368300" progId="Equation.3">
                   <p:embed/>
                 </p:oleObj>
               </mc:Choice>
               <mc:Fallback>
-                <p:oleObj name="Equation" r:id="rId5" imgW="1143000" imgH="368300" progId="Equation.3">
+                <p:oleObj name="Equation" r:id="rId4" imgW="1143000" imgH="368300" progId="Equation.3">
                   <p:embed/>
                   <p:pic>
                     <p:nvPicPr>
@@ -7097,7 +7168,7 @@
                       <p:nvPr/>
                     </p:nvPicPr>
                     <p:blipFill>
-                      <a:blip r:embed="rId6">
+                      <a:blip r:embed="rId5">
                         <a:extLst>
                           <a:ext uri="{28A0092B-C50C-407E-A947-70E740481C1C}">
                             <a14:useLocalDpi xmlns:a14="http://schemas.microsoft.com/office/drawing/2010/main" val="0"/>
@@ -7540,12 +7611,12 @@
             <a:graphicData uri="http://schemas.openxmlformats.org/presentationml/2006/ole">
               <mc:AlternateContent xmlns:mc="http://schemas.openxmlformats.org/markup-compatibility/2006">
                 <mc:Choice xmlns:v="urn:schemas-microsoft-com:vml" Requires="v">
-                  <p:oleObj spid="_x0000_s15426" name="Equation" r:id="rId7" imgW="1117600" imgH="368300" progId="Equation.3">
+                  <p:oleObj name="Equation" r:id="rId6" imgW="1117600" imgH="368300" progId="Equation.3">
                     <p:embed/>
                   </p:oleObj>
                 </mc:Choice>
                 <mc:Fallback>
-                  <p:oleObj name="Equation" r:id="rId7" imgW="1117600" imgH="368300" progId="Equation.3">
+                  <p:oleObj name="Equation" r:id="rId6" imgW="1117600" imgH="368300" progId="Equation.3">
                     <p:embed/>
                     <p:pic>
                       <p:nvPicPr>
@@ -7556,7 +7627,7 @@
                         <p:nvPr/>
                       </p:nvPicPr>
                       <p:blipFill>
-                        <a:blip r:embed="rId8">
+                        <a:blip r:embed="rId7">
                           <a:extLst>
                             <a:ext uri="{28A0092B-C50C-407E-A947-70E740481C1C}">
                               <a14:useLocalDpi xmlns:a14="http://schemas.microsoft.com/office/drawing/2010/main" val="0"/>
@@ -7628,12 +7699,12 @@
             <a:graphicData uri="http://schemas.openxmlformats.org/presentationml/2006/ole">
               <mc:AlternateContent xmlns:mc="http://schemas.openxmlformats.org/markup-compatibility/2006">
                 <mc:Choice xmlns:v="urn:schemas-microsoft-com:vml" Requires="v">
-                  <p:oleObj spid="_x0000_s15427" name="Equation" r:id="rId9" imgW="876300" imgH="368300" progId="Equation.3">
+                  <p:oleObj name="Equation" r:id="rId8" imgW="876300" imgH="368300" progId="Equation.3">
                     <p:embed/>
                   </p:oleObj>
                 </mc:Choice>
                 <mc:Fallback>
-                  <p:oleObj name="Equation" r:id="rId9" imgW="876300" imgH="368300" progId="Equation.3">
+                  <p:oleObj name="Equation" r:id="rId8" imgW="876300" imgH="368300" progId="Equation.3">
                     <p:embed/>
                     <p:pic>
                       <p:nvPicPr>
@@ -7644,7 +7715,7 @@
                         <p:nvPr/>
                       </p:nvPicPr>
                       <p:blipFill>
-                        <a:blip r:embed="rId10">
+                        <a:blip r:embed="rId9">
                           <a:extLst>
                             <a:ext uri="{28A0092B-C50C-407E-A947-70E740481C1C}">
                               <a14:useLocalDpi xmlns:a14="http://schemas.microsoft.com/office/drawing/2010/main" val="0"/>
@@ -7717,12 +7788,12 @@
           <a:graphicData uri="http://schemas.openxmlformats.org/presentationml/2006/ole">
             <mc:AlternateContent xmlns:mc="http://schemas.openxmlformats.org/markup-compatibility/2006">
               <mc:Choice xmlns:v="urn:schemas-microsoft-com:vml" Requires="v">
-                <p:oleObj spid="_x0000_s15428" name="Equation" r:id="rId11" imgW="1397000" imgH="368300" progId="Equation.3">
+                <p:oleObj name="Equation" r:id="rId10" imgW="1397000" imgH="368300" progId="Equation.3">
                   <p:embed/>
                 </p:oleObj>
               </mc:Choice>
               <mc:Fallback>
-                <p:oleObj name="Equation" r:id="rId11" imgW="1397000" imgH="368300" progId="Equation.3">
+                <p:oleObj name="Equation" r:id="rId10" imgW="1397000" imgH="368300" progId="Equation.3">
                   <p:embed/>
                   <p:pic>
                     <p:nvPicPr>
@@ -7733,7 +7804,7 @@
                       <p:nvPr/>
                     </p:nvPicPr>
                     <p:blipFill>
-                      <a:blip r:embed="rId12">
+                      <a:blip r:embed="rId11">
                         <a:extLst>
                           <a:ext uri="{28A0092B-C50C-407E-A947-70E740481C1C}">
                             <a14:useLocalDpi xmlns:a14="http://schemas.microsoft.com/office/drawing/2010/main" val="0"/>
@@ -8318,7 +8389,7 @@
               <a:defRPr/>
             </a:pPr>
             <a:r>
-              <a:rPr lang="zh-CN" altLang="en-US" smtClean="0">
+              <a:rPr lang="zh-CN" altLang="en-US">
                 <a:ea typeface="黑体" pitchFamily="2" charset="-122"/>
               </a:rPr>
               <a:t>集合及其运算</a:t>
@@ -8348,14 +8419,14 @@
                   <a:buNone/>
                 </a:pPr>
                 <a:r>
-                  <a:rPr lang="en-US" altLang="zh-CN" dirty="0" smtClean="0">
+                  <a:rPr lang="en-US" altLang="zh-CN" dirty="0">
                     <a:latin typeface="华文中宋" panose="02010600040101010101" pitchFamily="2" charset="-122"/>
                     <a:ea typeface="华文中宋" panose="02010600040101010101" pitchFamily="2" charset="-122"/>
                   </a:rPr>
                   <a:t>4</a:t>
                 </a:r>
                 <a:r>
-                  <a:rPr lang="zh-CN" altLang="en-US" dirty="0" smtClean="0">
+                  <a:rPr lang="zh-CN" altLang="en-US" dirty="0">
                     <a:latin typeface="华文中宋" panose="02010600040101010101" pitchFamily="2" charset="-122"/>
                     <a:ea typeface="华文中宋" panose="02010600040101010101" pitchFamily="2" charset="-122"/>
                   </a:rPr>
@@ -8367,7 +8438,7 @@
                   <a:buNone/>
                 </a:pPr>
                 <a:r>
-                  <a:rPr lang="zh-CN" altLang="en-US" sz="2800" dirty="0" smtClean="0">
+                  <a:rPr lang="zh-CN" altLang="en-US" sz="2800" dirty="0">
                     <a:latin typeface="华文新魏" panose="02010800040101010101" pitchFamily="2" charset="-122"/>
                     <a:ea typeface="华文新魏" panose="02010800040101010101" pitchFamily="2" charset="-122"/>
                   </a:rPr>
@@ -8385,7 +8456,7 @@
                   </m:oMath>
                 </a14:m>
                 <a:r>
-                  <a:rPr lang="zh-CN" altLang="en-US" sz="2800" dirty="0" smtClean="0">
+                  <a:rPr lang="zh-CN" altLang="en-US" sz="2800" dirty="0">
                     <a:latin typeface="华文新魏" panose="02010800040101010101" pitchFamily="2" charset="-122"/>
                     <a:ea typeface="华文新魏" panose="02010800040101010101" pitchFamily="2" charset="-122"/>
                   </a:rPr>
@@ -8403,7 +8474,7 @@
                   </m:oMath>
                 </a14:m>
                 <a:r>
-                  <a:rPr lang="zh-CN" altLang="en-US" sz="2800" dirty="0" smtClean="0">
+                  <a:rPr lang="zh-CN" altLang="en-US" sz="2800" dirty="0">
                     <a:latin typeface="华文新魏" panose="02010800040101010101" pitchFamily="2" charset="-122"/>
                     <a:ea typeface="华文新魏" panose="02010800040101010101" pitchFamily="2" charset="-122"/>
                   </a:rPr>
@@ -8421,7 +8492,7 @@
                   </m:oMath>
                 </a14:m>
                 <a:r>
-                  <a:rPr lang="zh-CN" altLang="en-US" sz="2800" dirty="0" smtClean="0">
+                  <a:rPr lang="zh-CN" altLang="en-US" sz="2800" dirty="0">
                     <a:latin typeface="华文新魏" panose="02010800040101010101" pitchFamily="2" charset="-122"/>
                     <a:ea typeface="华文新魏" panose="02010800040101010101" pitchFamily="2" charset="-122"/>
                   </a:rPr>
@@ -8439,14 +8510,14 @@
                   </m:oMath>
                 </a14:m>
                 <a:r>
-                  <a:rPr lang="zh-CN" altLang="en-US" sz="2800" dirty="0" smtClean="0">
+                  <a:rPr lang="zh-CN" altLang="en-US" sz="2800" dirty="0">
                     <a:latin typeface="华文新魏" panose="02010800040101010101" pitchFamily="2" charset="-122"/>
                     <a:ea typeface="华文新魏" panose="02010800040101010101" pitchFamily="2" charset="-122"/>
                   </a:rPr>
                   <a:t>的</a:t>
                 </a:r>
                 <a:r>
-                  <a:rPr lang="zh-CN" altLang="en-US" sz="2800" dirty="0" smtClean="0">
+                  <a:rPr lang="zh-CN" altLang="en-US" sz="2800" dirty="0">
                     <a:solidFill>
                       <a:srgbClr val="FF0000"/>
                     </a:solidFill>
@@ -8456,7 +8527,7 @@
                   <a:t>差集</a:t>
                 </a:r>
                 <a:r>
-                  <a:rPr lang="zh-CN" altLang="en-US" sz="2800" dirty="0" smtClean="0">
+                  <a:rPr lang="zh-CN" altLang="en-US" sz="2800" dirty="0">
                     <a:latin typeface="华文新魏" panose="02010800040101010101" pitchFamily="2" charset="-122"/>
                     <a:ea typeface="华文新魏" panose="02010800040101010101" pitchFamily="2" charset="-122"/>
                   </a:rPr>
@@ -8495,7 +8566,7 @@
                   </m:oMath>
                 </a14:m>
                 <a:r>
-                  <a:rPr lang="zh-CN" altLang="en-US" sz="2800" dirty="0" smtClean="0">
+                  <a:rPr lang="zh-CN" altLang="en-US" sz="2800" dirty="0">
                     <a:latin typeface="华文新魏" panose="02010800040101010101" pitchFamily="2" charset="-122"/>
                     <a:ea typeface="华文新魏" panose="02010800040101010101" pitchFamily="2" charset="-122"/>
                   </a:rPr>
@@ -8527,14 +8598,14 @@
                   </m:oMath>
                 </a14:m>
                 <a:r>
-                  <a:rPr lang="zh-CN" altLang="en-US" sz="2800" dirty="0" smtClean="0">
+                  <a:rPr lang="zh-CN" altLang="en-US" sz="2800" dirty="0">
                     <a:latin typeface="华文新魏" panose="02010800040101010101" pitchFamily="2" charset="-122"/>
                     <a:ea typeface="华文新魏" panose="02010800040101010101" pitchFamily="2" charset="-122"/>
                   </a:rPr>
                   <a:t>，也就是说，                                           ，但             。</a:t>
                 </a:r>
                 <a:r>
-                  <a:rPr lang="zh-CN" altLang="en-US" dirty="0" smtClean="0">
+                  <a:rPr lang="zh-CN" altLang="en-US" dirty="0">
                     <a:latin typeface="华文中宋" panose="02010600040101010101" pitchFamily="2" charset="-122"/>
                     <a:ea typeface="华文中宋" panose="02010600040101010101" pitchFamily="2" charset="-122"/>
                   </a:rPr>
@@ -8600,7 +8671,7 @@
           <a:graphicData uri="http://schemas.openxmlformats.org/presentationml/2006/ole">
             <mc:AlternateContent xmlns:mc="http://schemas.openxmlformats.org/markup-compatibility/2006">
               <mc:Choice xmlns:v="urn:schemas-microsoft-com:vml" Requires="v">
-                <p:oleObj spid="_x0000_s16412" name="Equation" r:id="rId4" imgW="1262207" imgH="133219" progId="Equation.DSMT4">
+                <p:oleObj name="Equation" r:id="rId4" imgW="1262207" imgH="133219" progId="Equation.DSMT4">
                   <p:embed/>
                 </p:oleObj>
               </mc:Choice>
@@ -8699,7 +8770,7 @@
           <a:graphicData uri="http://schemas.openxmlformats.org/presentationml/2006/ole">
             <mc:AlternateContent xmlns:mc="http://schemas.openxmlformats.org/markup-compatibility/2006">
               <mc:Choice xmlns:v="urn:schemas-microsoft-com:vml" Requires="v">
-                <p:oleObj spid="_x0000_s16413" name="Equation" r:id="rId6" imgW="323936" imgH="119030" progId="Equation.3">
+                <p:oleObj name="Equation" r:id="rId6" imgW="323936" imgH="119030" progId="Equation.3">
                   <p:embed/>
                 </p:oleObj>
               </mc:Choice>
@@ -8781,13 +8852,6 @@
   <p:clrMapOvr>
     <a:masterClrMapping/>
   </p:clrMapOvr>
-  <p:timing>
-    <p:tnLst>
-      <p:par>
-        <p:cTn id="1" dur="indefinite" restart="never" nodeType="tmRoot"/>
-      </p:par>
-    </p:tnLst>
-  </p:timing>
 </p:sld>
 </file>
 
@@ -8827,7 +8891,7 @@
               <a:defRPr/>
             </a:pPr>
             <a:r>
-              <a:rPr lang="zh-CN" altLang="en-US" smtClean="0">
+              <a:rPr lang="zh-CN" altLang="en-US">
                 <a:ea typeface="黑体" pitchFamily="2" charset="-122"/>
               </a:rPr>
               <a:t>集合及其运算</a:t>
@@ -8865,14 +8929,14 @@
                   <a:buNone/>
                 </a:pPr>
                 <a:r>
-                  <a:rPr lang="en-US" altLang="zh-CN" sz="2400" dirty="0" smtClean="0">
+                  <a:rPr lang="en-US" altLang="zh-CN" sz="2400" dirty="0">
                     <a:latin typeface="华文新魏" panose="02010800040101010101" pitchFamily="2" charset="-122"/>
                     <a:ea typeface="华文新魏" panose="02010800040101010101" pitchFamily="2" charset="-122"/>
                   </a:rPr>
                   <a:t>        </a:t>
                 </a:r>
                 <a:r>
-                  <a:rPr lang="zh-CN" altLang="en-US" sz="2800" dirty="0" smtClean="0">
+                  <a:rPr lang="zh-CN" altLang="en-US" sz="2800" dirty="0">
                     <a:latin typeface="华文新魏" panose="02010800040101010101" pitchFamily="2" charset="-122"/>
                     <a:ea typeface="华文新魏" panose="02010800040101010101" pitchFamily="2" charset="-122"/>
                   </a:rPr>
@@ -8890,7 +8954,7 @@
                   </m:oMath>
                 </a14:m>
                 <a:r>
-                  <a:rPr lang="zh-CN" altLang="en-US" sz="2800" dirty="0" smtClean="0">
+                  <a:rPr lang="zh-CN" altLang="en-US" sz="2800" dirty="0">
                     <a:latin typeface="华文新魏" panose="02010800040101010101" pitchFamily="2" charset="-122"/>
                     <a:ea typeface="华文新魏" panose="02010800040101010101" pitchFamily="2" charset="-122"/>
                   </a:rPr>
@@ -8908,7 +8972,7 @@
                   </m:oMath>
                 </a14:m>
                 <a:r>
-                  <a:rPr lang="zh-CN" altLang="en-US" sz="2800" dirty="0" smtClean="0">
+                  <a:rPr lang="zh-CN" altLang="en-US" sz="2800" dirty="0">
                     <a:latin typeface="华文新魏" panose="02010800040101010101" pitchFamily="2" charset="-122"/>
                     <a:ea typeface="华文新魏" panose="02010800040101010101" pitchFamily="2" charset="-122"/>
                   </a:rPr>
@@ -8926,7 +8990,7 @@
                   </m:oMath>
                 </a14:m>
                 <a:r>
-                  <a:rPr lang="zh-CN" altLang="en-US" sz="2800" dirty="0" smtClean="0">
+                  <a:rPr lang="zh-CN" altLang="en-US" sz="2800" dirty="0">
                     <a:latin typeface="华文新魏" panose="02010800040101010101" pitchFamily="2" charset="-122"/>
                     <a:ea typeface="华文新魏" panose="02010800040101010101" pitchFamily="2" charset="-122"/>
                   </a:rPr>
@@ -8944,7 +9008,7 @@
                   </m:oMath>
                 </a14:m>
                 <a:r>
-                  <a:rPr lang="zh-CN" altLang="en-US" sz="2800" dirty="0" smtClean="0">
+                  <a:rPr lang="zh-CN" altLang="en-US" sz="2800" dirty="0">
                     <a:latin typeface="华文新魏" panose="02010800040101010101" pitchFamily="2" charset="-122"/>
                     <a:ea typeface="华文新魏" panose="02010800040101010101" pitchFamily="2" charset="-122"/>
                   </a:rPr>
@@ -8976,7 +9040,7 @@
                   </m:oMath>
                 </a14:m>
                 <a:r>
-                  <a:rPr lang="zh-CN" altLang="en-US" sz="2800" dirty="0" smtClean="0">
+                  <a:rPr lang="zh-CN" altLang="en-US" sz="2800" dirty="0">
                     <a:latin typeface="华文新魏" panose="02010800040101010101" pitchFamily="2" charset="-122"/>
                     <a:ea typeface="华文新魏" panose="02010800040101010101" pitchFamily="2" charset="-122"/>
                   </a:rPr>
@@ -8994,7 +9058,7 @@
                   </m:oMath>
                 </a14:m>
                 <a:r>
-                  <a:rPr lang="zh-CN" altLang="en-US" sz="2800" dirty="0" smtClean="0">
+                  <a:rPr lang="zh-CN" altLang="en-US" sz="2800" dirty="0">
                     <a:latin typeface="华文新魏" panose="02010800040101010101" pitchFamily="2" charset="-122"/>
                     <a:ea typeface="华文新魏" panose="02010800040101010101" pitchFamily="2" charset="-122"/>
                   </a:rPr>
@@ -9012,7 +9076,7 @@
                   </m:oMath>
                 </a14:m>
                 <a:r>
-                  <a:rPr lang="zh-CN" altLang="en-US" sz="2800" dirty="0" smtClean="0">
+                  <a:rPr lang="zh-CN" altLang="en-US" sz="2800" dirty="0">
                     <a:latin typeface="华文新魏" panose="02010800040101010101" pitchFamily="2" charset="-122"/>
                     <a:ea typeface="华文新魏" panose="02010800040101010101" pitchFamily="2" charset="-122"/>
                   </a:rPr>
@@ -9044,7 +9108,7 @@
                   </m:oMath>
                 </a14:m>
                 <a:r>
-                  <a:rPr lang="zh-CN" altLang="en-US" sz="2800" dirty="0" smtClean="0">
+                  <a:rPr lang="zh-CN" altLang="en-US" sz="2800" dirty="0">
                     <a:latin typeface="华文新魏" panose="02010800040101010101" pitchFamily="2" charset="-122"/>
                     <a:ea typeface="华文新魏" panose="02010800040101010101" pitchFamily="2" charset="-122"/>
                   </a:rPr>
@@ -9062,7 +9126,7 @@
                   </m:oMath>
                 </a14:m>
                 <a:r>
-                  <a:rPr lang="zh-CN" altLang="en-US" sz="2800" dirty="0" smtClean="0">
+                  <a:rPr lang="zh-CN" altLang="en-US" sz="2800" dirty="0">
                     <a:latin typeface="华文新魏" panose="02010800040101010101" pitchFamily="2" charset="-122"/>
                     <a:ea typeface="华文新魏" panose="02010800040101010101" pitchFamily="2" charset="-122"/>
                   </a:rPr>
@@ -9080,7 +9144,7 @@
                   </m:oMath>
                 </a14:m>
                 <a:r>
-                  <a:rPr lang="zh-CN" altLang="en-US" sz="2800" dirty="0" smtClean="0">
+                  <a:rPr lang="zh-CN" altLang="en-US" sz="2800" dirty="0">
                     <a:latin typeface="华文新魏" panose="02010800040101010101" pitchFamily="2" charset="-122"/>
                     <a:ea typeface="华文新魏" panose="02010800040101010101" pitchFamily="2" charset="-122"/>
                   </a:rPr>
@@ -9112,7 +9176,7 @@
                   </m:oMath>
                 </a14:m>
                 <a:r>
-                  <a:rPr lang="zh-CN" altLang="en-US" sz="2800" dirty="0" smtClean="0">
+                  <a:rPr lang="zh-CN" altLang="en-US" sz="2800" dirty="0">
                     <a:latin typeface="华文新魏" panose="02010800040101010101" pitchFamily="2" charset="-122"/>
                     <a:ea typeface="华文新魏" panose="02010800040101010101" pitchFamily="2" charset="-122"/>
                   </a:rPr>
@@ -9130,7 +9194,7 @@
                   </m:oMath>
                 </a14:m>
                 <a:r>
-                  <a:rPr lang="zh-CN" altLang="en-US" sz="2800" dirty="0" smtClean="0">
+                  <a:rPr lang="zh-CN" altLang="en-US" sz="2800" dirty="0">
                     <a:latin typeface="华文新魏" panose="02010800040101010101" pitchFamily="2" charset="-122"/>
                     <a:ea typeface="华文新魏" panose="02010800040101010101" pitchFamily="2" charset="-122"/>
                   </a:rPr>
@@ -9155,7 +9219,7 @@
                   </m:oMath>
                 </a14:m>
                 <a:r>
-                  <a:rPr lang="zh-CN" altLang="en-US" sz="2800" dirty="0" smtClean="0">
+                  <a:rPr lang="zh-CN" altLang="en-US" sz="2800" dirty="0">
                     <a:latin typeface="华文新魏" panose="02010800040101010101" pitchFamily="2" charset="-122"/>
                     <a:ea typeface="华文新魏" panose="02010800040101010101" pitchFamily="2" charset="-122"/>
                   </a:rPr>
@@ -9170,7 +9234,7 @@
                   <a:buNone/>
                 </a:pPr>
                 <a:r>
-                  <a:rPr lang="zh-CN" altLang="en-US" sz="2800" dirty="0" smtClean="0">
+                  <a:rPr lang="zh-CN" altLang="en-US" sz="2800" dirty="0">
                     <a:latin typeface="华文新魏" panose="02010800040101010101" pitchFamily="2" charset="-122"/>
                     <a:ea typeface="华文新魏" panose="02010800040101010101" pitchFamily="2" charset="-122"/>
                   </a:rPr>
@@ -9244,42 +9308,42 @@
                   </m:oMath>
                 </a14:m>
                 <a:r>
-                  <a:rPr lang="zh-CN" altLang="en-US" sz="2800" dirty="0" smtClean="0">
+                  <a:rPr lang="zh-CN" altLang="en-US" sz="2800" dirty="0">
                     <a:latin typeface="华文新魏" panose="02010800040101010101" pitchFamily="2" charset="-122"/>
                     <a:ea typeface="华文新魏" panose="02010800040101010101" pitchFamily="2" charset="-122"/>
                   </a:rPr>
                   <a:t>称为</a:t>
                 </a:r>
                 <a:r>
-                  <a:rPr lang="en-US" altLang="zh-CN" sz="2800" dirty="0" smtClean="0">
+                  <a:rPr lang="en-US" altLang="zh-CN" sz="2800" dirty="0">
                     <a:latin typeface="华文新魏" panose="02010800040101010101" pitchFamily="2" charset="-122"/>
                     <a:ea typeface="华文新魏" panose="02010800040101010101" pitchFamily="2" charset="-122"/>
                   </a:rPr>
                   <a:t>A</a:t>
                 </a:r>
                 <a:r>
-                  <a:rPr lang="zh-CN" altLang="en-US" sz="2800" dirty="0" smtClean="0">
+                  <a:rPr lang="zh-CN" altLang="en-US" sz="2800" dirty="0">
                     <a:latin typeface="华文新魏" panose="02010800040101010101" pitchFamily="2" charset="-122"/>
                     <a:ea typeface="华文新魏" panose="02010800040101010101" pitchFamily="2" charset="-122"/>
                   </a:rPr>
                   <a:t>与</a:t>
                 </a:r>
                 <a:r>
-                  <a:rPr lang="en-US" altLang="zh-CN" sz="2800" dirty="0" smtClean="0">
+                  <a:rPr lang="en-US" altLang="zh-CN" sz="2800" dirty="0">
                     <a:latin typeface="华文新魏" panose="02010800040101010101" pitchFamily="2" charset="-122"/>
                     <a:ea typeface="华文新魏" panose="02010800040101010101" pitchFamily="2" charset="-122"/>
                   </a:rPr>
                   <a:t>B</a:t>
                 </a:r>
                 <a:r>
-                  <a:rPr lang="zh-CN" altLang="en-US" sz="2800" dirty="0" smtClean="0">
+                  <a:rPr lang="zh-CN" altLang="en-US" sz="2800" dirty="0">
                     <a:latin typeface="华文新魏" panose="02010800040101010101" pitchFamily="2" charset="-122"/>
                     <a:ea typeface="华文新魏" panose="02010800040101010101" pitchFamily="2" charset="-122"/>
                   </a:rPr>
                   <a:t>的</a:t>
                 </a:r>
                 <a:r>
-                  <a:rPr lang="zh-CN" altLang="en-US" sz="2800" dirty="0" smtClean="0">
+                  <a:rPr lang="zh-CN" altLang="en-US" sz="2800" dirty="0">
                     <a:solidFill>
                       <a:srgbClr val="FF0000"/>
                     </a:solidFill>
@@ -9289,7 +9353,7 @@
                   <a:t>对称差</a:t>
                 </a:r>
                 <a:r>
-                  <a:rPr lang="zh-CN" altLang="en-US" sz="2800" dirty="0" smtClean="0">
+                  <a:rPr lang="zh-CN" altLang="en-US" sz="2800" dirty="0">
                     <a:latin typeface="华文新魏" panose="02010800040101010101" pitchFamily="2" charset="-122"/>
                     <a:ea typeface="华文新魏" panose="02010800040101010101" pitchFamily="2" charset="-122"/>
                   </a:rPr>
@@ -9321,7 +9385,7 @@
                   </m:oMath>
                 </a14:m>
                 <a:r>
-                  <a:rPr lang="zh-CN" altLang="en-US" sz="2800" dirty="0" smtClean="0">
+                  <a:rPr lang="zh-CN" altLang="en-US" sz="2800" dirty="0">
                     <a:latin typeface="华文新魏" panose="02010800040101010101" pitchFamily="2" charset="-122"/>
                     <a:ea typeface="华文新魏" panose="02010800040101010101" pitchFamily="2" charset="-122"/>
                   </a:rPr>
@@ -9336,7 +9400,7 @@
                   <a:buFont typeface="Wingdings" panose="05000000000000000000" pitchFamily="2" charset="2"/>
                   <a:buNone/>
                 </a:pPr>
-                <a:endParaRPr lang="en-US" altLang="zh-CN" sz="2800" dirty="0" smtClean="0">
+                <a:endParaRPr lang="en-US" altLang="zh-CN" sz="2800" dirty="0">
                   <a:latin typeface="华文新魏" panose="02010800040101010101" pitchFamily="2" charset="-122"/>
                   <a:ea typeface="华文新魏" panose="02010800040101010101" pitchFamily="2" charset="-122"/>
                 </a:endParaRPr>
@@ -9387,13 +9451,6 @@
   <p:clrMapOvr>
     <a:masterClrMapping/>
   </p:clrMapOvr>
-  <p:timing>
-    <p:tnLst>
-      <p:par>
-        <p:cTn id="1" dur="indefinite" restart="never" nodeType="tmRoot"/>
-      </p:par>
-    </p:tnLst>
-  </p:timing>
 </p:sld>
 </file>
 
@@ -9433,12 +9490,12 @@
               <a:defRPr/>
             </a:pPr>
             <a:r>
-              <a:rPr lang="zh-CN" altLang="en-US" dirty="0" smtClean="0">
+              <a:rPr lang="zh-CN" altLang="en-US" dirty="0">
                 <a:ea typeface="黑体" pitchFamily="2" charset="-122"/>
               </a:rPr>
               <a:t>集合及其运算</a:t>
             </a:r>
-            <a:endParaRPr lang="zh-CN" altLang="en-US" dirty="0" smtClean="0"/>
+            <a:endParaRPr lang="zh-CN" altLang="en-US" dirty="0"/>
           </a:p>
         </p:txBody>
       </p:sp>
@@ -9462,21 +9519,21 @@
               <a:buNone/>
             </a:pPr>
             <a:r>
-              <a:rPr lang="zh-CN" altLang="en-US" smtClean="0">
+              <a:rPr lang="zh-CN" altLang="en-US">
                 <a:latin typeface="华文中宋" panose="02010600040101010101" pitchFamily="2" charset="-122"/>
                 <a:ea typeface="华文中宋" panose="02010600040101010101" pitchFamily="2" charset="-122"/>
               </a:rPr>
               <a:t>四</a:t>
             </a:r>
             <a:r>
-              <a:rPr lang="en-US" altLang="zh-CN" smtClean="0">
+              <a:rPr lang="en-US" altLang="zh-CN">
                 <a:latin typeface="华文中宋" panose="02010600040101010101" pitchFamily="2" charset="-122"/>
                 <a:ea typeface="华文中宋" panose="02010600040101010101" pitchFamily="2" charset="-122"/>
               </a:rPr>
               <a:t>.</a:t>
             </a:r>
             <a:r>
-              <a:rPr lang="zh-CN" altLang="en-US" smtClean="0">
+              <a:rPr lang="zh-CN" altLang="en-US">
                 <a:latin typeface="华文中宋" panose="02010600040101010101" pitchFamily="2" charset="-122"/>
                 <a:ea typeface="华文中宋" panose="02010600040101010101" pitchFamily="2" charset="-122"/>
               </a:rPr>
@@ -9488,7 +9545,7 @@
               <a:buFont typeface="Wingdings" panose="05000000000000000000" pitchFamily="2" charset="2"/>
               <a:buNone/>
             </a:pPr>
-            <a:endParaRPr lang="zh-CN" altLang="en-US" smtClean="0">
+            <a:endParaRPr lang="zh-CN" altLang="en-US">
               <a:latin typeface="华文中宋" panose="02010600040101010101" pitchFamily="2" charset="-122"/>
               <a:ea typeface="华文中宋" panose="02010600040101010101" pitchFamily="2" charset="-122"/>
             </a:endParaRPr>
@@ -9499,7 +9556,7 @@
               <a:buNone/>
             </a:pPr>
             <a:r>
-              <a:rPr lang="zh-CN" altLang="en-US" sz="3600" b="1" smtClean="0">
+              <a:rPr lang="zh-CN" altLang="en-US" sz="3600" b="1">
                 <a:solidFill>
                   <a:schemeClr val="hlink"/>
                 </a:solidFill>
@@ -9509,7 +9566,7 @@
               <a:t>问题</a:t>
             </a:r>
             <a:r>
-              <a:rPr lang="en-US" altLang="zh-CN" sz="3600" b="1" smtClean="0">
+              <a:rPr lang="en-US" altLang="zh-CN" sz="3600" b="1">
                 <a:solidFill>
                   <a:schemeClr val="hlink"/>
                 </a:solidFill>
@@ -9519,7 +9576,7 @@
               <a:t>1</a:t>
             </a:r>
             <a:r>
-              <a:rPr lang="zh-CN" altLang="en-US" sz="3600" b="1" smtClean="0">
+              <a:rPr lang="zh-CN" altLang="en-US" sz="3600" b="1">
                 <a:solidFill>
                   <a:schemeClr val="hlink"/>
                 </a:solidFill>
@@ -9536,13 +9593,6 @@
   <p:clrMapOvr>
     <a:masterClrMapping/>
   </p:clrMapOvr>
-  <p:timing>
-    <p:tnLst>
-      <p:par>
-        <p:cTn id="1" dur="indefinite" restart="never" nodeType="tmRoot"/>
-      </p:par>
-    </p:tnLst>
-  </p:timing>
 </p:sld>
 </file>
 
@@ -9582,7 +9632,7 @@
               <a:defRPr/>
             </a:pPr>
             <a:r>
-              <a:rPr lang="zh-CN" altLang="en-US" smtClean="0">
+              <a:rPr lang="zh-CN" altLang="en-US">
                 <a:ea typeface="黑体" pitchFamily="2" charset="-122"/>
               </a:rPr>
               <a:t>集合及其运算</a:t>
@@ -9615,35 +9665,35 @@
               <a:buNone/>
             </a:pPr>
             <a:r>
-              <a:rPr lang="zh-CN" altLang="en-US" sz="2800" dirty="0" smtClean="0">
+              <a:rPr lang="zh-CN" altLang="en-US" sz="2800" dirty="0">
                 <a:latin typeface="华文新魏" panose="02010800040101010101" pitchFamily="2" charset="-122"/>
                 <a:ea typeface="华文新魏" panose="02010800040101010101" pitchFamily="2" charset="-122"/>
               </a:rPr>
               <a:t>定理</a:t>
             </a:r>
             <a:r>
-              <a:rPr lang="en-US" altLang="zh-CN" sz="2800" dirty="0" smtClean="0">
+              <a:rPr lang="en-US" altLang="zh-CN" sz="2800" dirty="0">
                 <a:latin typeface="华文新魏" panose="02010800040101010101" pitchFamily="2" charset="-122"/>
                 <a:ea typeface="华文新魏" panose="02010800040101010101" pitchFamily="2" charset="-122"/>
               </a:rPr>
               <a:t>1  </a:t>
             </a:r>
             <a:r>
-              <a:rPr lang="zh-CN" altLang="en-US" sz="2800" dirty="0" smtClean="0">
+              <a:rPr lang="zh-CN" altLang="en-US" sz="2800" dirty="0">
                 <a:latin typeface="华文新魏" panose="02010800040101010101" pitchFamily="2" charset="-122"/>
                 <a:ea typeface="华文新魏" panose="02010800040101010101" pitchFamily="2" charset="-122"/>
               </a:rPr>
               <a:t>（</a:t>
             </a:r>
             <a:r>
-              <a:rPr lang="en-US" altLang="zh-CN" sz="2800" dirty="0" smtClean="0">
+              <a:rPr lang="en-US" altLang="zh-CN" sz="2800" dirty="0">
                 <a:latin typeface="华文新魏" panose="02010800040101010101" pitchFamily="2" charset="-122"/>
                 <a:ea typeface="华文新魏" panose="02010800040101010101" pitchFamily="2" charset="-122"/>
               </a:rPr>
               <a:t>1</a:t>
             </a:r>
             <a:r>
-              <a:rPr lang="zh-CN" altLang="en-US" sz="2800" dirty="0" smtClean="0">
+              <a:rPr lang="zh-CN" altLang="en-US" sz="2800" dirty="0">
                 <a:latin typeface="华文新魏" panose="02010800040101010101" pitchFamily="2" charset="-122"/>
                 <a:ea typeface="华文新魏" panose="02010800040101010101" pitchFamily="2" charset="-122"/>
               </a:rPr>
@@ -9656,21 +9706,21 @@
               <a:buNone/>
             </a:pPr>
             <a:r>
-              <a:rPr lang="zh-CN" altLang="en-US" sz="2800" dirty="0" smtClean="0">
+              <a:rPr lang="zh-CN" altLang="en-US" sz="2800" dirty="0">
                 <a:latin typeface="华文新魏" panose="02010800040101010101" pitchFamily="2" charset="-122"/>
                 <a:ea typeface="华文新魏" panose="02010800040101010101" pitchFamily="2" charset="-122"/>
               </a:rPr>
               <a:t>           （</a:t>
             </a:r>
             <a:r>
-              <a:rPr lang="en-US" altLang="zh-CN" sz="2800" dirty="0" smtClean="0">
+              <a:rPr lang="en-US" altLang="zh-CN" sz="2800" dirty="0">
                 <a:latin typeface="华文新魏" panose="02010800040101010101" pitchFamily="2" charset="-122"/>
                 <a:ea typeface="华文新魏" panose="02010800040101010101" pitchFamily="2" charset="-122"/>
               </a:rPr>
               <a:t>2</a:t>
             </a:r>
             <a:r>
-              <a:rPr lang="zh-CN" altLang="en-US" sz="2800" dirty="0" smtClean="0">
+              <a:rPr lang="zh-CN" altLang="en-US" sz="2800" dirty="0">
                 <a:latin typeface="华文新魏" panose="02010800040101010101" pitchFamily="2" charset="-122"/>
                 <a:ea typeface="华文新魏" panose="02010800040101010101" pitchFamily="2" charset="-122"/>
               </a:rPr>
@@ -9683,21 +9733,21 @@
               <a:buNone/>
             </a:pPr>
             <a:r>
-              <a:rPr lang="zh-CN" altLang="en-US" sz="2800" dirty="0" smtClean="0">
+              <a:rPr lang="zh-CN" altLang="en-US" sz="2800" dirty="0">
                 <a:latin typeface="华文新魏" panose="02010800040101010101" pitchFamily="2" charset="-122"/>
                 <a:ea typeface="华文新魏" panose="02010800040101010101" pitchFamily="2" charset="-122"/>
               </a:rPr>
               <a:t>           （</a:t>
             </a:r>
             <a:r>
-              <a:rPr lang="en-US" altLang="zh-CN" sz="2800" dirty="0" smtClean="0">
+              <a:rPr lang="en-US" altLang="zh-CN" sz="2800" dirty="0">
                 <a:latin typeface="华文新魏" panose="02010800040101010101" pitchFamily="2" charset="-122"/>
                 <a:ea typeface="华文新魏" panose="02010800040101010101" pitchFamily="2" charset="-122"/>
               </a:rPr>
               <a:t>3</a:t>
             </a:r>
             <a:r>
-              <a:rPr lang="zh-CN" altLang="en-US" sz="2800" dirty="0" smtClean="0">
+              <a:rPr lang="zh-CN" altLang="en-US" sz="2800" dirty="0">
                 <a:latin typeface="华文新魏" panose="02010800040101010101" pitchFamily="2" charset="-122"/>
                 <a:ea typeface="华文新魏" panose="02010800040101010101" pitchFamily="2" charset="-122"/>
               </a:rPr>
@@ -9710,21 +9760,21 @@
               <a:buNone/>
             </a:pPr>
             <a:r>
-              <a:rPr lang="zh-CN" altLang="en-US" sz="2800" dirty="0" smtClean="0">
+              <a:rPr lang="zh-CN" altLang="en-US" sz="2800" dirty="0">
                 <a:latin typeface="华文新魏" panose="02010800040101010101" pitchFamily="2" charset="-122"/>
                 <a:ea typeface="华文新魏" panose="02010800040101010101" pitchFamily="2" charset="-122"/>
               </a:rPr>
               <a:t>           （</a:t>
             </a:r>
             <a:r>
-              <a:rPr lang="en-US" altLang="zh-CN" sz="2800" dirty="0" smtClean="0">
+              <a:rPr lang="en-US" altLang="zh-CN" sz="2800" dirty="0">
                 <a:latin typeface="华文新魏" panose="02010800040101010101" pitchFamily="2" charset="-122"/>
                 <a:ea typeface="华文新魏" panose="02010800040101010101" pitchFamily="2" charset="-122"/>
               </a:rPr>
               <a:t>4</a:t>
             </a:r>
             <a:r>
-              <a:rPr lang="zh-CN" altLang="en-US" sz="2800" dirty="0" smtClean="0">
+              <a:rPr lang="zh-CN" altLang="en-US" sz="2800" dirty="0">
                 <a:latin typeface="华文新魏" panose="02010800040101010101" pitchFamily="2" charset="-122"/>
                 <a:ea typeface="华文新魏" panose="02010800040101010101" pitchFamily="2" charset="-122"/>
               </a:rPr>
@@ -9736,7 +9786,7 @@
               <a:buFontTx/>
               <a:buNone/>
             </a:pPr>
-            <a:endParaRPr lang="zh-CN" altLang="en-US" sz="2800" dirty="0" smtClean="0">
+            <a:endParaRPr lang="zh-CN" altLang="en-US" sz="2800" dirty="0">
               <a:latin typeface="华文新魏" panose="02010800040101010101" pitchFamily="2" charset="-122"/>
               <a:ea typeface="华文新魏" panose="02010800040101010101" pitchFamily="2" charset="-122"/>
             </a:endParaRPr>
@@ -9747,7 +9797,7 @@
               <a:buNone/>
             </a:pPr>
             <a:r>
-              <a:rPr lang="zh-CN" altLang="en-US" sz="2800" dirty="0" smtClean="0">
+              <a:rPr lang="zh-CN" altLang="en-US" sz="2800" dirty="0">
                 <a:latin typeface="华文新魏" panose="02010800040101010101" pitchFamily="2" charset="-122"/>
                 <a:ea typeface="华文新魏" panose="02010800040101010101" pitchFamily="2" charset="-122"/>
               </a:rPr>
@@ -9760,21 +9810,21 @@
               <a:buNone/>
             </a:pPr>
             <a:r>
-              <a:rPr lang="zh-CN" altLang="en-US" sz="2800" dirty="0" smtClean="0">
+              <a:rPr lang="zh-CN" altLang="en-US" sz="2800" dirty="0">
                 <a:latin typeface="华文新魏" panose="02010800040101010101" pitchFamily="2" charset="-122"/>
                 <a:ea typeface="华文新魏" panose="02010800040101010101" pitchFamily="2" charset="-122"/>
               </a:rPr>
               <a:t>           （</a:t>
             </a:r>
             <a:r>
-              <a:rPr lang="en-US" altLang="zh-CN" sz="2800" dirty="0" smtClean="0">
+              <a:rPr lang="en-US" altLang="zh-CN" sz="2800" dirty="0">
                 <a:latin typeface="华文新魏" panose="02010800040101010101" pitchFamily="2" charset="-122"/>
                 <a:ea typeface="华文新魏" panose="02010800040101010101" pitchFamily="2" charset="-122"/>
               </a:rPr>
               <a:t>5</a:t>
             </a:r>
             <a:r>
-              <a:rPr lang="zh-CN" altLang="en-US" sz="2800" dirty="0" smtClean="0">
+              <a:rPr lang="zh-CN" altLang="en-US" sz="2800" dirty="0">
                 <a:latin typeface="华文新魏" panose="02010800040101010101" pitchFamily="2" charset="-122"/>
                 <a:ea typeface="华文新魏" panose="02010800040101010101" pitchFamily="2" charset="-122"/>
               </a:rPr>
@@ -9787,28 +9837,28 @@
               <a:buNone/>
             </a:pPr>
             <a:r>
-              <a:rPr lang="zh-CN" altLang="en-US" sz="2800" dirty="0" smtClean="0">
+              <a:rPr lang="zh-CN" altLang="en-US" sz="2800" dirty="0">
                 <a:latin typeface="华文新魏" panose="02010800040101010101" pitchFamily="2" charset="-122"/>
                 <a:ea typeface="华文新魏" panose="02010800040101010101" pitchFamily="2" charset="-122"/>
               </a:rPr>
               <a:t>           （</a:t>
             </a:r>
             <a:r>
-              <a:rPr lang="en-US" altLang="zh-CN" sz="2800" dirty="0" smtClean="0">
+              <a:rPr lang="en-US" altLang="zh-CN" sz="2800" dirty="0">
                 <a:latin typeface="华文新魏" panose="02010800040101010101" pitchFamily="2" charset="-122"/>
                 <a:ea typeface="华文新魏" panose="02010800040101010101" pitchFamily="2" charset="-122"/>
               </a:rPr>
               <a:t>6</a:t>
             </a:r>
             <a:r>
-              <a:rPr lang="zh-CN" altLang="en-US" sz="2800" dirty="0" smtClean="0">
+              <a:rPr lang="zh-CN" altLang="en-US" sz="2800" dirty="0">
                 <a:latin typeface="华文新魏" panose="02010800040101010101" pitchFamily="2" charset="-122"/>
                 <a:ea typeface="华文新魏" panose="02010800040101010101" pitchFamily="2" charset="-122"/>
               </a:rPr>
               <a:t>）</a:t>
             </a:r>
             <a:r>
-              <a:rPr lang="zh-CN" altLang="en-US" sz="2800" dirty="0" smtClean="0"/>
+              <a:rPr lang="zh-CN" altLang="en-US" sz="2800" dirty="0"/>
               <a:t> </a:t>
             </a:r>
           </a:p>
@@ -9817,7 +9867,7 @@
               <a:buFont typeface="Wingdings" panose="05000000000000000000" pitchFamily="2" charset="2"/>
               <a:buNone/>
             </a:pPr>
-            <a:endParaRPr lang="en-US" altLang="zh-CN" dirty="0" smtClean="0"/>
+            <a:endParaRPr lang="en-US" altLang="zh-CN" dirty="0"/>
           </a:p>
         </p:txBody>
       </p:sp>
@@ -9837,12 +9887,12 @@
           <a:graphicData uri="http://schemas.openxmlformats.org/presentationml/2006/ole">
             <mc:AlternateContent xmlns:mc="http://schemas.openxmlformats.org/markup-compatibility/2006">
               <mc:Choice xmlns:v="urn:schemas-microsoft-com:vml" Requires="v">
-                <p:oleObj spid="_x0000_s19544" name="Equation" r:id="rId3" imgW="1085838" imgH="143072" progId="Equation.3">
+                <p:oleObj name="Equation" r:id="rId2" imgW="1085838" imgH="143072" progId="Equation.3">
                   <p:embed/>
                 </p:oleObj>
               </mc:Choice>
               <mc:Fallback>
-                <p:oleObj name="Equation" r:id="rId3" imgW="1085838" imgH="143072" progId="Equation.3">
+                <p:oleObj name="Equation" r:id="rId2" imgW="1085838" imgH="143072" progId="Equation.3">
                   <p:embed/>
                   <p:pic>
                     <p:nvPicPr>
@@ -9853,7 +9903,7 @@
                       <p:nvPr/>
                     </p:nvPicPr>
                     <p:blipFill>
-                      <a:blip r:embed="rId4">
+                      <a:blip r:embed="rId3">
                         <a:extLst>
                           <a:ext uri="{28A0092B-C50C-407E-A947-70E740481C1C}">
                             <a14:useLocalDpi xmlns:a14="http://schemas.microsoft.com/office/drawing/2010/main" val="0"/>
@@ -9930,12 +9980,12 @@
           <a:graphicData uri="http://schemas.openxmlformats.org/presentationml/2006/ole">
             <mc:AlternateContent xmlns:mc="http://schemas.openxmlformats.org/markup-compatibility/2006">
               <mc:Choice xmlns:v="urn:schemas-microsoft-com:vml" Requires="v">
-                <p:oleObj spid="_x0000_s19545" name="Equation" r:id="rId5" imgW="1566810" imgH="157261" progId="Equation.3">
+                <p:oleObj name="Equation" r:id="rId4" imgW="1566810" imgH="157261" progId="Equation.3">
                   <p:embed/>
                 </p:oleObj>
               </mc:Choice>
               <mc:Fallback>
-                <p:oleObj name="Equation" r:id="rId5" imgW="1566810" imgH="157261" progId="Equation.3">
+                <p:oleObj name="Equation" r:id="rId4" imgW="1566810" imgH="157261" progId="Equation.3">
                   <p:embed/>
                   <p:pic>
                     <p:nvPicPr>
@@ -9946,7 +9996,7 @@
                       <p:nvPr/>
                     </p:nvPicPr>
                     <p:blipFill>
-                      <a:blip r:embed="rId6">
+                      <a:blip r:embed="rId5">
                         <a:extLst>
                           <a:ext uri="{28A0092B-C50C-407E-A947-70E740481C1C}">
                             <a14:useLocalDpi xmlns:a14="http://schemas.microsoft.com/office/drawing/2010/main" val="0"/>
@@ -10023,12 +10073,12 @@
           <a:graphicData uri="http://schemas.openxmlformats.org/presentationml/2006/ole">
             <mc:AlternateContent xmlns:mc="http://schemas.openxmlformats.org/markup-compatibility/2006">
               <mc:Choice xmlns:v="urn:schemas-microsoft-com:vml" Requires="v">
-                <p:oleObj spid="_x0000_s19546" name="Equation" r:id="rId7" imgW="1504864" imgH="143072" progId="Equation.3">
+                <p:oleObj name="Equation" r:id="rId6" imgW="1504864" imgH="143072" progId="Equation.3">
                   <p:embed/>
                 </p:oleObj>
               </mc:Choice>
               <mc:Fallback>
-                <p:oleObj name="Equation" r:id="rId7" imgW="1504864" imgH="143072" progId="Equation.3">
+                <p:oleObj name="Equation" r:id="rId6" imgW="1504864" imgH="143072" progId="Equation.3">
                   <p:embed/>
                   <p:pic>
                     <p:nvPicPr>
@@ -10039,7 +10089,7 @@
                       <p:nvPr/>
                     </p:nvPicPr>
                     <p:blipFill>
-                      <a:blip r:embed="rId8">
+                      <a:blip r:embed="rId7">
                         <a:extLst>
                           <a:ext uri="{28A0092B-C50C-407E-A947-70E740481C1C}">
                             <a14:useLocalDpi xmlns:a14="http://schemas.microsoft.com/office/drawing/2010/main" val="0"/>
@@ -10116,12 +10166,12 @@
           <a:graphicData uri="http://schemas.openxmlformats.org/presentationml/2006/ole">
             <mc:AlternateContent xmlns:mc="http://schemas.openxmlformats.org/markup-compatibility/2006">
               <mc:Choice xmlns:v="urn:schemas-microsoft-com:vml" Requires="v">
-                <p:oleObj spid="_x0000_s19547" name="Equation" r:id="rId9" imgW="1376236" imgH="157261" progId="Equation.3">
+                <p:oleObj name="Equation" r:id="rId8" imgW="1376236" imgH="157261" progId="Equation.3">
                   <p:embed/>
                 </p:oleObj>
               </mc:Choice>
               <mc:Fallback>
-                <p:oleObj name="Equation" r:id="rId9" imgW="1376236" imgH="157261" progId="Equation.3">
+                <p:oleObj name="Equation" r:id="rId8" imgW="1376236" imgH="157261" progId="Equation.3">
                   <p:embed/>
                   <p:pic>
                     <p:nvPicPr>
@@ -10132,7 +10182,7 @@
                       <p:nvPr/>
                     </p:nvPicPr>
                     <p:blipFill>
-                      <a:blip r:embed="rId10">
+                      <a:blip r:embed="rId9">
                         <a:extLst>
                           <a:ext uri="{28A0092B-C50C-407E-A947-70E740481C1C}">
                             <a14:useLocalDpi xmlns:a14="http://schemas.microsoft.com/office/drawing/2010/main" val="0"/>
@@ -10209,12 +10259,12 @@
           <a:graphicData uri="http://schemas.openxmlformats.org/presentationml/2006/ole">
             <mc:AlternateContent xmlns:mc="http://schemas.openxmlformats.org/markup-compatibility/2006">
               <mc:Choice xmlns:v="urn:schemas-microsoft-com:vml" Requires="v">
-                <p:oleObj spid="_x0000_s19548" name="Equation" r:id="rId11" imgW="1376236" imgH="157261" progId="Equation.3">
+                <p:oleObj name="Equation" r:id="rId10" imgW="1376236" imgH="157261" progId="Equation.3">
                   <p:embed/>
                 </p:oleObj>
               </mc:Choice>
               <mc:Fallback>
-                <p:oleObj name="Equation" r:id="rId11" imgW="1376236" imgH="157261" progId="Equation.3">
+                <p:oleObj name="Equation" r:id="rId10" imgW="1376236" imgH="157261" progId="Equation.3">
                   <p:embed/>
                   <p:pic>
                     <p:nvPicPr>
@@ -10225,7 +10275,7 @@
                       <p:nvPr/>
                     </p:nvPicPr>
                     <p:blipFill>
-                      <a:blip r:embed="rId12">
+                      <a:blip r:embed="rId11">
                         <a:extLst>
                           <a:ext uri="{28A0092B-C50C-407E-A947-70E740481C1C}">
                             <a14:useLocalDpi xmlns:a14="http://schemas.microsoft.com/office/drawing/2010/main" val="0"/>
@@ -10302,12 +10352,12 @@
           <a:graphicData uri="http://schemas.openxmlformats.org/presentationml/2006/ole">
             <mc:AlternateContent xmlns:mc="http://schemas.openxmlformats.org/markup-compatibility/2006">
               <mc:Choice xmlns:v="urn:schemas-microsoft-com:vml" Requires="v">
-                <p:oleObj spid="_x0000_s19549" name="Equation" r:id="rId13" imgW="1642961" imgH="157261" progId="Equation.3">
+                <p:oleObj name="Equation" r:id="rId12" imgW="1642961" imgH="157261" progId="Equation.3">
                   <p:embed/>
                 </p:oleObj>
               </mc:Choice>
               <mc:Fallback>
-                <p:oleObj name="Equation" r:id="rId13" imgW="1642961" imgH="157261" progId="Equation.3">
+                <p:oleObj name="Equation" r:id="rId12" imgW="1642961" imgH="157261" progId="Equation.3">
                   <p:embed/>
                   <p:pic>
                     <p:nvPicPr>
@@ -10318,7 +10368,7 @@
                       <p:nvPr/>
                     </p:nvPicPr>
                     <p:blipFill>
-                      <a:blip r:embed="rId14">
+                      <a:blip r:embed="rId13">
                         <a:extLst>
                           <a:ext uri="{28A0092B-C50C-407E-A947-70E740481C1C}">
                             <a14:useLocalDpi xmlns:a14="http://schemas.microsoft.com/office/drawing/2010/main" val="0"/>
@@ -10395,12 +10445,12 @@
           <a:graphicData uri="http://schemas.openxmlformats.org/presentationml/2006/ole">
             <mc:AlternateContent xmlns:mc="http://schemas.openxmlformats.org/markup-compatibility/2006">
               <mc:Choice xmlns:v="urn:schemas-microsoft-com:vml" Requires="v">
-                <p:oleObj spid="_x0000_s19550" name="Equation" r:id="rId15" imgW="1619287" imgH="157261" progId="Equation.3">
+                <p:oleObj name="Equation" r:id="rId14" imgW="1619287" imgH="157261" progId="Equation.3">
                   <p:embed/>
                 </p:oleObj>
               </mc:Choice>
               <mc:Fallback>
-                <p:oleObj name="Equation" r:id="rId15" imgW="1619287" imgH="157261" progId="Equation.3">
+                <p:oleObj name="Equation" r:id="rId14" imgW="1619287" imgH="157261" progId="Equation.3">
                   <p:embed/>
                   <p:pic>
                     <p:nvPicPr>
@@ -10411,7 +10461,7 @@
                       <p:nvPr/>
                     </p:nvPicPr>
                     <p:blipFill>
-                      <a:blip r:embed="rId16">
+                      <a:blip r:embed="rId15">
                         <a:extLst>
                           <a:ext uri="{28A0092B-C50C-407E-A947-70E740481C1C}">
                             <a14:useLocalDpi xmlns:a14="http://schemas.microsoft.com/office/drawing/2010/main" val="0"/>
@@ -10477,13 +10527,6 @@
   <p:clrMapOvr>
     <a:masterClrMapping/>
   </p:clrMapOvr>
-  <p:timing>
-    <p:tnLst>
-      <p:par>
-        <p:cTn id="1" dur="indefinite" restart="never" nodeType="tmRoot"/>
-      </p:par>
-    </p:tnLst>
-  </p:timing>
 </p:sld>
 </file>
 
@@ -10523,7 +10566,7 @@
               <a:defRPr/>
             </a:pPr>
             <a:r>
-              <a:rPr lang="zh-CN" altLang="en-US" smtClean="0">
+              <a:rPr lang="zh-CN" altLang="en-US">
                 <a:ea typeface="黑体" pitchFamily="2" charset="-122"/>
               </a:rPr>
               <a:t>集合及其运算</a:t>
@@ -10551,21 +10594,21 @@
               <a:buNone/>
             </a:pPr>
             <a:r>
-              <a:rPr lang="zh-CN" altLang="en-US" sz="2800" dirty="0" smtClean="0">
+              <a:rPr lang="zh-CN" altLang="en-US" sz="2800" dirty="0">
                 <a:latin typeface="华文新魏" panose="02010800040101010101" pitchFamily="2" charset="-122"/>
                 <a:ea typeface="华文新魏" panose="02010800040101010101" pitchFamily="2" charset="-122"/>
               </a:rPr>
               <a:t>（</a:t>
             </a:r>
             <a:r>
-              <a:rPr lang="en-US" altLang="zh-CN" sz="2800" dirty="0" smtClean="0">
+              <a:rPr lang="en-US" altLang="zh-CN" sz="2800" dirty="0">
                 <a:latin typeface="华文新魏" panose="02010800040101010101" pitchFamily="2" charset="-122"/>
                 <a:ea typeface="华文新魏" panose="02010800040101010101" pitchFamily="2" charset="-122"/>
               </a:rPr>
               <a:t>7</a:t>
             </a:r>
             <a:r>
-              <a:rPr lang="zh-CN" altLang="en-US" sz="2800" dirty="0" smtClean="0">
+              <a:rPr lang="zh-CN" altLang="en-US" sz="2800" dirty="0">
                 <a:latin typeface="华文新魏" panose="02010800040101010101" pitchFamily="2" charset="-122"/>
                 <a:ea typeface="华文新魏" panose="02010800040101010101" pitchFamily="2" charset="-122"/>
               </a:rPr>
@@ -10578,21 +10621,21 @@
               <a:buNone/>
             </a:pPr>
             <a:r>
-              <a:rPr lang="zh-CN" altLang="en-US" sz="2800" dirty="0" smtClean="0">
+              <a:rPr lang="zh-CN" altLang="en-US" sz="2800" dirty="0">
                 <a:latin typeface="华文新魏" panose="02010800040101010101" pitchFamily="2" charset="-122"/>
                 <a:ea typeface="华文新魏" panose="02010800040101010101" pitchFamily="2" charset="-122"/>
               </a:rPr>
               <a:t>（</a:t>
             </a:r>
             <a:r>
-              <a:rPr lang="en-US" altLang="zh-CN" sz="2800" dirty="0" smtClean="0">
+              <a:rPr lang="en-US" altLang="zh-CN" sz="2800" dirty="0">
                 <a:latin typeface="华文新魏" panose="02010800040101010101" pitchFamily="2" charset="-122"/>
                 <a:ea typeface="华文新魏" panose="02010800040101010101" pitchFamily="2" charset="-122"/>
               </a:rPr>
               <a:t>8</a:t>
             </a:r>
             <a:r>
-              <a:rPr lang="zh-CN" altLang="en-US" sz="2800" dirty="0" smtClean="0">
+              <a:rPr lang="zh-CN" altLang="en-US" sz="2800" dirty="0">
                 <a:latin typeface="华文新魏" panose="02010800040101010101" pitchFamily="2" charset="-122"/>
                 <a:ea typeface="华文新魏" panose="02010800040101010101" pitchFamily="2" charset="-122"/>
               </a:rPr>
@@ -10605,21 +10648,21 @@
               <a:buNone/>
             </a:pPr>
             <a:r>
-              <a:rPr lang="zh-CN" altLang="en-US" sz="2800" dirty="0" smtClean="0">
+              <a:rPr lang="zh-CN" altLang="en-US" sz="2800" dirty="0">
                 <a:latin typeface="华文新魏" panose="02010800040101010101" pitchFamily="2" charset="-122"/>
                 <a:ea typeface="华文新魏" panose="02010800040101010101" pitchFamily="2" charset="-122"/>
               </a:rPr>
               <a:t>（</a:t>
             </a:r>
             <a:r>
-              <a:rPr lang="en-US" altLang="zh-CN" sz="2800" dirty="0" smtClean="0">
+              <a:rPr lang="en-US" altLang="zh-CN" sz="2800" dirty="0">
                 <a:latin typeface="华文新魏" panose="02010800040101010101" pitchFamily="2" charset="-122"/>
                 <a:ea typeface="华文新魏" panose="02010800040101010101" pitchFamily="2" charset="-122"/>
               </a:rPr>
               <a:t>9</a:t>
             </a:r>
             <a:r>
-              <a:rPr lang="zh-CN" altLang="en-US" sz="2800" dirty="0" smtClean="0">
+              <a:rPr lang="zh-CN" altLang="en-US" sz="2800" dirty="0">
                 <a:latin typeface="华文新魏" panose="02010800040101010101" pitchFamily="2" charset="-122"/>
                 <a:ea typeface="华文新魏" panose="02010800040101010101" pitchFamily="2" charset="-122"/>
               </a:rPr>
@@ -10632,21 +10675,21 @@
               <a:buNone/>
             </a:pPr>
             <a:r>
-              <a:rPr lang="zh-CN" altLang="en-US" sz="2800" dirty="0" smtClean="0">
+              <a:rPr lang="zh-CN" altLang="en-US" sz="2800" dirty="0">
                 <a:latin typeface="华文新魏" panose="02010800040101010101" pitchFamily="2" charset="-122"/>
                 <a:ea typeface="华文新魏" panose="02010800040101010101" pitchFamily="2" charset="-122"/>
               </a:rPr>
               <a:t>（</a:t>
             </a:r>
             <a:r>
-              <a:rPr lang="en-US" altLang="zh-CN" sz="2800" dirty="0" smtClean="0">
+              <a:rPr lang="en-US" altLang="zh-CN" sz="2800" dirty="0">
                 <a:latin typeface="华文新魏" panose="02010800040101010101" pitchFamily="2" charset="-122"/>
                 <a:ea typeface="华文新魏" panose="02010800040101010101" pitchFamily="2" charset="-122"/>
               </a:rPr>
               <a:t>10</a:t>
             </a:r>
             <a:r>
-              <a:rPr lang="zh-CN" altLang="en-US" sz="2800" dirty="0" smtClean="0">
+              <a:rPr lang="zh-CN" altLang="en-US" sz="2800" dirty="0">
                 <a:latin typeface="华文新魏" panose="02010800040101010101" pitchFamily="2" charset="-122"/>
                 <a:ea typeface="华文新魏" panose="02010800040101010101" pitchFamily="2" charset="-122"/>
               </a:rPr>
@@ -10659,21 +10702,21 @@
               <a:buNone/>
             </a:pPr>
             <a:r>
-              <a:rPr lang="zh-CN" altLang="en-US" sz="2800" dirty="0" smtClean="0">
+              <a:rPr lang="zh-CN" altLang="en-US" sz="2800" dirty="0">
                 <a:latin typeface="华文新魏" panose="02010800040101010101" pitchFamily="2" charset="-122"/>
                 <a:ea typeface="华文新魏" panose="02010800040101010101" pitchFamily="2" charset="-122"/>
               </a:rPr>
               <a:t>（</a:t>
             </a:r>
             <a:r>
-              <a:rPr lang="en-US" altLang="zh-CN" sz="2800" dirty="0" smtClean="0">
+              <a:rPr lang="en-US" altLang="zh-CN" sz="2800" dirty="0">
                 <a:latin typeface="华文新魏" panose="02010800040101010101" pitchFamily="2" charset="-122"/>
                 <a:ea typeface="华文新魏" panose="02010800040101010101" pitchFamily="2" charset="-122"/>
               </a:rPr>
               <a:t>11</a:t>
             </a:r>
             <a:r>
-              <a:rPr lang="zh-CN" altLang="en-US" sz="2800" dirty="0" smtClean="0">
+              <a:rPr lang="zh-CN" altLang="en-US" sz="2800" dirty="0">
                 <a:latin typeface="华文新魏" panose="02010800040101010101" pitchFamily="2" charset="-122"/>
                 <a:ea typeface="华文新魏" panose="02010800040101010101" pitchFamily="2" charset="-122"/>
               </a:rPr>
@@ -10686,28 +10729,28 @@
               <a:buNone/>
             </a:pPr>
             <a:r>
-              <a:rPr lang="zh-CN" altLang="en-US" sz="2800" dirty="0" smtClean="0">
+              <a:rPr lang="zh-CN" altLang="en-US" sz="2800" dirty="0">
                 <a:latin typeface="华文新魏" panose="02010800040101010101" pitchFamily="2" charset="-122"/>
                 <a:ea typeface="华文新魏" panose="02010800040101010101" pitchFamily="2" charset="-122"/>
               </a:rPr>
               <a:t>（</a:t>
             </a:r>
             <a:r>
-              <a:rPr lang="en-US" altLang="zh-CN" sz="2800" dirty="0" smtClean="0">
+              <a:rPr lang="en-US" altLang="zh-CN" sz="2800" dirty="0">
                 <a:latin typeface="华文新魏" panose="02010800040101010101" pitchFamily="2" charset="-122"/>
                 <a:ea typeface="华文新魏" panose="02010800040101010101" pitchFamily="2" charset="-122"/>
               </a:rPr>
               <a:t>12</a:t>
             </a:r>
             <a:r>
-              <a:rPr lang="zh-CN" altLang="en-US" sz="2800" dirty="0" smtClean="0">
+              <a:rPr lang="zh-CN" altLang="en-US" sz="2800" dirty="0">
                 <a:latin typeface="华文新魏" panose="02010800040101010101" pitchFamily="2" charset="-122"/>
                 <a:ea typeface="华文新魏" panose="02010800040101010101" pitchFamily="2" charset="-122"/>
               </a:rPr>
               <a:t>）                                                               。</a:t>
             </a:r>
             <a:r>
-              <a:rPr lang="zh-CN" altLang="en-US" dirty="0" smtClean="0"/>
+              <a:rPr lang="zh-CN" altLang="en-US" dirty="0"/>
               <a:t> </a:t>
             </a:r>
           </a:p>
@@ -10729,12 +10772,12 @@
           <a:graphicData uri="http://schemas.openxmlformats.org/presentationml/2006/ole">
             <mc:AlternateContent xmlns:mc="http://schemas.openxmlformats.org/markup-compatibility/2006">
               <mc:Choice xmlns:v="urn:schemas-microsoft-com:vml" Requires="v">
-                <p:oleObj spid="_x0000_s20550" name="Equation" r:id="rId3" imgW="1300085" imgH="157261" progId="Equation.3">
+                <p:oleObj name="Equation" r:id="rId2" imgW="1300085" imgH="157261" progId="Equation.3">
                   <p:embed/>
                 </p:oleObj>
               </mc:Choice>
               <mc:Fallback>
-                <p:oleObj name="Equation" r:id="rId3" imgW="1300085" imgH="157261" progId="Equation.3">
+                <p:oleObj name="Equation" r:id="rId2" imgW="1300085" imgH="157261" progId="Equation.3">
                   <p:embed/>
                   <p:pic>
                     <p:nvPicPr>
@@ -10745,7 +10788,7 @@
                       <p:nvPr/>
                     </p:nvPicPr>
                     <p:blipFill>
-                      <a:blip r:embed="rId4">
+                      <a:blip r:embed="rId3">
                         <a:extLst>
                           <a:ext uri="{28A0092B-C50C-407E-A947-70E740481C1C}">
                             <a14:useLocalDpi xmlns:a14="http://schemas.microsoft.com/office/drawing/2010/main" val="0"/>
@@ -10822,12 +10865,12 @@
           <a:graphicData uri="http://schemas.openxmlformats.org/presentationml/2006/ole">
             <mc:AlternateContent xmlns:mc="http://schemas.openxmlformats.org/markup-compatibility/2006">
               <mc:Choice xmlns:v="urn:schemas-microsoft-com:vml" Requires="v">
-                <p:oleObj spid="_x0000_s20551" name="Equation" r:id="rId5" imgW="1285881" imgH="157261" progId="Equation.3">
+                <p:oleObj name="Equation" r:id="rId4" imgW="1285881" imgH="157261" progId="Equation.3">
                   <p:embed/>
                 </p:oleObj>
               </mc:Choice>
               <mc:Fallback>
-                <p:oleObj name="Equation" r:id="rId5" imgW="1285881" imgH="157261" progId="Equation.3">
+                <p:oleObj name="Equation" r:id="rId4" imgW="1285881" imgH="157261" progId="Equation.3">
                   <p:embed/>
                   <p:pic>
                     <p:nvPicPr>
@@ -10838,7 +10881,7 @@
                       <p:nvPr/>
                     </p:nvPicPr>
                     <p:blipFill>
-                      <a:blip r:embed="rId6">
+                      <a:blip r:embed="rId5">
                         <a:extLst>
                           <a:ext uri="{28A0092B-C50C-407E-A947-70E740481C1C}">
                             <a14:useLocalDpi xmlns:a14="http://schemas.microsoft.com/office/drawing/2010/main" val="0"/>
@@ -10915,12 +10958,12 @@
           <a:graphicData uri="http://schemas.openxmlformats.org/presentationml/2006/ole">
             <mc:AlternateContent xmlns:mc="http://schemas.openxmlformats.org/markup-compatibility/2006">
               <mc:Choice xmlns:v="urn:schemas-microsoft-com:vml" Requires="v">
-                <p:oleObj spid="_x0000_s20552" name="Equation" r:id="rId7" imgW="1605083" imgH="157261" progId="Equation.3">
+                <p:oleObj name="Equation" r:id="rId6" imgW="1605083" imgH="157261" progId="Equation.3">
                   <p:embed/>
                 </p:oleObj>
               </mc:Choice>
               <mc:Fallback>
-                <p:oleObj name="Equation" r:id="rId7" imgW="1605083" imgH="157261" progId="Equation.3">
+                <p:oleObj name="Equation" r:id="rId6" imgW="1605083" imgH="157261" progId="Equation.3">
                   <p:embed/>
                   <p:pic>
                     <p:nvPicPr>
@@ -10931,7 +10974,7 @@
                       <p:nvPr/>
                     </p:nvPicPr>
                     <p:blipFill>
-                      <a:blip r:embed="rId8">
+                      <a:blip r:embed="rId7">
                         <a:extLst>
                           <a:ext uri="{28A0092B-C50C-407E-A947-70E740481C1C}">
                             <a14:useLocalDpi xmlns:a14="http://schemas.microsoft.com/office/drawing/2010/main" val="0"/>
@@ -11008,12 +11051,12 @@
           <a:graphicData uri="http://schemas.openxmlformats.org/presentationml/2006/ole">
             <mc:AlternateContent xmlns:mc="http://schemas.openxmlformats.org/markup-compatibility/2006">
               <mc:Choice xmlns:v="urn:schemas-microsoft-com:vml" Requires="v">
-                <p:oleObj spid="_x0000_s20553" name="Equation" r:id="rId9" imgW="1605083" imgH="157261" progId="Equation.3">
+                <p:oleObj name="Equation" r:id="rId8" imgW="1605083" imgH="157261" progId="Equation.3">
                   <p:embed/>
                 </p:oleObj>
               </mc:Choice>
               <mc:Fallback>
-                <p:oleObj name="Equation" r:id="rId9" imgW="1605083" imgH="157261" progId="Equation.3">
+                <p:oleObj name="Equation" r:id="rId8" imgW="1605083" imgH="157261" progId="Equation.3">
                   <p:embed/>
                   <p:pic>
                     <p:nvPicPr>
@@ -11024,7 +11067,7 @@
                       <p:nvPr/>
                     </p:nvPicPr>
                     <p:blipFill>
-                      <a:blip r:embed="rId10">
+                      <a:blip r:embed="rId9">
                         <a:extLst>
                           <a:ext uri="{28A0092B-C50C-407E-A947-70E740481C1C}">
                             <a14:useLocalDpi xmlns:a14="http://schemas.microsoft.com/office/drawing/2010/main" val="0"/>
@@ -11101,12 +11144,12 @@
           <a:graphicData uri="http://schemas.openxmlformats.org/presentationml/2006/ole">
             <mc:AlternateContent xmlns:mc="http://schemas.openxmlformats.org/markup-compatibility/2006">
               <mc:Choice xmlns:v="urn:schemas-microsoft-com:vml" Requires="v">
-                <p:oleObj spid="_x0000_s20554" name="Equation" r:id="rId11" imgW="1581014" imgH="143072" progId="Equation.3">
+                <p:oleObj name="Equation" r:id="rId10" imgW="1581014" imgH="143072" progId="Equation.3">
                   <p:embed/>
                 </p:oleObj>
               </mc:Choice>
               <mc:Fallback>
-                <p:oleObj name="Equation" r:id="rId11" imgW="1581014" imgH="143072" progId="Equation.3">
+                <p:oleObj name="Equation" r:id="rId10" imgW="1581014" imgH="143072" progId="Equation.3">
                   <p:embed/>
                   <p:pic>
                     <p:nvPicPr>
@@ -11117,7 +11160,7 @@
                       <p:nvPr/>
                     </p:nvPicPr>
                     <p:blipFill>
-                      <a:blip r:embed="rId12">
+                      <a:blip r:embed="rId11">
                         <a:extLst>
                           <a:ext uri="{28A0092B-C50C-407E-A947-70E740481C1C}">
                             <a14:useLocalDpi xmlns:a14="http://schemas.microsoft.com/office/drawing/2010/main" val="0"/>
@@ -11194,12 +11237,12 @@
           <a:graphicData uri="http://schemas.openxmlformats.org/presentationml/2006/ole">
             <mc:AlternateContent xmlns:mc="http://schemas.openxmlformats.org/markup-compatibility/2006">
               <mc:Choice xmlns:v="urn:schemas-microsoft-com:vml" Requires="v">
-                <p:oleObj spid="_x0000_s20555" name="Equation" r:id="rId13" imgW="2000435" imgH="180909" progId="Equation.DSMT4">
+                <p:oleObj name="Equation" r:id="rId12" imgW="2000435" imgH="180909" progId="Equation.DSMT4">
                   <p:embed/>
                 </p:oleObj>
               </mc:Choice>
               <mc:Fallback>
-                <p:oleObj name="Equation" r:id="rId13" imgW="2000435" imgH="180909" progId="Equation.DSMT4">
+                <p:oleObj name="Equation" r:id="rId12" imgW="2000435" imgH="180909" progId="Equation.DSMT4">
                   <p:embed/>
                   <p:pic>
                     <p:nvPicPr>
@@ -11210,7 +11253,7 @@
                       <p:nvPr/>
                     </p:nvPicPr>
                     <p:blipFill>
-                      <a:blip r:embed="rId14">
+                      <a:blip r:embed="rId13">
                         <a:extLst>
                           <a:ext uri="{28A0092B-C50C-407E-A947-70E740481C1C}">
                             <a14:useLocalDpi xmlns:a14="http://schemas.microsoft.com/office/drawing/2010/main" val="0"/>
@@ -11276,13 +11319,6 @@
   <p:clrMapOvr>
     <a:masterClrMapping/>
   </p:clrMapOvr>
-  <p:timing>
-    <p:tnLst>
-      <p:par>
-        <p:cTn id="1" dur="indefinite" restart="never" nodeType="tmRoot"/>
-      </p:par>
-    </p:tnLst>
-  </p:timing>
 </p:sld>
 </file>
 
@@ -11322,7 +11358,7 @@
               <a:defRPr/>
             </a:pPr>
             <a:r>
-              <a:rPr lang="zh-CN" altLang="en-US" smtClean="0">
+              <a:rPr lang="zh-CN" altLang="en-US">
                 <a:ea typeface="黑体" pitchFamily="2" charset="-122"/>
               </a:rPr>
               <a:t>集合及其运算</a:t>
@@ -11355,28 +11391,28 @@
               <a:buNone/>
             </a:pPr>
             <a:r>
-              <a:rPr lang="en-US" altLang="zh-CN" sz="2800" dirty="0" smtClean="0">
+              <a:rPr lang="en-US" altLang="zh-CN" sz="2800" dirty="0">
                 <a:latin typeface="华文新魏" panose="02010800040101010101" pitchFamily="2" charset="-122"/>
                 <a:ea typeface="华文新魏" panose="02010800040101010101" pitchFamily="2" charset="-122"/>
               </a:rPr>
               <a:t>     </a:t>
             </a:r>
             <a:r>
-              <a:rPr lang="zh-CN" altLang="en-US" sz="2800" dirty="0" smtClean="0">
+              <a:rPr lang="zh-CN" altLang="en-US" sz="2800" dirty="0">
                 <a:latin typeface="华文新魏" panose="02010800040101010101" pitchFamily="2" charset="-122"/>
                 <a:ea typeface="华文新魏" panose="02010800040101010101" pitchFamily="2" charset="-122"/>
               </a:rPr>
               <a:t>上述基本性质都是常用的，其中</a:t>
             </a:r>
             <a:r>
-              <a:rPr lang="en-US" altLang="zh-CN" sz="2800" dirty="0" smtClean="0">
+              <a:rPr lang="en-US" altLang="zh-CN" sz="2800" dirty="0">
                 <a:latin typeface="华文新魏" panose="02010800040101010101" pitchFamily="2" charset="-122"/>
                 <a:ea typeface="华文新魏" panose="02010800040101010101" pitchFamily="2" charset="-122"/>
               </a:rPr>
               <a:t>(9)</a:t>
             </a:r>
             <a:r>
-              <a:rPr lang="zh-CN" altLang="en-US" sz="2800" dirty="0" smtClean="0">
+              <a:rPr lang="zh-CN" altLang="en-US" sz="2800" dirty="0">
                 <a:latin typeface="华文新魏" panose="02010800040101010101" pitchFamily="2" charset="-122"/>
                 <a:ea typeface="华文新魏" panose="02010800040101010101" pitchFamily="2" charset="-122"/>
               </a:rPr>
@@ -11387,24 +11423,17 @@
                 <a:latin typeface="华文新魏" panose="02010800040101010101" pitchFamily="2" charset="-122"/>
                 <a:ea typeface="华文新魏" panose="02010800040101010101" pitchFamily="2" charset="-122"/>
               </a:rPr>
-              <a:t>(</a:t>
+              <a:t>(10)</a:t>
             </a:r>
             <a:r>
-              <a:rPr lang="en-US" altLang="zh-CN" sz="2800" dirty="0" smtClean="0">
-                <a:latin typeface="华文新魏" panose="02010800040101010101" pitchFamily="2" charset="-122"/>
-                <a:ea typeface="华文新魏" panose="02010800040101010101" pitchFamily="2" charset="-122"/>
-              </a:rPr>
-              <a:t>10)</a:t>
-            </a:r>
-            <a:r>
-              <a:rPr lang="zh-CN" altLang="en-US" sz="2800" dirty="0" smtClean="0">
+              <a:rPr lang="zh-CN" altLang="en-US" sz="2800" dirty="0">
                 <a:latin typeface="华文新魏" panose="02010800040101010101" pitchFamily="2" charset="-122"/>
                 <a:ea typeface="华文新魏" panose="02010800040101010101" pitchFamily="2" charset="-122"/>
               </a:rPr>
               <a:t>两式通常称为</a:t>
             </a:r>
             <a:r>
-              <a:rPr lang="zh-CN" altLang="en-US" sz="2800" dirty="0" smtClean="0">
+              <a:rPr lang="zh-CN" altLang="en-US" sz="2800" dirty="0">
                 <a:solidFill>
                   <a:srgbClr val="FF0000"/>
                 </a:solidFill>
@@ -11414,7 +11443,7 @@
               <a:t>德摩根</a:t>
             </a:r>
             <a:r>
-              <a:rPr lang="en-US" altLang="zh-CN" sz="2800" dirty="0" smtClean="0">
+              <a:rPr lang="en-US" altLang="zh-CN" sz="2800" dirty="0">
                 <a:solidFill>
                   <a:srgbClr val="FF0000"/>
                 </a:solidFill>
@@ -11424,7 +11453,7 @@
               <a:t>(De Morgan )</a:t>
             </a:r>
             <a:r>
-              <a:rPr lang="zh-CN" altLang="en-US" sz="2800" dirty="0" smtClean="0">
+              <a:rPr lang="zh-CN" altLang="en-US" sz="2800" dirty="0">
                 <a:solidFill>
                   <a:srgbClr val="FF0000"/>
                 </a:solidFill>
@@ -11434,7 +11463,7 @@
               <a:t>法则</a:t>
             </a:r>
             <a:r>
-              <a:rPr lang="zh-CN" altLang="en-US" sz="2800" dirty="0" smtClean="0">
+              <a:rPr lang="zh-CN" altLang="en-US" sz="2800" dirty="0">
                 <a:latin typeface="华文新魏" panose="02010800040101010101" pitchFamily="2" charset="-122"/>
                 <a:ea typeface="华文新魏" panose="02010800040101010101" pitchFamily="2" charset="-122"/>
               </a:rPr>
@@ -11448,13 +11477,6 @@
   <p:clrMapOvr>
     <a:masterClrMapping/>
   </p:clrMapOvr>
-  <p:timing>
-    <p:tnLst>
-      <p:par>
-        <p:cTn id="1" dur="indefinite" restart="never" nodeType="tmRoot"/>
-      </p:par>
-    </p:tnLst>
-  </p:timing>
 </p:sld>
 </file>
 
@@ -11494,7 +11516,7 @@
               <a:defRPr/>
             </a:pPr>
             <a:r>
-              <a:rPr lang="zh-CN" altLang="en-US" dirty="0" smtClean="0">
+              <a:rPr lang="zh-CN" altLang="en-US" dirty="0">
                 <a:ea typeface="黑体" pitchFamily="2" charset="-122"/>
               </a:rPr>
               <a:t>集合及其运算</a:t>
@@ -11524,12 +11546,12 @@
           <a:graphicData uri="http://schemas.openxmlformats.org/presentationml/2006/ole">
             <mc:AlternateContent xmlns:mc="http://schemas.openxmlformats.org/markup-compatibility/2006">
               <mc:Choice xmlns:v="urn:schemas-microsoft-com:vml" Requires="v">
-                <p:oleObj spid="_x0000_s22543" name="Equation" r:id="rId3" imgW="2159000" imgH="711200" progId="Equation.DSMT4">
+                <p:oleObj name="Equation" r:id="rId2" imgW="2159000" imgH="711200" progId="Equation.DSMT4">
                   <p:embed/>
                 </p:oleObj>
               </mc:Choice>
               <mc:Fallback>
-                <p:oleObj name="Equation" r:id="rId3" imgW="2159000" imgH="711200" progId="Equation.DSMT4">
+                <p:oleObj name="Equation" r:id="rId2" imgW="2159000" imgH="711200" progId="Equation.DSMT4">
                   <p:embed/>
                   <p:pic>
                     <p:nvPicPr>
@@ -11540,7 +11562,7 @@
                       <p:nvPr/>
                     </p:nvPicPr>
                     <p:blipFill>
-                      <a:blip r:embed="rId4">
+                      <a:blip r:embed="rId3">
                         <a:extLst>
                           <a:ext uri="{28A0092B-C50C-407E-A947-70E740481C1C}">
                             <a14:useLocalDpi xmlns:a14="http://schemas.microsoft.com/office/drawing/2010/main" val="0"/>
@@ -11578,13 +11600,6 @@
   <p:clrMapOvr>
     <a:masterClrMapping/>
   </p:clrMapOvr>
-  <p:timing>
-    <p:tnLst>
-      <p:par>
-        <p:cTn id="1" dur="indefinite" restart="never" nodeType="tmRoot"/>
-      </p:par>
-    </p:tnLst>
-  </p:timing>
 </p:sld>
 </file>
 
@@ -11624,7 +11639,7 @@
               <a:defRPr/>
             </a:pPr>
             <a:r>
-              <a:rPr lang="zh-CN" altLang="en-US" smtClean="0">
+              <a:rPr lang="zh-CN" altLang="en-US">
                 <a:ea typeface="黑体" pitchFamily="2" charset="-122"/>
               </a:rPr>
               <a:t>集合及其运算</a:t>
@@ -11655,15 +11670,15 @@
               <a:buNone/>
             </a:pPr>
             <a:r>
-              <a:rPr lang="zh-CN" altLang="en-US" sz="3600" smtClean="0"/>
+              <a:rPr lang="zh-CN" altLang="en-US" sz="3600"/>
               <a:t>五．集合序列的上、下</a:t>
             </a:r>
             <a:r>
-              <a:rPr lang="en-US" altLang="zh-CN" sz="3600" smtClean="0"/>
+              <a:rPr lang="en-US" altLang="zh-CN" sz="3600"/>
               <a:t>(</a:t>
             </a:r>
             <a:r>
-              <a:rPr lang="zh-CN" altLang="en-US" sz="3600" smtClean="0">
+              <a:rPr lang="zh-CN" altLang="en-US" sz="3600">
                 <a:solidFill>
                   <a:srgbClr val="FF0000"/>
                 </a:solidFill>
@@ -11671,24 +11686,20 @@
               <a:t>极</a:t>
             </a:r>
             <a:r>
-              <a:rPr lang="en-US" altLang="zh-CN" sz="3600" smtClean="0"/>
+              <a:rPr lang="en-US" altLang="zh-CN" sz="3600"/>
               <a:t>)</a:t>
             </a:r>
             <a:r>
-              <a:rPr lang="zh-CN" altLang="en-US" sz="3600" smtClean="0"/>
+              <a:rPr lang="zh-CN" altLang="en-US" sz="3600"/>
               <a:t>限集</a:t>
             </a:r>
             <a:br>
-              <a:rPr lang="zh-CN" altLang="en-US" sz="3600" smtClean="0"/>
+              <a:rPr lang="zh-CN" altLang="en-US" sz="3600"/>
             </a:br>
-            <a:r>
-              <a:rPr lang="zh-CN" altLang="en-US" sz="3600" smtClean="0"/>
-              <a:t/>
-            </a:r>
             <a:br>
-              <a:rPr lang="zh-CN" altLang="en-US" sz="3600" smtClean="0"/>
+              <a:rPr lang="zh-CN" altLang="en-US" sz="3600"/>
             </a:br>
-            <a:endParaRPr lang="zh-CN" altLang="en-US" sz="3600" smtClean="0"/>
+            <a:endParaRPr lang="zh-CN" altLang="en-US" sz="3600"/>
           </a:p>
         </p:txBody>
       </p:sp>
@@ -11697,13 +11708,6 @@
   <p:clrMapOvr>
     <a:masterClrMapping/>
   </p:clrMapOvr>
-  <p:timing>
-    <p:tnLst>
-      <p:par>
-        <p:cTn id="1" dur="indefinite" restart="never" nodeType="tmRoot"/>
-      </p:par>
-    </p:tnLst>
-  </p:timing>
 </p:sld>
 </file>
 
@@ -11743,31 +11747,27 @@
               <a:defRPr/>
             </a:pPr>
             <a:r>
-              <a:rPr lang="zh-CN" altLang="en-US" smtClean="0">
+              <a:rPr lang="zh-CN" altLang="en-US">
                 <a:ea typeface="黑体" pitchFamily="2" charset="-122"/>
               </a:rPr>
               <a:t>第</a:t>
             </a:r>
             <a:r>
-              <a:rPr lang="en-US" altLang="zh-CN" smtClean="0">
+              <a:rPr lang="en-US" altLang="zh-CN">
                 <a:ea typeface="黑体" pitchFamily="2" charset="-122"/>
               </a:rPr>
               <a:t>1</a:t>
             </a:r>
             <a:r>
-              <a:rPr lang="zh-CN" altLang="en-US" smtClean="0">
+              <a:rPr lang="zh-CN" altLang="en-US">
                 <a:ea typeface="黑体" pitchFamily="2" charset="-122"/>
               </a:rPr>
               <a:t>讲  集合及其运算</a:t>
             </a:r>
-            <a:r>
-              <a:rPr lang="zh-CN" altLang="en-US" smtClean="0"/>
-              <a:t/>
-            </a:r>
             <a:br>
-              <a:rPr lang="zh-CN" altLang="en-US" smtClean="0"/>
+              <a:rPr lang="zh-CN" altLang="en-US"/>
             </a:br>
-            <a:endParaRPr lang="zh-CN" altLang="en-US" smtClean="0"/>
+            <a:endParaRPr lang="zh-CN" altLang="en-US"/>
           </a:p>
         </p:txBody>
       </p:sp>
@@ -11799,34 +11799,34 @@
               <a:buNone/>
             </a:pPr>
             <a:r>
-              <a:rPr lang="zh-CN" altLang="en-US" sz="2800" u="sng" dirty="0" smtClean="0">
+              <a:rPr lang="zh-CN" altLang="en-US" sz="2800" u="sng" dirty="0">
                 <a:latin typeface="华文中宋" panose="02010600040101010101" pitchFamily="2" charset="-122"/>
                 <a:ea typeface="华文中宋" panose="02010600040101010101" pitchFamily="2" charset="-122"/>
               </a:rPr>
               <a:t>目的</a:t>
             </a:r>
             <a:r>
-              <a:rPr lang="zh-CN" altLang="en-US" sz="2800" dirty="0" smtClean="0">
+              <a:rPr lang="zh-CN" altLang="en-US" sz="2800" dirty="0">
                 <a:latin typeface="华文中宋" panose="02010600040101010101" pitchFamily="2" charset="-122"/>
                 <a:ea typeface="华文中宋" panose="02010600040101010101" pitchFamily="2" charset="-122"/>
               </a:rPr>
               <a:t>：了解集合的表示法；掌握集合的基本运算；熟悉一些常用集合的符号；准确理解集合序列的上、下限集。</a:t>
             </a:r>
             <a:br>
-              <a:rPr lang="zh-CN" altLang="en-US" sz="2800" dirty="0" smtClean="0">
+              <a:rPr lang="zh-CN" altLang="en-US" sz="2800" dirty="0">
                 <a:latin typeface="华文中宋" panose="02010600040101010101" pitchFamily="2" charset="-122"/>
                 <a:ea typeface="华文中宋" panose="02010600040101010101" pitchFamily="2" charset="-122"/>
               </a:rPr>
             </a:br>
             <a:r>
-              <a:rPr lang="zh-CN" altLang="en-US" sz="2800" u="sng" dirty="0" smtClean="0">
+              <a:rPr lang="zh-CN" altLang="en-US" sz="2800" u="sng" dirty="0">
                 <a:latin typeface="华文中宋" panose="02010600040101010101" pitchFamily="2" charset="-122"/>
                 <a:ea typeface="华文中宋" panose="02010600040101010101" pitchFamily="2" charset="-122"/>
               </a:rPr>
               <a:t>重点与难点</a:t>
             </a:r>
             <a:r>
-              <a:rPr lang="zh-CN" altLang="en-US" sz="2800" dirty="0" smtClean="0">
+              <a:rPr lang="zh-CN" altLang="en-US" sz="2800" dirty="0">
                 <a:latin typeface="华文中宋" panose="02010600040101010101" pitchFamily="2" charset="-122"/>
                 <a:ea typeface="华文中宋" panose="02010600040101010101" pitchFamily="2" charset="-122"/>
               </a:rPr>
@@ -11842,113 +11842,113 @@
               <a:buNone/>
             </a:pPr>
             <a:r>
-              <a:rPr lang="zh-CN" altLang="en-US" sz="2800" u="sng" dirty="0" smtClean="0">
+              <a:rPr lang="zh-CN" altLang="en-US" sz="2800" u="sng" dirty="0">
                 <a:latin typeface="华文中宋" panose="02010600040101010101" pitchFamily="2" charset="-122"/>
                 <a:ea typeface="华文中宋" panose="02010600040101010101" pitchFamily="2" charset="-122"/>
               </a:rPr>
               <a:t>基本内容</a:t>
             </a:r>
             <a:r>
-              <a:rPr lang="zh-CN" altLang="en-US" sz="2800" dirty="0" smtClean="0">
+              <a:rPr lang="zh-CN" altLang="en-US" sz="2800" dirty="0">
                 <a:latin typeface="华文中宋" panose="02010600040101010101" pitchFamily="2" charset="-122"/>
                 <a:ea typeface="华文中宋" panose="02010600040101010101" pitchFamily="2" charset="-122"/>
               </a:rPr>
               <a:t>：</a:t>
             </a:r>
             <a:br>
-              <a:rPr lang="zh-CN" altLang="en-US" sz="2800" dirty="0" smtClean="0">
+              <a:rPr lang="zh-CN" altLang="en-US" sz="2800" dirty="0">
                 <a:latin typeface="华文中宋" panose="02010600040101010101" pitchFamily="2" charset="-122"/>
                 <a:ea typeface="华文中宋" panose="02010600040101010101" pitchFamily="2" charset="-122"/>
               </a:rPr>
             </a:br>
             <a:r>
-              <a:rPr lang="zh-CN" altLang="en-US" sz="2800" dirty="0" smtClean="0">
+              <a:rPr lang="zh-CN" altLang="en-US" sz="2800" dirty="0">
                 <a:latin typeface="华文中宋" panose="02010600040101010101" pitchFamily="2" charset="-122"/>
                 <a:ea typeface="华文中宋" panose="02010600040101010101" pitchFamily="2" charset="-122"/>
               </a:rPr>
               <a:t>一．背景</a:t>
             </a:r>
             <a:br>
-              <a:rPr lang="zh-CN" altLang="en-US" sz="2800" dirty="0" smtClean="0">
+              <a:rPr lang="zh-CN" altLang="en-US" sz="2800" dirty="0">
                 <a:latin typeface="华文中宋" panose="02010600040101010101" pitchFamily="2" charset="-122"/>
                 <a:ea typeface="华文中宋" panose="02010600040101010101" pitchFamily="2" charset="-122"/>
               </a:rPr>
             </a:br>
             <a:r>
-              <a:rPr lang="en-US" altLang="zh-CN" sz="2800" dirty="0" smtClean="0">
+              <a:rPr lang="en-US" altLang="zh-CN" sz="2800" dirty="0">
                 <a:latin typeface="华文中宋" panose="02010600040101010101" pitchFamily="2" charset="-122"/>
                 <a:ea typeface="华文中宋" panose="02010600040101010101" pitchFamily="2" charset="-122"/>
               </a:rPr>
               <a:t>1</a:t>
             </a:r>
             <a:r>
-              <a:rPr lang="zh-CN" altLang="en-US" sz="2800" dirty="0" smtClean="0">
+              <a:rPr lang="zh-CN" altLang="en-US" sz="2800" dirty="0">
                 <a:latin typeface="华文中宋" panose="02010600040101010101" pitchFamily="2" charset="-122"/>
                 <a:ea typeface="华文中宋" panose="02010600040101010101" pitchFamily="2" charset="-122"/>
               </a:rPr>
               <a:t>．</a:t>
             </a:r>
             <a:r>
-              <a:rPr lang="en-US" altLang="zh-CN" sz="2800" dirty="0" smtClean="0">
+              <a:rPr lang="en-US" altLang="zh-CN" sz="2800" dirty="0">
                 <a:latin typeface="华文中宋" panose="02010600040101010101" pitchFamily="2" charset="-122"/>
                 <a:ea typeface="华文中宋" panose="02010600040101010101" pitchFamily="2" charset="-122"/>
               </a:rPr>
               <a:t>Cantor</a:t>
             </a:r>
             <a:r>
-              <a:rPr lang="zh-CN" altLang="en-US" sz="2800" dirty="0" smtClean="0">
+              <a:rPr lang="zh-CN" altLang="en-US" sz="2800" dirty="0">
                 <a:latin typeface="华文中宋" panose="02010600040101010101" pitchFamily="2" charset="-122"/>
                 <a:ea typeface="华文中宋" panose="02010600040101010101" pitchFamily="2" charset="-122"/>
               </a:rPr>
               <a:t>的朴素集合论</a:t>
             </a:r>
             <a:br>
-              <a:rPr lang="zh-CN" altLang="en-US" sz="2800" dirty="0" smtClean="0">
+              <a:rPr lang="zh-CN" altLang="en-US" sz="2800" dirty="0">
                 <a:latin typeface="华文中宋" panose="02010600040101010101" pitchFamily="2" charset="-122"/>
                 <a:ea typeface="华文中宋" panose="02010600040101010101" pitchFamily="2" charset="-122"/>
               </a:rPr>
             </a:br>
             <a:r>
-              <a:rPr lang="en-US" altLang="zh-CN" sz="2800" dirty="0" smtClean="0">
+              <a:rPr lang="en-US" altLang="zh-CN" sz="2800" dirty="0">
                 <a:latin typeface="华文中宋" panose="02010600040101010101" pitchFamily="2" charset="-122"/>
                 <a:ea typeface="华文中宋" panose="02010600040101010101" pitchFamily="2" charset="-122"/>
               </a:rPr>
               <a:t>2</a:t>
             </a:r>
             <a:r>
-              <a:rPr lang="zh-CN" altLang="en-US" sz="2800" dirty="0" smtClean="0">
+              <a:rPr lang="zh-CN" altLang="en-US" sz="2800" dirty="0">
                 <a:latin typeface="华文中宋" panose="02010600040101010101" pitchFamily="2" charset="-122"/>
                 <a:ea typeface="华文中宋" panose="02010600040101010101" pitchFamily="2" charset="-122"/>
               </a:rPr>
               <a:t>．悖论</a:t>
             </a:r>
             <a:br>
-              <a:rPr lang="zh-CN" altLang="en-US" sz="2800" dirty="0" smtClean="0">
+              <a:rPr lang="zh-CN" altLang="en-US" sz="2800" dirty="0">
                 <a:latin typeface="华文中宋" panose="02010600040101010101" pitchFamily="2" charset="-122"/>
                 <a:ea typeface="华文中宋" panose="02010600040101010101" pitchFamily="2" charset="-122"/>
               </a:rPr>
             </a:br>
             <a:r>
-              <a:rPr lang="en-US" altLang="zh-CN" sz="2800" dirty="0" smtClean="0">
+              <a:rPr lang="en-US" altLang="zh-CN" sz="2800" dirty="0">
                 <a:latin typeface="华文中宋" panose="02010600040101010101" pitchFamily="2" charset="-122"/>
                 <a:ea typeface="华文中宋" panose="02010600040101010101" pitchFamily="2" charset="-122"/>
               </a:rPr>
               <a:t>3</a:t>
             </a:r>
             <a:r>
-              <a:rPr lang="zh-CN" altLang="en-US" sz="2800" dirty="0" smtClean="0">
+              <a:rPr lang="zh-CN" altLang="en-US" sz="2800" dirty="0">
                 <a:latin typeface="华文中宋" panose="02010600040101010101" pitchFamily="2" charset="-122"/>
                 <a:ea typeface="华文中宋" panose="02010600040101010101" pitchFamily="2" charset="-122"/>
               </a:rPr>
               <a:t>．基于公理化的集合论</a:t>
             </a:r>
             <a:br>
-              <a:rPr lang="zh-CN" altLang="en-US" sz="2800" dirty="0" smtClean="0">
+              <a:rPr lang="zh-CN" altLang="en-US" sz="2800" dirty="0">
                 <a:latin typeface="华文中宋" panose="02010600040101010101" pitchFamily="2" charset="-122"/>
                 <a:ea typeface="华文中宋" panose="02010600040101010101" pitchFamily="2" charset="-122"/>
               </a:rPr>
             </a:br>
-            <a:endParaRPr lang="zh-CN" altLang="en-US" sz="2800" dirty="0" smtClean="0">
+            <a:endParaRPr lang="zh-CN" altLang="en-US" sz="2800" dirty="0">
               <a:latin typeface="华文中宋" panose="02010600040101010101" pitchFamily="2" charset="-122"/>
               <a:ea typeface="华文中宋" panose="02010600040101010101" pitchFamily="2" charset="-122"/>
             </a:endParaRPr>
@@ -11960,13 +11960,6 @@
   <p:clrMapOvr>
     <a:masterClrMapping/>
   </p:clrMapOvr>
-  <p:timing>
-    <p:tnLst>
-      <p:par>
-        <p:cTn id="1" dur="indefinite" restart="never" nodeType="tmRoot"/>
-      </p:par>
-    </p:tnLst>
-  </p:timing>
 </p:sld>
 </file>
 
@@ -12003,12 +11996,12 @@
           <a:graphicData uri="http://schemas.openxmlformats.org/presentationml/2006/ole">
             <mc:AlternateContent xmlns:mc="http://schemas.openxmlformats.org/markup-compatibility/2006">
               <mc:Choice xmlns:v="urn:schemas-microsoft-com:vml" Requires="v">
-                <p:oleObj spid="_x0000_s24639" name="Equation" r:id="rId3" imgW="1727200" imgH="228600" progId="Equation.3">
+                <p:oleObj name="Equation" r:id="rId2" imgW="1727200" imgH="228600" progId="Equation.3">
                   <p:embed/>
                 </p:oleObj>
               </mc:Choice>
               <mc:Fallback>
-                <p:oleObj name="Equation" r:id="rId3" imgW="1727200" imgH="228600" progId="Equation.3">
+                <p:oleObj name="Equation" r:id="rId2" imgW="1727200" imgH="228600" progId="Equation.3">
                   <p:embed/>
                   <p:pic>
                     <p:nvPicPr>
@@ -12019,7 +12012,7 @@
                       <p:nvPr/>
                     </p:nvPicPr>
                     <p:blipFill>
-                      <a:blip r:embed="rId4">
+                      <a:blip r:embed="rId3">
                         <a:extLst>
                           <a:ext uri="{28A0092B-C50C-407E-A947-70E740481C1C}">
                             <a14:useLocalDpi xmlns:a14="http://schemas.microsoft.com/office/drawing/2010/main" val="0"/>
@@ -12091,12 +12084,12 @@
           <a:graphicData uri="http://schemas.openxmlformats.org/presentationml/2006/ole">
             <mc:AlternateContent xmlns:mc="http://schemas.openxmlformats.org/markup-compatibility/2006">
               <mc:Choice xmlns:v="urn:schemas-microsoft-com:vml" Requires="v">
-                <p:oleObj spid="_x0000_s24640" name="公式" r:id="rId5" imgW="2197100" imgH="228600" progId="Equation.3">
+                <p:oleObj name="公式" r:id="rId4" imgW="2197100" imgH="228600" progId="Equation.3">
                   <p:embed/>
                 </p:oleObj>
               </mc:Choice>
               <mc:Fallback>
-                <p:oleObj name="公式" r:id="rId5" imgW="2197100" imgH="228600" progId="Equation.3">
+                <p:oleObj name="公式" r:id="rId4" imgW="2197100" imgH="228600" progId="Equation.3">
                   <p:embed/>
                   <p:pic>
                     <p:nvPicPr>
@@ -12107,7 +12100,7 @@
                       <p:nvPr/>
                     </p:nvPicPr>
                     <p:blipFill>
-                      <a:blip r:embed="rId6">
+                      <a:blip r:embed="rId5">
                         <a:extLst>
                           <a:ext uri="{28A0092B-C50C-407E-A947-70E740481C1C}">
                             <a14:useLocalDpi xmlns:a14="http://schemas.microsoft.com/office/drawing/2010/main" val="0"/>
@@ -12195,12 +12188,12 @@
             <a:graphicData uri="http://schemas.openxmlformats.org/presentationml/2006/ole">
               <mc:AlternateContent xmlns:mc="http://schemas.openxmlformats.org/markup-compatibility/2006">
                 <mc:Choice xmlns:v="urn:schemas-microsoft-com:vml" Requires="v">
-                  <p:oleObj spid="_x0000_s24641" name="Equation" r:id="rId7" imgW="2145369" imgH="863225" progId="Equation.DSMT4">
+                  <p:oleObj name="Equation" r:id="rId6" imgW="2145369" imgH="863225" progId="Equation.DSMT4">
                     <p:embed/>
                   </p:oleObj>
                 </mc:Choice>
                 <mc:Fallback>
-                  <p:oleObj name="Equation" r:id="rId7" imgW="2145369" imgH="863225" progId="Equation.DSMT4">
+                  <p:oleObj name="Equation" r:id="rId6" imgW="2145369" imgH="863225" progId="Equation.DSMT4">
                     <p:embed/>
                     <p:pic>
                       <p:nvPicPr>
@@ -12211,7 +12204,7 @@
                         <p:nvPr/>
                       </p:nvPicPr>
                       <p:blipFill>
-                        <a:blip r:embed="rId8">
+                        <a:blip r:embed="rId7">
                           <a:extLst>
                             <a:ext uri="{28A0092B-C50C-407E-A947-70E740481C1C}">
                               <a14:useLocalDpi xmlns:a14="http://schemas.microsoft.com/office/drawing/2010/main" val="0"/>
@@ -12332,12 +12325,12 @@
           <a:graphicData uri="http://schemas.openxmlformats.org/presentationml/2006/ole">
             <mc:AlternateContent xmlns:mc="http://schemas.openxmlformats.org/markup-compatibility/2006">
               <mc:Choice xmlns:v="urn:schemas-microsoft-com:vml" Requires="v">
-                <p:oleObj spid="_x0000_s24642" name="Equation" r:id="rId9" imgW="685800" imgH="431800" progId="Equation.3">
+                <p:oleObj name="Equation" r:id="rId8" imgW="685800" imgH="431800" progId="Equation.3">
                   <p:embed/>
                 </p:oleObj>
               </mc:Choice>
               <mc:Fallback>
-                <p:oleObj name="Equation" r:id="rId9" imgW="685800" imgH="431800" progId="Equation.3">
+                <p:oleObj name="Equation" r:id="rId8" imgW="685800" imgH="431800" progId="Equation.3">
                   <p:embed/>
                   <p:pic>
                     <p:nvPicPr>
@@ -12348,7 +12341,7 @@
                       <p:nvPr/>
                     </p:nvPicPr>
                     <p:blipFill>
-                      <a:blip r:embed="rId10">
+                      <a:blip r:embed="rId9">
                         <a:extLst>
                           <a:ext uri="{28A0092B-C50C-407E-A947-70E740481C1C}">
                             <a14:useLocalDpi xmlns:a14="http://schemas.microsoft.com/office/drawing/2010/main" val="0"/>
@@ -12691,12 +12684,12 @@
             <a:graphicData uri="http://schemas.openxmlformats.org/presentationml/2006/ole">
               <mc:AlternateContent xmlns:mc="http://schemas.openxmlformats.org/markup-compatibility/2006">
                 <mc:Choice xmlns:v="urn:schemas-microsoft-com:vml" Requires="v">
-                  <p:oleObj spid="_x0000_s24643" name="Equation" r:id="rId11" imgW="215806" imgH="228501" progId="Equation.3">
+                  <p:oleObj name="Equation" r:id="rId10" imgW="215806" imgH="228501" progId="Equation.3">
                     <p:embed/>
                   </p:oleObj>
                 </mc:Choice>
                 <mc:Fallback>
-                  <p:oleObj name="Equation" r:id="rId11" imgW="215806" imgH="228501" progId="Equation.3">
+                  <p:oleObj name="Equation" r:id="rId10" imgW="215806" imgH="228501" progId="Equation.3">
                     <p:embed/>
                     <p:pic>
                       <p:nvPicPr>
@@ -12707,7 +12700,7 @@
                         <p:nvPr/>
                       </p:nvPicPr>
                       <p:blipFill>
-                        <a:blip r:embed="rId12">
+                        <a:blip r:embed="rId11">
                           <a:extLst>
                             <a:ext uri="{28A0092B-C50C-407E-A947-70E740481C1C}">
                               <a14:useLocalDpi xmlns:a14="http://schemas.microsoft.com/office/drawing/2010/main" val="0"/>
@@ -13708,7 +13701,7 @@
           <a:graphicData uri="http://schemas.openxmlformats.org/presentationml/2006/ole">
             <mc:AlternateContent xmlns:mc="http://schemas.openxmlformats.org/markup-compatibility/2006">
               <mc:Choice xmlns:v="urn:schemas-microsoft-com:vml" Requires="v">
-                <p:oleObj spid="_x0000_s25686" name="Equation" r:id="rId3" imgW="2171700" imgH="863600" progId="Equation.DSMT4">
+                <p:oleObj name="Equation" r:id="rId3" imgW="2171700" imgH="863600" progId="Equation.DSMT4">
                   <p:embed/>
                 </p:oleObj>
               </mc:Choice>
@@ -13796,7 +13789,7 @@
           <a:graphicData uri="http://schemas.openxmlformats.org/presentationml/2006/ole">
             <mc:AlternateContent xmlns:mc="http://schemas.openxmlformats.org/markup-compatibility/2006">
               <mc:Choice xmlns:v="urn:schemas-microsoft-com:vml" Requires="v">
-                <p:oleObj spid="_x0000_s25687" name="Equation" r:id="rId5" imgW="685800" imgH="431800" progId="Equation.3">
+                <p:oleObj name="Equation" r:id="rId5" imgW="685800" imgH="431800" progId="Equation.3">
                   <p:embed/>
                 </p:oleObj>
               </mc:Choice>
@@ -14181,7 +14174,7 @@
           <a:graphicData uri="http://schemas.openxmlformats.org/presentationml/2006/ole">
             <mc:AlternateContent xmlns:mc="http://schemas.openxmlformats.org/markup-compatibility/2006">
               <mc:Choice xmlns:v="urn:schemas-microsoft-com:vml" Requires="v">
-                <p:oleObj spid="_x0000_s25688" name="公式" r:id="rId7" imgW="2171700" imgH="444500" progId="Equation.3">
+                <p:oleObj name="公式" r:id="rId7" imgW="2171700" imgH="444500" progId="Equation.3">
                   <p:embed/>
                 </p:oleObj>
               </mc:Choice>
@@ -14263,10 +14256,10 @@
         </p:nvGrpSpPr>
         <p:grpSpPr bwMode="auto">
           <a:xfrm>
-            <a:off x="5024438" y="3352800"/>
-            <a:ext cx="4119562" cy="3505200"/>
+            <a:off x="5024438" y="3381375"/>
+            <a:ext cx="4119562" cy="3502025"/>
             <a:chOff x="3165" y="2112"/>
-            <a:chExt cx="2595" cy="2208"/>
+            <a:chExt cx="2595" cy="2206"/>
           </a:xfrm>
         </p:grpSpPr>
         <p:graphicFrame>
@@ -14275,17 +14268,23 @@
             <p:cNvGraphicFramePr>
               <a:graphicFrameLocks noChangeAspect="1"/>
             </p:cNvGraphicFramePr>
-            <p:nvPr/>
+            <p:nvPr>
+              <p:extLst>
+                <p:ext uri="{D42A27DB-BD31-4B8C-83A1-F6EECF244321}">
+                  <p14:modId xmlns:p14="http://schemas.microsoft.com/office/powerpoint/2010/main" val="2567217565"/>
+                </p:ext>
+              </p:extLst>
+            </p:nvPr>
           </p:nvGraphicFramePr>
           <p:xfrm>
-            <a:off x="3168" y="3382"/>
+            <a:off x="3179" y="3380"/>
             <a:ext cx="2385" cy="938"/>
           </p:xfrm>
           <a:graphic>
             <a:graphicData uri="http://schemas.openxmlformats.org/presentationml/2006/ole">
               <mc:AlternateContent xmlns:mc="http://schemas.openxmlformats.org/markup-compatibility/2006">
                 <mc:Choice xmlns:v="urn:schemas-microsoft-com:vml" Requires="v">
-                  <p:oleObj spid="_x0000_s25689" name="公式" r:id="rId9" imgW="1727200" imgH="685800" progId="Equation.3">
+                  <p:oleObj name="公式" r:id="rId9" imgW="1727200" imgH="685800" progId="Equation.3">
                     <p:embed/>
                   </p:oleObj>
                 </mc:Choice>
@@ -14315,7 +14314,7 @@
                       </p:blipFill>
                       <p:spPr bwMode="auto">
                         <a:xfrm>
-                          <a:off x="3168" y="3382"/>
+                          <a:off x="3179" y="3380"/>
                           <a:ext cx="2385" cy="938"/>
                         </a:xfrm>
                         <a:prstGeom prst="rect">
@@ -14421,7 +14420,7 @@
             <a:graphicData uri="http://schemas.openxmlformats.org/presentationml/2006/ole">
               <mc:AlternateContent xmlns:mc="http://schemas.openxmlformats.org/markup-compatibility/2006">
                 <mc:Choice xmlns:v="urn:schemas-microsoft-com:vml" Requires="v">
-                  <p:oleObj spid="_x0000_s25690" name="Equation" r:id="rId11" imgW="1879600" imgH="635000" progId="Equation.DSMT4">
+                  <p:oleObj name="Equation" r:id="rId11" imgW="1879600" imgH="635000" progId="Equation.DSMT4">
                     <p:embed/>
                   </p:oleObj>
                 </mc:Choice>
@@ -14510,7 +14509,7 @@
           <a:graphicData uri="http://schemas.openxmlformats.org/presentationml/2006/ole">
             <mc:AlternateContent xmlns:mc="http://schemas.openxmlformats.org/markup-compatibility/2006">
               <mc:Choice xmlns:v="urn:schemas-microsoft-com:vml" Requires="v">
-                <p:oleObj spid="_x0000_s25691" name="Equation" r:id="rId13" imgW="1727200" imgH="228600" progId="Equation.3">
+                <p:oleObj name="Equation" r:id="rId13" imgW="1727200" imgH="228600" progId="Equation.3">
                   <p:embed/>
                 </p:oleObj>
               </mc:Choice>
@@ -14869,7 +14868,7 @@
             <a:graphicData uri="http://schemas.openxmlformats.org/presentationml/2006/ole">
               <mc:AlternateContent xmlns:mc="http://schemas.openxmlformats.org/markup-compatibility/2006">
                 <mc:Choice xmlns:v="urn:schemas-microsoft-com:vml" Requires="v">
-                  <p:oleObj spid="_x0000_s25692" name="Equation" r:id="rId15" imgW="215806" imgH="228501" progId="Equation.3">
+                  <p:oleObj name="Equation" r:id="rId15" imgW="215806" imgH="228501" progId="Equation.3">
                     <p:embed/>
                   </p:oleObj>
                 </mc:Choice>
@@ -15720,12 +15719,12 @@
             <a:graphicData uri="http://schemas.openxmlformats.org/presentationml/2006/ole">
               <mc:AlternateContent xmlns:mc="http://schemas.openxmlformats.org/markup-compatibility/2006">
                 <mc:Choice xmlns:v="urn:schemas-microsoft-com:vml" Requires="v">
-                  <p:oleObj spid="_x0000_s26686" name="公式" r:id="rId3" imgW="317362" imgH="228501" progId="Equation.3">
+                  <p:oleObj name="公式" r:id="rId2" imgW="317362" imgH="228501" progId="Equation.3">
                     <p:embed/>
                   </p:oleObj>
                 </mc:Choice>
                 <mc:Fallback>
-                  <p:oleObj name="公式" r:id="rId3" imgW="317362" imgH="228501" progId="Equation.3">
+                  <p:oleObj name="公式" r:id="rId2" imgW="317362" imgH="228501" progId="Equation.3">
                     <p:embed/>
                     <p:pic>
                       <p:nvPicPr>
@@ -15736,7 +15735,7 @@
                         <p:nvPr/>
                       </p:nvPicPr>
                       <p:blipFill>
-                        <a:blip r:embed="rId4">
+                        <a:blip r:embed="rId3">
                           <a:extLst>
                             <a:ext uri="{28A0092B-C50C-407E-A947-70E740481C1C}">
                               <a14:useLocalDpi xmlns:a14="http://schemas.microsoft.com/office/drawing/2010/main" val="0"/>
@@ -15910,12 +15909,12 @@
             <a:graphicData uri="http://schemas.openxmlformats.org/presentationml/2006/ole">
               <mc:AlternateContent xmlns:mc="http://schemas.openxmlformats.org/markup-compatibility/2006">
                 <mc:Choice xmlns:v="urn:schemas-microsoft-com:vml" Requires="v">
-                  <p:oleObj spid="_x0000_s26687" name="公式" r:id="rId5" imgW="317362" imgH="228501" progId="Equation.3">
+                  <p:oleObj name="公式" r:id="rId4" imgW="317362" imgH="228501" progId="Equation.3">
                     <p:embed/>
                   </p:oleObj>
                 </mc:Choice>
                 <mc:Fallback>
-                  <p:oleObj name="公式" r:id="rId5" imgW="317362" imgH="228501" progId="Equation.3">
+                  <p:oleObj name="公式" r:id="rId4" imgW="317362" imgH="228501" progId="Equation.3">
                     <p:embed/>
                     <p:pic>
                       <p:nvPicPr>
@@ -15926,7 +15925,7 @@
                         <p:nvPr/>
                       </p:nvPicPr>
                       <p:blipFill>
-                        <a:blip r:embed="rId4">
+                        <a:blip r:embed="rId3">
                           <a:extLst>
                             <a:ext uri="{28A0092B-C50C-407E-A947-70E740481C1C}">
                               <a14:useLocalDpi xmlns:a14="http://schemas.microsoft.com/office/drawing/2010/main" val="0"/>
@@ -15998,12 +15997,12 @@
             <a:graphicData uri="http://schemas.openxmlformats.org/presentationml/2006/ole">
               <mc:AlternateContent xmlns:mc="http://schemas.openxmlformats.org/markup-compatibility/2006">
                 <mc:Choice xmlns:v="urn:schemas-microsoft-com:vml" Requires="v">
-                  <p:oleObj spid="_x0000_s26688" name="公式" r:id="rId6" imgW="317362" imgH="228501" progId="Equation.3">
+                  <p:oleObj name="公式" r:id="rId5" imgW="317362" imgH="228501" progId="Equation.3">
                     <p:embed/>
                   </p:oleObj>
                 </mc:Choice>
                 <mc:Fallback>
-                  <p:oleObj name="公式" r:id="rId6" imgW="317362" imgH="228501" progId="Equation.3">
+                  <p:oleObj name="公式" r:id="rId5" imgW="317362" imgH="228501" progId="Equation.3">
                     <p:embed/>
                     <p:pic>
                       <p:nvPicPr>
@@ -16014,7 +16013,7 @@
                         <p:nvPr/>
                       </p:nvPicPr>
                       <p:blipFill>
-                        <a:blip r:embed="rId4">
+                        <a:blip r:embed="rId3">
                           <a:extLst>
                             <a:ext uri="{28A0092B-C50C-407E-A947-70E740481C1C}">
                               <a14:useLocalDpi xmlns:a14="http://schemas.microsoft.com/office/drawing/2010/main" val="0"/>
@@ -16087,12 +16086,12 @@
           <a:graphicData uri="http://schemas.openxmlformats.org/presentationml/2006/ole">
             <mc:AlternateContent xmlns:mc="http://schemas.openxmlformats.org/markup-compatibility/2006">
               <mc:Choice xmlns:v="urn:schemas-microsoft-com:vml" Requires="v">
-                <p:oleObj spid="_x0000_s26689" name="Equation" r:id="rId7" imgW="748975" imgH="317362" progId="Equation.DSMT4">
+                <p:oleObj name="Equation" r:id="rId6" imgW="748975" imgH="317362" progId="Equation.DSMT4">
                   <p:embed/>
                 </p:oleObj>
               </mc:Choice>
               <mc:Fallback>
-                <p:oleObj name="Equation" r:id="rId7" imgW="748975" imgH="317362" progId="Equation.DSMT4">
+                <p:oleObj name="Equation" r:id="rId6" imgW="748975" imgH="317362" progId="Equation.DSMT4">
                   <p:embed/>
                   <p:pic>
                     <p:nvPicPr>
@@ -16103,7 +16102,7 @@
                       <p:nvPr/>
                     </p:nvPicPr>
                     <p:blipFill>
-                      <a:blip r:embed="rId8">
+                      <a:blip r:embed="rId7">
                         <a:extLst>
                           <a:ext uri="{28A0092B-C50C-407E-A947-70E740481C1C}">
                             <a14:useLocalDpi xmlns:a14="http://schemas.microsoft.com/office/drawing/2010/main" val="0"/>
@@ -16180,12 +16179,12 @@
           <a:graphicData uri="http://schemas.openxmlformats.org/presentationml/2006/ole">
             <mc:AlternateContent xmlns:mc="http://schemas.openxmlformats.org/markup-compatibility/2006">
               <mc:Choice xmlns:v="urn:schemas-microsoft-com:vml" Requires="v">
-                <p:oleObj spid="_x0000_s26690" name="Equation" r:id="rId9" imgW="1346200" imgH="368300" progId="Equation.DSMT4">
+                <p:oleObj name="Equation" r:id="rId8" imgW="1346200" imgH="368300" progId="Equation.DSMT4">
                   <p:embed/>
                 </p:oleObj>
               </mc:Choice>
               <mc:Fallback>
-                <p:oleObj name="Equation" r:id="rId9" imgW="1346200" imgH="368300" progId="Equation.DSMT4">
+                <p:oleObj name="Equation" r:id="rId8" imgW="1346200" imgH="368300" progId="Equation.DSMT4">
                   <p:embed/>
                   <p:pic>
                     <p:nvPicPr>
@@ -16196,7 +16195,7 @@
                       <p:nvPr/>
                     </p:nvPicPr>
                     <p:blipFill>
-                      <a:blip r:embed="rId10">
+                      <a:blip r:embed="rId9">
                         <a:extLst>
                           <a:ext uri="{28A0092B-C50C-407E-A947-70E740481C1C}">
                             <a14:useLocalDpi xmlns:a14="http://schemas.microsoft.com/office/drawing/2010/main" val="0"/>
@@ -16579,12 +16578,12 @@
             <a:graphicData uri="http://schemas.openxmlformats.org/presentationml/2006/ole">
               <mc:AlternateContent xmlns:mc="http://schemas.openxmlformats.org/markup-compatibility/2006">
                 <mc:Choice xmlns:v="urn:schemas-microsoft-com:vml" Requires="v">
-                  <p:oleObj spid="_x0000_s27698" name="公式" r:id="rId3" imgW="3606800" imgH="228600" progId="Equation.3">
+                  <p:oleObj name="公式" r:id="rId2" imgW="3606800" imgH="228600" progId="Equation.3">
                     <p:embed/>
                   </p:oleObj>
                 </mc:Choice>
                 <mc:Fallback>
-                  <p:oleObj name="公式" r:id="rId3" imgW="3606800" imgH="228600" progId="Equation.3">
+                  <p:oleObj name="公式" r:id="rId2" imgW="3606800" imgH="228600" progId="Equation.3">
                     <p:embed/>
                     <p:pic>
                       <p:nvPicPr>
@@ -16595,7 +16594,7 @@
                         <p:nvPr/>
                       </p:nvPicPr>
                       <p:blipFill>
-                        <a:blip r:embed="rId4">
+                        <a:blip r:embed="rId3">
                           <a:extLst>
                             <a:ext uri="{28A0092B-C50C-407E-A947-70E740481C1C}">
                               <a14:useLocalDpi xmlns:a14="http://schemas.microsoft.com/office/drawing/2010/main" val="0"/>
@@ -16667,12 +16666,12 @@
             <a:graphicData uri="http://schemas.openxmlformats.org/presentationml/2006/ole">
               <mc:AlternateContent xmlns:mc="http://schemas.openxmlformats.org/markup-compatibility/2006">
                 <mc:Choice xmlns:v="urn:schemas-microsoft-com:vml" Requires="v">
-                  <p:oleObj spid="_x0000_s27699" name="公式" r:id="rId5" imgW="3606800" imgH="228600" progId="Equation.3">
+                  <p:oleObj name="公式" r:id="rId4" imgW="3606800" imgH="228600" progId="Equation.3">
                     <p:embed/>
                   </p:oleObj>
                 </mc:Choice>
                 <mc:Fallback>
-                  <p:oleObj name="公式" r:id="rId5" imgW="3606800" imgH="228600" progId="Equation.3">
+                  <p:oleObj name="公式" r:id="rId4" imgW="3606800" imgH="228600" progId="Equation.3">
                     <p:embed/>
                     <p:pic>
                       <p:nvPicPr>
@@ -16683,7 +16682,7 @@
                         <p:nvPr/>
                       </p:nvPicPr>
                       <p:blipFill>
-                        <a:blip r:embed="rId6">
+                        <a:blip r:embed="rId5">
                           <a:extLst>
                             <a:ext uri="{28A0092B-C50C-407E-A947-70E740481C1C}">
                               <a14:useLocalDpi xmlns:a14="http://schemas.microsoft.com/office/drawing/2010/main" val="0"/>
@@ -16854,12 +16853,12 @@
             <a:graphicData uri="http://schemas.openxmlformats.org/presentationml/2006/ole">
               <mc:AlternateContent xmlns:mc="http://schemas.openxmlformats.org/markup-compatibility/2006">
                 <mc:Choice xmlns:v="urn:schemas-microsoft-com:vml" Requires="v">
-                  <p:oleObj spid="_x0000_s27700" name="公式" r:id="rId7" imgW="2489200" imgH="431800" progId="Equation.3">
+                  <p:oleObj name="公式" r:id="rId6" imgW="2489200" imgH="431800" progId="Equation.3">
                     <p:embed/>
                   </p:oleObj>
                 </mc:Choice>
                 <mc:Fallback>
-                  <p:oleObj name="公式" r:id="rId7" imgW="2489200" imgH="431800" progId="Equation.3">
+                  <p:oleObj name="公式" r:id="rId6" imgW="2489200" imgH="431800" progId="Equation.3">
                     <p:embed/>
                     <p:pic>
                       <p:nvPicPr>
@@ -16870,7 +16869,7 @@
                         <p:nvPr/>
                       </p:nvPicPr>
                       <p:blipFill>
-                        <a:blip r:embed="rId8">
+                        <a:blip r:embed="rId7">
                           <a:extLst>
                             <a:ext uri="{28A0092B-C50C-407E-A947-70E740481C1C}">
                               <a14:useLocalDpi xmlns:a14="http://schemas.microsoft.com/office/drawing/2010/main" val="0"/>
@@ -16942,12 +16941,12 @@
             <a:graphicData uri="http://schemas.openxmlformats.org/presentationml/2006/ole">
               <mc:AlternateContent xmlns:mc="http://schemas.openxmlformats.org/markup-compatibility/2006">
                 <mc:Choice xmlns:v="urn:schemas-microsoft-com:vml" Requires="v">
-                  <p:oleObj spid="_x0000_s27701" name="公式" r:id="rId9" imgW="2362200" imgH="431800" progId="Equation.3">
+                  <p:oleObj name="公式" r:id="rId8" imgW="2362200" imgH="431800" progId="Equation.3">
                     <p:embed/>
                   </p:oleObj>
                 </mc:Choice>
                 <mc:Fallback>
-                  <p:oleObj name="公式" r:id="rId9" imgW="2362200" imgH="431800" progId="Equation.3">
+                  <p:oleObj name="公式" r:id="rId8" imgW="2362200" imgH="431800" progId="Equation.3">
                     <p:embed/>
                     <p:pic>
                       <p:nvPicPr>
@@ -16958,7 +16957,7 @@
                         <p:nvPr/>
                       </p:nvPicPr>
                       <p:blipFill>
-                        <a:blip r:embed="rId10">
+                        <a:blip r:embed="rId9">
                           <a:extLst>
                             <a:ext uri="{28A0092B-C50C-407E-A947-70E740481C1C}">
                               <a14:useLocalDpi xmlns:a14="http://schemas.microsoft.com/office/drawing/2010/main" val="0"/>
@@ -17350,12 +17349,12 @@
             <a:graphicData uri="http://schemas.openxmlformats.org/presentationml/2006/ole">
               <mc:AlternateContent xmlns:mc="http://schemas.openxmlformats.org/markup-compatibility/2006">
                 <mc:Choice xmlns:v="urn:schemas-microsoft-com:vml" Requires="v">
-                  <p:oleObj spid="_x0000_s28744" name="公式" r:id="rId3" imgW="1727200" imgH="685800" progId="Equation.3">
+                  <p:oleObj name="公式" r:id="rId2" imgW="1727200" imgH="685800" progId="Equation.3">
                     <p:embed/>
                   </p:oleObj>
                 </mc:Choice>
                 <mc:Fallback>
-                  <p:oleObj name="公式" r:id="rId3" imgW="1727200" imgH="685800" progId="Equation.3">
+                  <p:oleObj name="公式" r:id="rId2" imgW="1727200" imgH="685800" progId="Equation.3">
                     <p:embed/>
                     <p:pic>
                       <p:nvPicPr>
@@ -17366,7 +17365,7 @@
                         <p:nvPr/>
                       </p:nvPicPr>
                       <p:blipFill>
-                        <a:blip r:embed="rId4">
+                        <a:blip r:embed="rId3">
                           <a:extLst>
                             <a:ext uri="{28A0092B-C50C-407E-A947-70E740481C1C}">
                               <a14:useLocalDpi xmlns:a14="http://schemas.microsoft.com/office/drawing/2010/main" val="0"/>
@@ -17438,12 +17437,12 @@
             <a:graphicData uri="http://schemas.openxmlformats.org/presentationml/2006/ole">
               <mc:AlternateContent xmlns:mc="http://schemas.openxmlformats.org/markup-compatibility/2006">
                 <mc:Choice xmlns:v="urn:schemas-microsoft-com:vml" Requires="v">
-                  <p:oleObj spid="_x0000_s28745" name="公式" r:id="rId5" imgW="1422400" imgH="381000" progId="Equation.3">
+                  <p:oleObj name="公式" r:id="rId4" imgW="1422400" imgH="381000" progId="Equation.3">
                     <p:embed/>
                   </p:oleObj>
                 </mc:Choice>
                 <mc:Fallback>
-                  <p:oleObj name="公式" r:id="rId5" imgW="1422400" imgH="381000" progId="Equation.3">
+                  <p:oleObj name="公式" r:id="rId4" imgW="1422400" imgH="381000" progId="Equation.3">
                     <p:embed/>
                     <p:pic>
                       <p:nvPicPr>
@@ -17454,7 +17453,7 @@
                         <p:nvPr/>
                       </p:nvPicPr>
                       <p:blipFill>
-                        <a:blip r:embed="rId6">
+                        <a:blip r:embed="rId5">
                           <a:extLst>
                             <a:ext uri="{28A0092B-C50C-407E-A947-70E740481C1C}">
                               <a14:useLocalDpi xmlns:a14="http://schemas.microsoft.com/office/drawing/2010/main" val="0"/>
@@ -17543,12 +17542,12 @@
             <a:graphicData uri="http://schemas.openxmlformats.org/presentationml/2006/ole">
               <mc:AlternateContent xmlns:mc="http://schemas.openxmlformats.org/markup-compatibility/2006">
                 <mc:Choice xmlns:v="urn:schemas-microsoft-com:vml" Requires="v">
-                  <p:oleObj spid="_x0000_s28746" name="公式" r:id="rId7" imgW="1727200" imgH="685800" progId="Equation.3">
+                  <p:oleObj name="公式" r:id="rId6" imgW="1727200" imgH="685800" progId="Equation.3">
                     <p:embed/>
                   </p:oleObj>
                 </mc:Choice>
                 <mc:Fallback>
-                  <p:oleObj name="公式" r:id="rId7" imgW="1727200" imgH="685800" progId="Equation.3">
+                  <p:oleObj name="公式" r:id="rId6" imgW="1727200" imgH="685800" progId="Equation.3">
                     <p:embed/>
                     <p:pic>
                       <p:nvPicPr>
@@ -17559,7 +17558,7 @@
                         <p:nvPr/>
                       </p:nvPicPr>
                       <p:blipFill>
-                        <a:blip r:embed="rId8">
+                        <a:blip r:embed="rId7">
                           <a:extLst>
                             <a:ext uri="{28A0092B-C50C-407E-A947-70E740481C1C}">
                               <a14:useLocalDpi xmlns:a14="http://schemas.microsoft.com/office/drawing/2010/main" val="0"/>
@@ -17631,12 +17630,12 @@
             <a:graphicData uri="http://schemas.openxmlformats.org/presentationml/2006/ole">
               <mc:AlternateContent xmlns:mc="http://schemas.openxmlformats.org/markup-compatibility/2006">
                 <mc:Choice xmlns:v="urn:schemas-microsoft-com:vml" Requires="v">
-                  <p:oleObj spid="_x0000_s28747" name="公式" r:id="rId9" imgW="1409700" imgH="368300" progId="Equation.3">
+                  <p:oleObj name="公式" r:id="rId8" imgW="1409700" imgH="368300" progId="Equation.3">
                     <p:embed/>
                   </p:oleObj>
                 </mc:Choice>
                 <mc:Fallback>
-                  <p:oleObj name="公式" r:id="rId9" imgW="1409700" imgH="368300" progId="Equation.3">
+                  <p:oleObj name="公式" r:id="rId8" imgW="1409700" imgH="368300" progId="Equation.3">
                     <p:embed/>
                     <p:pic>
                       <p:nvPicPr>
@@ -17647,7 +17646,7 @@
                         <p:nvPr/>
                       </p:nvPicPr>
                       <p:blipFill>
-                        <a:blip r:embed="rId10">
+                        <a:blip r:embed="rId9">
                           <a:extLst>
                             <a:ext uri="{28A0092B-C50C-407E-A947-70E740481C1C}">
                               <a14:useLocalDpi xmlns:a14="http://schemas.microsoft.com/office/drawing/2010/main" val="0"/>
@@ -17720,12 +17719,12 @@
           <a:graphicData uri="http://schemas.openxmlformats.org/presentationml/2006/ole">
             <mc:AlternateContent xmlns:mc="http://schemas.openxmlformats.org/markup-compatibility/2006">
               <mc:Choice xmlns:v="urn:schemas-microsoft-com:vml" Requires="v">
-                <p:oleObj spid="_x0000_s28748" name="公式" r:id="rId11" imgW="1041400" imgH="1117600" progId="Equation.3">
+                <p:oleObj name="公式" r:id="rId10" imgW="1041400" imgH="1117600" progId="Equation.3">
                   <p:embed/>
                 </p:oleObj>
               </mc:Choice>
               <mc:Fallback>
-                <p:oleObj name="公式" r:id="rId11" imgW="1041400" imgH="1117600" progId="Equation.3">
+                <p:oleObj name="公式" r:id="rId10" imgW="1041400" imgH="1117600" progId="Equation.3">
                   <p:embed/>
                   <p:pic>
                     <p:nvPicPr>
@@ -17736,7 +17735,7 @@
                       <p:nvPr/>
                     </p:nvPicPr>
                     <p:blipFill>
-                      <a:blip r:embed="rId12">
+                      <a:blip r:embed="rId11">
                         <a:extLst>
                           <a:ext uri="{28A0092B-C50C-407E-A947-70E740481C1C}">
                             <a14:useLocalDpi xmlns:a14="http://schemas.microsoft.com/office/drawing/2010/main" val="0"/>
@@ -18056,12 +18055,12 @@
           <a:graphicData uri="http://schemas.openxmlformats.org/presentationml/2006/ole">
             <mc:AlternateContent xmlns:mc="http://schemas.openxmlformats.org/markup-compatibility/2006">
               <mc:Choice xmlns:v="urn:schemas-microsoft-com:vml" Requires="v">
-                <p:oleObj spid="_x0000_s28749" name="公式" r:id="rId13" imgW="1066800" imgH="1117600" progId="Equation.3">
+                <p:oleObj name="公式" r:id="rId12" imgW="1066800" imgH="1117600" progId="Equation.3">
                   <p:embed/>
                 </p:oleObj>
               </mc:Choice>
               <mc:Fallback>
-                <p:oleObj name="公式" r:id="rId13" imgW="1066800" imgH="1117600" progId="Equation.3">
+                <p:oleObj name="公式" r:id="rId12" imgW="1066800" imgH="1117600" progId="Equation.3">
                   <p:embed/>
                   <p:pic>
                     <p:nvPicPr>
@@ -18072,7 +18071,7 @@
                       <p:nvPr/>
                     </p:nvPicPr>
                     <p:blipFill>
-                      <a:blip r:embed="rId14">
+                      <a:blip r:embed="rId13">
                         <a:extLst>
                           <a:ext uri="{28A0092B-C50C-407E-A947-70E740481C1C}">
                             <a14:useLocalDpi xmlns:a14="http://schemas.microsoft.com/office/drawing/2010/main" val="0"/>
@@ -18718,12 +18717,12 @@
             <a:graphicData uri="http://schemas.openxmlformats.org/presentationml/2006/ole">
               <mc:AlternateContent xmlns:mc="http://schemas.openxmlformats.org/markup-compatibility/2006">
                 <mc:Choice xmlns:v="urn:schemas-microsoft-com:vml" Requires="v">
-                  <p:oleObj spid="_x0000_s29768" name="公式" r:id="rId3" imgW="1727200" imgH="685800" progId="Equation.3">
+                  <p:oleObj name="公式" r:id="rId2" imgW="1727200" imgH="685800" progId="Equation.3">
                     <p:embed/>
                   </p:oleObj>
                 </mc:Choice>
                 <mc:Fallback>
-                  <p:oleObj name="公式" r:id="rId3" imgW="1727200" imgH="685800" progId="Equation.3">
+                  <p:oleObj name="公式" r:id="rId2" imgW="1727200" imgH="685800" progId="Equation.3">
                     <p:embed/>
                     <p:pic>
                       <p:nvPicPr>
@@ -18734,7 +18733,7 @@
                         <p:nvPr/>
                       </p:nvPicPr>
                       <p:blipFill>
-                        <a:blip r:embed="rId4">
+                        <a:blip r:embed="rId3">
                           <a:extLst>
                             <a:ext uri="{28A0092B-C50C-407E-A947-70E740481C1C}">
                               <a14:useLocalDpi xmlns:a14="http://schemas.microsoft.com/office/drawing/2010/main" val="0"/>
@@ -18806,12 +18805,12 @@
             <a:graphicData uri="http://schemas.openxmlformats.org/presentationml/2006/ole">
               <mc:AlternateContent xmlns:mc="http://schemas.openxmlformats.org/markup-compatibility/2006">
                 <mc:Choice xmlns:v="urn:schemas-microsoft-com:vml" Requires="v">
-                  <p:oleObj spid="_x0000_s29769" name="公式" r:id="rId5" imgW="1422400" imgH="381000" progId="Equation.3">
+                  <p:oleObj name="公式" r:id="rId4" imgW="1422400" imgH="381000" progId="Equation.3">
                     <p:embed/>
                   </p:oleObj>
                 </mc:Choice>
                 <mc:Fallback>
-                  <p:oleObj name="公式" r:id="rId5" imgW="1422400" imgH="381000" progId="Equation.3">
+                  <p:oleObj name="公式" r:id="rId4" imgW="1422400" imgH="381000" progId="Equation.3">
                     <p:embed/>
                     <p:pic>
                       <p:nvPicPr>
@@ -18822,7 +18821,7 @@
                         <p:nvPr/>
                       </p:nvPicPr>
                       <p:blipFill>
-                        <a:blip r:embed="rId6">
+                        <a:blip r:embed="rId5">
                           <a:extLst>
                             <a:ext uri="{28A0092B-C50C-407E-A947-70E740481C1C}">
                               <a14:useLocalDpi xmlns:a14="http://schemas.microsoft.com/office/drawing/2010/main" val="0"/>
@@ -18911,12 +18910,12 @@
             <a:graphicData uri="http://schemas.openxmlformats.org/presentationml/2006/ole">
               <mc:AlternateContent xmlns:mc="http://schemas.openxmlformats.org/markup-compatibility/2006">
                 <mc:Choice xmlns:v="urn:schemas-microsoft-com:vml" Requires="v">
-                  <p:oleObj spid="_x0000_s29770" name="公式" r:id="rId7" imgW="1727200" imgH="685800" progId="Equation.3">
+                  <p:oleObj name="公式" r:id="rId6" imgW="1727200" imgH="685800" progId="Equation.3">
                     <p:embed/>
                   </p:oleObj>
                 </mc:Choice>
                 <mc:Fallback>
-                  <p:oleObj name="公式" r:id="rId7" imgW="1727200" imgH="685800" progId="Equation.3">
+                  <p:oleObj name="公式" r:id="rId6" imgW="1727200" imgH="685800" progId="Equation.3">
                     <p:embed/>
                     <p:pic>
                       <p:nvPicPr>
@@ -18927,7 +18926,7 @@
                         <p:nvPr/>
                       </p:nvPicPr>
                       <p:blipFill>
-                        <a:blip r:embed="rId8">
+                        <a:blip r:embed="rId7">
                           <a:extLst>
                             <a:ext uri="{28A0092B-C50C-407E-A947-70E740481C1C}">
                               <a14:useLocalDpi xmlns:a14="http://schemas.microsoft.com/office/drawing/2010/main" val="0"/>
@@ -18999,12 +18998,12 @@
             <a:graphicData uri="http://schemas.openxmlformats.org/presentationml/2006/ole">
               <mc:AlternateContent xmlns:mc="http://schemas.openxmlformats.org/markup-compatibility/2006">
                 <mc:Choice xmlns:v="urn:schemas-microsoft-com:vml" Requires="v">
-                  <p:oleObj spid="_x0000_s29771" name="Equation" r:id="rId9" imgW="1409700" imgH="368300" progId="Equation.DSMT4">
+                  <p:oleObj name="Equation" r:id="rId8" imgW="1409700" imgH="368300" progId="Equation.DSMT4">
                     <p:embed/>
                   </p:oleObj>
                 </mc:Choice>
                 <mc:Fallback>
-                  <p:oleObj name="Equation" r:id="rId9" imgW="1409700" imgH="368300" progId="Equation.DSMT4">
+                  <p:oleObj name="Equation" r:id="rId8" imgW="1409700" imgH="368300" progId="Equation.DSMT4">
                     <p:embed/>
                     <p:pic>
                       <p:nvPicPr>
@@ -19015,7 +19014,7 @@
                         <p:nvPr/>
                       </p:nvPicPr>
                       <p:blipFill>
-                        <a:blip r:embed="rId10">
+                        <a:blip r:embed="rId9">
                           <a:extLst>
                             <a:ext uri="{28A0092B-C50C-407E-A947-70E740481C1C}">
                               <a14:useLocalDpi xmlns:a14="http://schemas.microsoft.com/office/drawing/2010/main" val="0"/>
@@ -19088,12 +19087,12 @@
           <a:graphicData uri="http://schemas.openxmlformats.org/presentationml/2006/ole">
             <mc:AlternateContent xmlns:mc="http://schemas.openxmlformats.org/markup-compatibility/2006">
               <mc:Choice xmlns:v="urn:schemas-microsoft-com:vml" Requires="v">
-                <p:oleObj spid="_x0000_s29772" name="公式" r:id="rId11" imgW="1066800" imgH="1117600" progId="Equation.3">
+                <p:oleObj name="公式" r:id="rId10" imgW="1066800" imgH="1117600" progId="Equation.3">
                   <p:embed/>
                 </p:oleObj>
               </mc:Choice>
               <mc:Fallback>
-                <p:oleObj name="公式" r:id="rId11" imgW="1066800" imgH="1117600" progId="Equation.3">
+                <p:oleObj name="公式" r:id="rId10" imgW="1066800" imgH="1117600" progId="Equation.3">
                   <p:embed/>
                   <p:pic>
                     <p:nvPicPr>
@@ -19104,7 +19103,7 @@
                       <p:nvPr/>
                     </p:nvPicPr>
                     <p:blipFill>
-                      <a:blip r:embed="rId12">
+                      <a:blip r:embed="rId11">
                         <a:extLst>
                           <a:ext uri="{28A0092B-C50C-407E-A947-70E740481C1C}">
                             <a14:useLocalDpi xmlns:a14="http://schemas.microsoft.com/office/drawing/2010/main" val="0"/>
@@ -19424,12 +19423,12 @@
           <a:graphicData uri="http://schemas.openxmlformats.org/presentationml/2006/ole">
             <mc:AlternateContent xmlns:mc="http://schemas.openxmlformats.org/markup-compatibility/2006">
               <mc:Choice xmlns:v="urn:schemas-microsoft-com:vml" Requires="v">
-                <p:oleObj spid="_x0000_s29773" name="公式" r:id="rId13" imgW="1041400" imgH="1117600" progId="Equation.3">
+                <p:oleObj name="公式" r:id="rId12" imgW="1041400" imgH="1117600" progId="Equation.3">
                   <p:embed/>
                 </p:oleObj>
               </mc:Choice>
               <mc:Fallback>
-                <p:oleObj name="公式" r:id="rId13" imgW="1041400" imgH="1117600" progId="Equation.3">
+                <p:oleObj name="公式" r:id="rId12" imgW="1041400" imgH="1117600" progId="Equation.3">
                   <p:embed/>
                   <p:pic>
                     <p:nvPicPr>
@@ -19440,7 +19439,7 @@
                       <p:nvPr/>
                     </p:nvPicPr>
                     <p:blipFill>
-                      <a:blip r:embed="rId14">
+                      <a:blip r:embed="rId13">
                         <a:extLst>
                           <a:ext uri="{28A0092B-C50C-407E-A947-70E740481C1C}">
                             <a14:useLocalDpi xmlns:a14="http://schemas.microsoft.com/office/drawing/2010/main" val="0"/>
@@ -20025,12 +20024,12 @@
           <a:graphicData uri="http://schemas.openxmlformats.org/presentationml/2006/ole">
             <mc:AlternateContent xmlns:mc="http://schemas.openxmlformats.org/markup-compatibility/2006">
               <mc:Choice xmlns:v="urn:schemas-microsoft-com:vml" Requires="v">
-                <p:oleObj spid="_x0000_s30812" name="Equation" r:id="rId3" imgW="2959100" imgH="393700" progId="Equation.DSMT4">
+                <p:oleObj name="Equation" r:id="rId2" imgW="2959100" imgH="393700" progId="Equation.DSMT4">
                   <p:embed/>
                 </p:oleObj>
               </mc:Choice>
               <mc:Fallback>
-                <p:oleObj name="Equation" r:id="rId3" imgW="2959100" imgH="393700" progId="Equation.DSMT4">
+                <p:oleObj name="Equation" r:id="rId2" imgW="2959100" imgH="393700" progId="Equation.DSMT4">
                   <p:embed/>
                   <p:pic>
                     <p:nvPicPr>
@@ -20041,7 +20040,7 @@
                       <p:nvPr/>
                     </p:nvPicPr>
                     <p:blipFill>
-                      <a:blip r:embed="rId4">
+                      <a:blip r:embed="rId3">
                         <a:extLst>
                           <a:ext uri="{28A0092B-C50C-407E-A947-70E740481C1C}">
                             <a14:useLocalDpi xmlns:a14="http://schemas.microsoft.com/office/drawing/2010/main" val="0"/>
@@ -20180,12 +20179,12 @@
               <a:graphicData uri="http://schemas.openxmlformats.org/presentationml/2006/ole">
                 <mc:AlternateContent xmlns:mc="http://schemas.openxmlformats.org/markup-compatibility/2006">
                   <mc:Choice xmlns:v="urn:schemas-microsoft-com:vml" Requires="v">
-                    <p:oleObj spid="_x0000_s30813" name="公式" r:id="rId5" imgW="1727200" imgH="685800" progId="Equation.3">
+                    <p:oleObj name="公式" r:id="rId4" imgW="1727200" imgH="685800" progId="Equation.3">
                       <p:embed/>
                     </p:oleObj>
                   </mc:Choice>
                   <mc:Fallback>
-                    <p:oleObj name="公式" r:id="rId5" imgW="1727200" imgH="685800" progId="Equation.3">
+                    <p:oleObj name="公式" r:id="rId4" imgW="1727200" imgH="685800" progId="Equation.3">
                       <p:embed/>
                       <p:pic>
                         <p:nvPicPr>
@@ -20196,7 +20195,7 @@
                           <p:nvPr/>
                         </p:nvPicPr>
                         <p:blipFill>
-                          <a:blip r:embed="rId6">
+                          <a:blip r:embed="rId5">
                             <a:extLst>
                               <a:ext uri="{28A0092B-C50C-407E-A947-70E740481C1C}">
                                 <a14:useLocalDpi xmlns:a14="http://schemas.microsoft.com/office/drawing/2010/main" val="0"/>
@@ -20268,12 +20267,12 @@
               <a:graphicData uri="http://schemas.openxmlformats.org/presentationml/2006/ole">
                 <mc:AlternateContent xmlns:mc="http://schemas.openxmlformats.org/markup-compatibility/2006">
                   <mc:Choice xmlns:v="urn:schemas-microsoft-com:vml" Requires="v">
-                    <p:oleObj spid="_x0000_s30814" name="公式" r:id="rId7" imgW="1422400" imgH="381000" progId="Equation.3">
+                    <p:oleObj name="公式" r:id="rId6" imgW="1422400" imgH="381000" progId="Equation.3">
                       <p:embed/>
                     </p:oleObj>
                   </mc:Choice>
                   <mc:Fallback>
-                    <p:oleObj name="公式" r:id="rId7" imgW="1422400" imgH="381000" progId="Equation.3">
+                    <p:oleObj name="公式" r:id="rId6" imgW="1422400" imgH="381000" progId="Equation.3">
                       <p:embed/>
                       <p:pic>
                         <p:nvPicPr>
@@ -20284,7 +20283,7 @@
                           <p:nvPr/>
                         </p:nvPicPr>
                         <p:blipFill>
-                          <a:blip r:embed="rId8">
+                          <a:blip r:embed="rId7">
                             <a:extLst>
                               <a:ext uri="{28A0092B-C50C-407E-A947-70E740481C1C}">
                                 <a14:useLocalDpi xmlns:a14="http://schemas.microsoft.com/office/drawing/2010/main" val="0"/>
@@ -20373,12 +20372,12 @@
               <a:graphicData uri="http://schemas.openxmlformats.org/presentationml/2006/ole">
                 <mc:AlternateContent xmlns:mc="http://schemas.openxmlformats.org/markup-compatibility/2006">
                   <mc:Choice xmlns:v="urn:schemas-microsoft-com:vml" Requires="v">
-                    <p:oleObj spid="_x0000_s30815" name="公式" r:id="rId9" imgW="1727200" imgH="685800" progId="Equation.3">
+                    <p:oleObj name="公式" r:id="rId8" imgW="1727200" imgH="685800" progId="Equation.3">
                       <p:embed/>
                     </p:oleObj>
                   </mc:Choice>
                   <mc:Fallback>
-                    <p:oleObj name="公式" r:id="rId9" imgW="1727200" imgH="685800" progId="Equation.3">
+                    <p:oleObj name="公式" r:id="rId8" imgW="1727200" imgH="685800" progId="Equation.3">
                       <p:embed/>
                       <p:pic>
                         <p:nvPicPr>
@@ -20389,7 +20388,7 @@
                           <p:nvPr/>
                         </p:nvPicPr>
                         <p:blipFill>
-                          <a:blip r:embed="rId10">
+                          <a:blip r:embed="rId9">
                             <a:extLst>
                               <a:ext uri="{28A0092B-C50C-407E-A947-70E740481C1C}">
                                 <a14:useLocalDpi xmlns:a14="http://schemas.microsoft.com/office/drawing/2010/main" val="0"/>
@@ -20461,12 +20460,12 @@
               <a:graphicData uri="http://schemas.openxmlformats.org/presentationml/2006/ole">
                 <mc:AlternateContent xmlns:mc="http://schemas.openxmlformats.org/markup-compatibility/2006">
                   <mc:Choice xmlns:v="urn:schemas-microsoft-com:vml" Requires="v">
-                    <p:oleObj spid="_x0000_s30816" name="公式" r:id="rId11" imgW="1409700" imgH="368300" progId="Equation.3">
+                    <p:oleObj name="公式" r:id="rId10" imgW="1409700" imgH="368300" progId="Equation.3">
                       <p:embed/>
                     </p:oleObj>
                   </mc:Choice>
                   <mc:Fallback>
-                    <p:oleObj name="公式" r:id="rId11" imgW="1409700" imgH="368300" progId="Equation.3">
+                    <p:oleObj name="公式" r:id="rId10" imgW="1409700" imgH="368300" progId="Equation.3">
                       <p:embed/>
                       <p:pic>
                         <p:nvPicPr>
@@ -20477,7 +20476,7 @@
                           <p:nvPr/>
                         </p:nvPicPr>
                         <p:blipFill>
-                          <a:blip r:embed="rId12">
+                          <a:blip r:embed="rId11">
                             <a:extLst>
                               <a:ext uri="{28A0092B-C50C-407E-A947-70E740481C1C}">
                                 <a14:useLocalDpi xmlns:a14="http://schemas.microsoft.com/office/drawing/2010/main" val="0"/>
@@ -21118,12 +21117,12 @@
           <a:graphicData uri="http://schemas.openxmlformats.org/presentationml/2006/ole">
             <mc:AlternateContent xmlns:mc="http://schemas.openxmlformats.org/markup-compatibility/2006">
               <mc:Choice xmlns:v="urn:schemas-microsoft-com:vml" Requires="v">
-                <p:oleObj spid="_x0000_s30817" name="Equation" r:id="rId13" imgW="1193800" imgH="368300" progId="Equation.DSMT4">
+                <p:oleObj name="Equation" r:id="rId12" imgW="1193800" imgH="368300" progId="Equation.DSMT4">
                   <p:embed/>
                 </p:oleObj>
               </mc:Choice>
               <mc:Fallback>
-                <p:oleObj name="Equation" r:id="rId13" imgW="1193800" imgH="368300" progId="Equation.DSMT4">
+                <p:oleObj name="Equation" r:id="rId12" imgW="1193800" imgH="368300" progId="Equation.DSMT4">
                   <p:embed/>
                   <p:pic>
                     <p:nvPicPr>
@@ -21134,7 +21133,7 @@
                       <p:nvPr/>
                     </p:nvPicPr>
                     <p:blipFill>
-                      <a:blip r:embed="rId14">
+                      <a:blip r:embed="rId13">
                         <a:extLst>
                           <a:ext uri="{28A0092B-C50C-407E-A947-70E740481C1C}">
                             <a14:useLocalDpi xmlns:a14="http://schemas.microsoft.com/office/drawing/2010/main" val="0"/>
@@ -21211,12 +21210,12 @@
           <a:graphicData uri="http://schemas.openxmlformats.org/presentationml/2006/ole">
             <mc:AlternateContent xmlns:mc="http://schemas.openxmlformats.org/markup-compatibility/2006">
               <mc:Choice xmlns:v="urn:schemas-microsoft-com:vml" Requires="v">
-                <p:oleObj spid="_x0000_s30818" name="Equation" r:id="rId15" imgW="1002865" imgH="368140" progId="Equation.DSMT4">
+                <p:oleObj name="Equation" r:id="rId14" imgW="1002865" imgH="368140" progId="Equation.DSMT4">
                   <p:embed/>
                 </p:oleObj>
               </mc:Choice>
               <mc:Fallback>
-                <p:oleObj name="Equation" r:id="rId15" imgW="1002865" imgH="368140" progId="Equation.DSMT4">
+                <p:oleObj name="Equation" r:id="rId14" imgW="1002865" imgH="368140" progId="Equation.DSMT4">
                   <p:embed/>
                   <p:pic>
                     <p:nvPicPr>
@@ -21227,7 +21226,7 @@
                       <p:nvPr/>
                     </p:nvPicPr>
                     <p:blipFill>
-                      <a:blip r:embed="rId16">
+                      <a:blip r:embed="rId15">
                         <a:extLst>
                           <a:ext uri="{28A0092B-C50C-407E-A947-70E740481C1C}">
                             <a14:useLocalDpi xmlns:a14="http://schemas.microsoft.com/office/drawing/2010/main" val="0"/>
@@ -21637,12 +21636,12 @@
           <a:graphicData uri="http://schemas.openxmlformats.org/presentationml/2006/ole">
             <mc:AlternateContent xmlns:mc="http://schemas.openxmlformats.org/markup-compatibility/2006">
               <mc:Choice xmlns:v="urn:schemas-microsoft-com:vml" Requires="v">
-                <p:oleObj spid="_x0000_s31838" name="公式" r:id="rId3" imgW="2743200" imgH="228600" progId="Equation.3">
+                <p:oleObj name="公式" r:id="rId2" imgW="2743200" imgH="228600" progId="Equation.3">
                   <p:embed/>
                 </p:oleObj>
               </mc:Choice>
               <mc:Fallback>
-                <p:oleObj name="公式" r:id="rId3" imgW="2743200" imgH="228600" progId="Equation.3">
+                <p:oleObj name="公式" r:id="rId2" imgW="2743200" imgH="228600" progId="Equation.3">
                   <p:embed/>
                   <p:pic>
                     <p:nvPicPr>
@@ -21653,7 +21652,7 @@
                       <p:nvPr/>
                     </p:nvPicPr>
                     <p:blipFill>
-                      <a:blip r:embed="rId4">
+                      <a:blip r:embed="rId3">
                         <a:extLst>
                           <a:ext uri="{28A0092B-C50C-407E-A947-70E740481C1C}">
                             <a14:useLocalDpi xmlns:a14="http://schemas.microsoft.com/office/drawing/2010/main" val="0"/>
@@ -22433,12 +22432,12 @@
               <a:graphicData uri="http://schemas.openxmlformats.org/presentationml/2006/ole">
                 <mc:AlternateContent xmlns:mc="http://schemas.openxmlformats.org/markup-compatibility/2006">
                   <mc:Choice xmlns:v="urn:schemas-microsoft-com:vml" Requires="v">
-                    <p:oleObj spid="_x0000_s31839" name="公式" r:id="rId5" imgW="1727200" imgH="685800" progId="Equation.3">
+                    <p:oleObj name="公式" r:id="rId4" imgW="1727200" imgH="685800" progId="Equation.3">
                       <p:embed/>
                     </p:oleObj>
                   </mc:Choice>
                   <mc:Fallback>
-                    <p:oleObj name="公式" r:id="rId5" imgW="1727200" imgH="685800" progId="Equation.3">
+                    <p:oleObj name="公式" r:id="rId4" imgW="1727200" imgH="685800" progId="Equation.3">
                       <p:embed/>
                       <p:pic>
                         <p:nvPicPr>
@@ -22449,7 +22448,7 @@
                           <p:nvPr/>
                         </p:nvPicPr>
                         <p:blipFill>
-                          <a:blip r:embed="rId6">
+                          <a:blip r:embed="rId5">
                             <a:extLst>
                               <a:ext uri="{28A0092B-C50C-407E-A947-70E740481C1C}">
                                 <a14:useLocalDpi xmlns:a14="http://schemas.microsoft.com/office/drawing/2010/main" val="0"/>
@@ -22521,12 +22520,12 @@
               <a:graphicData uri="http://schemas.openxmlformats.org/presentationml/2006/ole">
                 <mc:AlternateContent xmlns:mc="http://schemas.openxmlformats.org/markup-compatibility/2006">
                   <mc:Choice xmlns:v="urn:schemas-microsoft-com:vml" Requires="v">
-                    <p:oleObj spid="_x0000_s31840" name="Equation" r:id="rId7" imgW="1409700" imgH="368300" progId="Equation.DSMT4">
+                    <p:oleObj name="Equation" r:id="rId6" imgW="1409700" imgH="368300" progId="Equation.DSMT4">
                       <p:embed/>
                     </p:oleObj>
                   </mc:Choice>
                   <mc:Fallback>
-                    <p:oleObj name="Equation" r:id="rId7" imgW="1409700" imgH="368300" progId="Equation.DSMT4">
+                    <p:oleObj name="Equation" r:id="rId6" imgW="1409700" imgH="368300" progId="Equation.DSMT4">
                       <p:embed/>
                       <p:pic>
                         <p:nvPicPr>
@@ -22537,7 +22536,7 @@
                           <p:nvPr/>
                         </p:nvPicPr>
                         <p:blipFill>
-                          <a:blip r:embed="rId8">
+                          <a:blip r:embed="rId7">
                             <a:extLst>
                               <a:ext uri="{28A0092B-C50C-407E-A947-70E740481C1C}">
                                 <a14:useLocalDpi xmlns:a14="http://schemas.microsoft.com/office/drawing/2010/main" val="0"/>
@@ -22626,12 +22625,12 @@
               <a:graphicData uri="http://schemas.openxmlformats.org/presentationml/2006/ole">
                 <mc:AlternateContent xmlns:mc="http://schemas.openxmlformats.org/markup-compatibility/2006">
                   <mc:Choice xmlns:v="urn:schemas-microsoft-com:vml" Requires="v">
-                    <p:oleObj spid="_x0000_s31841" name="公式" r:id="rId9" imgW="1727200" imgH="685800" progId="Equation.3">
+                    <p:oleObj name="公式" r:id="rId8" imgW="1727200" imgH="685800" progId="Equation.3">
                       <p:embed/>
                     </p:oleObj>
                   </mc:Choice>
                   <mc:Fallback>
-                    <p:oleObj name="公式" r:id="rId9" imgW="1727200" imgH="685800" progId="Equation.3">
+                    <p:oleObj name="公式" r:id="rId8" imgW="1727200" imgH="685800" progId="Equation.3">
                       <p:embed/>
                       <p:pic>
                         <p:nvPicPr>
@@ -22642,7 +22641,7 @@
                           <p:nvPr/>
                         </p:nvPicPr>
                         <p:blipFill>
-                          <a:blip r:embed="rId10">
+                          <a:blip r:embed="rId9">
                             <a:extLst>
                               <a:ext uri="{28A0092B-C50C-407E-A947-70E740481C1C}">
                                 <a14:useLocalDpi xmlns:a14="http://schemas.microsoft.com/office/drawing/2010/main" val="0"/>
@@ -22714,12 +22713,12 @@
               <a:graphicData uri="http://schemas.openxmlformats.org/presentationml/2006/ole">
                 <mc:AlternateContent xmlns:mc="http://schemas.openxmlformats.org/markup-compatibility/2006">
                   <mc:Choice xmlns:v="urn:schemas-microsoft-com:vml" Requires="v">
-                    <p:oleObj spid="_x0000_s31842" name="公式" r:id="rId11" imgW="1422400" imgH="381000" progId="Equation.3">
+                    <p:oleObj name="公式" r:id="rId10" imgW="1422400" imgH="381000" progId="Equation.3">
                       <p:embed/>
                     </p:oleObj>
                   </mc:Choice>
                   <mc:Fallback>
-                    <p:oleObj name="公式" r:id="rId11" imgW="1422400" imgH="381000" progId="Equation.3">
+                    <p:oleObj name="公式" r:id="rId10" imgW="1422400" imgH="381000" progId="Equation.3">
                       <p:embed/>
                       <p:pic>
                         <p:nvPicPr>
@@ -22730,7 +22729,7 @@
                           <p:nvPr/>
                         </p:nvPicPr>
                         <p:blipFill>
-                          <a:blip r:embed="rId12">
+                          <a:blip r:embed="rId11">
                             <a:extLst>
                               <a:ext uri="{28A0092B-C50C-407E-A947-70E740481C1C}">
                                 <a14:useLocalDpi xmlns:a14="http://schemas.microsoft.com/office/drawing/2010/main" val="0"/>
@@ -22804,12 +22803,12 @@
           <a:graphicData uri="http://schemas.openxmlformats.org/presentationml/2006/ole">
             <mc:AlternateContent xmlns:mc="http://schemas.openxmlformats.org/markup-compatibility/2006">
               <mc:Choice xmlns:v="urn:schemas-microsoft-com:vml" Requires="v">
-                <p:oleObj spid="_x0000_s31843" name="Equation" r:id="rId13" imgW="927100" imgH="368300" progId="Equation.DSMT4">
+                <p:oleObj name="Equation" r:id="rId12" imgW="927100" imgH="368300" progId="Equation.DSMT4">
                   <p:embed/>
                 </p:oleObj>
               </mc:Choice>
               <mc:Fallback>
-                <p:oleObj name="Equation" r:id="rId13" imgW="927100" imgH="368300" progId="Equation.DSMT4">
+                <p:oleObj name="Equation" r:id="rId12" imgW="927100" imgH="368300" progId="Equation.DSMT4">
                   <p:embed/>
                   <p:pic>
                     <p:nvPicPr>
@@ -22820,7 +22819,7 @@
                       <p:nvPr/>
                     </p:nvPicPr>
                     <p:blipFill>
-                      <a:blip r:embed="rId14">
+                      <a:blip r:embed="rId13">
                         <a:extLst>
                           <a:ext uri="{28A0092B-C50C-407E-A947-70E740481C1C}">
                             <a14:useLocalDpi xmlns:a14="http://schemas.microsoft.com/office/drawing/2010/main" val="0"/>
@@ -22897,12 +22896,12 @@
           <a:graphicData uri="http://schemas.openxmlformats.org/presentationml/2006/ole">
             <mc:AlternateContent xmlns:mc="http://schemas.openxmlformats.org/markup-compatibility/2006">
               <mc:Choice xmlns:v="urn:schemas-microsoft-com:vml" Requires="v">
-                <p:oleObj spid="_x0000_s31844" name="Equation" r:id="rId15" imgW="952087" imgH="368140" progId="Equation.DSMT4">
+                <p:oleObj name="Equation" r:id="rId14" imgW="952087" imgH="368140" progId="Equation.DSMT4">
                   <p:embed/>
                 </p:oleObj>
               </mc:Choice>
               <mc:Fallback>
-                <p:oleObj name="Equation" r:id="rId15" imgW="952087" imgH="368140" progId="Equation.DSMT4">
+                <p:oleObj name="Equation" r:id="rId14" imgW="952087" imgH="368140" progId="Equation.DSMT4">
                   <p:embed/>
                   <p:pic>
                     <p:nvPicPr>
@@ -22913,7 +22912,7 @@
                       <p:nvPr/>
                     </p:nvPicPr>
                     <p:blipFill>
-                      <a:blip r:embed="rId16">
+                      <a:blip r:embed="rId15">
                         <a:extLst>
                           <a:ext uri="{28A0092B-C50C-407E-A947-70E740481C1C}">
                             <a14:useLocalDpi xmlns:a14="http://schemas.microsoft.com/office/drawing/2010/main" val="0"/>
@@ -23354,12 +23353,12 @@
           <a:graphicData uri="http://schemas.openxmlformats.org/presentationml/2006/ole">
             <mc:AlternateContent xmlns:mc="http://schemas.openxmlformats.org/markup-compatibility/2006">
               <mc:Choice xmlns:v="urn:schemas-microsoft-com:vml" Requires="v">
-                <p:oleObj spid="_x0000_s32816" name="公式" r:id="rId3" imgW="3314700" imgH="431800" progId="Equation.3">
+                <p:oleObj name="公式" r:id="rId2" imgW="3314700" imgH="431800" progId="Equation.3">
                   <p:embed/>
                 </p:oleObj>
               </mc:Choice>
               <mc:Fallback>
-                <p:oleObj name="公式" r:id="rId3" imgW="3314700" imgH="431800" progId="Equation.3">
+                <p:oleObj name="公式" r:id="rId2" imgW="3314700" imgH="431800" progId="Equation.3">
                   <p:embed/>
                   <p:pic>
                     <p:nvPicPr>
@@ -23370,7 +23369,7 @@
                       <p:nvPr/>
                     </p:nvPicPr>
                     <p:blipFill>
-                      <a:blip r:embed="rId4">
+                      <a:blip r:embed="rId3">
                         <a:extLst>
                           <a:ext uri="{28A0092B-C50C-407E-A947-70E740481C1C}">
                             <a14:useLocalDpi xmlns:a14="http://schemas.microsoft.com/office/drawing/2010/main" val="0"/>
@@ -23442,12 +23441,12 @@
           <a:graphicData uri="http://schemas.openxmlformats.org/presentationml/2006/ole">
             <mc:AlternateContent xmlns:mc="http://schemas.openxmlformats.org/markup-compatibility/2006">
               <mc:Choice xmlns:v="urn:schemas-microsoft-com:vml" Requires="v">
-                <p:oleObj spid="_x0000_s32817" name="公式" r:id="rId5" imgW="3886200" imgH="279400" progId="Equation.3">
+                <p:oleObj name="公式" r:id="rId4" imgW="3886200" imgH="279400" progId="Equation.3">
                   <p:embed/>
                 </p:oleObj>
               </mc:Choice>
               <mc:Fallback>
-                <p:oleObj name="公式" r:id="rId5" imgW="3886200" imgH="279400" progId="Equation.3">
+                <p:oleObj name="公式" r:id="rId4" imgW="3886200" imgH="279400" progId="Equation.3">
                   <p:embed/>
                   <p:pic>
                     <p:nvPicPr>
@@ -23458,7 +23457,7 @@
                       <p:nvPr/>
                     </p:nvPicPr>
                     <p:blipFill>
-                      <a:blip r:embed="rId6">
+                      <a:blip r:embed="rId5">
                         <a:extLst>
                           <a:ext uri="{28A0092B-C50C-407E-A947-70E740481C1C}">
                             <a14:useLocalDpi xmlns:a14="http://schemas.microsoft.com/office/drawing/2010/main" val="0"/>
@@ -23546,12 +23545,12 @@
             <a:graphicData uri="http://schemas.openxmlformats.org/presentationml/2006/ole">
               <mc:AlternateContent xmlns:mc="http://schemas.openxmlformats.org/markup-compatibility/2006">
                 <mc:Choice xmlns:v="urn:schemas-microsoft-com:vml" Requires="v">
-                  <p:oleObj spid="_x0000_s32818" name="公式" r:id="rId7" imgW="1879600" imgH="292100" progId="Equation.3">
+                  <p:oleObj name="公式" r:id="rId6" imgW="1879600" imgH="292100" progId="Equation.3">
                     <p:embed/>
                   </p:oleObj>
                 </mc:Choice>
                 <mc:Fallback>
-                  <p:oleObj name="公式" r:id="rId7" imgW="1879600" imgH="292100" progId="Equation.3">
+                  <p:oleObj name="公式" r:id="rId6" imgW="1879600" imgH="292100" progId="Equation.3">
                     <p:embed/>
                     <p:pic>
                       <p:nvPicPr>
@@ -23562,7 +23561,7 @@
                         <p:nvPr/>
                       </p:nvPicPr>
                       <p:blipFill>
-                        <a:blip r:embed="rId8">
+                        <a:blip r:embed="rId7">
                           <a:extLst>
                             <a:ext uri="{28A0092B-C50C-407E-A947-70E740481C1C}">
                               <a14:useLocalDpi xmlns:a14="http://schemas.microsoft.com/office/drawing/2010/main" val="0"/>
@@ -23634,12 +23633,12 @@
             <a:graphicData uri="http://schemas.openxmlformats.org/presentationml/2006/ole">
               <mc:AlternateContent xmlns:mc="http://schemas.openxmlformats.org/markup-compatibility/2006">
                 <mc:Choice xmlns:v="urn:schemas-microsoft-com:vml" Requires="v">
-                  <p:oleObj spid="_x0000_s32819" name="公式" r:id="rId9" imgW="1866900" imgH="292100" progId="Equation.3">
+                  <p:oleObj name="公式" r:id="rId8" imgW="1866900" imgH="292100" progId="Equation.3">
                     <p:embed/>
                   </p:oleObj>
                 </mc:Choice>
                 <mc:Fallback>
-                  <p:oleObj name="公式" r:id="rId9" imgW="1866900" imgH="292100" progId="Equation.3">
+                  <p:oleObj name="公式" r:id="rId8" imgW="1866900" imgH="292100" progId="Equation.3">
                     <p:embed/>
                     <p:pic>
                       <p:nvPicPr>
@@ -23650,7 +23649,7 @@
                         <p:nvPr/>
                       </p:nvPicPr>
                       <p:blipFill>
-                        <a:blip r:embed="rId10">
+                        <a:blip r:embed="rId9">
                           <a:extLst>
                             <a:ext uri="{28A0092B-C50C-407E-A947-70E740481C1C}">
                               <a14:useLocalDpi xmlns:a14="http://schemas.microsoft.com/office/drawing/2010/main" val="0"/>
@@ -24085,12 +24084,12 @@
           <a:graphicData uri="http://schemas.openxmlformats.org/presentationml/2006/ole">
             <mc:AlternateContent xmlns:mc="http://schemas.openxmlformats.org/markup-compatibility/2006">
               <mc:Choice xmlns:v="urn:schemas-microsoft-com:vml" Requires="v">
-                <p:oleObj spid="_x0000_s33857" name="公式" r:id="rId3" imgW="4025900" imgH="431800" progId="Equation.3">
+                <p:oleObj name="公式" r:id="rId2" imgW="4025900" imgH="431800" progId="Equation.3">
                   <p:embed/>
                 </p:oleObj>
               </mc:Choice>
               <mc:Fallback>
-                <p:oleObj name="公式" r:id="rId3" imgW="4025900" imgH="431800" progId="Equation.3">
+                <p:oleObj name="公式" r:id="rId2" imgW="4025900" imgH="431800" progId="Equation.3">
                   <p:embed/>
                   <p:pic>
                     <p:nvPicPr>
@@ -24101,7 +24100,7 @@
                       <p:nvPr/>
                     </p:nvPicPr>
                     <p:blipFill>
-                      <a:blip r:embed="rId4">
+                      <a:blip r:embed="rId3">
                         <a:extLst>
                           <a:ext uri="{28A0092B-C50C-407E-A947-70E740481C1C}">
                             <a14:useLocalDpi xmlns:a14="http://schemas.microsoft.com/office/drawing/2010/main" val="0"/>
@@ -24173,12 +24172,12 @@
           <a:graphicData uri="http://schemas.openxmlformats.org/presentationml/2006/ole">
             <mc:AlternateContent xmlns:mc="http://schemas.openxmlformats.org/markup-compatibility/2006">
               <mc:Choice xmlns:v="urn:schemas-microsoft-com:vml" Requires="v">
-                <p:oleObj spid="_x0000_s33858" name="公式" r:id="rId5" imgW="3263900" imgH="482600" progId="Equation.3">
+                <p:oleObj name="公式" r:id="rId4" imgW="3263900" imgH="482600" progId="Equation.3">
                   <p:embed/>
                 </p:oleObj>
               </mc:Choice>
               <mc:Fallback>
-                <p:oleObj name="公式" r:id="rId5" imgW="3263900" imgH="482600" progId="Equation.3">
+                <p:oleObj name="公式" r:id="rId4" imgW="3263900" imgH="482600" progId="Equation.3">
                   <p:embed/>
                   <p:pic>
                     <p:nvPicPr>
@@ -24189,7 +24188,7 @@
                       <p:nvPr/>
                     </p:nvPicPr>
                     <p:blipFill>
-                      <a:blip r:embed="rId6">
+                      <a:blip r:embed="rId5">
                         <a:extLst>
                           <a:ext uri="{28A0092B-C50C-407E-A947-70E740481C1C}">
                             <a14:useLocalDpi xmlns:a14="http://schemas.microsoft.com/office/drawing/2010/main" val="0"/>
@@ -24261,12 +24260,12 @@
           <a:graphicData uri="http://schemas.openxmlformats.org/presentationml/2006/ole">
             <mc:AlternateContent xmlns:mc="http://schemas.openxmlformats.org/markup-compatibility/2006">
               <mc:Choice xmlns:v="urn:schemas-microsoft-com:vml" Requires="v">
-                <p:oleObj spid="_x0000_s33859" name="公式" r:id="rId7" imgW="2476500" imgH="482600" progId="Equation.3">
+                <p:oleObj name="公式" r:id="rId6" imgW="2476500" imgH="482600" progId="Equation.3">
                   <p:embed/>
                 </p:oleObj>
               </mc:Choice>
               <mc:Fallback>
-                <p:oleObj name="公式" r:id="rId7" imgW="2476500" imgH="482600" progId="Equation.3">
+                <p:oleObj name="公式" r:id="rId6" imgW="2476500" imgH="482600" progId="Equation.3">
                   <p:embed/>
                   <p:pic>
                     <p:nvPicPr>
@@ -24277,7 +24276,7 @@
                       <p:nvPr/>
                     </p:nvPicPr>
                     <p:blipFill>
-                      <a:blip r:embed="rId8">
+                      <a:blip r:embed="rId7">
                         <a:extLst>
                           <a:ext uri="{28A0092B-C50C-407E-A947-70E740481C1C}">
                             <a14:useLocalDpi xmlns:a14="http://schemas.microsoft.com/office/drawing/2010/main" val="0"/>
@@ -24349,12 +24348,12 @@
           <a:graphicData uri="http://schemas.openxmlformats.org/presentationml/2006/ole">
             <mc:AlternateContent xmlns:mc="http://schemas.openxmlformats.org/markup-compatibility/2006">
               <mc:Choice xmlns:v="urn:schemas-microsoft-com:vml" Requires="v">
-                <p:oleObj spid="_x0000_s33860" name="公式" r:id="rId9" imgW="2006600" imgH="431800" progId="Equation.3">
+                <p:oleObj name="公式" r:id="rId8" imgW="2006600" imgH="431800" progId="Equation.3">
                   <p:embed/>
                 </p:oleObj>
               </mc:Choice>
               <mc:Fallback>
-                <p:oleObj name="公式" r:id="rId9" imgW="2006600" imgH="431800" progId="Equation.3">
+                <p:oleObj name="公式" r:id="rId8" imgW="2006600" imgH="431800" progId="Equation.3">
                   <p:embed/>
                   <p:pic>
                     <p:nvPicPr>
@@ -24365,7 +24364,7 @@
                       <p:nvPr/>
                     </p:nvPicPr>
                     <p:blipFill>
-                      <a:blip r:embed="rId10">
+                      <a:blip r:embed="rId9">
                         <a:extLst>
                           <a:ext uri="{28A0092B-C50C-407E-A947-70E740481C1C}">
                             <a14:useLocalDpi xmlns:a14="http://schemas.microsoft.com/office/drawing/2010/main" val="0"/>
@@ -24437,12 +24436,12 @@
           <a:graphicData uri="http://schemas.openxmlformats.org/presentationml/2006/ole">
             <mc:AlternateContent xmlns:mc="http://schemas.openxmlformats.org/markup-compatibility/2006">
               <mc:Choice xmlns:v="urn:schemas-microsoft-com:vml" Requires="v">
-                <p:oleObj spid="_x0000_s33861" name="公式" r:id="rId11" imgW="3035300" imgH="279400" progId="Equation.3">
+                <p:oleObj name="公式" r:id="rId10" imgW="3035300" imgH="279400" progId="Equation.3">
                   <p:embed/>
                 </p:oleObj>
               </mc:Choice>
               <mc:Fallback>
-                <p:oleObj name="公式" r:id="rId11" imgW="3035300" imgH="279400" progId="Equation.3">
+                <p:oleObj name="公式" r:id="rId10" imgW="3035300" imgH="279400" progId="Equation.3">
                   <p:embed/>
                   <p:pic>
                     <p:nvPicPr>
@@ -24453,7 +24452,7 @@
                       <p:nvPr/>
                     </p:nvPicPr>
                     <p:blipFill>
-                      <a:blip r:embed="rId12">
+                      <a:blip r:embed="rId11">
                         <a:extLst>
                           <a:ext uri="{28A0092B-C50C-407E-A947-70E740481C1C}">
                             <a14:useLocalDpi xmlns:a14="http://schemas.microsoft.com/office/drawing/2010/main" val="0"/>
@@ -25551,31 +25550,27 @@
               <a:defRPr/>
             </a:pPr>
             <a:r>
-              <a:rPr lang="zh-CN" altLang="en-US" smtClean="0">
+              <a:rPr lang="zh-CN" altLang="en-US">
                 <a:ea typeface="黑体" pitchFamily="2" charset="-122"/>
               </a:rPr>
               <a:t>第</a:t>
             </a:r>
             <a:r>
-              <a:rPr lang="en-US" altLang="zh-CN" smtClean="0">
+              <a:rPr lang="en-US" altLang="zh-CN">
                 <a:ea typeface="黑体" pitchFamily="2" charset="-122"/>
               </a:rPr>
               <a:t>1</a:t>
             </a:r>
             <a:r>
-              <a:rPr lang="zh-CN" altLang="en-US" smtClean="0">
+              <a:rPr lang="zh-CN" altLang="en-US">
                 <a:ea typeface="黑体" pitchFamily="2" charset="-122"/>
               </a:rPr>
               <a:t>讲  集合及其运算</a:t>
             </a:r>
-            <a:r>
-              <a:rPr lang="zh-CN" altLang="en-US" smtClean="0"/>
-              <a:t/>
-            </a:r>
             <a:br>
-              <a:rPr lang="zh-CN" altLang="en-US" smtClean="0"/>
+              <a:rPr lang="zh-CN" altLang="en-US"/>
             </a:br>
-            <a:endParaRPr lang="zh-CN" altLang="en-US" smtClean="0"/>
+            <a:endParaRPr lang="zh-CN" altLang="en-US"/>
           </a:p>
         </p:txBody>
       </p:sp>
@@ -25606,21 +25601,21 @@
                   <a:buNone/>
                 </a:pPr>
                 <a:r>
-                  <a:rPr lang="zh-CN" altLang="en-US" dirty="0" smtClean="0">
+                  <a:rPr lang="zh-CN" altLang="en-US" dirty="0">
                     <a:latin typeface="华文中宋" panose="02010600040101010101" pitchFamily="2" charset="-122"/>
                     <a:ea typeface="华文中宋" panose="02010600040101010101" pitchFamily="2" charset="-122"/>
                   </a:rPr>
                   <a:t>二．集合的定义</a:t>
                 </a:r>
                 <a:r>
-                  <a:rPr lang="en-US" altLang="zh-CN" dirty="0" smtClean="0">
+                  <a:rPr lang="en-US" altLang="zh-CN" dirty="0">
                     <a:latin typeface="华文中宋" panose="02010600040101010101" pitchFamily="2" charset="-122"/>
                     <a:ea typeface="华文中宋" panose="02010600040101010101" pitchFamily="2" charset="-122"/>
                   </a:rPr>
                   <a:t>-</a:t>
                 </a:r>
                 <a:r>
-                  <a:rPr lang="zh-CN" altLang="en-US" dirty="0" smtClean="0">
+                  <a:rPr lang="zh-CN" altLang="en-US" dirty="0">
                     <a:solidFill>
                       <a:schemeClr val="accent1"/>
                     </a:solidFill>
@@ -25629,20 +25624,13 @@
                   </a:rPr>
                   <a:t>具有某种特定性质的对象的全体</a:t>
                 </a:r>
-                <a:r>
-                  <a:rPr lang="zh-CN" altLang="en-US" dirty="0" smtClean="0">
-                    <a:latin typeface="华文中宋" panose="02010600040101010101" pitchFamily="2" charset="-122"/>
-                    <a:ea typeface="华文中宋" panose="02010600040101010101" pitchFamily="2" charset="-122"/>
-                  </a:rPr>
-                  <a:t/>
-                </a:r>
                 <a:br>
-                  <a:rPr lang="zh-CN" altLang="en-US" dirty="0" smtClean="0">
+                  <a:rPr lang="zh-CN" altLang="en-US" dirty="0">
                     <a:latin typeface="华文中宋" panose="02010600040101010101" pitchFamily="2" charset="-122"/>
                     <a:ea typeface="华文中宋" panose="02010600040101010101" pitchFamily="2" charset="-122"/>
                   </a:rPr>
                 </a:br>
-                <a:endParaRPr lang="en-US" altLang="zh-CN" dirty="0" smtClean="0">
+                <a:endParaRPr lang="en-US" altLang="zh-CN" dirty="0">
                   <a:latin typeface="华文中宋" panose="02010600040101010101" pitchFamily="2" charset="-122"/>
                   <a:ea typeface="华文中宋" panose="02010600040101010101" pitchFamily="2" charset="-122"/>
                 </a:endParaRPr>
@@ -25653,55 +25641,55 @@
                   <a:buNone/>
                 </a:pPr>
                 <a:r>
-                  <a:rPr lang="en-US" altLang="zh-CN" sz="2400" dirty="0" smtClean="0">
+                  <a:rPr lang="en-US" altLang="zh-CN" sz="2400" dirty="0">
                     <a:latin typeface="华文中宋" panose="02010600040101010101" pitchFamily="2" charset="-122"/>
                     <a:ea typeface="华文中宋" panose="02010600040101010101" pitchFamily="2" charset="-122"/>
                   </a:rPr>
                   <a:t>1</a:t>
                 </a:r>
                 <a:r>
-                  <a:rPr lang="zh-CN" altLang="en-US" sz="2400" dirty="0" smtClean="0">
+                  <a:rPr lang="zh-CN" altLang="en-US" sz="2400" dirty="0">
                     <a:latin typeface="华文中宋" panose="02010600040101010101" pitchFamily="2" charset="-122"/>
                     <a:ea typeface="华文中宋" panose="02010600040101010101" pitchFamily="2" charset="-122"/>
                   </a:rPr>
                   <a:t>．集合的几种表示法</a:t>
                 </a:r>
                 <a:br>
-                  <a:rPr lang="zh-CN" altLang="en-US" sz="2400" dirty="0" smtClean="0">
+                  <a:rPr lang="zh-CN" altLang="en-US" sz="2400" dirty="0">
                     <a:latin typeface="华文中宋" panose="02010600040101010101" pitchFamily="2" charset="-122"/>
                     <a:ea typeface="华文中宋" panose="02010600040101010101" pitchFamily="2" charset="-122"/>
                   </a:rPr>
                 </a:br>
                 <a:r>
-                  <a:rPr lang="zh-CN" altLang="en-US" sz="2800" dirty="0" smtClean="0">
+                  <a:rPr lang="zh-CN" altLang="en-US" sz="2800" dirty="0">
                     <a:latin typeface="华文新魏" panose="02010800040101010101" pitchFamily="2" charset="-122"/>
                     <a:ea typeface="华文新魏" panose="02010800040101010101" pitchFamily="2" charset="-122"/>
                   </a:rPr>
                   <a:t>我们在诸如</a:t>
                 </a:r>
                 <a:r>
-                  <a:rPr lang="en-US" altLang="zh-CN" sz="2800" dirty="0" smtClean="0">
+                  <a:rPr lang="en-US" altLang="zh-CN" sz="2800" dirty="0">
                     <a:latin typeface="华文新魏" panose="02010800040101010101" pitchFamily="2" charset="-122"/>
                     <a:ea typeface="华文新魏" panose="02010800040101010101" pitchFamily="2" charset="-122"/>
                   </a:rPr>
                   <a:t>《</a:t>
                 </a:r>
                 <a:r>
-                  <a:rPr lang="zh-CN" altLang="en-US" sz="2800" dirty="0" smtClean="0">
+                  <a:rPr lang="zh-CN" altLang="en-US" sz="2800" dirty="0">
                     <a:latin typeface="华文新魏" panose="02010800040101010101" pitchFamily="2" charset="-122"/>
                     <a:ea typeface="华文新魏" panose="02010800040101010101" pitchFamily="2" charset="-122"/>
                   </a:rPr>
                   <a:t>数学分析</a:t>
                 </a:r>
                 <a:r>
-                  <a:rPr lang="en-US" altLang="zh-CN" sz="2800" dirty="0" smtClean="0">
+                  <a:rPr lang="en-US" altLang="zh-CN" sz="2800" dirty="0">
                     <a:latin typeface="华文新魏" panose="02010800040101010101" pitchFamily="2" charset="-122"/>
                     <a:ea typeface="华文新魏" panose="02010800040101010101" pitchFamily="2" charset="-122"/>
                   </a:rPr>
                   <a:t>》</a:t>
                 </a:r>
                 <a:r>
-                  <a:rPr lang="zh-CN" altLang="en-US" sz="2800" dirty="0" smtClean="0">
+                  <a:rPr lang="zh-CN" altLang="en-US" sz="2800" dirty="0">
                     <a:latin typeface="华文新魏" panose="02010800040101010101" pitchFamily="2" charset="-122"/>
                     <a:ea typeface="华文新魏" panose="02010800040101010101" pitchFamily="2" charset="-122"/>
                   </a:rPr>
@@ -25768,7 +25756,7 @@
                   </m:oMath>
                 </a14:m>
                 <a:r>
-                  <a:rPr lang="zh-CN" altLang="en-US" sz="2800" dirty="0" smtClean="0">
+                  <a:rPr lang="zh-CN" altLang="en-US" sz="2800" dirty="0">
                     <a:latin typeface="华文新魏" panose="02010800040101010101" pitchFamily="2" charset="-122"/>
                     <a:ea typeface="华文新魏" panose="02010800040101010101" pitchFamily="2" charset="-122"/>
                   </a:rPr>
@@ -25835,7 +25823,7 @@
                   </m:oMath>
                 </a14:m>
                 <a:r>
-                  <a:rPr lang="zh-CN" altLang="en-US" sz="2800" dirty="0" smtClean="0">
+                  <a:rPr lang="zh-CN" altLang="en-US" sz="2800" dirty="0">
                     <a:latin typeface="华文新魏" panose="02010800040101010101" pitchFamily="2" charset="-122"/>
                     <a:ea typeface="华文新魏" panose="02010800040101010101" pitchFamily="2" charset="-122"/>
                   </a:rPr>
@@ -25888,13 +25876,6 @@
   <p:clrMapOvr>
     <a:masterClrMapping/>
   </p:clrMapOvr>
-  <p:timing>
-    <p:tnLst>
-      <p:par>
-        <p:cTn id="1" dur="indefinite" restart="never" nodeType="tmRoot"/>
-      </p:par>
-    </p:tnLst>
-  </p:timing>
 </p:sld>
 </file>
 
@@ -25986,7 +25967,7 @@
                   <a:buNone/>
                 </a:pPr>
                 <a:r>
-                  <a:rPr lang="zh-CN" altLang="en-US" sz="2800" dirty="0" smtClean="0">
+                  <a:rPr lang="zh-CN" altLang="en-US" sz="2800" dirty="0">
                     <a:latin typeface="华文中宋" panose="02010600040101010101" pitchFamily="2" charset="-122"/>
                     <a:ea typeface="华文中宋" panose="02010600040101010101" pitchFamily="2" charset="-122"/>
                   </a:rPr>
@@ -26011,7 +25992,7 @@
                   </m:oMath>
                 </a14:m>
                 <a:r>
-                  <a:rPr lang="zh-CN" altLang="en-US" sz="2800" dirty="0" smtClean="0">
+                  <a:rPr lang="zh-CN" altLang="en-US" sz="2800" dirty="0">
                     <a:latin typeface="华文中宋" panose="02010600040101010101" pitchFamily="2" charset="-122"/>
                     <a:ea typeface="华文中宋" panose="02010600040101010101" pitchFamily="2" charset="-122"/>
                   </a:rPr>
@@ -26024,13 +26005,13 @@
                   <a:buNone/>
                 </a:pPr>
                 <a:r>
-                  <a:rPr lang="zh-CN" altLang="en-US" sz="2800" dirty="0" smtClean="0">
+                  <a:rPr lang="zh-CN" altLang="en-US" sz="2800" dirty="0">
                     <a:latin typeface="华文新魏" panose="02010800040101010101" pitchFamily="2" charset="-122"/>
                     <a:ea typeface="华文新魏" panose="02010800040101010101" pitchFamily="2" charset="-122"/>
                   </a:rPr>
                   <a:t>有理数全体（或实数全体）相对于四则运算是封闭的，人们通常称它们为有理数域（或实数域），整数集则不然。</a:t>
                 </a:r>
-                <a:endParaRPr lang="en-US" altLang="zh-CN" sz="2800" dirty="0" smtClean="0">
+                <a:endParaRPr lang="en-US" altLang="zh-CN" sz="2800" dirty="0">
                   <a:latin typeface="华文新魏" panose="02010800040101010101" pitchFamily="2" charset="-122"/>
                   <a:ea typeface="华文新魏" panose="02010800040101010101" pitchFamily="2" charset="-122"/>
                 </a:endParaRPr>
@@ -26040,7 +26021,7 @@
                   <a:buFont typeface="Wingdings" panose="05000000000000000000" pitchFamily="2" charset="2"/>
                   <a:buNone/>
                 </a:pPr>
-                <a:endParaRPr lang="en-US" altLang="zh-CN" sz="2800" dirty="0" smtClean="0">
+                <a:endParaRPr lang="en-US" altLang="zh-CN" sz="2800" dirty="0">
                   <a:latin typeface="华文新魏" panose="02010800040101010101" pitchFamily="2" charset="-122"/>
                   <a:ea typeface="华文新魏" panose="02010800040101010101" pitchFamily="2" charset="-122"/>
                 </a:endParaRPr>
@@ -26051,85 +26032,85 @@
                   <a:buNone/>
                 </a:pPr>
                 <a:r>
-                  <a:rPr lang="zh-CN" altLang="en-US" sz="2800" dirty="0" smtClean="0">
+                  <a:rPr lang="zh-CN" altLang="en-US" sz="2800" dirty="0">
                     <a:latin typeface="华文新魏" panose="02010800040101010101" pitchFamily="2" charset="-122"/>
                     <a:ea typeface="华文新魏" panose="02010800040101010101" pitchFamily="2" charset="-122"/>
                   </a:rPr>
                   <a:t>前面已经定义了集合的</a:t>
                 </a:r>
                 <a:r>
-                  <a:rPr lang="zh-CN" altLang="en-US" sz="2800" dirty="0" smtClean="0">
+                  <a:rPr lang="zh-CN" altLang="en-US" sz="2800" dirty="0">
                     <a:ea typeface="华文新魏" panose="02010800040101010101" pitchFamily="2" charset="-122"/>
                   </a:rPr>
                   <a:t>“</a:t>
                 </a:r>
                 <a:r>
-                  <a:rPr lang="zh-CN" altLang="en-US" sz="2800" dirty="0" smtClean="0">
+                  <a:rPr lang="zh-CN" altLang="en-US" sz="2800" dirty="0">
                     <a:latin typeface="华文新魏" panose="02010800040101010101" pitchFamily="2" charset="-122"/>
                     <a:ea typeface="华文新魏" panose="02010800040101010101" pitchFamily="2" charset="-122"/>
                   </a:rPr>
                   <a:t>并</a:t>
                 </a:r>
                 <a:r>
-                  <a:rPr lang="zh-CN" altLang="en-US" sz="2800" dirty="0" smtClean="0">
+                  <a:rPr lang="zh-CN" altLang="en-US" sz="2800" dirty="0">
                     <a:ea typeface="华文新魏" panose="02010800040101010101" pitchFamily="2" charset="-122"/>
                   </a:rPr>
                   <a:t>”</a:t>
                 </a:r>
                 <a:r>
-                  <a:rPr lang="zh-CN" altLang="en-US" sz="2800" dirty="0" smtClean="0">
+                  <a:rPr lang="zh-CN" altLang="en-US" sz="2800" dirty="0">
                     <a:latin typeface="华文新魏" panose="02010800040101010101" pitchFamily="2" charset="-122"/>
                     <a:ea typeface="华文新魏" panose="02010800040101010101" pitchFamily="2" charset="-122"/>
                   </a:rPr>
                   <a:t>、</a:t>
                 </a:r>
                 <a:r>
-                  <a:rPr lang="zh-CN" altLang="en-US" sz="2800" dirty="0" smtClean="0">
+                  <a:rPr lang="zh-CN" altLang="en-US" sz="2800" dirty="0">
                     <a:ea typeface="华文新魏" panose="02010800040101010101" pitchFamily="2" charset="-122"/>
                   </a:rPr>
                   <a:t>“</a:t>
                 </a:r>
                 <a:r>
-                  <a:rPr lang="zh-CN" altLang="en-US" sz="2800" dirty="0" smtClean="0">
+                  <a:rPr lang="zh-CN" altLang="en-US" sz="2800" dirty="0">
                     <a:latin typeface="华文新魏" panose="02010800040101010101" pitchFamily="2" charset="-122"/>
                     <a:ea typeface="华文新魏" panose="02010800040101010101" pitchFamily="2" charset="-122"/>
                   </a:rPr>
                   <a:t>交</a:t>
                 </a:r>
                 <a:r>
-                  <a:rPr lang="zh-CN" altLang="en-US" sz="2800" dirty="0" smtClean="0">
+                  <a:rPr lang="zh-CN" altLang="en-US" sz="2800" dirty="0">
                     <a:ea typeface="华文新魏" panose="02010800040101010101" pitchFamily="2" charset="-122"/>
                   </a:rPr>
                   <a:t>”</a:t>
                 </a:r>
                 <a:r>
-                  <a:rPr lang="zh-CN" altLang="en-US" sz="2800" dirty="0" smtClean="0">
+                  <a:rPr lang="zh-CN" altLang="en-US" sz="2800" dirty="0">
                     <a:latin typeface="华文新魏" panose="02010800040101010101" pitchFamily="2" charset="-122"/>
                     <a:ea typeface="华文新魏" panose="02010800040101010101" pitchFamily="2" charset="-122"/>
                   </a:rPr>
                   <a:t>、</a:t>
                 </a:r>
                 <a:r>
-                  <a:rPr lang="zh-CN" altLang="en-US" sz="2800" dirty="0" smtClean="0">
+                  <a:rPr lang="zh-CN" altLang="en-US" sz="2800" dirty="0">
                     <a:ea typeface="华文新魏" panose="02010800040101010101" pitchFamily="2" charset="-122"/>
                   </a:rPr>
                   <a:t>“</a:t>
                 </a:r>
                 <a:r>
-                  <a:rPr lang="zh-CN" altLang="en-US" sz="2800" dirty="0" smtClean="0">
+                  <a:rPr lang="zh-CN" altLang="en-US" sz="2800" dirty="0">
                     <a:latin typeface="华文新魏" panose="02010800040101010101" pitchFamily="2" charset="-122"/>
                     <a:ea typeface="华文新魏" panose="02010800040101010101" pitchFamily="2" charset="-122"/>
                   </a:rPr>
                   <a:t>差</a:t>
                 </a:r>
                 <a:r>
-                  <a:rPr lang="zh-CN" altLang="en-US" sz="2800" dirty="0" smtClean="0">
+                  <a:rPr lang="zh-CN" altLang="en-US" sz="2800" dirty="0">
                     <a:ea typeface="华文新魏" panose="02010800040101010101" pitchFamily="2" charset="-122"/>
                   </a:rPr>
                   <a:t>”</a:t>
                 </a:r>
                 <a:r>
-                  <a:rPr lang="zh-CN" altLang="en-US" sz="2800" dirty="0" smtClean="0">
+                  <a:rPr lang="zh-CN" altLang="en-US" sz="2800" dirty="0">
                     <a:latin typeface="华文新魏" panose="02010800040101010101" pitchFamily="2" charset="-122"/>
                     <a:ea typeface="华文新魏" panose="02010800040101010101" pitchFamily="2" charset="-122"/>
                   </a:rPr>
@@ -26247,8 +26228,8 @@
           </a:p>
         </p:txBody>
       </p:sp>
-      <mc:AlternateContent xmlns:mc="http://schemas.openxmlformats.org/markup-compatibility/2006">
-        <mc:Choice xmlns:a14="http://schemas.microsoft.com/office/drawing/2010/main" Requires="a14">
+      <mc:AlternateContent xmlns:mc="http://schemas.openxmlformats.org/markup-compatibility/2006" xmlns:a14="http://schemas.microsoft.com/office/drawing/2010/main">
+        <mc:Choice Requires="a14">
           <p:sp>
             <p:nvSpPr>
               <p:cNvPr id="35843" name="Rectangle 3"/>
@@ -26280,13 +26261,13 @@
                   <a:buNone/>
                 </a:pPr>
                 <a:r>
-                  <a:rPr lang="en-US" altLang="zh-CN" sz="2400" dirty="0" smtClean="0">
+                  <a:rPr lang="en-US" altLang="zh-CN" sz="2400" dirty="0">
                     <a:ea typeface="华文新魏" panose="02010800040101010101" pitchFamily="2" charset="-122"/>
                   </a:rPr>
                   <a:t> </a:t>
                 </a:r>
                 <a:r>
-                  <a:rPr lang="zh-CN" altLang="en-US" sz="2800" dirty="0" smtClean="0">
+                  <a:rPr lang="zh-CN" altLang="en-US" sz="2800" dirty="0">
                     <a:ea typeface="华文新魏" panose="02010800040101010101" pitchFamily="2" charset="-122"/>
                   </a:rPr>
                   <a:t>这就是下面要引进的定义。</a:t>
@@ -26301,32 +26282,32 @@
                   <a:buNone/>
                 </a:pPr>
                 <a:r>
-                  <a:rPr lang="zh-CN" altLang="en-US" sz="2400" dirty="0" smtClean="0">
+                  <a:rPr lang="zh-CN" altLang="en-US" sz="2400" dirty="0">
                     <a:latin typeface="华文中宋" panose="02010600040101010101" pitchFamily="2" charset="-122"/>
                     <a:ea typeface="华文中宋" panose="02010600040101010101" pitchFamily="2" charset="-122"/>
                   </a:rPr>
                   <a:t>   </a:t>
                 </a:r>
                 <a:r>
-                  <a:rPr lang="zh-CN" altLang="en-US" sz="2800" dirty="0" smtClean="0">
+                  <a:rPr lang="zh-CN" altLang="en-US" sz="2800" dirty="0">
                     <a:latin typeface="华文中宋" panose="02010600040101010101" pitchFamily="2" charset="-122"/>
                     <a:ea typeface="华文中宋" panose="02010600040101010101" pitchFamily="2" charset="-122"/>
                   </a:rPr>
                   <a:t>定义</a:t>
                 </a:r>
                 <a:r>
-                  <a:rPr lang="en-US" altLang="zh-CN" sz="2800" dirty="0" smtClean="0">
+                  <a:rPr lang="en-US" altLang="zh-CN" sz="2800" dirty="0">
                     <a:latin typeface="华文中宋" panose="02010600040101010101" pitchFamily="2" charset="-122"/>
                     <a:ea typeface="华文中宋" panose="02010600040101010101" pitchFamily="2" charset="-122"/>
                   </a:rPr>
                   <a:t>2</a:t>
                 </a:r>
                 <a:r>
-                  <a:rPr lang="en-US" altLang="zh-CN" sz="2800" dirty="0" smtClean="0"/>
+                  <a:rPr lang="en-US" altLang="zh-CN" sz="2800" dirty="0"/>
                   <a:t>  </a:t>
                 </a:r>
                 <a:r>
-                  <a:rPr lang="zh-CN" altLang="en-US" sz="2800" dirty="0" smtClean="0">
+                  <a:rPr lang="zh-CN" altLang="en-US" sz="2800" dirty="0">
                     <a:latin typeface="华文新魏" panose="02010800040101010101" pitchFamily="2" charset="-122"/>
                     <a:ea typeface="华文新魏" panose="02010800040101010101" pitchFamily="2" charset="-122"/>
                   </a:rPr>
@@ -26344,7 +26325,7 @@
                   </m:oMath>
                 </a14:m>
                 <a:r>
-                  <a:rPr lang="zh-CN" altLang="en-US" sz="2800" dirty="0" smtClean="0">
+                  <a:rPr lang="zh-CN" altLang="en-US" sz="2800" dirty="0">
                     <a:latin typeface="华文新魏" panose="02010800040101010101" pitchFamily="2" charset="-122"/>
                     <a:ea typeface="华文新魏" panose="02010800040101010101" pitchFamily="2" charset="-122"/>
                   </a:rPr>
@@ -26362,7 +26343,7 @@
                   </m:oMath>
                 </a14:m>
                 <a:r>
-                  <a:rPr lang="zh-CN" altLang="en-US" sz="2800" dirty="0" smtClean="0">
+                  <a:rPr lang="zh-CN" altLang="en-US" sz="2800" dirty="0">
                     <a:latin typeface="华文新魏" panose="02010800040101010101" pitchFamily="2" charset="-122"/>
                     <a:ea typeface="华文新魏" panose="02010800040101010101" pitchFamily="2" charset="-122"/>
                   </a:rPr>
@@ -26380,7 +26361,7 @@
                   </m:oMath>
                 </a14:m>
                 <a:r>
-                  <a:rPr lang="zh-CN" altLang="en-US" sz="2800" dirty="0" smtClean="0">
+                  <a:rPr lang="zh-CN" altLang="en-US" sz="2800" dirty="0">
                     <a:latin typeface="华文新魏" panose="02010800040101010101" pitchFamily="2" charset="-122"/>
                     <a:ea typeface="华文新魏" panose="02010800040101010101" pitchFamily="2" charset="-122"/>
                   </a:rPr>
@@ -26398,7 +26379,7 @@
                   </m:oMath>
                 </a14:m>
                 <a:r>
-                  <a:rPr lang="zh-CN" altLang="en-US" sz="2800" dirty="0" smtClean="0">
+                  <a:rPr lang="zh-CN" altLang="en-US" sz="2800" dirty="0">
                     <a:latin typeface="华文新魏" panose="02010800040101010101" pitchFamily="2" charset="-122"/>
                     <a:ea typeface="华文新魏" panose="02010800040101010101" pitchFamily="2" charset="-122"/>
                   </a:rPr>
@@ -26414,21 +26395,21 @@
                   <a:buNone/>
                 </a:pPr>
                 <a:r>
-                  <a:rPr lang="zh-CN" altLang="en-US" sz="2800" dirty="0" smtClean="0">
+                  <a:rPr lang="zh-CN" altLang="en-US" sz="2800" dirty="0">
                     <a:latin typeface="华文新魏" panose="02010800040101010101" pitchFamily="2" charset="-122"/>
                     <a:ea typeface="华文新魏" panose="02010800040101010101" pitchFamily="2" charset="-122"/>
                   </a:rPr>
                   <a:t>（</a:t>
                 </a:r>
                 <a:r>
-                  <a:rPr lang="en-US" altLang="zh-CN" sz="2800" dirty="0" smtClean="0">
+                  <a:rPr lang="en-US" altLang="zh-CN" sz="2800" dirty="0">
                     <a:latin typeface="华文新魏" panose="02010800040101010101" pitchFamily="2" charset="-122"/>
                     <a:ea typeface="华文新魏" panose="02010800040101010101" pitchFamily="2" charset="-122"/>
                   </a:rPr>
                   <a:t>1</a:t>
                 </a:r>
                 <a:r>
-                  <a:rPr lang="zh-CN" altLang="en-US" sz="2800" dirty="0" smtClean="0">
+                  <a:rPr lang="zh-CN" altLang="en-US" sz="2800" dirty="0">
                     <a:latin typeface="华文新魏" panose="02010800040101010101" pitchFamily="2" charset="-122"/>
                     <a:ea typeface="华文新魏" panose="02010800040101010101" pitchFamily="2" charset="-122"/>
                   </a:rPr>
@@ -26444,21 +26425,21 @@
                   <a:buNone/>
                 </a:pPr>
                 <a:r>
-                  <a:rPr lang="zh-CN" altLang="en-US" sz="2800" dirty="0" smtClean="0">
+                  <a:rPr lang="zh-CN" altLang="en-US" sz="2800" dirty="0">
                     <a:latin typeface="华文新魏" panose="02010800040101010101" pitchFamily="2" charset="-122"/>
                     <a:ea typeface="华文新魏" panose="02010800040101010101" pitchFamily="2" charset="-122"/>
                   </a:rPr>
                   <a:t>（</a:t>
                 </a:r>
                 <a:r>
-                  <a:rPr lang="en-US" altLang="zh-CN" sz="2800" dirty="0" smtClean="0">
+                  <a:rPr lang="en-US" altLang="zh-CN" sz="2800" dirty="0">
                     <a:latin typeface="华文新魏" panose="02010800040101010101" pitchFamily="2" charset="-122"/>
                     <a:ea typeface="华文新魏" panose="02010800040101010101" pitchFamily="2" charset="-122"/>
                   </a:rPr>
                   <a:t>2</a:t>
                 </a:r>
                 <a:r>
-                  <a:rPr lang="zh-CN" altLang="en-US" sz="2800" dirty="0" smtClean="0">
+                  <a:rPr lang="zh-CN" altLang="en-US" sz="2800" dirty="0">
                     <a:latin typeface="华文新魏" panose="02010800040101010101" pitchFamily="2" charset="-122"/>
                     <a:ea typeface="华文新魏" panose="02010800040101010101" pitchFamily="2" charset="-122"/>
                   </a:rPr>
@@ -26474,21 +26455,21 @@
                   <a:buNone/>
                 </a:pPr>
                 <a:r>
-                  <a:rPr lang="zh-CN" altLang="en-US" sz="2800" dirty="0" smtClean="0">
+                  <a:rPr lang="zh-CN" altLang="en-US" sz="2800" dirty="0">
                     <a:latin typeface="华文新魏" panose="02010800040101010101" pitchFamily="2" charset="-122"/>
                     <a:ea typeface="华文新魏" panose="02010800040101010101" pitchFamily="2" charset="-122"/>
                   </a:rPr>
                   <a:t>（</a:t>
                 </a:r>
                 <a:r>
-                  <a:rPr lang="en-US" altLang="zh-CN" sz="2800" dirty="0" smtClean="0">
+                  <a:rPr lang="en-US" altLang="zh-CN" sz="2800" dirty="0">
                     <a:latin typeface="华文新魏" panose="02010800040101010101" pitchFamily="2" charset="-122"/>
                     <a:ea typeface="华文新魏" panose="02010800040101010101" pitchFamily="2" charset="-122"/>
                   </a:rPr>
                   <a:t>3</a:t>
                 </a:r>
                 <a:r>
-                  <a:rPr lang="zh-CN" altLang="en-US" sz="2800" dirty="0" smtClean="0">
+                  <a:rPr lang="zh-CN" altLang="en-US" sz="2800" dirty="0">
                     <a:latin typeface="华文新魏" panose="02010800040101010101" pitchFamily="2" charset="-122"/>
                     <a:ea typeface="华文新魏" panose="02010800040101010101" pitchFamily="2" charset="-122"/>
                   </a:rPr>
@@ -26504,7 +26485,7 @@
                   <a:buNone/>
                 </a:pPr>
                 <a:r>
-                  <a:rPr lang="zh-CN" altLang="en-US" sz="2800" dirty="0" smtClean="0">
+                  <a:rPr lang="zh-CN" altLang="en-US" sz="2800" dirty="0">
                     <a:latin typeface="华文新魏" panose="02010800040101010101" pitchFamily="2" charset="-122"/>
                     <a:ea typeface="华文新魏" panose="02010800040101010101" pitchFamily="2" charset="-122"/>
                   </a:rPr>
@@ -26522,7 +26503,7 @@
                   </m:oMath>
                 </a14:m>
                 <a:r>
-                  <a:rPr lang="zh-CN" altLang="en-US" sz="2800" dirty="0" smtClean="0">
+                  <a:rPr lang="zh-CN" altLang="en-US" sz="2800" dirty="0">
                     <a:latin typeface="华文新魏" panose="02010800040101010101" pitchFamily="2" charset="-122"/>
                     <a:ea typeface="华文新魏" panose="02010800040101010101" pitchFamily="2" charset="-122"/>
                   </a:rPr>
@@ -26540,35 +26521,35 @@
                   </m:oMath>
                 </a14:m>
                 <a:r>
-                  <a:rPr lang="zh-CN" altLang="en-US" sz="2800" dirty="0" smtClean="0">
+                  <a:rPr lang="zh-CN" altLang="en-US" sz="2800" dirty="0">
                     <a:latin typeface="华文新魏" panose="02010800040101010101" pitchFamily="2" charset="-122"/>
                     <a:ea typeface="华文新魏" panose="02010800040101010101" pitchFamily="2" charset="-122"/>
                   </a:rPr>
                   <a:t>的一些子集构成的一个域</a:t>
                 </a:r>
                 <a:r>
-                  <a:rPr lang="en-US" altLang="zh-CN" sz="2800" dirty="0" smtClean="0">
+                  <a:rPr lang="en-US" altLang="zh-CN" sz="2800" dirty="0">
                     <a:latin typeface="华文新魏" panose="02010800040101010101" pitchFamily="2" charset="-122"/>
                     <a:ea typeface="华文新魏" panose="02010800040101010101" pitchFamily="2" charset="-122"/>
                   </a:rPr>
                   <a:t>(</a:t>
                 </a:r>
                 <a:r>
-                  <a:rPr lang="zh-CN" altLang="en-US" sz="2800" dirty="0" smtClean="0">
+                  <a:rPr lang="zh-CN" altLang="en-US" sz="2800" dirty="0">
                     <a:latin typeface="华文新魏" panose="02010800040101010101" pitchFamily="2" charset="-122"/>
                     <a:ea typeface="华文新魏" panose="02010800040101010101" pitchFamily="2" charset="-122"/>
                   </a:rPr>
                   <a:t>或代数</a:t>
                 </a:r>
                 <a:r>
-                  <a:rPr lang="en-US" altLang="zh-CN" sz="2800" dirty="0" smtClean="0">
+                  <a:rPr lang="en-US" altLang="zh-CN" sz="2800" dirty="0">
                     <a:latin typeface="华文新魏" panose="02010800040101010101" pitchFamily="2" charset="-122"/>
                     <a:ea typeface="华文新魏" panose="02010800040101010101" pitchFamily="2" charset="-122"/>
                   </a:rPr>
                   <a:t>)</a:t>
                 </a:r>
                 <a:r>
-                  <a:rPr lang="zh-CN" altLang="en-US" sz="2800" dirty="0" smtClean="0">
+                  <a:rPr lang="zh-CN" altLang="en-US" sz="2800" dirty="0">
                     <a:latin typeface="华文新魏" panose="02010800040101010101" pitchFamily="2" charset="-122"/>
                     <a:ea typeface="华文新魏" panose="02010800040101010101" pitchFamily="2" charset="-122"/>
                   </a:rPr>
@@ -26584,7 +26565,7 @@
                   <a:buNone/>
                 </a:pPr>
                 <a:r>
-                  <a:rPr lang="zh-CN" altLang="en-US" sz="2800" dirty="0" smtClean="0">
+                  <a:rPr lang="zh-CN" altLang="en-US" sz="2800" dirty="0">
                     <a:latin typeface="华文新魏" panose="02010800040101010101" pitchFamily="2" charset="-122"/>
                     <a:ea typeface="华文新魏" panose="02010800040101010101" pitchFamily="2" charset="-122"/>
                   </a:rPr>
@@ -26600,7 +26581,7 @@
                   <a:buNone/>
                 </a:pPr>
                 <a:r>
-                  <a:rPr lang="zh-CN" altLang="en-US" sz="2800" dirty="0" smtClean="0">
+                  <a:rPr lang="zh-CN" altLang="en-US" sz="2800" dirty="0">
                     <a:latin typeface="华文新魏" panose="02010800040101010101" pitchFamily="2" charset="-122"/>
                     <a:ea typeface="华文新魏" panose="02010800040101010101" pitchFamily="2" charset="-122"/>
                   </a:rPr>
@@ -26618,21 +26599,21 @@
                   </m:oMath>
                 </a14:m>
                 <a:r>
-                  <a:rPr lang="zh-CN" altLang="en-US" sz="2800" dirty="0" smtClean="0">
+                  <a:rPr lang="zh-CN" altLang="en-US" sz="2800" dirty="0">
                     <a:latin typeface="华文新魏" panose="02010800040101010101" pitchFamily="2" charset="-122"/>
                     <a:ea typeface="华文新魏" panose="02010800040101010101" pitchFamily="2" charset="-122"/>
                   </a:rPr>
                   <a:t>中一列元素时</a:t>
                 </a:r>
                 <a:r>
-                  <a:rPr lang="en-US" altLang="zh-CN" sz="2800" dirty="0" smtClean="0">
+                  <a:rPr lang="en-US" altLang="zh-CN" sz="2800" dirty="0">
                     <a:latin typeface="华文新魏" panose="02010800040101010101" pitchFamily="2" charset="-122"/>
                     <a:ea typeface="华文新魏" panose="02010800040101010101" pitchFamily="2" charset="-122"/>
                   </a:rPr>
                   <a:t>,</a:t>
                 </a:r>
                 <a:r>
-                  <a:rPr lang="zh-CN" altLang="en-US" sz="2800" dirty="0" smtClean="0">
+                  <a:rPr lang="zh-CN" altLang="en-US" sz="2800" dirty="0">
                     <a:latin typeface="华文新魏" panose="02010800040101010101" pitchFamily="2" charset="-122"/>
                     <a:ea typeface="华文新魏" panose="02010800040101010101" pitchFamily="2" charset="-122"/>
                   </a:rPr>
@@ -26647,7 +26628,7 @@
                   <a:buNone/>
                 </a:pPr>
                 <a:r>
-                  <a:rPr lang="zh-CN" altLang="en-US" sz="2800" dirty="0" smtClean="0">
+                  <a:rPr lang="zh-CN" altLang="en-US" sz="2800" dirty="0">
                     <a:latin typeface="华文新魏" panose="02010800040101010101" pitchFamily="2" charset="-122"/>
                     <a:ea typeface="华文新魏" panose="02010800040101010101" pitchFamily="2" charset="-122"/>
                   </a:rPr>
@@ -26665,7 +26646,7 @@
                   </m:oMath>
                 </a14:m>
                 <a:r>
-                  <a:rPr lang="zh-CN" altLang="en-US" sz="2800" dirty="0" smtClean="0">
+                  <a:rPr lang="zh-CN" altLang="en-US" sz="2800" dirty="0">
                     <a:latin typeface="华文新魏" panose="02010800040101010101" pitchFamily="2" charset="-122"/>
                     <a:ea typeface="华文新魏" panose="02010800040101010101" pitchFamily="2" charset="-122"/>
                   </a:rPr>
@@ -26683,7 +26664,7 @@
                   </m:oMath>
                 </a14:m>
                 <a:r>
-                  <a:rPr lang="zh-CN" altLang="en-US" sz="2800" dirty="0" smtClean="0">
+                  <a:rPr lang="zh-CN" altLang="en-US" sz="2800" dirty="0">
                     <a:latin typeface="华文新魏" panose="02010800040101010101" pitchFamily="2" charset="-122"/>
                     <a:ea typeface="华文新魏" panose="02010800040101010101" pitchFamily="2" charset="-122"/>
                   </a:rPr>
@@ -26708,21 +26689,21 @@
                   </m:oMath>
                 </a14:m>
                 <a:r>
-                  <a:rPr lang="zh-CN" altLang="en-US" sz="2800" dirty="0" smtClean="0">
+                  <a:rPr lang="zh-CN" altLang="en-US" sz="2800" dirty="0">
                     <a:latin typeface="华文新魏" panose="02010800040101010101" pitchFamily="2" charset="-122"/>
                     <a:ea typeface="华文新魏" panose="02010800040101010101" pitchFamily="2" charset="-122"/>
                   </a:rPr>
                   <a:t>域</a:t>
                 </a:r>
                 <a:r>
-                  <a:rPr lang="en-US" altLang="zh-CN" sz="2800" dirty="0" smtClean="0">
+                  <a:rPr lang="en-US" altLang="zh-CN" sz="2800" dirty="0">
                     <a:latin typeface="华文新魏" panose="02010800040101010101" pitchFamily="2" charset="-122"/>
                     <a:ea typeface="华文新魏" panose="02010800040101010101" pitchFamily="2" charset="-122"/>
                   </a:rPr>
                   <a:t>(</a:t>
                 </a:r>
                 <a:r>
-                  <a:rPr lang="zh-CN" altLang="en-US" sz="2800" dirty="0" smtClean="0">
+                  <a:rPr lang="zh-CN" altLang="en-US" sz="2800" dirty="0">
                     <a:latin typeface="华文新魏" panose="02010800040101010101" pitchFamily="2" charset="-122"/>
                     <a:ea typeface="华文新魏" panose="02010800040101010101" pitchFamily="2" charset="-122"/>
                   </a:rPr>
@@ -26747,21 +26728,21 @@
                   </m:oMath>
                 </a14:m>
                 <a:r>
-                  <a:rPr lang="zh-CN" altLang="en-US" sz="2800" dirty="0" smtClean="0">
+                  <a:rPr lang="zh-CN" altLang="en-US" sz="2800" dirty="0">
                     <a:latin typeface="华文新魏" panose="02010800040101010101" pitchFamily="2" charset="-122"/>
                     <a:ea typeface="华文新魏" panose="02010800040101010101" pitchFamily="2" charset="-122"/>
                   </a:rPr>
                   <a:t>代数</a:t>
                 </a:r>
                 <a:r>
-                  <a:rPr lang="en-US" altLang="zh-CN" sz="2800" dirty="0" smtClean="0">
+                  <a:rPr lang="en-US" altLang="zh-CN" sz="2800" dirty="0">
                     <a:latin typeface="华文新魏" panose="02010800040101010101" pitchFamily="2" charset="-122"/>
                     <a:ea typeface="华文新魏" panose="02010800040101010101" pitchFamily="2" charset="-122"/>
                   </a:rPr>
                   <a:t>)</a:t>
                 </a:r>
                 <a:r>
-                  <a:rPr lang="zh-CN" altLang="en-US" sz="2800" dirty="0" smtClean="0">
+                  <a:rPr lang="zh-CN" altLang="en-US" sz="2800" dirty="0">
                     <a:latin typeface="华文新魏" panose="02010800040101010101" pitchFamily="2" charset="-122"/>
                     <a:ea typeface="华文新魏" panose="02010800040101010101" pitchFamily="2" charset="-122"/>
                   </a:rPr>
@@ -26771,7 +26752,7 @@
             </p:txBody>
           </p:sp>
         </mc:Choice>
-        <mc:Fallback>
+        <mc:Fallback xmlns="">
           <p:sp>
             <p:nvSpPr>
               <p:cNvPr id="35843" name="Rectangle 3"/>
@@ -26825,7 +26806,7 @@
           <a:graphicData uri="http://schemas.openxmlformats.org/presentationml/2006/ole">
             <mc:AlternateContent xmlns:mc="http://schemas.openxmlformats.org/markup-compatibility/2006">
               <mc:Choice xmlns:v="urn:schemas-microsoft-com:vml" Requires="v">
-                <p:oleObj spid="_x0000_s35919" name="Equation" r:id="rId4" imgW="338141" imgH="119030" progId="Equation.3">
+                <p:oleObj name="Equation" r:id="rId4" imgW="338141" imgH="119030" progId="Equation.3">
                   <p:embed/>
                 </p:oleObj>
               </mc:Choice>
@@ -26918,7 +26899,7 @@
           <a:graphicData uri="http://schemas.openxmlformats.org/presentationml/2006/ole">
             <mc:AlternateContent xmlns:mc="http://schemas.openxmlformats.org/markup-compatibility/2006">
               <mc:Choice xmlns:v="urn:schemas-microsoft-com:vml" Requires="v">
-                <p:oleObj spid="_x0000_s35920" name="Equation" r:id="rId6" imgW="462033" imgH="171450" progId="Equation.3">
+                <p:oleObj name="Equation" r:id="rId6" imgW="462033" imgH="171450" progId="Equation.3">
                   <p:embed/>
                 </p:oleObj>
               </mc:Choice>
@@ -27011,7 +26992,7 @@
           <a:graphicData uri="http://schemas.openxmlformats.org/presentationml/2006/ole">
             <mc:AlternateContent xmlns:mc="http://schemas.openxmlformats.org/markup-compatibility/2006">
               <mc:Choice xmlns:v="urn:schemas-microsoft-com:vml" Requires="v">
-                <p:oleObj spid="_x0000_s35921" name="Equation" r:id="rId8" imgW="1138315" imgH="157261" progId="Equation.3">
+                <p:oleObj name="Equation" r:id="rId8" imgW="1138315" imgH="157261" progId="Equation.3">
                   <p:embed/>
                 </p:oleObj>
               </mc:Choice>
@@ -27104,7 +27085,7 @@
           <a:graphicData uri="http://schemas.openxmlformats.org/presentationml/2006/ole">
             <mc:AlternateContent xmlns:mc="http://schemas.openxmlformats.org/markup-compatibility/2006">
               <mc:Choice xmlns:v="urn:schemas-microsoft-com:vml" Requires="v">
-                <p:oleObj spid="_x0000_s35922" name="Equation" r:id="rId10" imgW="1100042" imgH="171450" progId="Equation.3">
+                <p:oleObj name="Equation" r:id="rId10" imgW="1100042" imgH="171450" progId="Equation.3">
                   <p:embed/>
                 </p:oleObj>
               </mc:Choice>
@@ -27197,7 +27178,7 @@
           <a:graphicData uri="http://schemas.openxmlformats.org/presentationml/2006/ole">
             <mc:AlternateContent xmlns:mc="http://schemas.openxmlformats.org/markup-compatibility/2006">
               <mc:Choice xmlns:v="urn:schemas-microsoft-com:vml" Requires="v">
-                <p:oleObj spid="_x0000_s35923" name="Equation" r:id="rId12" imgW="528715" imgH="309398" progId="Equation.3">
+                <p:oleObj name="Equation" r:id="rId12" imgW="528715" imgH="309398" progId="Equation.3">
                   <p:embed/>
                 </p:oleObj>
               </mc:Choice>
@@ -27511,7 +27492,7 @@
           <a:graphicData uri="http://schemas.openxmlformats.org/presentationml/2006/ole">
             <mc:AlternateContent xmlns:mc="http://schemas.openxmlformats.org/markup-compatibility/2006">
               <mc:Choice xmlns:v="urn:schemas-microsoft-com:vml" Requires="v">
-                <p:oleObj spid="_x0000_s35924" name="Equation" r:id="rId14" imgW="393529" imgH="203112" progId="Equation.DSMT4">
+                <p:oleObj name="Equation" r:id="rId14" imgW="393529" imgH="203112" progId="Equation.DSMT4">
                   <p:embed/>
                 </p:oleObj>
               </mc:Choice>
@@ -27684,56 +27665,56 @@
                   <a:buNone/>
                 </a:pPr>
                 <a:r>
-                  <a:rPr lang="en-US" altLang="zh-CN" sz="2800" dirty="0" smtClean="0">
+                  <a:rPr lang="en-US" altLang="zh-CN" sz="2800" dirty="0">
                     <a:latin typeface="华文新魏" panose="02010800040101010101" pitchFamily="2" charset="-122"/>
                     <a:ea typeface="华文新魏" panose="02010800040101010101" pitchFamily="2" charset="-122"/>
                   </a:rPr>
                   <a:t>    </a:t>
                 </a:r>
                 <a:r>
-                  <a:rPr lang="zh-CN" altLang="en-US" sz="2800" dirty="0" smtClean="0">
+                  <a:rPr lang="zh-CN" altLang="en-US" sz="2800" dirty="0">
                     <a:latin typeface="华文新魏" panose="02010800040101010101" pitchFamily="2" charset="-122"/>
                     <a:ea typeface="华文新魏" panose="02010800040101010101" pitchFamily="2" charset="-122"/>
                   </a:rPr>
                   <a:t>不难发现，如果</a:t>
                 </a:r>
                 <a:r>
-                  <a:rPr lang="en-US" altLang="zh-CN" sz="2800" dirty="0" smtClean="0">
+                  <a:rPr lang="en-US" altLang="zh-CN" sz="2800" dirty="0">
                     <a:latin typeface="华文新魏" panose="02010800040101010101" pitchFamily="2" charset="-122"/>
                     <a:ea typeface="华文新魏" panose="02010800040101010101" pitchFamily="2" charset="-122"/>
                   </a:rPr>
                   <a:t>(1)</a:t>
                 </a:r>
                 <a:r>
-                  <a:rPr lang="zh-CN" altLang="en-US" sz="2800" dirty="0" smtClean="0">
+                  <a:rPr lang="zh-CN" altLang="en-US" sz="2800" dirty="0">
                     <a:latin typeface="华文新魏" panose="02010800040101010101" pitchFamily="2" charset="-122"/>
                     <a:ea typeface="华文新魏" panose="02010800040101010101" pitchFamily="2" charset="-122"/>
                   </a:rPr>
                   <a:t>、</a:t>
                 </a:r>
                 <a:r>
-                  <a:rPr lang="en-US" altLang="zh-CN" sz="2800" dirty="0" smtClean="0">
+                  <a:rPr lang="en-US" altLang="zh-CN" sz="2800" dirty="0">
                     <a:latin typeface="华文新魏" panose="02010800040101010101" pitchFamily="2" charset="-122"/>
                     <a:ea typeface="华文新魏" panose="02010800040101010101" pitchFamily="2" charset="-122"/>
                   </a:rPr>
                   <a:t>(2)</a:t>
                 </a:r>
                 <a:r>
-                  <a:rPr lang="zh-CN" altLang="en-US" sz="2800" dirty="0" smtClean="0">
+                  <a:rPr lang="zh-CN" altLang="en-US" sz="2800" dirty="0">
                     <a:latin typeface="华文新魏" panose="02010800040101010101" pitchFamily="2" charset="-122"/>
                     <a:ea typeface="华文新魏" panose="02010800040101010101" pitchFamily="2" charset="-122"/>
                   </a:rPr>
                   <a:t>、</a:t>
                 </a:r>
                 <a:r>
-                  <a:rPr lang="en-US" altLang="zh-CN" sz="2800" dirty="0" smtClean="0">
+                  <a:rPr lang="en-US" altLang="zh-CN" sz="2800" dirty="0">
                     <a:latin typeface="华文新魏" panose="02010800040101010101" pitchFamily="2" charset="-122"/>
                     <a:ea typeface="华文新魏" panose="02010800040101010101" pitchFamily="2" charset="-122"/>
                   </a:rPr>
                   <a:t>(3)</a:t>
                 </a:r>
                 <a:r>
-                  <a:rPr lang="zh-CN" altLang="en-US" sz="2800" dirty="0" smtClean="0">
+                  <a:rPr lang="zh-CN" altLang="en-US" sz="2800" dirty="0">
                     <a:latin typeface="华文新魏" panose="02010800040101010101" pitchFamily="2" charset="-122"/>
                     <a:ea typeface="华文新魏" panose="02010800040101010101" pitchFamily="2" charset="-122"/>
                   </a:rPr>
@@ -27765,7 +27746,7 @@
                   </m:oMath>
                 </a14:m>
                 <a:r>
-                  <a:rPr lang="zh-CN" altLang="en-US" sz="2800" dirty="0" smtClean="0">
+                  <a:rPr lang="zh-CN" altLang="en-US" sz="2800" dirty="0">
                     <a:latin typeface="华文新魏" panose="02010800040101010101" pitchFamily="2" charset="-122"/>
                     <a:ea typeface="华文新魏" panose="02010800040101010101" pitchFamily="2" charset="-122"/>
                   </a:rPr>
@@ -27778,34 +27759,34 @@
                   <a:buNone/>
                 </a:pPr>
                 <a:r>
-                  <a:rPr lang="zh-CN" altLang="en-US" sz="2800" dirty="0" smtClean="0">
+                  <a:rPr lang="zh-CN" altLang="en-US" sz="2800" dirty="0">
                     <a:latin typeface="华文新魏" panose="02010800040101010101" pitchFamily="2" charset="-122"/>
                     <a:ea typeface="华文新魏" panose="02010800040101010101" pitchFamily="2" charset="-122"/>
                   </a:rPr>
                   <a:t>	如果</a:t>
                 </a:r>
                 <a:r>
-                  <a:rPr lang="en-US" altLang="zh-CN" sz="2800" dirty="0" smtClean="0">
+                  <a:rPr lang="en-US" altLang="zh-CN" sz="2800" dirty="0">
                     <a:latin typeface="华文新魏" panose="02010800040101010101" pitchFamily="2" charset="-122"/>
                     <a:ea typeface="华文新魏" panose="02010800040101010101" pitchFamily="2" charset="-122"/>
                   </a:rPr>
                   <a:t>(3</a:t>
                 </a:r>
                 <a:r>
-                  <a:rPr lang="en-US" altLang="zh-CN" sz="2800" dirty="0" smtClean="0">
+                  <a:rPr lang="en-US" altLang="zh-CN" sz="2800" dirty="0">
                     <a:ea typeface="华文新魏" panose="02010800040101010101" pitchFamily="2" charset="-122"/>
                   </a:rPr>
                   <a:t>’</a:t>
                 </a:r>
                 <a:r>
-                  <a:rPr lang="en-US" altLang="zh-CN" sz="2800" dirty="0" smtClean="0">
+                  <a:rPr lang="en-US" altLang="zh-CN" sz="2800" dirty="0">
                     <a:latin typeface="华文新魏" panose="02010800040101010101" pitchFamily="2" charset="-122"/>
                     <a:ea typeface="华文新魏" panose="02010800040101010101" pitchFamily="2" charset="-122"/>
                   </a:rPr>
                   <a:t>)</a:t>
                 </a:r>
                 <a:r>
-                  <a:rPr lang="zh-CN" altLang="en-US" sz="2800" dirty="0" smtClean="0">
+                  <a:rPr lang="zh-CN" altLang="en-US" sz="2800" dirty="0">
                     <a:latin typeface="华文新魏" panose="02010800040101010101" pitchFamily="2" charset="-122"/>
                     <a:ea typeface="华文新魏" panose="02010800040101010101" pitchFamily="2" charset="-122"/>
                   </a:rPr>
@@ -27818,7 +27799,7 @@
                   <a:buNone/>
                 </a:pPr>
                 <a:r>
-                  <a:rPr lang="zh-CN" altLang="en-US" sz="2800" dirty="0" smtClean="0">
+                  <a:rPr lang="zh-CN" altLang="en-US" sz="2800" dirty="0">
                     <a:latin typeface="华文新魏" panose="02010800040101010101" pitchFamily="2" charset="-122"/>
                     <a:ea typeface="华文新魏" panose="02010800040101010101" pitchFamily="2" charset="-122"/>
                   </a:rPr>
@@ -27831,7 +27812,7 @@
                   <a:buNone/>
                 </a:pPr>
                 <a:r>
-                  <a:rPr lang="zh-CN" altLang="en-US" sz="2800" dirty="0" smtClean="0">
+                  <a:rPr lang="zh-CN" altLang="en-US" sz="2800" dirty="0">
                     <a:latin typeface="华文新魏" panose="02010800040101010101" pitchFamily="2" charset="-122"/>
                     <a:ea typeface="华文新魏" panose="02010800040101010101" pitchFamily="2" charset="-122"/>
                   </a:rPr>
@@ -27856,70 +27837,70 @@
                   </m:oMath>
                 </a14:m>
                 <a:r>
-                  <a:rPr lang="zh-CN" altLang="en-US" sz="2800" dirty="0" smtClean="0">
+                  <a:rPr lang="zh-CN" altLang="en-US" sz="2800" dirty="0">
                     <a:latin typeface="华文新魏" panose="02010800040101010101" pitchFamily="2" charset="-122"/>
                     <a:ea typeface="华文新魏" panose="02010800040101010101" pitchFamily="2" charset="-122"/>
                   </a:rPr>
                   <a:t>域的最简单例子是</a:t>
                 </a:r>
                 <a:r>
-                  <a:rPr lang="en-US" altLang="zh-CN" sz="2800" dirty="0" smtClean="0">
+                  <a:rPr lang="en-US" altLang="zh-CN" sz="2800" dirty="0">
                     <a:latin typeface="华文新魏" panose="02010800040101010101" pitchFamily="2" charset="-122"/>
                     <a:ea typeface="华文新魏" panose="02010800040101010101" pitchFamily="2" charset="-122"/>
                   </a:rPr>
                   <a:t>S</a:t>
                 </a:r>
                 <a:r>
-                  <a:rPr lang="zh-CN" altLang="en-US" sz="2800" dirty="0" smtClean="0">
+                  <a:rPr lang="zh-CN" altLang="en-US" sz="2800" dirty="0">
                     <a:latin typeface="华文新魏" panose="02010800040101010101" pitchFamily="2" charset="-122"/>
                     <a:ea typeface="华文新魏" panose="02010800040101010101" pitchFamily="2" charset="-122"/>
                   </a:rPr>
                   <a:t>的一切子集构成的簇，这是</a:t>
                 </a:r>
                 <a:r>
-                  <a:rPr lang="en-US" altLang="zh-CN" sz="2800" dirty="0" smtClean="0">
+                  <a:rPr lang="en-US" altLang="zh-CN" sz="2800" dirty="0">
                     <a:latin typeface="华文新魏" panose="02010800040101010101" pitchFamily="2" charset="-122"/>
                     <a:ea typeface="华文新魏" panose="02010800040101010101" pitchFamily="2" charset="-122"/>
                   </a:rPr>
                   <a:t>S</a:t>
                 </a:r>
                 <a:r>
-                  <a:rPr lang="zh-CN" altLang="en-US" sz="2800" dirty="0" smtClean="0">
+                  <a:rPr lang="zh-CN" altLang="en-US" sz="2800" dirty="0">
                     <a:latin typeface="华文新魏" panose="02010800040101010101" pitchFamily="2" charset="-122"/>
                     <a:ea typeface="华文新魏" panose="02010800040101010101" pitchFamily="2" charset="-122"/>
                   </a:rPr>
                   <a:t>的子集簇中最大者；另一个例子是由空集和</a:t>
                 </a:r>
                 <a:r>
-                  <a:rPr lang="en-US" altLang="zh-CN" sz="2800" dirty="0" smtClean="0">
+                  <a:rPr lang="en-US" altLang="zh-CN" sz="2800" dirty="0">
                     <a:latin typeface="华文新魏" panose="02010800040101010101" pitchFamily="2" charset="-122"/>
                     <a:ea typeface="华文新魏" panose="02010800040101010101" pitchFamily="2" charset="-122"/>
                   </a:rPr>
                   <a:t>S</a:t>
                 </a:r>
                 <a:r>
-                  <a:rPr lang="zh-CN" altLang="en-US" sz="2800" dirty="0" smtClean="0">
+                  <a:rPr lang="zh-CN" altLang="en-US" sz="2800" dirty="0">
                     <a:latin typeface="华文新魏" panose="02010800040101010101" pitchFamily="2" charset="-122"/>
                     <a:ea typeface="华文新魏" panose="02010800040101010101" pitchFamily="2" charset="-122"/>
                   </a:rPr>
                   <a:t>本身构成的簇，这是</a:t>
                 </a:r>
                 <a:r>
-                  <a:rPr lang="en-US" altLang="zh-CN" sz="2800" dirty="0" smtClean="0">
+                  <a:rPr lang="en-US" altLang="zh-CN" sz="2800" dirty="0">
                     <a:latin typeface="华文新魏" panose="02010800040101010101" pitchFamily="2" charset="-122"/>
                     <a:ea typeface="华文新魏" panose="02010800040101010101" pitchFamily="2" charset="-122"/>
                   </a:rPr>
                   <a:t>S</a:t>
                 </a:r>
                 <a:r>
-                  <a:rPr lang="zh-CN" altLang="en-US" sz="2800" dirty="0" smtClean="0">
+                  <a:rPr lang="zh-CN" altLang="en-US" sz="2800" dirty="0">
                     <a:latin typeface="华文新魏" panose="02010800040101010101" pitchFamily="2" charset="-122"/>
                     <a:ea typeface="华文新魏" panose="02010800040101010101" pitchFamily="2" charset="-122"/>
                   </a:rPr>
                   <a:t>的子集所构成的域中最小者。</a:t>
                 </a:r>
                 <a:r>
-                  <a:rPr lang="zh-CN" altLang="en-US" dirty="0" smtClean="0"/>
+                  <a:rPr lang="zh-CN" altLang="en-US" dirty="0"/>
                   <a:t> </a:t>
                 </a:r>
               </a:p>
@@ -27986,7 +27967,7 @@
           <a:graphicData uri="http://schemas.openxmlformats.org/presentationml/2006/ole">
             <mc:AlternateContent xmlns:mc="http://schemas.openxmlformats.org/markup-compatibility/2006">
               <mc:Choice xmlns:v="urn:schemas-microsoft-com:vml" Requires="v">
-                <p:oleObj spid="_x0000_s36924" name="Equation" r:id="rId4" imgW="1033361" imgH="157261" progId="Equation.3">
+                <p:oleObj name="Equation" r:id="rId4" imgW="1033361" imgH="157261" progId="Equation.3">
                   <p:embed/>
                 </p:oleObj>
               </mc:Choice>
@@ -28085,7 +28066,7 @@
           <a:graphicData uri="http://schemas.openxmlformats.org/presentationml/2006/ole">
             <mc:AlternateContent xmlns:mc="http://schemas.openxmlformats.org/markup-compatibility/2006">
               <mc:Choice xmlns:v="urn:schemas-microsoft-com:vml" Requires="v">
-                <p:oleObj spid="_x0000_s36925" name="Equation" r:id="rId6" imgW="1085838" imgH="171450" progId="Equation.3">
+                <p:oleObj name="Equation" r:id="rId6" imgW="1085838" imgH="171450" progId="Equation.3">
                   <p:embed/>
                 </p:oleObj>
               </mc:Choice>
@@ -28178,7 +28159,7 @@
           <a:graphicData uri="http://schemas.openxmlformats.org/presentationml/2006/ole">
             <mc:AlternateContent xmlns:mc="http://schemas.openxmlformats.org/markup-compatibility/2006">
               <mc:Choice xmlns:v="urn:schemas-microsoft-com:vml" Requires="v">
-                <p:oleObj spid="_x0000_s36926" name="Equation" r:id="rId8" imgW="101556" imgH="190417" progId="Equation.3">
+                <p:oleObj name="Equation" r:id="rId8" imgW="101556" imgH="190417" progId="Equation.3">
                   <p:embed/>
                 </p:oleObj>
               </mc:Choice>
@@ -28277,7 +28258,7 @@
           <a:graphicData uri="http://schemas.openxmlformats.org/presentationml/2006/ole">
             <mc:AlternateContent xmlns:mc="http://schemas.openxmlformats.org/markup-compatibility/2006">
               <mc:Choice xmlns:v="urn:schemas-microsoft-com:vml" Requires="v">
-                <p:oleObj spid="_x0000_s36927" name="Equation" r:id="rId10" imgW="528715" imgH="309398" progId="Equation.3">
+                <p:oleObj name="Equation" r:id="rId10" imgW="528715" imgH="309398" progId="Equation.3">
                   <p:embed/>
                 </p:oleObj>
               </mc:Choice>
@@ -28451,7 +28432,7 @@
               <a:buFont typeface="Wingdings" panose="05000000000000000000" pitchFamily="2" charset="2"/>
               <a:buNone/>
             </a:pPr>
-            <a:endParaRPr lang="en-US" altLang="zh-CN" sz="2800" i="1" dirty="0" smtClean="0"/>
+            <a:endParaRPr lang="en-US" altLang="zh-CN" sz="2800" i="1" dirty="0"/>
           </a:p>
           <a:p>
             <a:pPr algn="just">
@@ -28462,11 +28443,11 @@
               <a:buNone/>
             </a:pPr>
             <a:r>
-              <a:rPr lang="en-US" altLang="zh-CN" sz="2800" dirty="0" smtClean="0"/>
+              <a:rPr lang="en-US" altLang="zh-CN" sz="2800" dirty="0"/>
               <a:t>    </a:t>
             </a:r>
             <a:r>
-              <a:rPr lang="zh-CN" altLang="en-US" sz="3600" b="1" dirty="0" smtClean="0">
+              <a:rPr lang="zh-CN" altLang="en-US" sz="3600" b="1" dirty="0">
                 <a:solidFill>
                   <a:srgbClr val="00B050"/>
                 </a:solidFill>
@@ -28476,7 +28457,7 @@
               <a:t>问题：对于一个给定集合的</a:t>
             </a:r>
             <a:r>
-              <a:rPr lang="zh-CN" altLang="en-US" sz="3600" dirty="0" smtClean="0">
+              <a:rPr lang="zh-CN" altLang="en-US" sz="3600" dirty="0">
                 <a:solidFill>
                   <a:srgbClr val="00B050"/>
                 </a:solidFill>
@@ -28486,7 +28467,7 @@
               <a:t>子集簇</a:t>
             </a:r>
             <a:r>
-              <a:rPr lang="en-US" altLang="zh-CN" sz="3600" dirty="0" smtClean="0">
+              <a:rPr lang="en-US" altLang="zh-CN" sz="3600" dirty="0">
                 <a:solidFill>
                   <a:srgbClr val="00B050"/>
                 </a:solidFill>
@@ -28496,7 +28477,7 @@
               <a:t>F</a:t>
             </a:r>
             <a:r>
-              <a:rPr lang="zh-CN" altLang="en-US" sz="3600" b="1" dirty="0" smtClean="0">
+              <a:rPr lang="zh-CN" altLang="en-US" sz="3600" b="1" dirty="0">
                 <a:solidFill>
                   <a:srgbClr val="00B050"/>
                 </a:solidFill>
@@ -28505,7 +28486,7 @@
               </a:rPr>
               <a:t>，它关于集合的运算可能不是封闭的。</a:t>
             </a:r>
-            <a:endParaRPr lang="en-US" altLang="zh-CN" sz="3600" b="1" dirty="0" smtClean="0">
+            <a:endParaRPr lang="en-US" altLang="zh-CN" sz="3600" b="1" dirty="0">
               <a:solidFill>
                 <a:srgbClr val="00B050"/>
               </a:solidFill>
@@ -28522,7 +28503,7 @@
               <a:buNone/>
             </a:pPr>
             <a:r>
-              <a:rPr lang="en-US" altLang="zh-CN" sz="3600" b="1" dirty="0" smtClean="0">
+              <a:rPr lang="en-US" altLang="zh-CN" sz="3600" b="1" dirty="0">
                 <a:solidFill>
                   <a:srgbClr val="00B050"/>
                 </a:solidFill>
@@ -28532,7 +28513,7 @@
               <a:t>  1. </a:t>
             </a:r>
             <a:r>
-              <a:rPr lang="zh-CN" altLang="en-US" sz="3600" b="1" dirty="0" smtClean="0">
+              <a:rPr lang="zh-CN" altLang="en-US" sz="3600" b="1" dirty="0">
                 <a:solidFill>
                   <a:srgbClr val="00B050"/>
                 </a:solidFill>
@@ -28542,7 +28523,7 @@
               <a:t>如何构造一个</a:t>
             </a:r>
             <a:r>
-              <a:rPr lang="en-US" altLang="zh-CN" sz="3600" b="1" dirty="0" smtClean="0">
+              <a:rPr lang="en-US" altLang="zh-CN" sz="3600" b="1" dirty="0">
                 <a:solidFill>
                   <a:srgbClr val="00B050"/>
                 </a:solidFill>
@@ -28552,7 +28533,7 @@
               <a:t>б-</a:t>
             </a:r>
             <a:r>
-              <a:rPr lang="zh-CN" altLang="en-US" sz="3600" b="1" dirty="0" smtClean="0">
+              <a:rPr lang="zh-CN" altLang="en-US" sz="3600" b="1" dirty="0">
                 <a:solidFill>
                   <a:srgbClr val="00B050"/>
                 </a:solidFill>
@@ -28562,7 +28543,7 @@
               <a:t>域包含</a:t>
             </a:r>
             <a:r>
-              <a:rPr lang="en-US" altLang="zh-CN" sz="3600" b="1" dirty="0" smtClean="0">
+              <a:rPr lang="en-US" altLang="zh-CN" sz="3600" b="1" dirty="0">
                 <a:solidFill>
                   <a:srgbClr val="00B050"/>
                 </a:solidFill>
@@ -28581,7 +28562,7 @@
               <a:buNone/>
             </a:pPr>
             <a:r>
-              <a:rPr lang="zh-CN" altLang="en-US" sz="3600" b="1" dirty="0" smtClean="0">
+              <a:rPr lang="zh-CN" altLang="en-US" sz="3600" b="1" dirty="0">
                 <a:solidFill>
                   <a:srgbClr val="00B050"/>
                 </a:solidFill>
@@ -28591,7 +28572,7 @@
               <a:t>  </a:t>
             </a:r>
             <a:r>
-              <a:rPr lang="en-US" altLang="zh-CN" sz="3600" b="1" dirty="0" smtClean="0">
+              <a:rPr lang="en-US" altLang="zh-CN" sz="3600" b="1" dirty="0">
                 <a:solidFill>
                   <a:srgbClr val="00B050"/>
                 </a:solidFill>
@@ -28601,7 +28582,7 @@
               <a:t>2. </a:t>
             </a:r>
             <a:r>
-              <a:rPr lang="zh-CN" altLang="en-US" sz="3600" b="1" dirty="0" smtClean="0">
+              <a:rPr lang="zh-CN" altLang="en-US" sz="3600" b="1" dirty="0">
                 <a:solidFill>
                   <a:srgbClr val="00B050"/>
                 </a:solidFill>
@@ -28611,7 +28592,7 @@
               <a:t>这样的</a:t>
             </a:r>
             <a:r>
-              <a:rPr lang="en-US" altLang="zh-CN" sz="3600" b="1" dirty="0" smtClean="0">
+              <a:rPr lang="en-US" altLang="zh-CN" sz="3600" b="1" dirty="0">
                 <a:solidFill>
                   <a:srgbClr val="00B050"/>
                 </a:solidFill>
@@ -28621,7 +28602,7 @@
               <a:t>б-</a:t>
             </a:r>
             <a:r>
-              <a:rPr lang="zh-CN" altLang="en-US" sz="3600" b="1" dirty="0" smtClean="0">
+              <a:rPr lang="zh-CN" altLang="en-US" sz="3600" b="1" dirty="0">
                 <a:solidFill>
                   <a:srgbClr val="00B050"/>
                 </a:solidFill>
@@ -28630,7 +28611,7 @@
               </a:rPr>
               <a:t>域有多少？</a:t>
             </a:r>
-            <a:endParaRPr lang="en-US" altLang="zh-CN" sz="3600" b="1" dirty="0" smtClean="0">
+            <a:endParaRPr lang="en-US" altLang="zh-CN" sz="3600" b="1" dirty="0">
               <a:solidFill>
                 <a:srgbClr val="00B050"/>
               </a:solidFill>
@@ -28647,7 +28628,7 @@
               <a:buNone/>
             </a:pPr>
             <a:r>
-              <a:rPr lang="en-US" altLang="zh-CN" sz="3600" b="1" dirty="0" smtClean="0">
+              <a:rPr lang="en-US" altLang="zh-CN" sz="3600" b="1" dirty="0">
                 <a:solidFill>
                   <a:srgbClr val="00B050"/>
                 </a:solidFill>
@@ -28657,7 +28638,7 @@
               <a:t>  3. </a:t>
             </a:r>
             <a:r>
-              <a:rPr lang="zh-CN" altLang="en-US" sz="3600" b="1" dirty="0" smtClean="0">
+              <a:rPr lang="zh-CN" altLang="en-US" sz="3600" b="1" dirty="0">
                 <a:solidFill>
                   <a:srgbClr val="00B050"/>
                 </a:solidFill>
@@ -28667,7 +28648,7 @@
               <a:t>存不存在满足上述条件的最小的</a:t>
             </a:r>
             <a:r>
-              <a:rPr lang="en-US" altLang="zh-CN" sz="3600" b="1" dirty="0" smtClean="0">
+              <a:rPr lang="en-US" altLang="zh-CN" sz="3600" b="1" dirty="0">
                 <a:solidFill>
                   <a:srgbClr val="00B050"/>
                 </a:solidFill>
@@ -28677,7 +28658,7 @@
               <a:t>б-</a:t>
             </a:r>
             <a:r>
-              <a:rPr lang="zh-CN" altLang="en-US" sz="3600" b="1" dirty="0" smtClean="0">
+              <a:rPr lang="zh-CN" altLang="en-US" sz="3600" b="1" dirty="0">
                 <a:solidFill>
                   <a:srgbClr val="00B050"/>
                 </a:solidFill>
@@ -28686,7 +28667,7 @@
               </a:rPr>
               <a:t>域？</a:t>
             </a:r>
-            <a:endParaRPr lang="en-US" altLang="zh-CN" sz="3600" b="1" dirty="0" smtClean="0">
+            <a:endParaRPr lang="en-US" altLang="zh-CN" sz="3600" b="1" dirty="0">
               <a:solidFill>
                 <a:srgbClr val="00B050"/>
               </a:solidFill>
@@ -28703,7 +28684,7 @@
               <a:buNone/>
             </a:pPr>
             <a:r>
-              <a:rPr lang="en-US" altLang="zh-CN" sz="3600" b="1" dirty="0" smtClean="0">
+              <a:rPr lang="en-US" altLang="zh-CN" sz="3600" b="1" dirty="0">
                 <a:solidFill>
                   <a:srgbClr val="00B050"/>
                 </a:solidFill>
@@ -28713,7 +28694,7 @@
               <a:t>  4. </a:t>
             </a:r>
             <a:r>
-              <a:rPr lang="zh-CN" altLang="en-US" sz="3600" b="1" dirty="0" smtClean="0">
+              <a:rPr lang="zh-CN" altLang="en-US" sz="3600" b="1" dirty="0">
                 <a:solidFill>
                   <a:srgbClr val="00B050"/>
                 </a:solidFill>
@@ -28732,7 +28713,7 @@
               <a:buNone/>
             </a:pPr>
             <a:r>
-              <a:rPr lang="zh-CN" altLang="en-US" sz="2800" dirty="0" smtClean="0"/>
+              <a:rPr lang="zh-CN" altLang="en-US" sz="2800" dirty="0"/>
               <a:t>       </a:t>
             </a:r>
           </a:p>
@@ -28808,8 +28789,8 @@
           </a:p>
         </p:txBody>
       </p:sp>
-      <mc:AlternateContent xmlns:mc="http://schemas.openxmlformats.org/markup-compatibility/2006">
-        <mc:Choice xmlns:a14="http://schemas.microsoft.com/office/drawing/2010/main" Requires="a14">
+      <mc:AlternateContent xmlns:mc="http://schemas.openxmlformats.org/markup-compatibility/2006" xmlns:a14="http://schemas.microsoft.com/office/drawing/2010/main">
+        <mc:Choice Requires="a14">
           <p:sp>
             <p:nvSpPr>
               <p:cNvPr id="38915" name="Rectangle 3"/>
@@ -28837,25 +28818,18 @@
                   <a:buNone/>
                 </a:pPr>
                 <a:r>
-                  <a:rPr lang="en-US" altLang="zh-CN" sz="2800" dirty="0" smtClean="0">
+                  <a:rPr lang="en-US" altLang="zh-CN" sz="2800" dirty="0">
                     <a:latin typeface="华文新魏" panose="02010800040101010101" pitchFamily="2" charset="-122"/>
                     <a:ea typeface="华文新魏" panose="02010800040101010101" pitchFamily="2" charset="-122"/>
                   </a:rPr>
                   <a:t>  </a:t>
                 </a:r>
                 <a:r>
-                  <a:rPr lang="zh-CN" altLang="en-US" sz="2800" dirty="0" smtClean="0">
+                  <a:rPr lang="zh-CN" altLang="en-US" sz="2800" dirty="0">
                     <a:latin typeface="华文新魏" panose="02010800040101010101" pitchFamily="2" charset="-122"/>
                     <a:ea typeface="华文新魏" panose="02010800040101010101" pitchFamily="2" charset="-122"/>
                   </a:rPr>
-                  <a:t>我们</a:t>
-                </a:r>
-                <a:r>
-                  <a:rPr lang="zh-CN" altLang="en-US" sz="2800" dirty="0" smtClean="0">
-                    <a:latin typeface="华文新魏" panose="02010800040101010101" pitchFamily="2" charset="-122"/>
-                    <a:ea typeface="华文新魏" panose="02010800040101010101" pitchFamily="2" charset="-122"/>
-                  </a:rPr>
-                  <a:t>所要的</a:t>
+                  <a:t>我们所要的</a:t>
                 </a:r>
                 <a14:m>
                   <m:oMath xmlns:m="http://schemas.openxmlformats.org/officeDocument/2006/math">
@@ -28876,7 +28850,7 @@
                   </m:oMath>
                 </a14:m>
                 <a:r>
-                  <a:rPr lang="zh-CN" altLang="en-US" sz="2800" dirty="0" smtClean="0">
+                  <a:rPr lang="zh-CN" altLang="en-US" sz="2800" dirty="0">
                     <a:latin typeface="华文新魏" panose="02010800040101010101" pitchFamily="2" charset="-122"/>
                     <a:ea typeface="华文新魏" panose="02010800040101010101" pitchFamily="2" charset="-122"/>
                   </a:rPr>
@@ -28915,7 +28889,7 @@
                   </m:oMath>
                 </a14:m>
                 <a:r>
-                  <a:rPr lang="zh-CN" altLang="en-US" sz="2800" dirty="0" smtClean="0">
+                  <a:rPr lang="zh-CN" altLang="en-US" sz="2800" dirty="0">
                     <a:latin typeface="华文新魏" panose="02010800040101010101" pitchFamily="2" charset="-122"/>
                     <a:ea typeface="华文新魏" panose="02010800040101010101" pitchFamily="2" charset="-122"/>
                   </a:rPr>
@@ -28927,21 +28901,21 @@
                   <a:buNone/>
                 </a:pPr>
                 <a:r>
-                  <a:rPr lang="en-US" altLang="zh-CN" sz="2800" dirty="0" smtClean="0">
+                  <a:rPr lang="en-US" altLang="zh-CN" sz="2800" dirty="0">
                     <a:latin typeface="华文新魏" panose="02010800040101010101" pitchFamily="2" charset="-122"/>
                     <a:ea typeface="华文新魏" panose="02010800040101010101" pitchFamily="2" charset="-122"/>
                   </a:rPr>
                   <a:t>(</a:t>
                 </a:r>
                 <a:r>
-                  <a:rPr lang="en-US" altLang="zh-CN" sz="2800" dirty="0" err="1" smtClean="0">
+                  <a:rPr lang="en-US" altLang="zh-CN" sz="2800" dirty="0" err="1">
                     <a:latin typeface="华文新魏" panose="02010800040101010101" pitchFamily="2" charset="-122"/>
                     <a:ea typeface="华文新魏" panose="02010800040101010101" pitchFamily="2" charset="-122"/>
                   </a:rPr>
                   <a:t>i</a:t>
                 </a:r>
                 <a:r>
-                  <a:rPr lang="en-US" altLang="zh-CN" sz="2800" dirty="0" smtClean="0">
+                  <a:rPr lang="en-US" altLang="zh-CN" sz="2800" dirty="0">
                     <a:latin typeface="华文新魏" panose="02010800040101010101" pitchFamily="2" charset="-122"/>
                     <a:ea typeface="华文新魏" panose="02010800040101010101" pitchFamily="2" charset="-122"/>
                   </a:rPr>
@@ -28999,7 +28973,7 @@
                     </m:r>
                   </m:oMath>
                 </a14:m>
-                <a:endParaRPr lang="zh-CN" altLang="en-US" sz="2800" dirty="0" smtClean="0">
+                <a:endParaRPr lang="zh-CN" altLang="en-US" sz="2800" dirty="0">
                   <a:latin typeface="华文新魏" panose="02010800040101010101" pitchFamily="2" charset="-122"/>
                   <a:ea typeface="华文新魏" panose="02010800040101010101" pitchFamily="2" charset="-122"/>
                 </a:endParaRPr>
@@ -29009,14 +28983,14 @@
                   <a:buNone/>
                 </a:pPr>
                 <a:r>
-                  <a:rPr lang="en-US" altLang="zh-CN" sz="2800" dirty="0" smtClean="0">
+                  <a:rPr lang="en-US" altLang="zh-CN" sz="2800" dirty="0">
                     <a:latin typeface="华文新魏" panose="02010800040101010101" pitchFamily="2" charset="-122"/>
                     <a:ea typeface="华文新魏" panose="02010800040101010101" pitchFamily="2" charset="-122"/>
                   </a:rPr>
                   <a:t>(ii)</a:t>
                 </a:r>
                 <a:r>
-                  <a:rPr lang="zh-CN" altLang="en-US" sz="2800" dirty="0" smtClean="0">
+                  <a:rPr lang="zh-CN" altLang="en-US" sz="2800" dirty="0">
                     <a:latin typeface="华文新魏" panose="02010800040101010101" pitchFamily="2" charset="-122"/>
                     <a:ea typeface="华文新魏" panose="02010800040101010101" pitchFamily="2" charset="-122"/>
                   </a:rPr>
@@ -29034,7 +29008,7 @@
                   </m:oMath>
                 </a14:m>
                 <a:r>
-                  <a:rPr lang="zh-CN" altLang="en-US" sz="2800" dirty="0" smtClean="0">
+                  <a:rPr lang="zh-CN" altLang="en-US" sz="2800" dirty="0">
                     <a:latin typeface="华文新魏" panose="02010800040101010101" pitchFamily="2" charset="-122"/>
                     <a:ea typeface="华文新魏" panose="02010800040101010101" pitchFamily="2" charset="-122"/>
                   </a:rPr>
@@ -29059,7 +29033,7 @@
                   </m:oMath>
                 </a14:m>
                 <a:r>
-                  <a:rPr lang="zh-CN" altLang="en-US" sz="2800" dirty="0" smtClean="0">
+                  <a:rPr lang="zh-CN" altLang="en-US" sz="2800" dirty="0">
                     <a:latin typeface="华文新魏" panose="02010800040101010101" pitchFamily="2" charset="-122"/>
                     <a:ea typeface="华文新魏" panose="02010800040101010101" pitchFamily="2" charset="-122"/>
                   </a:rPr>
@@ -29098,7 +29072,7 @@
                   </m:oMath>
                 </a14:m>
                 <a:r>
-                  <a:rPr lang="zh-CN" altLang="en-US" sz="2800" dirty="0" smtClean="0">
+                  <a:rPr lang="zh-CN" altLang="en-US" sz="2800" dirty="0">
                     <a:latin typeface="华文新魏" panose="02010800040101010101" pitchFamily="2" charset="-122"/>
                     <a:ea typeface="华文新魏" panose="02010800040101010101" pitchFamily="2" charset="-122"/>
                   </a:rPr>
@@ -29143,7 +29117,7 @@
                   </m:oMath>
                 </a14:m>
                 <a:r>
-                  <a:rPr lang="zh-CN" altLang="en-US" sz="2800" dirty="0" smtClean="0">
+                  <a:rPr lang="zh-CN" altLang="en-US" sz="2800" dirty="0">
                     <a:latin typeface="华文新魏" panose="02010800040101010101" pitchFamily="2" charset="-122"/>
                     <a:ea typeface="华文新魏" panose="02010800040101010101" pitchFamily="2" charset="-122"/>
                   </a:rPr>
@@ -29161,7 +29135,7 @@
                   </m:oMath>
                 </a14:m>
                 <a:r>
-                  <a:rPr lang="zh-CN" altLang="en-US" sz="2800" dirty="0" smtClean="0">
+                  <a:rPr lang="zh-CN" altLang="en-US" sz="2800" dirty="0">
                     <a:latin typeface="华文新魏" panose="02010800040101010101" pitchFamily="2" charset="-122"/>
                     <a:ea typeface="华文新魏" panose="02010800040101010101" pitchFamily="2" charset="-122"/>
                   </a:rPr>
@@ -29186,7 +29160,7 @@
                   </m:oMath>
                 </a14:m>
                 <a:r>
-                  <a:rPr lang="zh-CN" altLang="en-US" sz="2800" dirty="0" smtClean="0">
+                  <a:rPr lang="zh-CN" altLang="en-US" sz="2800" dirty="0">
                     <a:latin typeface="华文新魏" panose="02010800040101010101" pitchFamily="2" charset="-122"/>
                     <a:ea typeface="华文新魏" panose="02010800040101010101" pitchFamily="2" charset="-122"/>
                   </a:rPr>
@@ -29198,28 +29172,21 @@
                   <a:buNone/>
                 </a:pPr>
                 <a:r>
-                  <a:rPr lang="zh-CN" altLang="en-US" sz="2800" dirty="0" smtClean="0">
+                  <a:rPr lang="zh-CN" altLang="en-US" sz="2800" dirty="0">
                     <a:latin typeface="华文新魏" panose="02010800040101010101" pitchFamily="2" charset="-122"/>
                     <a:ea typeface="华文新魏" panose="02010800040101010101" pitchFamily="2" charset="-122"/>
                   </a:rPr>
-                  <a:t>   满足</a:t>
+                  <a:t>   满足（</a:t>
                 </a:r>
                 <a:r>
-                  <a:rPr lang="zh-CN" altLang="en-US" sz="2800" dirty="0" smtClean="0">
-                    <a:latin typeface="华文新魏" panose="02010800040101010101" pitchFamily="2" charset="-122"/>
-                    <a:ea typeface="华文新魏" panose="02010800040101010101" pitchFamily="2" charset="-122"/>
-                  </a:rPr>
-                  <a:t>（</a:t>
-                </a:r>
-                <a:r>
-                  <a:rPr lang="en-US" altLang="zh-CN" sz="2800" dirty="0" err="1" smtClean="0">
+                  <a:rPr lang="en-US" altLang="zh-CN" sz="2800" dirty="0" err="1">
                     <a:latin typeface="华文新魏" panose="02010800040101010101" pitchFamily="2" charset="-122"/>
                     <a:ea typeface="华文新魏" panose="02010800040101010101" pitchFamily="2" charset="-122"/>
                   </a:rPr>
                   <a:t>i</a:t>
                 </a:r>
                 <a:r>
-                  <a:rPr lang="zh-CN" altLang="en-US" sz="2800" dirty="0" smtClean="0">
+                  <a:rPr lang="zh-CN" altLang="en-US" sz="2800" dirty="0">
                     <a:latin typeface="华文新魏" panose="02010800040101010101" pitchFamily="2" charset="-122"/>
                     <a:ea typeface="华文新魏" panose="02010800040101010101" pitchFamily="2" charset="-122"/>
                   </a:rPr>
@@ -29244,21 +29211,21 @@
                   </m:oMath>
                 </a14:m>
                 <a:r>
-                  <a:rPr lang="zh-CN" altLang="en-US" sz="2800" dirty="0" smtClean="0">
+                  <a:rPr lang="zh-CN" altLang="en-US" sz="2800" dirty="0">
                     <a:latin typeface="华文新魏" panose="02010800040101010101" pitchFamily="2" charset="-122"/>
                     <a:ea typeface="华文新魏" panose="02010800040101010101" pitchFamily="2" charset="-122"/>
                   </a:rPr>
                   <a:t>域不难找，</a:t>
                 </a:r>
                 <a:r>
-                  <a:rPr lang="en-US" altLang="zh-CN" sz="2800" dirty="0" smtClean="0">
+                  <a:rPr lang="en-US" altLang="zh-CN" sz="2800" dirty="0">
                     <a:latin typeface="华文新魏" panose="02010800040101010101" pitchFamily="2" charset="-122"/>
                     <a:ea typeface="华文新魏" panose="02010800040101010101" pitchFamily="2" charset="-122"/>
                   </a:rPr>
                   <a:t>S</a:t>
                 </a:r>
                 <a:r>
-                  <a:rPr lang="zh-CN" altLang="en-US" sz="2800" dirty="0" smtClean="0">
+                  <a:rPr lang="zh-CN" altLang="en-US" sz="2800" dirty="0">
                     <a:latin typeface="华文新魏" panose="02010800040101010101" pitchFamily="2" charset="-122"/>
                     <a:ea typeface="华文新魏" panose="02010800040101010101" pitchFamily="2" charset="-122"/>
                   </a:rPr>
@@ -29283,32 +29250,11 @@
                   </m:oMath>
                 </a14:m>
                 <a:r>
-                  <a:rPr lang="zh-CN" altLang="en-US" sz="2800" dirty="0" smtClean="0">
-                    <a:latin typeface="华文新魏" panose="02010800040101010101" pitchFamily="2" charset="-122"/>
-                    <a:ea typeface="华文新魏" panose="02010800040101010101" pitchFamily="2" charset="-122"/>
-                  </a:rPr>
-                  <a:t>域便是一个，问题在于如何找最小的一</a:t>
-                </a:r>
-                <a:r>
-                  <a:rPr lang="zh-CN" altLang="en-US" sz="2800" dirty="0" smtClean="0">
-                    <a:latin typeface="华文新魏" panose="02010800040101010101" pitchFamily="2" charset="-122"/>
-                    <a:ea typeface="华文新魏" panose="02010800040101010101" pitchFamily="2" charset="-122"/>
-                  </a:rPr>
-                  <a:t>个</a:t>
-                </a:r>
-                <a:r>
-                  <a:rPr lang="zh-CN" altLang="en-US" sz="2800" dirty="0" smtClean="0">
-                    <a:latin typeface="华文新魏" panose="02010800040101010101" pitchFamily="2" charset="-122"/>
-                    <a:ea typeface="华文新魏" panose="02010800040101010101" pitchFamily="2" charset="-122"/>
-                  </a:rPr>
-                  <a:t>，</a:t>
-                </a:r>
-                <a:r>
                   <a:rPr lang="zh-CN" altLang="en-US" sz="2800" dirty="0">
                     <a:latin typeface="华文新魏" panose="02010800040101010101" pitchFamily="2" charset="-122"/>
                     <a:ea typeface="华文新魏" panose="02010800040101010101" pitchFamily="2" charset="-122"/>
                   </a:rPr>
-                  <a:t>为此，不妨把包含</a:t>
+                  <a:t>域便是一个，问题在于如何找最小的一个，为此，不妨把包含</a:t>
                 </a:r>
                 <a14:m>
                   <m:oMath xmlns:m="http://schemas.openxmlformats.org/officeDocument/2006/math">
@@ -29322,7 +29268,7 @@
                   </m:oMath>
                 </a14:m>
                 <a:r>
-                  <a:rPr lang="zh-CN" altLang="en-US" sz="2800" dirty="0" smtClean="0">
+                  <a:rPr lang="zh-CN" altLang="en-US" sz="2800" dirty="0">
                     <a:latin typeface="华文新魏" panose="02010800040101010101" pitchFamily="2" charset="-122"/>
                     <a:ea typeface="华文新魏" panose="02010800040101010101" pitchFamily="2" charset="-122"/>
                   </a:rPr>
@@ -29353,7 +29299,7 @@
                   </m:oMath>
                 </a14:m>
                 <a:r>
-                  <a:rPr lang="zh-CN" altLang="en-US" sz="2800" dirty="0" smtClean="0">
+                  <a:rPr lang="zh-CN" altLang="en-US" sz="2800" dirty="0">
                     <a:latin typeface="华文新魏" panose="02010800040101010101" pitchFamily="2" charset="-122"/>
                     <a:ea typeface="华文新魏" panose="02010800040101010101" pitchFamily="2" charset="-122"/>
                   </a:rPr>
@@ -29392,7 +29338,7 @@
                   </m:oMath>
                 </a14:m>
                 <a:r>
-                  <a:rPr lang="zh-CN" altLang="en-US" sz="2800" dirty="0" smtClean="0">
+                  <a:rPr lang="zh-CN" altLang="en-US" sz="2800" dirty="0">
                     <a:latin typeface="华文新魏" panose="02010800040101010101" pitchFamily="2" charset="-122"/>
                     <a:ea typeface="华文新魏" panose="02010800040101010101" pitchFamily="2" charset="-122"/>
                   </a:rPr>
@@ -29445,7 +29391,7 @@
                   </m:oMath>
                 </a14:m>
                 <a:r>
-                  <a:rPr lang="zh-CN" altLang="en-US" sz="2800" dirty="0" smtClean="0">
+                  <a:rPr lang="zh-CN" altLang="en-US" sz="2800" dirty="0">
                     <a:latin typeface="华文新魏" panose="02010800040101010101" pitchFamily="2" charset="-122"/>
                     <a:ea typeface="华文新魏" panose="02010800040101010101" pitchFamily="2" charset="-122"/>
                   </a:rPr>
@@ -29463,7 +29409,7 @@
                   </m:oMath>
                 </a14:m>
                 <a:r>
-                  <a:rPr lang="zh-CN" altLang="en-US" sz="2800" dirty="0" smtClean="0">
+                  <a:rPr lang="zh-CN" altLang="en-US" sz="2800" dirty="0">
                     <a:latin typeface="华文新魏" panose="02010800040101010101" pitchFamily="2" charset="-122"/>
                     <a:ea typeface="华文新魏" panose="02010800040101010101" pitchFamily="2" charset="-122"/>
                   </a:rPr>
@@ -29488,7 +29434,7 @@
                   </m:oMath>
                 </a14:m>
                 <a:r>
-                  <a:rPr lang="zh-CN" altLang="en-US" sz="2800" dirty="0" smtClean="0">
+                  <a:rPr lang="zh-CN" altLang="en-US" sz="2800" dirty="0">
                     <a:latin typeface="华文新魏" panose="02010800040101010101" pitchFamily="2" charset="-122"/>
                     <a:ea typeface="华文新魏" panose="02010800040101010101" pitchFamily="2" charset="-122"/>
                   </a:rPr>
@@ -29527,7 +29473,7 @@
                   </m:oMath>
                 </a14:m>
                 <a:r>
-                  <a:rPr lang="zh-CN" altLang="en-US" sz="2800" dirty="0" smtClean="0">
+                  <a:rPr lang="zh-CN" altLang="en-US" sz="2800" dirty="0">
                     <a:latin typeface="华文新魏" panose="02010800040101010101" pitchFamily="2" charset="-122"/>
                     <a:ea typeface="华文新魏" panose="02010800040101010101" pitchFamily="2" charset="-122"/>
                   </a:rPr>
@@ -29566,7 +29512,7 @@
                   </m:oMath>
                 </a14:m>
                 <a:r>
-                  <a:rPr lang="zh-CN" altLang="en-US" sz="2800" dirty="0" smtClean="0">
+                  <a:rPr lang="zh-CN" altLang="en-US" sz="2800" dirty="0">
                     <a:latin typeface="华文新魏" panose="02010800040101010101" pitchFamily="2" charset="-122"/>
                     <a:ea typeface="华文新魏" panose="02010800040101010101" pitchFamily="2" charset="-122"/>
                   </a:rPr>
@@ -29591,7 +29537,7 @@
                   </m:oMath>
                 </a14:m>
                 <a:r>
-                  <a:rPr lang="zh-CN" altLang="en-US" sz="2800" dirty="0" smtClean="0">
+                  <a:rPr lang="zh-CN" altLang="en-US" sz="2800" dirty="0">
                     <a:latin typeface="华文新魏" panose="02010800040101010101" pitchFamily="2" charset="-122"/>
                     <a:ea typeface="华文新魏" panose="02010800040101010101" pitchFamily="2" charset="-122"/>
                   </a:rPr>
@@ -29609,7 +29555,7 @@
                   </m:oMath>
                 </a14:m>
                 <a:r>
-                  <a:rPr lang="zh-CN" altLang="en-US" sz="2800" dirty="0" smtClean="0">
+                  <a:rPr lang="zh-CN" altLang="en-US" sz="2800" dirty="0">
                     <a:latin typeface="华文新魏" panose="02010800040101010101" pitchFamily="2" charset="-122"/>
                     <a:ea typeface="华文新魏" panose="02010800040101010101" pitchFamily="2" charset="-122"/>
                   </a:rPr>
@@ -29634,7 +29580,7 @@
                   </m:oMath>
                 </a14:m>
                 <a:r>
-                  <a:rPr lang="zh-CN" altLang="en-US" sz="2800" dirty="0" smtClean="0">
+                  <a:rPr lang="zh-CN" altLang="en-US" sz="2800" dirty="0">
                     <a:latin typeface="华文新魏" panose="02010800040101010101" pitchFamily="2" charset="-122"/>
                     <a:ea typeface="华文新魏" panose="02010800040101010101" pitchFamily="2" charset="-122"/>
                   </a:rPr>
@@ -29644,7 +29590,7 @@
             </p:txBody>
           </p:sp>
         </mc:Choice>
-        <mc:Fallback>
+        <mc:Fallback xmlns="">
           <p:sp>
             <p:nvSpPr>
               <p:cNvPr id="38915" name="Rectangle 3"/>
@@ -29752,8 +29698,8 @@
           </a:p>
         </p:txBody>
       </p:sp>
-      <mc:AlternateContent xmlns:mc="http://schemas.openxmlformats.org/markup-compatibility/2006">
-        <mc:Choice xmlns:a14="http://schemas.microsoft.com/office/drawing/2010/main" Requires="a14">
+      <mc:AlternateContent xmlns:mc="http://schemas.openxmlformats.org/markup-compatibility/2006" xmlns:a14="http://schemas.microsoft.com/office/drawing/2010/main">
+        <mc:Choice Requires="a14">
           <p:sp>
             <p:nvSpPr>
               <p:cNvPr id="40963" name="Rectangle 3"/>
@@ -29778,7 +29724,7 @@
                   <a:buNone/>
                 </a:pPr>
                 <a:r>
-                  <a:rPr lang="zh-CN" altLang="en-US" dirty="0" smtClean="0">
+                  <a:rPr lang="zh-CN" altLang="en-US" dirty="0">
                     <a:latin typeface="华文新魏" panose="02010800040101010101" pitchFamily="2" charset="-122"/>
                     <a:ea typeface="华文新魏" panose="02010800040101010101" pitchFamily="2" charset="-122"/>
                   </a:rPr>
@@ -29817,7 +29763,7 @@
                   </m:oMath>
                 </a14:m>
                 <a:r>
-                  <a:rPr lang="zh-CN" altLang="en-US" dirty="0" smtClean="0">
+                  <a:rPr lang="zh-CN" altLang="en-US" dirty="0">
                     <a:latin typeface="华文新魏" panose="02010800040101010101" pitchFamily="2" charset="-122"/>
                     <a:ea typeface="华文新魏" panose="02010800040101010101" pitchFamily="2" charset="-122"/>
                   </a:rPr>
@@ -29835,7 +29781,7 @@
                   </m:oMath>
                 </a14:m>
                 <a:r>
-                  <a:rPr lang="zh-CN" altLang="en-US" dirty="0" smtClean="0">
+                  <a:rPr lang="zh-CN" altLang="en-US" dirty="0">
                     <a:latin typeface="华文新魏" panose="02010800040101010101" pitchFamily="2" charset="-122"/>
                     <a:ea typeface="华文新魏" panose="02010800040101010101" pitchFamily="2" charset="-122"/>
                   </a:rPr>
@@ -29860,49 +29806,49 @@
                   </m:oMath>
                 </a14:m>
                 <a:r>
-                  <a:rPr lang="zh-CN" altLang="en-US" dirty="0" smtClean="0">
+                  <a:rPr lang="zh-CN" altLang="en-US" dirty="0">
                     <a:latin typeface="华文新魏" panose="02010800040101010101" pitchFamily="2" charset="-122"/>
                     <a:ea typeface="华文新魏" panose="02010800040101010101" pitchFamily="2" charset="-122"/>
                   </a:rPr>
                   <a:t>域，而且是满足</a:t>
                 </a:r>
                 <a:r>
-                  <a:rPr lang="en-US" altLang="zh-CN" dirty="0" smtClean="0">
+                  <a:rPr lang="en-US" altLang="zh-CN" dirty="0">
                     <a:latin typeface="华文新魏" panose="02010800040101010101" pitchFamily="2" charset="-122"/>
                     <a:ea typeface="华文新魏" panose="02010800040101010101" pitchFamily="2" charset="-122"/>
                   </a:rPr>
                   <a:t>(</a:t>
                 </a:r>
                 <a:r>
-                  <a:rPr lang="en-US" altLang="zh-CN" dirty="0" err="1" smtClean="0">
+                  <a:rPr lang="en-US" altLang="zh-CN" dirty="0" err="1">
                     <a:latin typeface="华文新魏" panose="02010800040101010101" pitchFamily="2" charset="-122"/>
                     <a:ea typeface="华文新魏" panose="02010800040101010101" pitchFamily="2" charset="-122"/>
                   </a:rPr>
                   <a:t>i</a:t>
                 </a:r>
                 <a:r>
-                  <a:rPr lang="en-US" altLang="zh-CN" dirty="0" smtClean="0">
+                  <a:rPr lang="en-US" altLang="zh-CN" dirty="0">
                     <a:latin typeface="华文新魏" panose="02010800040101010101" pitchFamily="2" charset="-122"/>
                     <a:ea typeface="华文新魏" panose="02010800040101010101" pitchFamily="2" charset="-122"/>
                   </a:rPr>
                   <a:t>)</a:t>
                 </a:r>
                 <a:r>
-                  <a:rPr lang="zh-CN" altLang="en-US" dirty="0" smtClean="0">
+                  <a:rPr lang="zh-CN" altLang="en-US" dirty="0">
                     <a:latin typeface="华文新魏" panose="02010800040101010101" pitchFamily="2" charset="-122"/>
                     <a:ea typeface="华文新魏" panose="02010800040101010101" pitchFamily="2" charset="-122"/>
                   </a:rPr>
                   <a:t>、</a:t>
                 </a:r>
                 <a:r>
-                  <a:rPr lang="en-US" altLang="zh-CN" dirty="0" smtClean="0">
+                  <a:rPr lang="en-US" altLang="zh-CN" dirty="0">
                     <a:latin typeface="华文新魏" panose="02010800040101010101" pitchFamily="2" charset="-122"/>
                     <a:ea typeface="华文新魏" panose="02010800040101010101" pitchFamily="2" charset="-122"/>
                   </a:rPr>
                   <a:t>(ii)</a:t>
                 </a:r>
                 <a:r>
-                  <a:rPr lang="zh-CN" altLang="en-US" dirty="0" smtClean="0">
+                  <a:rPr lang="zh-CN" altLang="en-US" dirty="0">
                     <a:latin typeface="华文新魏" panose="02010800040101010101" pitchFamily="2" charset="-122"/>
                     <a:ea typeface="华文新魏" panose="02010800040101010101" pitchFamily="2" charset="-122"/>
                   </a:rPr>
@@ -29927,13 +29873,13 @@
                   </m:oMath>
                 </a14:m>
                 <a:r>
-                  <a:rPr lang="zh-CN" altLang="en-US" dirty="0" smtClean="0">
+                  <a:rPr lang="zh-CN" altLang="en-US" dirty="0">
                     <a:latin typeface="华文新魏" panose="02010800040101010101" pitchFamily="2" charset="-122"/>
                     <a:ea typeface="华文新魏" panose="02010800040101010101" pitchFamily="2" charset="-122"/>
                   </a:rPr>
                   <a:t>域</a:t>
                 </a:r>
-                <a:endParaRPr lang="en-US" altLang="zh-CN" dirty="0" smtClean="0">
+                <a:endParaRPr lang="en-US" altLang="zh-CN" dirty="0">
                   <a:latin typeface="华文新魏" panose="02010800040101010101" pitchFamily="2" charset="-122"/>
                   <a:ea typeface="华文新魏" panose="02010800040101010101" pitchFamily="2" charset="-122"/>
                 </a:endParaRPr>
@@ -29943,7 +29889,7 @@
                   <a:buFont typeface="Wingdings" panose="05000000000000000000" pitchFamily="2" charset="2"/>
                   <a:buNone/>
                 </a:pPr>
-                <a:endParaRPr lang="en-US" altLang="zh-CN" dirty="0" smtClean="0">
+                <a:endParaRPr lang="en-US" altLang="zh-CN" dirty="0">
                   <a:latin typeface="华文新魏" panose="02010800040101010101" pitchFamily="2" charset="-122"/>
                   <a:ea typeface="华文新魏" panose="02010800040101010101" pitchFamily="2" charset="-122"/>
                 </a:endParaRPr>
@@ -29953,21 +29899,21 @@
                   <a:buNone/>
                 </a:pPr>
                 <a:r>
-                  <a:rPr lang="zh-CN" altLang="en-US" dirty="0" smtClean="0">
+                  <a:rPr lang="zh-CN" altLang="en-US" dirty="0">
                     <a:latin typeface="华文新魏" panose="02010800040101010101" pitchFamily="2" charset="-122"/>
                     <a:ea typeface="华文新魏" panose="02010800040101010101" pitchFamily="2" charset="-122"/>
                   </a:rPr>
                   <a:t>定理</a:t>
                 </a:r>
                 <a:r>
-                  <a:rPr lang="en-US" altLang="zh-CN" dirty="0" smtClean="0">
+                  <a:rPr lang="en-US" altLang="zh-CN" dirty="0">
                     <a:latin typeface="华文新魏" panose="02010800040101010101" pitchFamily="2" charset="-122"/>
                     <a:ea typeface="华文新魏" panose="02010800040101010101" pitchFamily="2" charset="-122"/>
                   </a:rPr>
                   <a:t>3  </a:t>
                 </a:r>
                 <a:r>
-                  <a:rPr lang="zh-CN" altLang="en-US" dirty="0" smtClean="0">
+                  <a:rPr lang="zh-CN" altLang="en-US" dirty="0">
                     <a:latin typeface="华文新魏" panose="02010800040101010101" pitchFamily="2" charset="-122"/>
                     <a:ea typeface="华文新魏" panose="02010800040101010101" pitchFamily="2" charset="-122"/>
                   </a:rPr>
@@ -29985,21 +29931,21 @@
                   </m:oMath>
                 </a14:m>
                 <a:r>
-                  <a:rPr lang="zh-CN" altLang="en-US" dirty="0" smtClean="0">
+                  <a:rPr lang="zh-CN" altLang="en-US" dirty="0">
                     <a:latin typeface="华文新魏" panose="02010800040101010101" pitchFamily="2" charset="-122"/>
                     <a:ea typeface="华文新魏" panose="02010800040101010101" pitchFamily="2" charset="-122"/>
                   </a:rPr>
                   <a:t>是</a:t>
                 </a:r>
                 <a:r>
-                  <a:rPr lang="en-US" altLang="zh-CN" dirty="0" smtClean="0">
+                  <a:rPr lang="en-US" altLang="zh-CN" dirty="0">
                     <a:latin typeface="华文新魏" panose="02010800040101010101" pitchFamily="2" charset="-122"/>
                     <a:ea typeface="华文新魏" panose="02010800040101010101" pitchFamily="2" charset="-122"/>
                   </a:rPr>
                   <a:t>S</a:t>
                 </a:r>
                 <a:r>
-                  <a:rPr lang="zh-CN" altLang="en-US" dirty="0" smtClean="0">
+                  <a:rPr lang="zh-CN" altLang="en-US" dirty="0">
                     <a:latin typeface="华文新魏" panose="02010800040101010101" pitchFamily="2" charset="-122"/>
                     <a:ea typeface="华文新魏" panose="02010800040101010101" pitchFamily="2" charset="-122"/>
                   </a:rPr>
@@ -30038,49 +29984,49 @@
                   </m:oMath>
                 </a14:m>
                 <a:r>
-                  <a:rPr lang="zh-CN" altLang="en-US" dirty="0" smtClean="0">
+                  <a:rPr lang="zh-CN" altLang="en-US" dirty="0">
                     <a:latin typeface="华文新魏" panose="02010800040101010101" pitchFamily="2" charset="-122"/>
                     <a:ea typeface="华文新魏" panose="02010800040101010101" pitchFamily="2" charset="-122"/>
                   </a:rPr>
                   <a:t>是满足</a:t>
                 </a:r>
                 <a:r>
-                  <a:rPr lang="en-US" altLang="zh-CN" dirty="0" smtClean="0">
+                  <a:rPr lang="en-US" altLang="zh-CN" dirty="0">
                     <a:latin typeface="华文新魏" panose="02010800040101010101" pitchFamily="2" charset="-122"/>
                     <a:ea typeface="华文新魏" panose="02010800040101010101" pitchFamily="2" charset="-122"/>
                   </a:rPr>
                   <a:t>(</a:t>
                 </a:r>
                 <a:r>
-                  <a:rPr lang="en-US" altLang="zh-CN" dirty="0" err="1" smtClean="0">
+                  <a:rPr lang="en-US" altLang="zh-CN" dirty="0" err="1">
                     <a:latin typeface="华文新魏" panose="02010800040101010101" pitchFamily="2" charset="-122"/>
                     <a:ea typeface="华文新魏" panose="02010800040101010101" pitchFamily="2" charset="-122"/>
                   </a:rPr>
                   <a:t>i</a:t>
                 </a:r>
                 <a:r>
-                  <a:rPr lang="en-US" altLang="zh-CN" dirty="0" smtClean="0">
+                  <a:rPr lang="en-US" altLang="zh-CN" dirty="0">
                     <a:latin typeface="华文新魏" panose="02010800040101010101" pitchFamily="2" charset="-122"/>
                     <a:ea typeface="华文新魏" panose="02010800040101010101" pitchFamily="2" charset="-122"/>
                   </a:rPr>
                   <a:t>)</a:t>
                 </a:r>
                 <a:r>
-                  <a:rPr lang="zh-CN" altLang="en-US" dirty="0" smtClean="0">
+                  <a:rPr lang="zh-CN" altLang="en-US" dirty="0">
                     <a:latin typeface="华文新魏" panose="02010800040101010101" pitchFamily="2" charset="-122"/>
                     <a:ea typeface="华文新魏" panose="02010800040101010101" pitchFamily="2" charset="-122"/>
                   </a:rPr>
                   <a:t>、</a:t>
                 </a:r>
                 <a:r>
-                  <a:rPr lang="en-US" altLang="zh-CN" dirty="0" smtClean="0">
+                  <a:rPr lang="en-US" altLang="zh-CN" dirty="0">
                     <a:latin typeface="华文新魏" panose="02010800040101010101" pitchFamily="2" charset="-122"/>
                     <a:ea typeface="华文新魏" panose="02010800040101010101" pitchFamily="2" charset="-122"/>
                   </a:rPr>
                   <a:t>(ii)</a:t>
                 </a:r>
                 <a:r>
-                  <a:rPr lang="zh-CN" altLang="en-US" dirty="0" smtClean="0">
+                  <a:rPr lang="zh-CN" altLang="en-US" dirty="0">
                     <a:latin typeface="华文新魏" panose="02010800040101010101" pitchFamily="2" charset="-122"/>
                     <a:ea typeface="华文新魏" panose="02010800040101010101" pitchFamily="2" charset="-122"/>
                   </a:rPr>
@@ -30105,7 +30051,7 @@
                   </m:oMath>
                 </a14:m>
                 <a:r>
-                  <a:rPr lang="zh-CN" altLang="en-US" dirty="0" smtClean="0">
+                  <a:rPr lang="zh-CN" altLang="en-US" dirty="0">
                     <a:latin typeface="华文新魏" panose="02010800040101010101" pitchFamily="2" charset="-122"/>
                     <a:ea typeface="华文新魏" panose="02010800040101010101" pitchFamily="2" charset="-122"/>
                   </a:rPr>
@@ -30115,7 +30061,7 @@
             </p:txBody>
           </p:sp>
         </mc:Choice>
-        <mc:Fallback>
+        <mc:Fallback xmlns="">
           <p:sp>
             <p:nvSpPr>
               <p:cNvPr id="40963" name="Rectangle 3"/>
@@ -30202,7 +30148,7 @@
               <a:defRPr/>
             </a:pPr>
             <a:r>
-              <a:rPr lang="zh-CN" altLang="en-US" dirty="0" smtClean="0">
+              <a:rPr lang="zh-CN" altLang="en-US" dirty="0">
                 <a:ea typeface="黑体" pitchFamily="2" charset="-122"/>
               </a:rPr>
               <a:t>集合及其运算</a:t>
@@ -30239,14 +30185,14 @@
                   <a:buNone/>
                 </a:pPr>
                 <a:r>
-                  <a:rPr lang="en-US" altLang="zh-CN" sz="2000" dirty="0" smtClean="0">
+                  <a:rPr lang="en-US" altLang="zh-CN" sz="2000" dirty="0">
                     <a:latin typeface="华文中宋" panose="02010600040101010101" pitchFamily="2" charset="-122"/>
                     <a:ea typeface="华文中宋" panose="02010600040101010101" pitchFamily="2" charset="-122"/>
                   </a:rPr>
                   <a:t>     </a:t>
                 </a:r>
                 <a:r>
-                  <a:rPr lang="zh-CN" altLang="en-US" sz="2800" dirty="0" smtClean="0">
+                  <a:rPr lang="zh-CN" altLang="en-US" sz="2800" dirty="0">
                     <a:latin typeface="华文新魏" panose="02010800040101010101" pitchFamily="2" charset="-122"/>
                     <a:ea typeface="华文新魏" panose="02010800040101010101" pitchFamily="2" charset="-122"/>
                   </a:rPr>
@@ -30271,7 +30217,7 @@
                   </m:oMath>
                 </a14:m>
                 <a:r>
-                  <a:rPr lang="zh-CN" altLang="en-US" sz="2800" dirty="0" smtClean="0">
+                  <a:rPr lang="zh-CN" altLang="en-US" sz="2800" dirty="0">
                     <a:latin typeface="华文新魏" panose="02010800040101010101" pitchFamily="2" charset="-122"/>
                     <a:ea typeface="华文新魏" panose="02010800040101010101" pitchFamily="2" charset="-122"/>
                   </a:rPr>
@@ -30289,7 +30235,7 @@
                   </m:oMath>
                 </a14:m>
                 <a:r>
-                  <a:rPr lang="zh-CN" altLang="en-US" sz="2800" dirty="0" smtClean="0">
+                  <a:rPr lang="zh-CN" altLang="en-US" sz="2800" dirty="0">
                     <a:latin typeface="华文新魏" panose="02010800040101010101" pitchFamily="2" charset="-122"/>
                     <a:ea typeface="华文新魏" panose="02010800040101010101" pitchFamily="2" charset="-122"/>
                   </a:rPr>
@@ -30307,7 +30253,7 @@
                   </m:oMath>
                 </a14:m>
                 <a:r>
-                  <a:rPr lang="zh-CN" altLang="en-US" sz="2800" dirty="0" smtClean="0">
+                  <a:rPr lang="zh-CN" altLang="en-US" sz="2800" dirty="0">
                     <a:latin typeface="华文新魏" panose="02010800040101010101" pitchFamily="2" charset="-122"/>
                     <a:ea typeface="华文新魏" panose="02010800040101010101" pitchFamily="2" charset="-122"/>
                   </a:rPr>
@@ -30325,7 +30271,7 @@
                   </m:oMath>
                 </a14:m>
                 <a:r>
-                  <a:rPr lang="zh-CN" altLang="en-US" sz="2800" dirty="0" smtClean="0">
+                  <a:rPr lang="zh-CN" altLang="en-US" sz="2800" dirty="0">
                     <a:latin typeface="华文新魏" panose="02010800040101010101" pitchFamily="2" charset="-122"/>
                     <a:ea typeface="华文新魏" panose="02010800040101010101" pitchFamily="2" charset="-122"/>
                   </a:rPr>
@@ -30343,21 +30289,21 @@
                   </m:oMath>
                 </a14:m>
                 <a:r>
-                  <a:rPr lang="zh-CN" altLang="en-US" sz="2800" dirty="0" smtClean="0">
+                  <a:rPr lang="zh-CN" altLang="en-US" sz="2800" dirty="0">
                     <a:latin typeface="华文新魏" panose="02010800040101010101" pitchFamily="2" charset="-122"/>
                     <a:ea typeface="华文新魏" panose="02010800040101010101" pitchFamily="2" charset="-122"/>
                   </a:rPr>
                   <a:t>，记作            ；如果</a:t>
                 </a:r>
                 <a:r>
-                  <a:rPr lang="en-US" altLang="zh-CN" sz="2800" dirty="0" smtClean="0">
+                  <a:rPr lang="en-US" altLang="zh-CN" sz="2800" dirty="0">
                     <a:latin typeface="华文新魏" panose="02010800040101010101" pitchFamily="2" charset="-122"/>
                     <a:ea typeface="华文新魏" panose="02010800040101010101" pitchFamily="2" charset="-122"/>
                   </a:rPr>
                   <a:t>x</a:t>
                 </a:r>
                 <a:r>
-                  <a:rPr lang="zh-CN" altLang="en-US" sz="2800" dirty="0" smtClean="0">
+                  <a:rPr lang="zh-CN" altLang="en-US" sz="2800" dirty="0">
                     <a:latin typeface="华文新魏" panose="02010800040101010101" pitchFamily="2" charset="-122"/>
                     <a:ea typeface="华文新魏" panose="02010800040101010101" pitchFamily="2" charset="-122"/>
                   </a:rPr>
@@ -30375,7 +30321,7 @@
                   </m:oMath>
                 </a14:m>
                 <a:r>
-                  <a:rPr lang="zh-CN" altLang="en-US" sz="2800" dirty="0" smtClean="0">
+                  <a:rPr lang="zh-CN" altLang="en-US" sz="2800" dirty="0">
                     <a:latin typeface="华文新魏" panose="02010800040101010101" pitchFamily="2" charset="-122"/>
                     <a:ea typeface="华文新魏" panose="02010800040101010101" pitchFamily="2" charset="-122"/>
                   </a:rPr>
@@ -30393,7 +30339,7 @@
                   </m:oMath>
                 </a14:m>
                 <a:r>
-                  <a:rPr lang="zh-CN" altLang="en-US" sz="2800" dirty="0" smtClean="0">
+                  <a:rPr lang="zh-CN" altLang="en-US" sz="2800" dirty="0">
                     <a:latin typeface="华文新魏" panose="02010800040101010101" pitchFamily="2" charset="-122"/>
                     <a:ea typeface="华文新魏" panose="02010800040101010101" pitchFamily="2" charset="-122"/>
                   </a:rPr>
@@ -30418,13 +30364,13 @@
                   </m:oMath>
                 </a14:m>
                 <a:r>
-                  <a:rPr lang="zh-CN" altLang="en-US" sz="2800" dirty="0" smtClean="0">
+                  <a:rPr lang="zh-CN" altLang="en-US" sz="2800" dirty="0">
                     <a:latin typeface="华文新魏" panose="02010800040101010101" pitchFamily="2" charset="-122"/>
                     <a:ea typeface="华文新魏" panose="02010800040101010101" pitchFamily="2" charset="-122"/>
                   </a:rPr>
                   <a:t>，记</a:t>
                 </a:r>
-                <a:endParaRPr lang="en-US" altLang="zh-CN" sz="2800" dirty="0" smtClean="0">
+                <a:endParaRPr lang="en-US" altLang="zh-CN" sz="2800" dirty="0">
                   <a:latin typeface="华文新魏" panose="02010800040101010101" pitchFamily="2" charset="-122"/>
                   <a:ea typeface="华文新魏" panose="02010800040101010101" pitchFamily="2" charset="-122"/>
                 </a:endParaRPr>
@@ -30437,7 +30383,7 @@
                   <a:buFont typeface="Wingdings" panose="05000000000000000000" pitchFamily="2" charset="2"/>
                   <a:buNone/>
                 </a:pPr>
-                <a:endParaRPr lang="zh-CN" altLang="en-US" sz="2800" dirty="0" smtClean="0">
+                <a:endParaRPr lang="zh-CN" altLang="en-US" sz="2800" dirty="0">
                   <a:latin typeface="华文新魏" panose="02010800040101010101" pitchFamily="2" charset="-122"/>
                   <a:ea typeface="华文新魏" panose="02010800040101010101" pitchFamily="2" charset="-122"/>
                 </a:endParaRPr>
@@ -30450,7 +30396,7 @@
                   <a:buNone/>
                 </a:pPr>
                 <a:r>
-                  <a:rPr lang="zh-CN" altLang="en-US" sz="2800" dirty="0" smtClean="0">
+                  <a:rPr lang="zh-CN" altLang="en-US" sz="2800" dirty="0">
                     <a:latin typeface="华文新魏" panose="02010800040101010101" pitchFamily="2" charset="-122"/>
                     <a:ea typeface="华文新魏" panose="02010800040101010101" pitchFamily="2" charset="-122"/>
                   </a:rPr>
@@ -30474,7 +30420,7 @@
                   </m:oMath>
                 </a14:m>
                 <a:r>
-                  <a:rPr lang="zh-CN" altLang="en-US" sz="2800" dirty="0" smtClean="0">
+                  <a:rPr lang="zh-CN" altLang="en-US" sz="2800" dirty="0">
                     <a:latin typeface="华文新魏" panose="02010800040101010101" pitchFamily="2" charset="-122"/>
                     <a:ea typeface="华文新魏" panose="02010800040101010101" pitchFamily="2" charset="-122"/>
                   </a:rPr>
@@ -30492,7 +30438,7 @@
                   </m:oMath>
                 </a14:m>
                 <a:r>
-                  <a:rPr lang="zh-CN" altLang="en-US" sz="2800" dirty="0" smtClean="0">
+                  <a:rPr lang="zh-CN" altLang="en-US" sz="2800" dirty="0">
                     <a:latin typeface="华文新魏" panose="02010800040101010101" pitchFamily="2" charset="-122"/>
                     <a:ea typeface="华文新魏" panose="02010800040101010101" pitchFamily="2" charset="-122"/>
                   </a:rPr>
@@ -30508,7 +30454,7 @@
                   <a:buNone/>
                 </a:pPr>
                 <a:r>
-                  <a:rPr lang="zh-CN" altLang="en-US" sz="2800" dirty="0" smtClean="0">
+                  <a:rPr lang="zh-CN" altLang="en-US" sz="2800" dirty="0">
                     <a:latin typeface="华文新魏" panose="02010800040101010101" pitchFamily="2" charset="-122"/>
                     <a:ea typeface="华文新魏" panose="02010800040101010101" pitchFamily="2" charset="-122"/>
                   </a:rPr>
@@ -30524,7 +30470,7 @@
                   <a:buNone/>
                 </a:pPr>
                 <a:r>
-                  <a:rPr lang="zh-CN" altLang="en-US" sz="2800" dirty="0" smtClean="0">
+                  <a:rPr lang="zh-CN" altLang="en-US" sz="2800" dirty="0">
                     <a:latin typeface="华文新魏" panose="02010800040101010101" pitchFamily="2" charset="-122"/>
                     <a:ea typeface="华文新魏" panose="02010800040101010101" pitchFamily="2" charset="-122"/>
                   </a:rPr>
@@ -30542,7 +30488,7 @@
                   </m:oMath>
                 </a14:m>
                 <a:r>
-                  <a:rPr lang="zh-CN" altLang="en-US" sz="2800" dirty="0" smtClean="0">
+                  <a:rPr lang="zh-CN" altLang="en-US" sz="2800" dirty="0">
                     <a:latin typeface="华文新魏" panose="02010800040101010101" pitchFamily="2" charset="-122"/>
                     <a:ea typeface="华文新魏" panose="02010800040101010101" pitchFamily="2" charset="-122"/>
                   </a:rPr>
@@ -30557,7 +30503,7 @@
                   <a:buFont typeface="Wingdings" panose="05000000000000000000" pitchFamily="2" charset="2"/>
                   <a:buNone/>
                 </a:pPr>
-                <a:endParaRPr lang="zh-CN" altLang="en-US" sz="2800" dirty="0" smtClean="0">
+                <a:endParaRPr lang="zh-CN" altLang="en-US" sz="2800" dirty="0">
                   <a:latin typeface="华文新魏" panose="02010800040101010101" pitchFamily="2" charset="-122"/>
                   <a:ea typeface="华文新魏" panose="02010800040101010101" pitchFamily="2" charset="-122"/>
                 </a:endParaRPr>
@@ -30571,7 +30517,7 @@
                   <a:buNone/>
                 </a:pPr>
                 <a:r>
-                  <a:rPr lang="zh-CN" altLang="en-US" sz="2800" dirty="0" smtClean="0">
+                  <a:rPr lang="zh-CN" altLang="en-US" sz="2800" dirty="0">
                     <a:latin typeface="华文新魏" panose="02010800040101010101" pitchFamily="2" charset="-122"/>
                     <a:ea typeface="华文新魏" panose="02010800040101010101" pitchFamily="2" charset="-122"/>
                   </a:rPr>
@@ -30641,7 +30587,7 @@
           <a:graphicData uri="http://schemas.openxmlformats.org/presentationml/2006/ole">
             <mc:AlternateContent xmlns:mc="http://schemas.openxmlformats.org/markup-compatibility/2006">
               <mc:Choice xmlns:v="urn:schemas-microsoft-com:vml" Requires="v">
-                <p:oleObj spid="_x0000_s8229" name="公式" r:id="rId4" imgW="1324154" imgH="180909" progId="Equation.3">
+                <p:oleObj name="公式" r:id="rId4" imgW="1324154" imgH="180909" progId="Equation.3">
                   <p:embed/>
                 </p:oleObj>
               </mc:Choice>
@@ -30740,7 +30686,7 @@
           <a:graphicData uri="http://schemas.openxmlformats.org/presentationml/2006/ole">
             <mc:AlternateContent xmlns:mc="http://schemas.openxmlformats.org/markup-compatibility/2006">
               <mc:Choice xmlns:v="urn:schemas-microsoft-com:vml" Requires="v">
-                <p:oleObj spid="_x0000_s8230" name="Equation" r:id="rId6" imgW="368140" imgH="177723" progId="Equation.DSMT4">
+                <p:oleObj name="Equation" r:id="rId6" imgW="368140" imgH="177723" progId="Equation.DSMT4">
                   <p:embed/>
                 </p:oleObj>
               </mc:Choice>
@@ -30834,7 +30780,7 @@
           <a:graphicData uri="http://schemas.openxmlformats.org/presentationml/2006/ole">
             <mc:AlternateContent xmlns:mc="http://schemas.openxmlformats.org/markup-compatibility/2006">
               <mc:Choice xmlns:v="urn:schemas-microsoft-com:vml" Requires="v">
-                <p:oleObj spid="_x0000_s8231" name="Equation" r:id="rId8" imgW="838200" imgH="190500" progId="Equation.DSMT4">
+                <p:oleObj name="Equation" r:id="rId8" imgW="838200" imgH="190500" progId="Equation.DSMT4">
                   <p:embed/>
                 </p:oleObj>
               </mc:Choice>
@@ -30911,13 +30857,6 @@
   <p:clrMapOvr>
     <a:masterClrMapping/>
   </p:clrMapOvr>
-  <p:timing>
-    <p:tnLst>
-      <p:par>
-        <p:cTn id="1" dur="indefinite" restart="never" nodeType="tmRoot"/>
-      </p:par>
-    </p:tnLst>
-  </p:timing>
 </p:sld>
 </file>
 
@@ -30957,7 +30896,7 @@
               <a:defRPr/>
             </a:pPr>
             <a:r>
-              <a:rPr lang="zh-CN" altLang="en-US" smtClean="0">
+              <a:rPr lang="zh-CN" altLang="en-US">
                 <a:ea typeface="黑体" pitchFamily="2" charset="-122"/>
               </a:rPr>
               <a:t>集合及其运算</a:t>
@@ -30995,14 +30934,14 @@
                   <a:buNone/>
                 </a:pPr>
                 <a:r>
-                  <a:rPr lang="en-US" altLang="zh-CN" sz="2800" dirty="0" smtClean="0">
+                  <a:rPr lang="en-US" altLang="zh-CN" sz="2800" dirty="0">
                     <a:latin typeface="华文中宋" panose="02010600040101010101" pitchFamily="2" charset="-122"/>
                     <a:ea typeface="华文中宋" panose="02010600040101010101" pitchFamily="2" charset="-122"/>
                   </a:rPr>
                   <a:t>2</a:t>
                 </a:r>
                 <a:r>
-                  <a:rPr lang="zh-CN" altLang="en-US" sz="2800" dirty="0" smtClean="0">
+                  <a:rPr lang="zh-CN" altLang="en-US" sz="2800" dirty="0">
                     <a:latin typeface="华文中宋" panose="02010600040101010101" pitchFamily="2" charset="-122"/>
                     <a:ea typeface="华文中宋" panose="02010600040101010101" pitchFamily="2" charset="-122"/>
                   </a:rPr>
@@ -31018,7 +30957,7 @@
                   <a:buNone/>
                 </a:pPr>
                 <a:r>
-                  <a:rPr lang="zh-CN" altLang="en-US" sz="2800" dirty="0" smtClean="0">
+                  <a:rPr lang="zh-CN" altLang="en-US" sz="2800" dirty="0">
                     <a:latin typeface="华文新魏" panose="02010800040101010101" pitchFamily="2" charset="-122"/>
                     <a:ea typeface="华文新魏" panose="02010800040101010101" pitchFamily="2" charset="-122"/>
                   </a:rPr>
@@ -31036,28 +30975,28 @@
                   </m:oMath>
                 </a14:m>
                 <a:r>
-                  <a:rPr lang="zh-CN" altLang="en-US" sz="2800" dirty="0" smtClean="0">
+                  <a:rPr lang="zh-CN" altLang="en-US" sz="2800" dirty="0">
                     <a:latin typeface="华文新魏" panose="02010800040101010101" pitchFamily="2" charset="-122"/>
                     <a:ea typeface="华文新魏" panose="02010800040101010101" pitchFamily="2" charset="-122"/>
                   </a:rPr>
                   <a:t>始终表示实数全体</a:t>
                 </a:r>
                 <a:r>
-                  <a:rPr lang="en-US" altLang="zh-CN" sz="2800" dirty="0" smtClean="0">
+                  <a:rPr lang="en-US" altLang="zh-CN" sz="2800" dirty="0">
                     <a:latin typeface="华文新魏" panose="02010800040101010101" pitchFamily="2" charset="-122"/>
                     <a:ea typeface="华文新魏" panose="02010800040101010101" pitchFamily="2" charset="-122"/>
                   </a:rPr>
                   <a:t>(</a:t>
                 </a:r>
                 <a:r>
-                  <a:rPr lang="zh-CN" altLang="en-US" sz="2800" dirty="0" smtClean="0">
+                  <a:rPr lang="zh-CN" altLang="en-US" sz="2800" dirty="0">
                     <a:latin typeface="华文新魏" panose="02010800040101010101" pitchFamily="2" charset="-122"/>
                     <a:ea typeface="华文新魏" panose="02010800040101010101" pitchFamily="2" charset="-122"/>
                   </a:rPr>
                   <a:t>或直线</a:t>
                 </a:r>
                 <a:r>
-                  <a:rPr lang="en-US" altLang="zh-CN" sz="2800" dirty="0" smtClean="0">
+                  <a:rPr lang="en-US" altLang="zh-CN" sz="2800" dirty="0">
                     <a:latin typeface="华文新魏" panose="02010800040101010101" pitchFamily="2" charset="-122"/>
                     <a:ea typeface="华文新魏" panose="02010800040101010101" pitchFamily="2" charset="-122"/>
                   </a:rPr>
@@ -31075,35 +31014,35 @@
                   </m:oMath>
                 </a14:m>
                 <a:r>
-                  <a:rPr lang="zh-CN" altLang="en-US" sz="2800" dirty="0" smtClean="0">
+                  <a:rPr lang="zh-CN" altLang="en-US" sz="2800" dirty="0">
                     <a:latin typeface="华文新魏" panose="02010800040101010101" pitchFamily="2" charset="-122"/>
                     <a:ea typeface="华文新魏" panose="02010800040101010101" pitchFamily="2" charset="-122"/>
                   </a:rPr>
                   <a:t>始终表示复数全体</a:t>
                 </a:r>
                 <a:r>
-                  <a:rPr lang="en-US" altLang="zh-CN" sz="2800" dirty="0" smtClean="0">
+                  <a:rPr lang="en-US" altLang="zh-CN" sz="2800" dirty="0">
                     <a:latin typeface="华文新魏" panose="02010800040101010101" pitchFamily="2" charset="-122"/>
                     <a:ea typeface="华文新魏" panose="02010800040101010101" pitchFamily="2" charset="-122"/>
                   </a:rPr>
                   <a:t>(</a:t>
                 </a:r>
                 <a:r>
-                  <a:rPr lang="zh-CN" altLang="en-US" sz="2800" dirty="0" smtClean="0">
+                  <a:rPr lang="zh-CN" altLang="en-US" sz="2800" dirty="0">
                     <a:latin typeface="华文新魏" panose="02010800040101010101" pitchFamily="2" charset="-122"/>
                     <a:ea typeface="华文新魏" panose="02010800040101010101" pitchFamily="2" charset="-122"/>
                   </a:rPr>
                   <a:t>或复平面</a:t>
                 </a:r>
                 <a:r>
-                  <a:rPr lang="en-US" altLang="zh-CN" sz="2800" dirty="0" smtClean="0">
+                  <a:rPr lang="en-US" altLang="zh-CN" sz="2800" dirty="0">
                     <a:latin typeface="华文新魏" panose="02010800040101010101" pitchFamily="2" charset="-122"/>
                     <a:ea typeface="华文新魏" panose="02010800040101010101" pitchFamily="2" charset="-122"/>
                   </a:rPr>
                   <a:t>)</a:t>
                 </a:r>
                 <a:r>
-                  <a:rPr lang="zh-CN" altLang="en-US" sz="2800" dirty="0" smtClean="0">
+                  <a:rPr lang="zh-CN" altLang="en-US" sz="2800" dirty="0">
                     <a:latin typeface="华文新魏" panose="02010800040101010101" pitchFamily="2" charset="-122"/>
                     <a:ea typeface="华文新魏" panose="02010800040101010101" pitchFamily="2" charset="-122"/>
                   </a:rPr>
@@ -31149,7 +31088,7 @@
                   </m:oMath>
                 </a14:m>
                 <a:r>
-                  <a:rPr lang="zh-CN" altLang="en-US" sz="2800" dirty="0" smtClean="0">
+                  <a:rPr lang="zh-CN" altLang="en-US" sz="2800" dirty="0">
                     <a:latin typeface="华文新魏" panose="02010800040101010101" pitchFamily="2" charset="-122"/>
                     <a:ea typeface="华文新魏" panose="02010800040101010101" pitchFamily="2" charset="-122"/>
                   </a:rPr>
@@ -31230,62 +31169,62 @@
                   </m:oMath>
                 </a14:m>
                 <a:r>
-                  <a:rPr lang="zh-CN" altLang="en-US" sz="2800" dirty="0" smtClean="0">
+                  <a:rPr lang="zh-CN" altLang="en-US" sz="2800" dirty="0">
                     <a:latin typeface="华文新魏" panose="02010800040101010101" pitchFamily="2" charset="-122"/>
                     <a:ea typeface="华文新魏" panose="02010800040101010101" pitchFamily="2" charset="-122"/>
                   </a:rPr>
                   <a:t>等记号，如果一个集合仅由有限个元素组成，则最方便的办法是将其一一列出，例如，</a:t>
                 </a:r>
                 <a:r>
-                  <a:rPr lang="en-US" altLang="zh-CN" sz="2800" dirty="0" smtClean="0">
+                  <a:rPr lang="en-US" altLang="zh-CN" sz="2800" dirty="0">
                     <a:latin typeface="华文新魏" panose="02010800040101010101" pitchFamily="2" charset="-122"/>
                     <a:ea typeface="华文新魏" panose="02010800040101010101" pitchFamily="2" charset="-122"/>
                   </a:rPr>
                   <a:t>1</a:t>
                 </a:r>
                 <a:r>
-                  <a:rPr lang="zh-CN" altLang="en-US" sz="2800" dirty="0" smtClean="0">
+                  <a:rPr lang="zh-CN" altLang="en-US" sz="2800" dirty="0">
                     <a:latin typeface="华文新魏" panose="02010800040101010101" pitchFamily="2" charset="-122"/>
                     <a:ea typeface="华文新魏" panose="02010800040101010101" pitchFamily="2" charset="-122"/>
                   </a:rPr>
                   <a:t>到</a:t>
                 </a:r>
                 <a:r>
-                  <a:rPr lang="en-US" altLang="zh-CN" sz="2800" dirty="0" smtClean="0">
+                  <a:rPr lang="en-US" altLang="zh-CN" sz="2800" dirty="0">
                     <a:latin typeface="华文新魏" panose="02010800040101010101" pitchFamily="2" charset="-122"/>
                     <a:ea typeface="华文新魏" panose="02010800040101010101" pitchFamily="2" charset="-122"/>
                   </a:rPr>
                   <a:t>10</a:t>
                 </a:r>
                 <a:r>
-                  <a:rPr lang="zh-CN" altLang="en-US" sz="2800" dirty="0" smtClean="0">
+                  <a:rPr lang="zh-CN" altLang="en-US" sz="2800" dirty="0">
                     <a:latin typeface="华文新魏" panose="02010800040101010101" pitchFamily="2" charset="-122"/>
                     <a:ea typeface="华文新魏" panose="02010800040101010101" pitchFamily="2" charset="-122"/>
                   </a:rPr>
                   <a:t>的自然数全体可记作</a:t>
                 </a:r>
                 <a:r>
-                  <a:rPr lang="en-US" altLang="zh-CN" sz="2800" dirty="0" smtClean="0">
+                  <a:rPr lang="en-US" altLang="zh-CN" sz="2800" dirty="0">
                     <a:latin typeface="华文新魏" panose="02010800040101010101" pitchFamily="2" charset="-122"/>
                     <a:ea typeface="华文新魏" panose="02010800040101010101" pitchFamily="2" charset="-122"/>
                   </a:rPr>
                   <a:t>{1,2,3,</a:t>
                 </a:r>
                 <a:r>
-                  <a:rPr lang="en-US" altLang="zh-CN" sz="2800" dirty="0" smtClean="0">
+                  <a:rPr lang="en-US" altLang="zh-CN" sz="2800" dirty="0">
                     <a:ea typeface="华文新魏" panose="02010800040101010101" pitchFamily="2" charset="-122"/>
                   </a:rPr>
                   <a:t>…</a:t>
                 </a:r>
                 <a:r>
-                  <a:rPr lang="en-US" altLang="zh-CN" sz="2800" dirty="0" smtClean="0">
+                  <a:rPr lang="en-US" altLang="zh-CN" sz="2800" dirty="0">
                     <a:latin typeface="华文新魏" panose="02010800040101010101" pitchFamily="2" charset="-122"/>
                     <a:ea typeface="华文新魏" panose="02010800040101010101" pitchFamily="2" charset="-122"/>
                   </a:rPr>
                   <a:t>,10}</a:t>
                 </a:r>
                 <a:r>
-                  <a:rPr lang="zh-CN" altLang="en-US" sz="2800" dirty="0" smtClean="0">
+                  <a:rPr lang="zh-CN" altLang="en-US" sz="2800" dirty="0">
                     <a:latin typeface="华文新魏" panose="02010800040101010101" pitchFamily="2" charset="-122"/>
                     <a:ea typeface="华文新魏" panose="02010800040101010101" pitchFamily="2" charset="-122"/>
                   </a:rPr>
@@ -31303,7 +31242,7 @@
                   </m:oMath>
                 </a14:m>
                 <a:r>
-                  <a:rPr lang="zh-CN" altLang="en-US" sz="2800" dirty="0" smtClean="0">
+                  <a:rPr lang="zh-CN" altLang="en-US" sz="2800" dirty="0">
                     <a:latin typeface="华文新魏" panose="02010800040101010101" pitchFamily="2" charset="-122"/>
                     <a:ea typeface="华文新魏" panose="02010800040101010101" pitchFamily="2" charset="-122"/>
                   </a:rPr>
@@ -31318,7 +31257,7 @@
                   <a:buFont typeface="Wingdings" panose="05000000000000000000" pitchFamily="2" charset="2"/>
                   <a:buNone/>
                 </a:pPr>
-                <a:endParaRPr lang="zh-CN" altLang="en-US" sz="2800" dirty="0" smtClean="0">
+                <a:endParaRPr lang="zh-CN" altLang="en-US" sz="2800" dirty="0">
                   <a:latin typeface="华文新魏" panose="02010800040101010101" pitchFamily="2" charset="-122"/>
                   <a:ea typeface="华文新魏" panose="02010800040101010101" pitchFamily="2" charset="-122"/>
                 </a:endParaRPr>
@@ -31331,7 +31270,7 @@
                   <a:buFont typeface="Wingdings" panose="05000000000000000000" pitchFamily="2" charset="2"/>
                   <a:buNone/>
                 </a:pPr>
-                <a:endParaRPr lang="en-US" altLang="zh-CN" sz="2800" dirty="0" smtClean="0">
+                <a:endParaRPr lang="en-US" altLang="zh-CN" sz="2800" dirty="0">
                   <a:latin typeface="华文中宋" panose="02010600040101010101" pitchFamily="2" charset="-122"/>
                   <a:ea typeface="华文中宋" panose="02010600040101010101" pitchFamily="2" charset="-122"/>
                 </a:endParaRPr>
@@ -31393,7 +31332,7 @@
           <a:graphicData uri="http://schemas.openxmlformats.org/presentationml/2006/ole">
             <mc:AlternateContent xmlns:mc="http://schemas.openxmlformats.org/markup-compatibility/2006">
               <mc:Choice xmlns:v="urn:schemas-microsoft-com:vml" Requires="v">
-                <p:oleObj spid="_x0000_s9233" name="Equation" r:id="rId4" imgW="114102" imgH="177492" progId="Equation.DSMT4">
+                <p:oleObj name="Equation" r:id="rId4" imgW="114102" imgH="177492" progId="Equation.DSMT4">
                   <p:embed/>
                 </p:oleObj>
               </mc:Choice>
@@ -31475,13 +31414,6 @@
   <p:clrMapOvr>
     <a:masterClrMapping/>
   </p:clrMapOvr>
-  <p:timing>
-    <p:tnLst>
-      <p:par>
-        <p:cTn id="1" dur="indefinite" restart="never" nodeType="tmRoot"/>
-      </p:par>
-    </p:tnLst>
-  </p:timing>
 </p:sld>
 </file>
 
@@ -31526,7 +31458,7 @@
               <a:defRPr/>
             </a:pPr>
             <a:r>
-              <a:rPr lang="zh-CN" altLang="en-US" dirty="0" smtClean="0">
+              <a:rPr lang="zh-CN" altLang="en-US" dirty="0">
                 <a:ea typeface="黑体" pitchFamily="2" charset="-122"/>
               </a:rPr>
               <a:t>集合及其运算</a:t>
@@ -31564,27 +31496,27 @@
                   <a:buNone/>
                 </a:pPr>
                 <a:r>
-                  <a:rPr lang="zh-CN" altLang="en-US" sz="2800" dirty="0" smtClean="0">
+                  <a:rPr lang="zh-CN" altLang="en-US" sz="2800" dirty="0">
                     <a:latin typeface="华文中宋" panose="02010600040101010101" pitchFamily="2" charset="-122"/>
                     <a:ea typeface="华文中宋" panose="02010600040101010101" pitchFamily="2" charset="-122"/>
                   </a:rPr>
                   <a:t>三．集合的运算</a:t>
                 </a:r>
                 <a:br>
-                  <a:rPr lang="zh-CN" altLang="en-US" sz="2800" dirty="0" smtClean="0">
+                  <a:rPr lang="zh-CN" altLang="en-US" sz="2800" dirty="0">
                     <a:latin typeface="华文中宋" panose="02010600040101010101" pitchFamily="2" charset="-122"/>
                     <a:ea typeface="华文中宋" panose="02010600040101010101" pitchFamily="2" charset="-122"/>
                   </a:rPr>
                 </a:br>
                 <a:r>
-                  <a:rPr lang="en-US" altLang="zh-CN" sz="2800" dirty="0" smtClean="0">
+                  <a:rPr lang="en-US" altLang="zh-CN" sz="2800" dirty="0">
                     <a:latin typeface="华文中宋" panose="02010600040101010101" pitchFamily="2" charset="-122"/>
                     <a:ea typeface="华文中宋" panose="02010600040101010101" pitchFamily="2" charset="-122"/>
                   </a:rPr>
                   <a:t>1.</a:t>
                 </a:r>
                 <a:r>
-                  <a:rPr lang="zh-CN" altLang="en-US" sz="2800" dirty="0" smtClean="0">
+                  <a:rPr lang="zh-CN" altLang="en-US" sz="2800" dirty="0">
                     <a:latin typeface="华文中宋" panose="02010600040101010101" pitchFamily="2" charset="-122"/>
                     <a:ea typeface="华文中宋" panose="02010600040101010101" pitchFamily="2" charset="-122"/>
                   </a:rPr>
@@ -31599,7 +31531,7 @@
                   <a:buNone/>
                 </a:pPr>
                 <a:r>
-                  <a:rPr lang="zh-CN" altLang="en-US" sz="2800" dirty="0" smtClean="0">
+                  <a:rPr lang="zh-CN" altLang="en-US" sz="2800" dirty="0">
                     <a:latin typeface="华文新魏" panose="02010800040101010101" pitchFamily="2" charset="-122"/>
                     <a:ea typeface="华文新魏" panose="02010800040101010101" pitchFamily="2" charset="-122"/>
                   </a:rPr>
@@ -31631,7 +31563,7 @@
                   </m:oMath>
                 </a14:m>
                 <a:r>
-                  <a:rPr lang="zh-CN" altLang="en-US" sz="2800" dirty="0" smtClean="0">
+                  <a:rPr lang="zh-CN" altLang="en-US" sz="2800" dirty="0">
                     <a:latin typeface="华文新魏" panose="02010800040101010101" pitchFamily="2" charset="-122"/>
                     <a:ea typeface="华文新魏" panose="02010800040101010101" pitchFamily="2" charset="-122"/>
                   </a:rPr>
@@ -31649,7 +31581,7 @@
                   </m:oMath>
                 </a14:m>
                 <a:r>
-                  <a:rPr lang="zh-CN" altLang="en-US" sz="2800" dirty="0" smtClean="0">
+                  <a:rPr lang="zh-CN" altLang="en-US" sz="2800" dirty="0">
                     <a:latin typeface="华文新魏" panose="02010800040101010101" pitchFamily="2" charset="-122"/>
                     <a:ea typeface="华文新魏" panose="02010800040101010101" pitchFamily="2" charset="-122"/>
                   </a:rPr>
@@ -31667,7 +31599,7 @@
                   </m:oMath>
                 </a14:m>
                 <a:r>
-                  <a:rPr lang="zh-CN" altLang="en-US" sz="2800" dirty="0" smtClean="0">
+                  <a:rPr lang="zh-CN" altLang="en-US" sz="2800" dirty="0">
                     <a:latin typeface="华文新魏" panose="02010800040101010101" pitchFamily="2" charset="-122"/>
                     <a:ea typeface="华文新魏" panose="02010800040101010101" pitchFamily="2" charset="-122"/>
                   </a:rPr>
@@ -31685,7 +31617,7 @@
                   </m:oMath>
                 </a14:m>
                 <a:r>
-                  <a:rPr lang="zh-CN" altLang="en-US" sz="2800" dirty="0" smtClean="0">
+                  <a:rPr lang="zh-CN" altLang="en-US" sz="2800" dirty="0">
                     <a:latin typeface="华文新魏" panose="02010800040101010101" pitchFamily="2" charset="-122"/>
                     <a:ea typeface="华文新魏" panose="02010800040101010101" pitchFamily="2" charset="-122"/>
                   </a:rPr>
@@ -31703,13 +31635,13 @@
                   </m:oMath>
                 </a14:m>
                 <a:r>
-                  <a:rPr lang="zh-CN" altLang="en-US" sz="2800" dirty="0" smtClean="0">
+                  <a:rPr lang="zh-CN" altLang="en-US" sz="2800" dirty="0">
                     <a:latin typeface="华文新魏" panose="02010800040101010101" pitchFamily="2" charset="-122"/>
                     <a:ea typeface="华文新魏" panose="02010800040101010101" pitchFamily="2" charset="-122"/>
                   </a:rPr>
                   <a:t>的子集，记作   </a:t>
                 </a:r>
-                <a:endParaRPr lang="en-US" altLang="zh-CN" sz="2800" dirty="0" smtClean="0">
+                <a:endParaRPr lang="en-US" altLang="zh-CN" sz="2800" dirty="0">
                   <a:latin typeface="华文新魏" panose="02010800040101010101" pitchFamily="2" charset="-122"/>
                   <a:ea typeface="华文新魏" panose="02010800040101010101" pitchFamily="2" charset="-122"/>
                 </a:endParaRPr>
@@ -31722,14 +31654,14 @@
                   <a:buNone/>
                 </a:pPr>
                 <a:r>
-                  <a:rPr lang="zh-CN" altLang="en-US" sz="2800" dirty="0" smtClean="0">
+                  <a:rPr lang="zh-CN" altLang="en-US" sz="2800" dirty="0">
                     <a:latin typeface="华文新魏" panose="02010800040101010101" pitchFamily="2" charset="-122"/>
                     <a:ea typeface="华文新魏" panose="02010800040101010101" pitchFamily="2" charset="-122"/>
                   </a:rPr>
                   <a:t>前者读作</a:t>
                 </a:r>
                 <a:r>
-                  <a:rPr lang="zh-CN" altLang="en-US" sz="2800" dirty="0" smtClean="0">
+                  <a:rPr lang="zh-CN" altLang="en-US" sz="2800" dirty="0">
                     <a:ea typeface="华文新魏" panose="02010800040101010101" pitchFamily="2" charset="-122"/>
                   </a:rPr>
                   <a:t>“</a:t>
@@ -31746,7 +31678,7 @@
                   </m:oMath>
                 </a14:m>
                 <a:r>
-                  <a:rPr lang="zh-CN" altLang="en-US" sz="2800" dirty="0" smtClean="0">
+                  <a:rPr lang="zh-CN" altLang="en-US" sz="2800" dirty="0">
                     <a:latin typeface="华文新魏" panose="02010800040101010101" pitchFamily="2" charset="-122"/>
                     <a:ea typeface="华文新魏" panose="02010800040101010101" pitchFamily="2" charset="-122"/>
                   </a:rPr>
@@ -31764,27 +31696,27 @@
                   </m:oMath>
                 </a14:m>
                 <a:r>
-                  <a:rPr lang="zh-CN" altLang="en-US" sz="2800" dirty="0" smtClean="0">
+                  <a:rPr lang="zh-CN" altLang="en-US" sz="2800" dirty="0">
                     <a:latin typeface="华文新魏" panose="02010800040101010101" pitchFamily="2" charset="-122"/>
                     <a:ea typeface="华文新魏" panose="02010800040101010101" pitchFamily="2" charset="-122"/>
                   </a:rPr>
                   <a:t>中</a:t>
                 </a:r>
                 <a:r>
-                  <a:rPr lang="zh-CN" altLang="en-US" sz="2800" dirty="0" smtClean="0">
+                  <a:rPr lang="zh-CN" altLang="en-US" sz="2800" dirty="0">
                     <a:ea typeface="华文新魏" panose="02010800040101010101" pitchFamily="2" charset="-122"/>
                   </a:rPr>
                   <a:t>”</a:t>
                 </a:r>
                 <a:r>
-                  <a:rPr lang="zh-CN" altLang="en-US" sz="2800" dirty="0" smtClean="0">
+                  <a:rPr lang="zh-CN" altLang="en-US" sz="2800" dirty="0">
                     <a:latin typeface="华文新魏" panose="02010800040101010101" pitchFamily="2" charset="-122"/>
                     <a:ea typeface="华文新魏" panose="02010800040101010101" pitchFamily="2" charset="-122"/>
                   </a:rPr>
                   <a:t>，后者读着</a:t>
                 </a:r>
                 <a:r>
-                  <a:rPr lang="zh-CN" altLang="en-US" sz="2800" dirty="0" smtClean="0">
+                  <a:rPr lang="zh-CN" altLang="en-US" sz="2800" dirty="0">
                     <a:ea typeface="华文新魏" panose="02010800040101010101" pitchFamily="2" charset="-122"/>
                   </a:rPr>
                   <a:t>“</a:t>
@@ -31801,7 +31733,7 @@
                   </m:oMath>
                 </a14:m>
                 <a:r>
-                  <a:rPr lang="zh-CN" altLang="en-US" sz="2800" dirty="0" smtClean="0">
+                  <a:rPr lang="zh-CN" altLang="en-US" sz="2800" dirty="0">
                     <a:latin typeface="华文新魏" panose="02010800040101010101" pitchFamily="2" charset="-122"/>
                     <a:ea typeface="华文新魏" panose="02010800040101010101" pitchFamily="2" charset="-122"/>
                   </a:rPr>
@@ -31819,13 +31751,13 @@
                   </m:oMath>
                 </a14:m>
                 <a:r>
-                  <a:rPr lang="en-US" altLang="zh-CN" sz="2800" dirty="0" smtClean="0">
+                  <a:rPr lang="en-US" altLang="zh-CN" sz="2800" dirty="0">
                     <a:ea typeface="华文新魏" panose="02010800040101010101" pitchFamily="2" charset="-122"/>
                   </a:rPr>
                   <a:t>”</a:t>
                 </a:r>
                 <a:r>
-                  <a:rPr lang="zh-CN" altLang="en-US" sz="2800" dirty="0" smtClean="0">
+                  <a:rPr lang="zh-CN" altLang="en-US" sz="2800" dirty="0">
                     <a:latin typeface="华文新魏" panose="02010800040101010101" pitchFamily="2" charset="-122"/>
                     <a:ea typeface="华文新魏" panose="02010800040101010101" pitchFamily="2" charset="-122"/>
                   </a:rPr>
@@ -31843,7 +31775,7 @@
                   </m:oMath>
                 </a14:m>
                 <a:r>
-                  <a:rPr lang="zh-CN" altLang="en-US" sz="2800" dirty="0" smtClean="0">
+                  <a:rPr lang="zh-CN" altLang="en-US" sz="2800" dirty="0">
                     <a:latin typeface="华文新魏" panose="02010800040101010101" pitchFamily="2" charset="-122"/>
                     <a:ea typeface="华文新魏" panose="02010800040101010101" pitchFamily="2" charset="-122"/>
                   </a:rPr>
@@ -31861,7 +31793,7 @@
                   </m:oMath>
                 </a14:m>
                 <a:r>
-                  <a:rPr lang="zh-CN" altLang="en-US" sz="2800" dirty="0" smtClean="0">
+                  <a:rPr lang="zh-CN" altLang="en-US" sz="2800" dirty="0">
                     <a:latin typeface="华文新魏" panose="02010800040101010101" pitchFamily="2" charset="-122"/>
                     <a:ea typeface="华文新魏" panose="02010800040101010101" pitchFamily="2" charset="-122"/>
                   </a:rPr>
@@ -31879,7 +31811,7 @@
                   </m:oMath>
                 </a14:m>
                 <a:r>
-                  <a:rPr lang="zh-CN" altLang="en-US" sz="2800" dirty="0" smtClean="0">
+                  <a:rPr lang="zh-CN" altLang="en-US" sz="2800" dirty="0">
                     <a:latin typeface="华文新魏" panose="02010800040101010101" pitchFamily="2" charset="-122"/>
                     <a:ea typeface="华文新魏" panose="02010800040101010101" pitchFamily="2" charset="-122"/>
                   </a:rPr>
@@ -31895,7 +31827,7 @@
                   <a:buNone/>
                 </a:pPr>
                 <a:r>
-                  <a:rPr lang="zh-CN" altLang="en-US" sz="2800" dirty="0" smtClean="0">
+                  <a:rPr lang="zh-CN" altLang="en-US" sz="2800" dirty="0">
                     <a:latin typeface="华文新魏" panose="02010800040101010101" pitchFamily="2" charset="-122"/>
                     <a:ea typeface="华文新魏" panose="02010800040101010101" pitchFamily="2" charset="-122"/>
                   </a:rPr>
@@ -31913,7 +31845,7 @@
                   </m:oMath>
                 </a14:m>
                 <a:r>
-                  <a:rPr lang="zh-CN" altLang="en-US" sz="2800" dirty="0" smtClean="0">
+                  <a:rPr lang="zh-CN" altLang="en-US" sz="2800" dirty="0">
                     <a:latin typeface="华文新魏" panose="02010800040101010101" pitchFamily="2" charset="-122"/>
                     <a:ea typeface="华文新魏" panose="02010800040101010101" pitchFamily="2" charset="-122"/>
                   </a:rPr>
@@ -31931,7 +31863,7 @@
                   </m:oMath>
                 </a14:m>
                 <a:r>
-                  <a:rPr lang="zh-CN" altLang="en-US" sz="2800" dirty="0" smtClean="0">
+                  <a:rPr lang="zh-CN" altLang="en-US" sz="2800" dirty="0">
                     <a:latin typeface="华文新魏" panose="02010800040101010101" pitchFamily="2" charset="-122"/>
                     <a:ea typeface="华文新魏" panose="02010800040101010101" pitchFamily="2" charset="-122"/>
                   </a:rPr>
@@ -31949,7 +31881,7 @@
                   </m:oMath>
                 </a14:m>
                 <a:r>
-                  <a:rPr lang="zh-CN" altLang="en-US" sz="2800" dirty="0" smtClean="0">
+                  <a:rPr lang="zh-CN" altLang="en-US" sz="2800" dirty="0">
                     <a:latin typeface="华文新魏" panose="02010800040101010101" pitchFamily="2" charset="-122"/>
                     <a:ea typeface="华文新魏" panose="02010800040101010101" pitchFamily="2" charset="-122"/>
                   </a:rPr>
@@ -31967,7 +31899,7 @@
                   </m:oMath>
                 </a14:m>
                 <a:r>
-                  <a:rPr lang="zh-CN" altLang="en-US" sz="2800" dirty="0" smtClean="0">
+                  <a:rPr lang="zh-CN" altLang="en-US" sz="2800" dirty="0">
                     <a:latin typeface="华文新魏" panose="02010800040101010101" pitchFamily="2" charset="-122"/>
                     <a:ea typeface="华文新魏" panose="02010800040101010101" pitchFamily="2" charset="-122"/>
                   </a:rPr>
@@ -31999,7 +31931,7 @@
                   </m:oMath>
                 </a14:m>
                 <a:r>
-                  <a:rPr lang="zh-CN" altLang="en-US" sz="2800" dirty="0" smtClean="0">
+                  <a:rPr lang="zh-CN" altLang="en-US" sz="2800" dirty="0">
                     <a:latin typeface="华文新魏" panose="02010800040101010101" pitchFamily="2" charset="-122"/>
                     <a:ea typeface="华文新魏" panose="02010800040101010101" pitchFamily="2" charset="-122"/>
                   </a:rPr>
@@ -32015,7 +31947,7 @@
                   <a:buNone/>
                 </a:pPr>
                 <a:r>
-                  <a:rPr lang="zh-CN" altLang="en-US" sz="2800" dirty="0" smtClean="0">
+                  <a:rPr lang="zh-CN" altLang="en-US" sz="2800" dirty="0">
                     <a:latin typeface="华文新魏" panose="02010800040101010101" pitchFamily="2" charset="-122"/>
                     <a:ea typeface="华文新魏" panose="02010800040101010101" pitchFamily="2" charset="-122"/>
                   </a:rPr>
@@ -32033,7 +31965,7 @@
                   </m:oMath>
                 </a14:m>
                 <a:r>
-                  <a:rPr lang="zh-CN" altLang="en-US" sz="2800" dirty="0" smtClean="0">
+                  <a:rPr lang="zh-CN" altLang="en-US" sz="2800" dirty="0">
                     <a:latin typeface="华文新魏" panose="02010800040101010101" pitchFamily="2" charset="-122"/>
                     <a:ea typeface="华文新魏" panose="02010800040101010101" pitchFamily="2" charset="-122"/>
                   </a:rPr>
@@ -32051,7 +31983,7 @@
                   </m:oMath>
                 </a14:m>
                 <a:r>
-                  <a:rPr lang="zh-CN" altLang="en-US" sz="2800" dirty="0" smtClean="0">
+                  <a:rPr lang="zh-CN" altLang="en-US" sz="2800" dirty="0">
                     <a:latin typeface="华文新魏" panose="02010800040101010101" pitchFamily="2" charset="-122"/>
                     <a:ea typeface="华文新魏" panose="02010800040101010101" pitchFamily="2" charset="-122"/>
                   </a:rPr>
@@ -32069,7 +32001,7 @@
                   </m:oMath>
                 </a14:m>
                 <a:r>
-                  <a:rPr lang="zh-CN" altLang="en-US" sz="2800" dirty="0" smtClean="0">
+                  <a:rPr lang="zh-CN" altLang="en-US" sz="2800" dirty="0">
                     <a:latin typeface="华文新魏" panose="02010800040101010101" pitchFamily="2" charset="-122"/>
                     <a:ea typeface="华文新魏" panose="02010800040101010101" pitchFamily="2" charset="-122"/>
                   </a:rPr>
@@ -32087,7 +32019,7 @@
                   </m:oMath>
                 </a14:m>
                 <a:r>
-                  <a:rPr lang="zh-CN" altLang="en-US" sz="2800" dirty="0" smtClean="0">
+                  <a:rPr lang="zh-CN" altLang="en-US" sz="2800" dirty="0">
                     <a:latin typeface="华文新魏" panose="02010800040101010101" pitchFamily="2" charset="-122"/>
                     <a:ea typeface="华文新魏" panose="02010800040101010101" pitchFamily="2" charset="-122"/>
                   </a:rPr>
@@ -32105,7 +32037,7 @@
                   </m:oMath>
                 </a14:m>
                 <a:r>
-                  <a:rPr lang="zh-CN" altLang="en-US" sz="2800" dirty="0" smtClean="0">
+                  <a:rPr lang="zh-CN" altLang="en-US" sz="2800" dirty="0">
                     <a:latin typeface="华文新魏" panose="02010800040101010101" pitchFamily="2" charset="-122"/>
                     <a:ea typeface="华文新魏" panose="02010800040101010101" pitchFamily="2" charset="-122"/>
                   </a:rPr>
@@ -32123,7 +32055,7 @@
                   </m:oMath>
                 </a14:m>
                 <a:r>
-                  <a:rPr lang="zh-CN" altLang="en-US" sz="2800" dirty="0" smtClean="0">
+                  <a:rPr lang="zh-CN" altLang="en-US" sz="2800" dirty="0">
                     <a:latin typeface="华文新魏" panose="02010800040101010101" pitchFamily="2" charset="-122"/>
                     <a:ea typeface="华文新魏" panose="02010800040101010101" pitchFamily="2" charset="-122"/>
                   </a:rPr>
@@ -32155,7 +32087,7 @@
                   </m:oMath>
                 </a14:m>
                 <a:r>
-                  <a:rPr lang="zh-CN" altLang="en-US" sz="2800" dirty="0" smtClean="0">
+                  <a:rPr lang="zh-CN" altLang="en-US" sz="2800" dirty="0">
                     <a:latin typeface="华文新魏" panose="02010800040101010101" pitchFamily="2" charset="-122"/>
                     <a:ea typeface="华文新魏" panose="02010800040101010101" pitchFamily="2" charset="-122"/>
                   </a:rPr>
@@ -32225,7 +32157,7 @@
           <a:graphicData uri="http://schemas.openxmlformats.org/presentationml/2006/ole">
             <mc:AlternateContent xmlns:mc="http://schemas.openxmlformats.org/markup-compatibility/2006">
               <mc:Choice xmlns:v="urn:schemas-microsoft-com:vml" Requires="v">
-                <p:oleObj spid="_x0000_s10287" name="公式" r:id="rId4" imgW="1352562" imgH="143072" progId="Equation.3">
+                <p:oleObj name="公式" r:id="rId4" imgW="1352562" imgH="143072" progId="Equation.3">
                   <p:embed/>
                 </p:oleObj>
               </mc:Choice>
@@ -32324,7 +32256,7 @@
           <a:graphicData uri="http://schemas.openxmlformats.org/presentationml/2006/ole">
             <mc:AlternateContent xmlns:mc="http://schemas.openxmlformats.org/markup-compatibility/2006">
               <mc:Choice xmlns:v="urn:schemas-microsoft-com:vml" Requires="v">
-                <p:oleObj spid="_x0000_s10288" name="Equation" r:id="rId6" imgW="752432" imgH="143072" progId="Equation.3">
+                <p:oleObj name="Equation" r:id="rId6" imgW="752432" imgH="143072" progId="Equation.3">
                   <p:embed/>
                 </p:oleObj>
               </mc:Choice>
@@ -32423,7 +32355,7 @@
           <a:graphicData uri="http://schemas.openxmlformats.org/presentationml/2006/ole">
             <mc:AlternateContent xmlns:mc="http://schemas.openxmlformats.org/markup-compatibility/2006">
               <mc:Choice xmlns:v="urn:schemas-microsoft-com:vml" Requires="v">
-                <p:oleObj spid="_x0000_s10289" name="Equation" r:id="rId8" imgW="965200" imgH="190500" progId="Equation.DSMT4">
+                <p:oleObj name="Equation" r:id="rId8" imgW="965200" imgH="190500" progId="Equation.DSMT4">
                   <p:embed/>
                 </p:oleObj>
               </mc:Choice>
@@ -32500,13 +32432,6 @@
   <p:clrMapOvr>
     <a:masterClrMapping/>
   </p:clrMapOvr>
-  <p:timing>
-    <p:tnLst>
-      <p:par>
-        <p:cTn id="1" dur="indefinite" restart="never" nodeType="tmRoot"/>
-      </p:par>
-    </p:tnLst>
-  </p:timing>
 </p:sld>
 </file>
 
@@ -32551,7 +32476,7 @@
               <a:defRPr/>
             </a:pPr>
             <a:r>
-              <a:rPr lang="zh-CN" altLang="en-US" smtClean="0">
+              <a:rPr lang="zh-CN" altLang="en-US">
                 <a:ea typeface="黑体" pitchFamily="2" charset="-122"/>
               </a:rPr>
               <a:t>集合及其运算</a:t>
@@ -32586,7 +32511,7 @@
                     <a:spcPct val="90000"/>
                   </a:lnSpc>
                 </a:pPr>
-                <a:endParaRPr lang="en-US" altLang="zh-CN" sz="2800" dirty="0" smtClean="0">
+                <a:endParaRPr lang="en-US" altLang="zh-CN" sz="2800" dirty="0">
                   <a:latin typeface="华文中宋" panose="02010600040101010101" pitchFamily="2" charset="-122"/>
                   <a:ea typeface="华文中宋" panose="02010600040101010101" pitchFamily="2" charset="-122"/>
                 </a:endParaRPr>
@@ -32600,26 +32525,26 @@
                   <a:buNone/>
                 </a:pPr>
                 <a:r>
-                  <a:rPr lang="en-US" altLang="zh-CN" sz="2800" dirty="0" smtClean="0">
+                  <a:rPr lang="en-US" altLang="zh-CN" sz="2800" dirty="0">
                     <a:latin typeface="华文中宋" panose="02010600040101010101" pitchFamily="2" charset="-122"/>
                     <a:ea typeface="华文中宋" panose="02010600040101010101" pitchFamily="2" charset="-122"/>
                   </a:rPr>
                   <a:t>2</a:t>
                 </a:r>
                 <a:r>
-                  <a:rPr lang="zh-CN" altLang="en-US" sz="2800" dirty="0" smtClean="0">
+                  <a:rPr lang="zh-CN" altLang="en-US" sz="2800" dirty="0">
                     <a:latin typeface="华文中宋" panose="02010600040101010101" pitchFamily="2" charset="-122"/>
                     <a:ea typeface="华文中宋" panose="02010600040101010101" pitchFamily="2" charset="-122"/>
                   </a:rPr>
                   <a:t>．交运算</a:t>
                 </a:r>
                 <a:br>
-                  <a:rPr lang="zh-CN" altLang="en-US" sz="2800" dirty="0" smtClean="0">
+                  <a:rPr lang="zh-CN" altLang="en-US" sz="2800" dirty="0">
                     <a:latin typeface="华文中宋" panose="02010600040101010101" pitchFamily="2" charset="-122"/>
                     <a:ea typeface="华文中宋" panose="02010600040101010101" pitchFamily="2" charset="-122"/>
                   </a:rPr>
                 </a:br>
-                <a:endParaRPr lang="zh-CN" altLang="en-US" sz="2800" dirty="0" smtClean="0">
+                <a:endParaRPr lang="zh-CN" altLang="en-US" sz="2800" dirty="0">
                   <a:latin typeface="华文中宋" panose="02010600040101010101" pitchFamily="2" charset="-122"/>
                   <a:ea typeface="华文中宋" panose="02010600040101010101" pitchFamily="2" charset="-122"/>
                 </a:endParaRPr>
@@ -32633,14 +32558,14 @@
                   <a:buNone/>
                 </a:pPr>
                 <a:r>
-                  <a:rPr lang="zh-CN" altLang="en-US" sz="2400" dirty="0" smtClean="0">
+                  <a:rPr lang="zh-CN" altLang="en-US" sz="2400" dirty="0">
                     <a:latin typeface="华文新魏" panose="02010800040101010101" pitchFamily="2" charset="-122"/>
                     <a:ea typeface="华文新魏" panose="02010800040101010101" pitchFamily="2" charset="-122"/>
                   </a:rPr>
                   <a:t>     </a:t>
                 </a:r>
                 <a:r>
-                  <a:rPr lang="zh-CN" altLang="en-US" sz="2800" dirty="0" smtClean="0">
+                  <a:rPr lang="zh-CN" altLang="en-US" sz="2800" dirty="0">
                     <a:latin typeface="华文新魏" panose="02010800040101010101" pitchFamily="2" charset="-122"/>
                     <a:ea typeface="华文新魏" panose="02010800040101010101" pitchFamily="2" charset="-122"/>
                   </a:rPr>
@@ -32658,7 +32583,7 @@
                   </m:oMath>
                 </a14:m>
                 <a:r>
-                  <a:rPr lang="zh-CN" altLang="en-US" sz="2800" dirty="0" smtClean="0">
+                  <a:rPr lang="zh-CN" altLang="en-US" sz="2800" dirty="0">
                     <a:latin typeface="华文新魏" panose="02010800040101010101" pitchFamily="2" charset="-122"/>
                     <a:ea typeface="华文新魏" panose="02010800040101010101" pitchFamily="2" charset="-122"/>
                   </a:rPr>
@@ -32676,7 +32601,7 @@
                   </m:oMath>
                 </a14:m>
                 <a:r>
-                  <a:rPr lang="zh-CN" altLang="en-US" sz="2800" dirty="0" smtClean="0">
+                  <a:rPr lang="zh-CN" altLang="en-US" sz="2800" dirty="0">
                     <a:latin typeface="华文新魏" panose="02010800040101010101" pitchFamily="2" charset="-122"/>
                     <a:ea typeface="华文新魏" panose="02010800040101010101" pitchFamily="2" charset="-122"/>
                   </a:rPr>
@@ -32694,7 +32619,7 @@
                   </m:oMath>
                 </a14:m>
                 <a:r>
-                  <a:rPr lang="zh-CN" altLang="en-US" sz="2800" dirty="0" smtClean="0">
+                  <a:rPr lang="zh-CN" altLang="en-US" sz="2800" dirty="0">
                     <a:latin typeface="华文新魏" panose="02010800040101010101" pitchFamily="2" charset="-122"/>
                     <a:ea typeface="华文新魏" panose="02010800040101010101" pitchFamily="2" charset="-122"/>
                   </a:rPr>
@@ -32712,7 +32637,7 @@
                   </m:oMath>
                 </a14:m>
                 <a:r>
-                  <a:rPr lang="zh-CN" altLang="en-US" sz="2800" dirty="0" smtClean="0">
+                  <a:rPr lang="zh-CN" altLang="en-US" sz="2800" dirty="0">
                     <a:latin typeface="华文新魏" panose="02010800040101010101" pitchFamily="2" charset="-122"/>
                     <a:ea typeface="华文新魏" panose="02010800040101010101" pitchFamily="2" charset="-122"/>
                   </a:rPr>
@@ -32744,7 +32669,7 @@
                   </m:oMath>
                 </a14:m>
                 <a:r>
-                  <a:rPr lang="zh-CN" altLang="en-US" sz="2800" dirty="0" smtClean="0">
+                  <a:rPr lang="zh-CN" altLang="en-US" sz="2800" dirty="0">
                     <a:latin typeface="华文新魏" panose="02010800040101010101" pitchFamily="2" charset="-122"/>
                     <a:ea typeface="华文新魏" panose="02010800040101010101" pitchFamily="2" charset="-122"/>
                   </a:rPr>
@@ -32759,7 +32684,7 @@
                   <a:buNone/>
                 </a:pPr>
                 <a:r>
-                  <a:rPr lang="zh-CN" altLang="en-US" sz="2800" dirty="0" smtClean="0">
+                  <a:rPr lang="zh-CN" altLang="en-US" sz="2800" dirty="0">
                     <a:latin typeface="华文新魏" panose="02010800040101010101" pitchFamily="2" charset="-122"/>
                     <a:ea typeface="华文新魏" panose="02010800040101010101" pitchFamily="2" charset="-122"/>
                   </a:rPr>
@@ -32801,35 +32726,35 @@
                   </m:oMath>
                 </a14:m>
                 <a:r>
-                  <a:rPr lang="zh-CN" altLang="en-US" sz="2800" dirty="0" smtClean="0">
+                  <a:rPr lang="zh-CN" altLang="en-US" sz="2800" dirty="0">
                     <a:latin typeface="华文新魏" panose="02010800040101010101" pitchFamily="2" charset="-122"/>
                     <a:ea typeface="华文新魏" panose="02010800040101010101" pitchFamily="2" charset="-122"/>
                   </a:rPr>
                   <a:t> ，则称</a:t>
                 </a:r>
                 <a:r>
-                  <a:rPr lang="en-US" altLang="zh-CN" sz="2800" dirty="0" smtClean="0">
+                  <a:rPr lang="en-US" altLang="zh-CN" sz="2800" dirty="0">
                     <a:latin typeface="华文新魏" panose="02010800040101010101" pitchFamily="2" charset="-122"/>
                     <a:ea typeface="华文新魏" panose="02010800040101010101" pitchFamily="2" charset="-122"/>
                   </a:rPr>
                   <a:t>A</a:t>
                 </a:r>
                 <a:r>
-                  <a:rPr lang="zh-CN" altLang="en-US" sz="2800" dirty="0" smtClean="0">
+                  <a:rPr lang="zh-CN" altLang="en-US" sz="2800" dirty="0">
                     <a:latin typeface="华文新魏" panose="02010800040101010101" pitchFamily="2" charset="-122"/>
                     <a:ea typeface="华文新魏" panose="02010800040101010101" pitchFamily="2" charset="-122"/>
                   </a:rPr>
                   <a:t>与</a:t>
                 </a:r>
                 <a:r>
-                  <a:rPr lang="en-US" altLang="zh-CN" sz="2800" dirty="0" smtClean="0">
+                  <a:rPr lang="en-US" altLang="zh-CN" sz="2800" dirty="0">
                     <a:latin typeface="华文新魏" panose="02010800040101010101" pitchFamily="2" charset="-122"/>
                     <a:ea typeface="华文新魏" panose="02010800040101010101" pitchFamily="2" charset="-122"/>
                   </a:rPr>
                   <a:t>B</a:t>
                 </a:r>
                 <a:r>
-                  <a:rPr lang="zh-CN" altLang="en-US" sz="2800" dirty="0" smtClean="0">
+                  <a:rPr lang="zh-CN" altLang="en-US" sz="2800" dirty="0">
                     <a:latin typeface="华文新魏" panose="02010800040101010101" pitchFamily="2" charset="-122"/>
                     <a:ea typeface="华文新魏" panose="02010800040101010101" pitchFamily="2" charset="-122"/>
                   </a:rPr>
@@ -32875,7 +32800,7 @@
                   </m:oMath>
                 </a14:m>
                 <a:r>
-                  <a:rPr lang="zh-CN" altLang="en-US" sz="2800" dirty="0" smtClean="0">
+                  <a:rPr lang="zh-CN" altLang="en-US" sz="2800" dirty="0">
                     <a:latin typeface="华文新魏" panose="02010800040101010101" pitchFamily="2" charset="-122"/>
                     <a:ea typeface="华文新魏" panose="02010800040101010101" pitchFamily="2" charset="-122"/>
                   </a:rPr>
@@ -32907,7 +32832,7 @@
                   </m:oMath>
                 </a14:m>
                 <a:r>
-                  <a:rPr lang="zh-CN" altLang="en-US" sz="2800" dirty="0" smtClean="0">
+                  <a:rPr lang="zh-CN" altLang="en-US" sz="2800" dirty="0">
                     <a:latin typeface="华文新魏" panose="02010800040101010101" pitchFamily="2" charset="-122"/>
                     <a:ea typeface="华文新魏" panose="02010800040101010101" pitchFamily="2" charset="-122"/>
                   </a:rPr>
@@ -32939,7 +32864,7 @@
                   </m:oMath>
                 </a14:m>
                 <a:r>
-                  <a:rPr lang="zh-CN" altLang="en-US" sz="2800" dirty="0" smtClean="0">
+                  <a:rPr lang="zh-CN" altLang="en-US" sz="2800" dirty="0">
                     <a:latin typeface="华文新魏" panose="02010800040101010101" pitchFamily="2" charset="-122"/>
                     <a:ea typeface="华文新魏" panose="02010800040101010101" pitchFamily="2" charset="-122"/>
                   </a:rPr>
@@ -32955,7 +32880,7 @@
                   <a:buNone/>
                 </a:pPr>
                 <a:r>
-                  <a:rPr lang="zh-CN" altLang="en-US" sz="2800" dirty="0" smtClean="0">
+                  <a:rPr lang="zh-CN" altLang="en-US" sz="2800" dirty="0">
                     <a:latin typeface="华文新魏" panose="02010800040101010101" pitchFamily="2" charset="-122"/>
                     <a:ea typeface="华文新魏" panose="02010800040101010101" pitchFamily="2" charset="-122"/>
                   </a:rPr>
@@ -33050,7 +32975,7 @@
                   </m:oMath>
                 </a14:m>
                 <a:r>
-                  <a:rPr lang="zh-CN" altLang="en-US" sz="2800" dirty="0" smtClean="0">
+                  <a:rPr lang="zh-CN" altLang="en-US" sz="2800" dirty="0">
                     <a:latin typeface="华文新魏" panose="02010800040101010101" pitchFamily="2" charset="-122"/>
                     <a:ea typeface="华文新魏" panose="02010800040101010101" pitchFamily="2" charset="-122"/>
                   </a:rPr>
@@ -33066,14 +32991,14 @@
                   <a:buNone/>
                 </a:pPr>
                 <a:r>
-                  <a:rPr lang="zh-CN" altLang="en-US" sz="2800" dirty="0" smtClean="0">
+                  <a:rPr lang="zh-CN" altLang="en-US" sz="2800" dirty="0">
                     <a:latin typeface="华文新魏" panose="02010800040101010101" pitchFamily="2" charset="-122"/>
                     <a:ea typeface="华文新魏" panose="02010800040101010101" pitchFamily="2" charset="-122"/>
                   </a:rPr>
                   <a:t>    即 </a:t>
                 </a:r>
                 <a:r>
-                  <a:rPr lang="zh-CN" altLang="en-US" sz="2800" dirty="0" smtClean="0">
+                  <a:rPr lang="zh-CN" altLang="en-US" sz="2800" dirty="0">
                     <a:latin typeface="华文中宋" panose="02010600040101010101" pitchFamily="2" charset="-122"/>
                     <a:ea typeface="华文中宋" panose="02010600040101010101" pitchFamily="2" charset="-122"/>
                   </a:rPr>
@@ -33088,7 +33013,7 @@
                   <a:buFont typeface="Wingdings" panose="05000000000000000000" pitchFamily="2" charset="2"/>
                   <a:buNone/>
                 </a:pPr>
-                <a:endParaRPr lang="en-US" altLang="zh-CN" sz="2800" dirty="0" smtClean="0">
+                <a:endParaRPr lang="en-US" altLang="zh-CN" sz="2800" dirty="0">
                   <a:latin typeface="华文中宋" panose="02010600040101010101" pitchFamily="2" charset="-122"/>
                   <a:ea typeface="华文中宋" panose="02010600040101010101" pitchFamily="2" charset="-122"/>
                 </a:endParaRPr>
@@ -33150,7 +33075,7 @@
           <a:graphicData uri="http://schemas.openxmlformats.org/presentationml/2006/ole">
             <mc:AlternateContent xmlns:mc="http://schemas.openxmlformats.org/markup-compatibility/2006">
               <mc:Choice xmlns:v="urn:schemas-microsoft-com:vml" Requires="v">
-                <p:oleObj spid="_x0000_s11301" name="Equation" r:id="rId4" imgW="1871807" imgH="219141" progId="Equation.3">
+                <p:oleObj name="Equation" r:id="rId4" imgW="1871807" imgH="219141" progId="Equation.3">
                   <p:embed/>
                 </p:oleObj>
               </mc:Choice>
@@ -33825,7 +33750,7 @@
               <a:defRPr/>
             </a:pPr>
             <a:r>
-              <a:rPr lang="zh-CN" altLang="en-US" smtClean="0">
+              <a:rPr lang="zh-CN" altLang="en-US">
                 <a:ea typeface="黑体" pitchFamily="2" charset="-122"/>
               </a:rPr>
               <a:t>集合及其运算</a:t>
@@ -33855,26 +33780,26 @@
                   <a:buNone/>
                 </a:pPr>
                 <a:r>
-                  <a:rPr lang="en-US" altLang="zh-CN" dirty="0" smtClean="0">
+                  <a:rPr lang="en-US" altLang="zh-CN" dirty="0">
                     <a:latin typeface="华文中宋" panose="02010600040101010101" pitchFamily="2" charset="-122"/>
                     <a:ea typeface="华文中宋" panose="02010600040101010101" pitchFamily="2" charset="-122"/>
                   </a:rPr>
                   <a:t>3.</a:t>
                 </a:r>
                 <a:r>
-                  <a:rPr lang="zh-CN" altLang="en-US" dirty="0" smtClean="0">
+                  <a:rPr lang="zh-CN" altLang="en-US" dirty="0">
                     <a:latin typeface="华文中宋" panose="02010600040101010101" pitchFamily="2" charset="-122"/>
                     <a:ea typeface="华文中宋" panose="02010600040101010101" pitchFamily="2" charset="-122"/>
                   </a:rPr>
                   <a:t>并运算</a:t>
                 </a:r>
                 <a:br>
-                  <a:rPr lang="zh-CN" altLang="en-US" dirty="0" smtClean="0">
+                  <a:rPr lang="zh-CN" altLang="en-US" dirty="0">
                     <a:latin typeface="华文中宋" panose="02010600040101010101" pitchFamily="2" charset="-122"/>
                     <a:ea typeface="华文中宋" panose="02010600040101010101" pitchFamily="2" charset="-122"/>
                   </a:rPr>
                 </a:br>
-                <a:endParaRPr lang="zh-CN" altLang="en-US" dirty="0" smtClean="0">
+                <a:endParaRPr lang="zh-CN" altLang="en-US" dirty="0">
                   <a:latin typeface="华文中宋" panose="02010600040101010101" pitchFamily="2" charset="-122"/>
                   <a:ea typeface="华文中宋" panose="02010600040101010101" pitchFamily="2" charset="-122"/>
                 </a:endParaRPr>
@@ -33884,91 +33809,91 @@
                   <a:buNone/>
                 </a:pPr>
                 <a:r>
-                  <a:rPr lang="zh-CN" altLang="en-US" sz="2800" dirty="0" smtClean="0">
+                  <a:rPr lang="zh-CN" altLang="en-US" sz="2800" dirty="0">
                     <a:latin typeface="华文新魏" panose="02010800040101010101" pitchFamily="2" charset="-122"/>
                     <a:ea typeface="华文新魏" panose="02010800040101010101" pitchFamily="2" charset="-122"/>
                   </a:rPr>
                   <a:t>            假设</a:t>
                 </a:r>
                 <a:r>
-                  <a:rPr lang="en-US" altLang="zh-CN" sz="2800" dirty="0" smtClean="0">
+                  <a:rPr lang="en-US" altLang="zh-CN" sz="2800" dirty="0">
                     <a:latin typeface="华文新魏" panose="02010800040101010101" pitchFamily="2" charset="-122"/>
                     <a:ea typeface="华文新魏" panose="02010800040101010101" pitchFamily="2" charset="-122"/>
                   </a:rPr>
                   <a:t>A</a:t>
                 </a:r>
                 <a:r>
-                  <a:rPr lang="zh-CN" altLang="en-US" sz="2800" dirty="0" smtClean="0">
+                  <a:rPr lang="zh-CN" altLang="en-US" sz="2800" dirty="0">
                     <a:latin typeface="华文新魏" panose="02010800040101010101" pitchFamily="2" charset="-122"/>
                     <a:ea typeface="华文新魏" panose="02010800040101010101" pitchFamily="2" charset="-122"/>
                   </a:rPr>
                   <a:t>，</a:t>
                 </a:r>
                 <a:r>
-                  <a:rPr lang="en-US" altLang="zh-CN" sz="2800" dirty="0" smtClean="0">
+                  <a:rPr lang="en-US" altLang="zh-CN" sz="2800" dirty="0">
                     <a:latin typeface="华文新魏" panose="02010800040101010101" pitchFamily="2" charset="-122"/>
                     <a:ea typeface="华文新魏" panose="02010800040101010101" pitchFamily="2" charset="-122"/>
                   </a:rPr>
                   <a:t>B</a:t>
                 </a:r>
                 <a:r>
-                  <a:rPr lang="zh-CN" altLang="en-US" sz="2800" dirty="0" smtClean="0">
+                  <a:rPr lang="zh-CN" altLang="en-US" sz="2800" dirty="0">
                     <a:latin typeface="华文新魏" panose="02010800040101010101" pitchFamily="2" charset="-122"/>
                     <a:ea typeface="华文新魏" panose="02010800040101010101" pitchFamily="2" charset="-122"/>
                   </a:rPr>
                   <a:t>是两个集合，所谓</a:t>
                 </a:r>
                 <a:r>
-                  <a:rPr lang="en-US" altLang="zh-CN" sz="2800" dirty="0" smtClean="0">
+                  <a:rPr lang="en-US" altLang="zh-CN" sz="2800" dirty="0">
                     <a:latin typeface="华文新魏" panose="02010800040101010101" pitchFamily="2" charset="-122"/>
                     <a:ea typeface="华文新魏" panose="02010800040101010101" pitchFamily="2" charset="-122"/>
                   </a:rPr>
                   <a:t>A</a:t>
                 </a:r>
                 <a:r>
-                  <a:rPr lang="zh-CN" altLang="en-US" sz="2800" dirty="0" smtClean="0">
+                  <a:rPr lang="zh-CN" altLang="en-US" sz="2800" dirty="0">
                     <a:latin typeface="华文新魏" panose="02010800040101010101" pitchFamily="2" charset="-122"/>
                     <a:ea typeface="华文新魏" panose="02010800040101010101" pitchFamily="2" charset="-122"/>
                   </a:rPr>
                   <a:t>与</a:t>
                 </a:r>
                 <a:r>
-                  <a:rPr lang="en-US" altLang="zh-CN" sz="2800" dirty="0" smtClean="0">
+                  <a:rPr lang="en-US" altLang="zh-CN" sz="2800" dirty="0">
                     <a:latin typeface="华文新魏" panose="02010800040101010101" pitchFamily="2" charset="-122"/>
                     <a:ea typeface="华文新魏" panose="02010800040101010101" pitchFamily="2" charset="-122"/>
                   </a:rPr>
                   <a:t>B</a:t>
                 </a:r>
                 <a:r>
-                  <a:rPr lang="zh-CN" altLang="en-US" sz="2800" dirty="0" smtClean="0">
+                  <a:rPr lang="zh-CN" altLang="en-US" sz="2800" dirty="0">
                     <a:latin typeface="华文新魏" panose="02010800040101010101" pitchFamily="2" charset="-122"/>
                     <a:ea typeface="华文新魏" panose="02010800040101010101" pitchFamily="2" charset="-122"/>
                   </a:rPr>
                   <a:t>的并集（或和集），指的是由</a:t>
                 </a:r>
                 <a:r>
-                  <a:rPr lang="en-US" altLang="zh-CN" sz="2800" dirty="0" smtClean="0">
+                  <a:rPr lang="en-US" altLang="zh-CN" sz="2800" dirty="0">
                     <a:latin typeface="华文新魏" panose="02010800040101010101" pitchFamily="2" charset="-122"/>
                     <a:ea typeface="华文新魏" panose="02010800040101010101" pitchFamily="2" charset="-122"/>
                   </a:rPr>
                   <a:t>A</a:t>
                 </a:r>
                 <a:r>
-                  <a:rPr lang="zh-CN" altLang="en-US" sz="2800" dirty="0" smtClean="0">
+                  <a:rPr lang="zh-CN" altLang="en-US" sz="2800" dirty="0">
                     <a:latin typeface="华文新魏" panose="02010800040101010101" pitchFamily="2" charset="-122"/>
                     <a:ea typeface="华文新魏" panose="02010800040101010101" pitchFamily="2" charset="-122"/>
                   </a:rPr>
                   <a:t>与</a:t>
                 </a:r>
                 <a:r>
-                  <a:rPr lang="en-US" altLang="zh-CN" sz="2800" dirty="0" smtClean="0">
+                  <a:rPr lang="en-US" altLang="zh-CN" sz="2800" dirty="0">
                     <a:latin typeface="华文新魏" panose="02010800040101010101" pitchFamily="2" charset="-122"/>
                     <a:ea typeface="华文新魏" panose="02010800040101010101" pitchFamily="2" charset="-122"/>
                   </a:rPr>
                   <a:t>B</a:t>
                 </a:r>
                 <a:r>
-                  <a:rPr lang="zh-CN" altLang="en-US" sz="2800" dirty="0" smtClean="0">
+                  <a:rPr lang="zh-CN" altLang="en-US" sz="2800" dirty="0">
                     <a:latin typeface="华文新魏" panose="02010800040101010101" pitchFamily="2" charset="-122"/>
                     <a:ea typeface="华文新魏" panose="02010800040101010101" pitchFamily="2" charset="-122"/>
                   </a:rPr>
@@ -34000,26 +33925,26 @@
                   </m:oMath>
                 </a14:m>
                 <a:r>
-                  <a:rPr lang="zh-CN" altLang="en-US" sz="2800" dirty="0" smtClean="0">
+                  <a:rPr lang="zh-CN" altLang="en-US" sz="2800" dirty="0">
                     <a:latin typeface="华文新魏" panose="02010800040101010101" pitchFamily="2" charset="-122"/>
                     <a:ea typeface="华文新魏" panose="02010800040101010101" pitchFamily="2" charset="-122"/>
                   </a:rPr>
                   <a:t> ，换句话说 ，</a:t>
                 </a:r>
                 <a:r>
-                  <a:rPr lang="zh-CN" altLang="en-US" dirty="0" smtClean="0">
+                  <a:rPr lang="zh-CN" altLang="en-US" dirty="0">
                     <a:latin typeface="华文中宋" panose="02010600040101010101" pitchFamily="2" charset="-122"/>
                     <a:ea typeface="华文中宋" panose="02010600040101010101" pitchFamily="2" charset="-122"/>
                   </a:rPr>
                   <a:t> </a:t>
                 </a:r>
                 <a:br>
-                  <a:rPr lang="zh-CN" altLang="en-US" dirty="0" smtClean="0">
+                  <a:rPr lang="zh-CN" altLang="en-US" dirty="0">
                     <a:latin typeface="华文中宋" panose="02010600040101010101" pitchFamily="2" charset="-122"/>
                     <a:ea typeface="华文中宋" panose="02010600040101010101" pitchFamily="2" charset="-122"/>
                   </a:rPr>
                 </a:br>
-                <a:endParaRPr lang="zh-CN" altLang="en-US" dirty="0" smtClean="0">
+                <a:endParaRPr lang="zh-CN" altLang="en-US" dirty="0">
                   <a:latin typeface="华文中宋" panose="02010600040101010101" pitchFamily="2" charset="-122"/>
                   <a:ea typeface="华文中宋" panose="02010600040101010101" pitchFamily="2" charset="-122"/>
                 </a:endParaRPr>
@@ -34030,14 +33955,14 @@
                   <a:buNone/>
                 </a:pPr>
                 <a:r>
-                  <a:rPr lang="zh-CN" altLang="en-US" sz="2800" dirty="0" smtClean="0">
+                  <a:rPr lang="zh-CN" altLang="en-US" sz="2800" dirty="0">
                     <a:latin typeface="华文新魏" panose="02010800040101010101" pitchFamily="2" charset="-122"/>
                     <a:ea typeface="华文新魏" panose="02010800040101010101" pitchFamily="2" charset="-122"/>
                   </a:rPr>
                   <a:t>     对于一簇集合            ，可类似定义其并集，即</a:t>
                 </a:r>
                 <a:r>
-                  <a:rPr lang="zh-CN" altLang="en-US" dirty="0" smtClean="0">
+                  <a:rPr lang="zh-CN" altLang="en-US" dirty="0">
                     <a:latin typeface="华文中宋" panose="02010600040101010101" pitchFamily="2" charset="-122"/>
                     <a:ea typeface="华文中宋" panose="02010600040101010101" pitchFamily="2" charset="-122"/>
                   </a:rPr>
@@ -34103,7 +34028,7 @@
           <a:graphicData uri="http://schemas.openxmlformats.org/presentationml/2006/ole">
             <mc:AlternateContent xmlns:mc="http://schemas.openxmlformats.org/markup-compatibility/2006">
               <mc:Choice xmlns:v="urn:schemas-microsoft-com:vml" Requires="v">
-                <p:oleObj spid="_x0000_s12332" name="Equation" r:id="rId4" imgW="1695438" imgH="143072" progId="Equation.3">
+                <p:oleObj name="Equation" r:id="rId4" imgW="1695438" imgH="143072" progId="Equation.3">
                   <p:embed/>
                 </p:oleObj>
               </mc:Choice>
@@ -34202,7 +34127,7 @@
           <a:graphicData uri="http://schemas.openxmlformats.org/presentationml/2006/ole">
             <mc:AlternateContent xmlns:mc="http://schemas.openxmlformats.org/markup-compatibility/2006">
               <mc:Choice xmlns:v="urn:schemas-microsoft-com:vml" Requires="v">
-                <p:oleObj spid="_x0000_s12333" name="Equation" r:id="rId6" imgW="409557" imgH="157261" progId="Equation.3">
+                <p:oleObj name="Equation" r:id="rId6" imgW="409557" imgH="157261" progId="Equation.3">
                   <p:embed/>
                 </p:oleObj>
               </mc:Choice>
@@ -34295,7 +34220,7 @@
           <a:graphicData uri="http://schemas.openxmlformats.org/presentationml/2006/ole">
             <mc:AlternateContent xmlns:mc="http://schemas.openxmlformats.org/markup-compatibility/2006">
               <mc:Choice xmlns:v="urn:schemas-microsoft-com:vml" Requires="v">
-                <p:oleObj spid="_x0000_s12334" name="Equation" r:id="rId8" imgW="1605083" imgH="219141" progId="Equation.DSMT4">
+                <p:oleObj name="Equation" r:id="rId8" imgW="1605083" imgH="219141" progId="Equation.DSMT4">
                   <p:embed/>
                 </p:oleObj>
               </mc:Choice>
@@ -34377,13 +34302,6 @@
   <p:clrMapOvr>
     <a:masterClrMapping/>
   </p:clrMapOvr>
-  <p:timing>
-    <p:tnLst>
-      <p:par>
-        <p:cTn id="1" dur="indefinite" restart="never" nodeType="tmRoot"/>
-      </p:par>
-    </p:tnLst>
-  </p:timing>
 </p:sld>
 </file>
 
@@ -34756,12 +34674,12 @@
           <a:graphicData uri="http://schemas.openxmlformats.org/presentationml/2006/ole">
             <mc:AlternateContent xmlns:mc="http://schemas.openxmlformats.org/markup-compatibility/2006">
               <mc:Choice xmlns:v="urn:schemas-microsoft-com:vml" Requires="v">
-                <p:oleObj spid="_x0000_s13355" name="Equation" r:id="rId3" imgW="2209800" imgH="228600" progId="Equation.3">
+                <p:oleObj name="Equation" r:id="rId2" imgW="2209800" imgH="228600" progId="Equation.3">
                   <p:embed/>
                 </p:oleObj>
               </mc:Choice>
               <mc:Fallback>
-                <p:oleObj name="Equation" r:id="rId3" imgW="2209800" imgH="228600" progId="Equation.3">
+                <p:oleObj name="Equation" r:id="rId2" imgW="2209800" imgH="228600" progId="Equation.3">
                   <p:embed/>
                   <p:pic>
                     <p:nvPicPr>
@@ -34772,7 +34690,7 @@
                       <p:nvPr/>
                     </p:nvPicPr>
                     <p:blipFill>
-                      <a:blip r:embed="rId4">
+                      <a:blip r:embed="rId3">
                         <a:extLst>
                           <a:ext uri="{28A0092B-C50C-407E-A947-70E740481C1C}">
                             <a14:useLocalDpi xmlns:a14="http://schemas.microsoft.com/office/drawing/2010/main" val="0"/>
@@ -34846,12 +34764,12 @@
           <a:graphicData uri="http://schemas.openxmlformats.org/presentationml/2006/ole">
             <mc:AlternateContent xmlns:mc="http://schemas.openxmlformats.org/markup-compatibility/2006">
               <mc:Choice xmlns:v="urn:schemas-microsoft-com:vml" Requires="v">
-                <p:oleObj spid="_x0000_s13356" name="公式" r:id="rId5" imgW="1016000" imgH="368300" progId="Equation.3">
+                <p:oleObj name="公式" r:id="rId4" imgW="1016000" imgH="368300" progId="Equation.3">
                   <p:embed/>
                 </p:oleObj>
               </mc:Choice>
               <mc:Fallback>
-                <p:oleObj name="公式" r:id="rId5" imgW="1016000" imgH="368300" progId="Equation.3">
+                <p:oleObj name="公式" r:id="rId4" imgW="1016000" imgH="368300" progId="Equation.3">
                   <p:embed/>
                   <p:pic>
                     <p:nvPicPr>
@@ -34862,7 +34780,7 @@
                       <p:nvPr/>
                     </p:nvPicPr>
                     <p:blipFill>
-                      <a:blip r:embed="rId6">
+                      <a:blip r:embed="rId5">
                         <a:extLst>
                           <a:ext uri="{28A0092B-C50C-407E-A947-70E740481C1C}">
                             <a14:useLocalDpi xmlns:a14="http://schemas.microsoft.com/office/drawing/2010/main" val="0"/>
@@ -34934,12 +34852,12 @@
           <a:graphicData uri="http://schemas.openxmlformats.org/presentationml/2006/ole">
             <mc:AlternateContent xmlns:mc="http://schemas.openxmlformats.org/markup-compatibility/2006">
               <mc:Choice xmlns:v="urn:schemas-microsoft-com:vml" Requires="v">
-                <p:oleObj spid="_x0000_s13357" name="公式" r:id="rId7" imgW="863225" imgH="368140" progId="Equation.3">
+                <p:oleObj name="公式" r:id="rId6" imgW="863225" imgH="368140" progId="Equation.3">
                   <p:embed/>
                 </p:oleObj>
               </mc:Choice>
               <mc:Fallback>
-                <p:oleObj name="公式" r:id="rId7" imgW="863225" imgH="368140" progId="Equation.3">
+                <p:oleObj name="公式" r:id="rId6" imgW="863225" imgH="368140" progId="Equation.3">
                   <p:embed/>
                   <p:pic>
                     <p:nvPicPr>
@@ -34950,7 +34868,7 @@
                       <p:nvPr/>
                     </p:nvPicPr>
                     <p:blipFill>
-                      <a:blip r:embed="rId8">
+                      <a:blip r:embed="rId7">
                         <a:extLst>
                           <a:ext uri="{28A0092B-C50C-407E-A947-70E740481C1C}">
                             <a14:useLocalDpi xmlns:a14="http://schemas.microsoft.com/office/drawing/2010/main" val="0"/>
